--- a/Analysis and Reccomendation Presentation.pptx
+++ b/Analysis and Reccomendation Presentation.pptx
@@ -5,22 +5,23 @@
     <p:sldMasterId id="2147483648" r:id="rId1"/>
   </p:sldMasterIdLst>
   <p:notesMasterIdLst>
-    <p:notesMasterId r:id="rId12"/>
+    <p:notesMasterId r:id="rId13"/>
   </p:notesMasterIdLst>
   <p:handoutMasterIdLst>
-    <p:handoutMasterId r:id="rId13"/>
+    <p:handoutMasterId r:id="rId14"/>
   </p:handoutMasterIdLst>
   <p:sldIdLst>
     <p:sldId id="256" r:id="rId2"/>
     <p:sldId id="257" r:id="rId3"/>
-    <p:sldId id="262" r:id="rId4"/>
-    <p:sldId id="268" r:id="rId5"/>
-    <p:sldId id="267" r:id="rId6"/>
-    <p:sldId id="260" r:id="rId7"/>
-    <p:sldId id="258" r:id="rId8"/>
-    <p:sldId id="259" r:id="rId9"/>
-    <p:sldId id="263" r:id="rId10"/>
-    <p:sldId id="265" r:id="rId11"/>
+    <p:sldId id="273" r:id="rId4"/>
+    <p:sldId id="271" r:id="rId5"/>
+    <p:sldId id="268" r:id="rId6"/>
+    <p:sldId id="267" r:id="rId7"/>
+    <p:sldId id="260" r:id="rId8"/>
+    <p:sldId id="269" r:id="rId9"/>
+    <p:sldId id="258" r:id="rId10"/>
+    <p:sldId id="259" r:id="rId11"/>
+    <p:sldId id="263" r:id="rId12"/>
   </p:sldIdLst>
   <p:sldSz cx="12192000" cy="6858000"/>
   <p:notesSz cx="6858000" cy="9144000"/>
@@ -156,7 +157,7 @@
           <c:order val="0"/>
           <c:tx>
             <c:strRef>
-              <c:f>Sheet1!$B$1</c:f>
+              <c:f>'Data and Analysis Slide '!$B$1</c:f>
               <c:strCache>
                 <c:ptCount val="1"/>
                 <c:pt idx="0">
@@ -236,7 +237,7 @@
           </c:dLbls>
           <c:cat>
             <c:strRef>
-              <c:f>Sheet1!$A$2:$A$5</c:f>
+              <c:f>'Data and Analysis Slide '!$A$2:$A$5</c:f>
               <c:strCache>
                 <c:ptCount val="4"/>
                 <c:pt idx="0">
@@ -256,7 +257,7 @@
           </c:cat>
           <c:val>
             <c:numRef>
-              <c:f>Sheet1!$B$2:$B$5</c:f>
+              <c:f>'Data and Analysis Slide '!$B$2:$B$5</c:f>
               <c:numCache>
                 <c:formatCode>General</c:formatCode>
                 <c:ptCount val="4"/>
@@ -286,7 +287,7 @@
           <c:order val="1"/>
           <c:tx>
             <c:strRef>
-              <c:f>Sheet1!$C$1</c:f>
+              <c:f>'Data and Analysis Slide '!$C$1</c:f>
               <c:strCache>
                 <c:ptCount val="1"/>
                 <c:pt idx="0">
@@ -364,7 +365,7 @@
           </c:dLbls>
           <c:cat>
             <c:strRef>
-              <c:f>Sheet1!$A$2:$A$5</c:f>
+              <c:f>'Data and Analysis Slide '!$A$2:$A$5</c:f>
               <c:strCache>
                 <c:ptCount val="4"/>
                 <c:pt idx="0">
@@ -384,7 +385,7 @@
           </c:cat>
           <c:val>
             <c:numRef>
-              <c:f>Sheet1!$C$2:$C$5</c:f>
+              <c:f>'Data and Analysis Slide '!$C$2:$C$5</c:f>
               <c:numCache>
                 <c:formatCode>General</c:formatCode>
                 <c:ptCount val="4"/>
@@ -414,7 +415,7 @@
           <c:order val="2"/>
           <c:tx>
             <c:strRef>
-              <c:f>Sheet1!$D$1</c:f>
+              <c:f>'Data and Analysis Slide '!$D$1</c:f>
               <c:strCache>
                 <c:ptCount val="1"/>
                 <c:pt idx="0">
@@ -494,7 +495,7 @@
           </c:dLbls>
           <c:cat>
             <c:strRef>
-              <c:f>Sheet1!$A$2:$A$5</c:f>
+              <c:f>'Data and Analysis Slide '!$A$2:$A$5</c:f>
               <c:strCache>
                 <c:ptCount val="4"/>
                 <c:pt idx="0">
@@ -514,7 +515,7 @@
           </c:cat>
           <c:val>
             <c:numRef>
-              <c:f>Sheet1!$D$2:$D$5</c:f>
+              <c:f>'Data and Analysis Slide '!$D$2:$D$5</c:f>
               <c:numCache>
                 <c:formatCode>General</c:formatCode>
                 <c:ptCount val="4"/>
@@ -684,13 +685,1013 @@
 </c:chartSpace>
 </file>
 
+<file path=ppt/charts/chart2.xml><?xml version="1.0" encoding="utf-8"?>
+<c:chartSpace xmlns:c="http://schemas.openxmlformats.org/drawingml/2006/chart" xmlns:a="http://schemas.openxmlformats.org/drawingml/2006/main" xmlns:r="http://schemas.openxmlformats.org/officeDocument/2006/relationships" xmlns:c16r2="http://schemas.microsoft.com/office/drawing/2015/06/chart">
+  <c:date1904 val="0"/>
+  <c:lang val="en-US"/>
+  <c:roundedCorners val="0"/>
+  <mc:AlternateContent xmlns:mc="http://schemas.openxmlformats.org/markup-compatibility/2006">
+    <mc:Choice xmlns:c14="http://schemas.microsoft.com/office/drawing/2007/8/2/chart" Requires="c14">
+      <c14:style val="102"/>
+    </mc:Choice>
+    <mc:Fallback>
+      <c:style val="2"/>
+    </mc:Fallback>
+  </mc:AlternateContent>
+  <c:chart>
+    <c:title>
+      <c:overlay val="0"/>
+      <c:spPr>
+        <a:noFill/>
+        <a:ln>
+          <a:noFill/>
+        </a:ln>
+        <a:effectLst/>
+      </c:spPr>
+      <c:txPr>
+        <a:bodyPr rot="0" spcFirstLastPara="1" vertOverflow="ellipsis" vert="horz" wrap="square" anchor="ctr" anchorCtr="1"/>
+        <a:lstStyle/>
+        <a:p>
+          <a:pPr>
+            <a:defRPr sz="1862" b="0" i="0" u="none" strike="noStrike" kern="1200" spc="0" baseline="0">
+              <a:solidFill>
+                <a:schemeClr val="tx1">
+                  <a:lumMod val="65000"/>
+                  <a:lumOff val="35000"/>
+                </a:schemeClr>
+              </a:solidFill>
+              <a:latin typeface="+mn-lt"/>
+              <a:ea typeface="+mn-ea"/>
+              <a:cs typeface="+mn-cs"/>
+            </a:defRPr>
+          </a:pPr>
+          <a:endParaRPr lang="en-US"/>
+        </a:p>
+      </c:txPr>
+    </c:title>
+    <c:autoTitleDeleted val="0"/>
+    <c:plotArea>
+      <c:layout/>
+      <c:barChart>
+        <c:barDir val="col"/>
+        <c:grouping val="clustered"/>
+        <c:varyColors val="0"/>
+        <c:ser>
+          <c:idx val="0"/>
+          <c:order val="0"/>
+          <c:tx>
+            <c:strRef>
+              <c:f>Sheet1!$B$1</c:f>
+              <c:strCache>
+                <c:ptCount val="1"/>
+                <c:pt idx="0">
+                  <c:v>Series 1</c:v>
+                </c:pt>
+              </c:strCache>
+            </c:strRef>
+          </c:tx>
+          <c:spPr>
+            <a:solidFill>
+              <a:schemeClr val="accent1"/>
+            </a:solidFill>
+            <a:ln>
+              <a:noFill/>
+            </a:ln>
+            <a:effectLst/>
+          </c:spPr>
+          <c:invertIfNegative val="0"/>
+          <c:cat>
+            <c:strRef>
+              <c:f>Sheet1!$A$2:$A$5</c:f>
+              <c:strCache>
+                <c:ptCount val="4"/>
+                <c:pt idx="0">
+                  <c:v>Category 1</c:v>
+                </c:pt>
+                <c:pt idx="1">
+                  <c:v>Category 2</c:v>
+                </c:pt>
+                <c:pt idx="2">
+                  <c:v>Category 3</c:v>
+                </c:pt>
+                <c:pt idx="3">
+                  <c:v>Category 4</c:v>
+                </c:pt>
+              </c:strCache>
+            </c:strRef>
+          </c:cat>
+          <c:val>
+            <c:numRef>
+              <c:f>Sheet1!$B$2:$B$5</c:f>
+              <c:numCache>
+                <c:formatCode>General</c:formatCode>
+                <c:ptCount val="4"/>
+                <c:pt idx="0">
+                  <c:v>4.3</c:v>
+                </c:pt>
+                <c:pt idx="1">
+                  <c:v>2.5</c:v>
+                </c:pt>
+                <c:pt idx="2">
+                  <c:v>3.5</c:v>
+                </c:pt>
+                <c:pt idx="3">
+                  <c:v>4.5</c:v>
+                </c:pt>
+              </c:numCache>
+            </c:numRef>
+          </c:val>
+          <c:extLst>
+            <c:ext xmlns:c16="http://schemas.microsoft.com/office/drawing/2014/chart" uri="{C3380CC4-5D6E-409C-BE32-E72D297353CC}">
+              <c16:uniqueId val="{00000000-82F9-3947-B6D1-82FCF1F5C73A}"/>
+            </c:ext>
+          </c:extLst>
+        </c:ser>
+        <c:ser>
+          <c:idx val="1"/>
+          <c:order val="1"/>
+          <c:tx>
+            <c:strRef>
+              <c:f>Sheet1!$C$1</c:f>
+              <c:strCache>
+                <c:ptCount val="1"/>
+                <c:pt idx="0">
+                  <c:v>Series 2</c:v>
+                </c:pt>
+              </c:strCache>
+            </c:strRef>
+          </c:tx>
+          <c:spPr>
+            <a:solidFill>
+              <a:schemeClr val="accent2"/>
+            </a:solidFill>
+            <a:ln>
+              <a:noFill/>
+            </a:ln>
+            <a:effectLst/>
+          </c:spPr>
+          <c:invertIfNegative val="0"/>
+          <c:cat>
+            <c:strRef>
+              <c:f>Sheet1!$A$2:$A$5</c:f>
+              <c:strCache>
+                <c:ptCount val="4"/>
+                <c:pt idx="0">
+                  <c:v>Category 1</c:v>
+                </c:pt>
+                <c:pt idx="1">
+                  <c:v>Category 2</c:v>
+                </c:pt>
+                <c:pt idx="2">
+                  <c:v>Category 3</c:v>
+                </c:pt>
+                <c:pt idx="3">
+                  <c:v>Category 4</c:v>
+                </c:pt>
+              </c:strCache>
+            </c:strRef>
+          </c:cat>
+          <c:val>
+            <c:numRef>
+              <c:f>Sheet1!$C$2:$C$5</c:f>
+              <c:numCache>
+                <c:formatCode>General</c:formatCode>
+                <c:ptCount val="4"/>
+                <c:pt idx="0">
+                  <c:v>2.4</c:v>
+                </c:pt>
+                <c:pt idx="1">
+                  <c:v>4.4000000000000004</c:v>
+                </c:pt>
+                <c:pt idx="2">
+                  <c:v>1.8</c:v>
+                </c:pt>
+                <c:pt idx="3">
+                  <c:v>2.8</c:v>
+                </c:pt>
+              </c:numCache>
+            </c:numRef>
+          </c:val>
+          <c:extLst>
+            <c:ext xmlns:c16="http://schemas.microsoft.com/office/drawing/2014/chart" uri="{C3380CC4-5D6E-409C-BE32-E72D297353CC}">
+              <c16:uniqueId val="{00000001-82F9-3947-B6D1-82FCF1F5C73A}"/>
+            </c:ext>
+          </c:extLst>
+        </c:ser>
+        <c:ser>
+          <c:idx val="2"/>
+          <c:order val="2"/>
+          <c:tx>
+            <c:strRef>
+              <c:f>Sheet1!$D$1</c:f>
+              <c:strCache>
+                <c:ptCount val="1"/>
+                <c:pt idx="0">
+                  <c:v>Series 3</c:v>
+                </c:pt>
+              </c:strCache>
+            </c:strRef>
+          </c:tx>
+          <c:spPr>
+            <a:solidFill>
+              <a:schemeClr val="accent3"/>
+            </a:solidFill>
+            <a:ln>
+              <a:noFill/>
+            </a:ln>
+            <a:effectLst/>
+          </c:spPr>
+          <c:invertIfNegative val="0"/>
+          <c:cat>
+            <c:strRef>
+              <c:f>Sheet1!$A$2:$A$5</c:f>
+              <c:strCache>
+                <c:ptCount val="4"/>
+                <c:pt idx="0">
+                  <c:v>Category 1</c:v>
+                </c:pt>
+                <c:pt idx="1">
+                  <c:v>Category 2</c:v>
+                </c:pt>
+                <c:pt idx="2">
+                  <c:v>Category 3</c:v>
+                </c:pt>
+                <c:pt idx="3">
+                  <c:v>Category 4</c:v>
+                </c:pt>
+              </c:strCache>
+            </c:strRef>
+          </c:cat>
+          <c:val>
+            <c:numRef>
+              <c:f>Sheet1!$D$2:$D$5</c:f>
+              <c:numCache>
+                <c:formatCode>General</c:formatCode>
+                <c:ptCount val="4"/>
+                <c:pt idx="0">
+                  <c:v>2</c:v>
+                </c:pt>
+                <c:pt idx="1">
+                  <c:v>2</c:v>
+                </c:pt>
+                <c:pt idx="2">
+                  <c:v>3</c:v>
+                </c:pt>
+                <c:pt idx="3">
+                  <c:v>5</c:v>
+                </c:pt>
+              </c:numCache>
+            </c:numRef>
+          </c:val>
+          <c:extLst>
+            <c:ext xmlns:c16="http://schemas.microsoft.com/office/drawing/2014/chart" uri="{C3380CC4-5D6E-409C-BE32-E72D297353CC}">
+              <c16:uniqueId val="{00000002-82F9-3947-B6D1-82FCF1F5C73A}"/>
+            </c:ext>
+          </c:extLst>
+        </c:ser>
+        <c:dLbls>
+          <c:showLegendKey val="0"/>
+          <c:showVal val="0"/>
+          <c:showCatName val="0"/>
+          <c:showSerName val="0"/>
+          <c:showPercent val="0"/>
+          <c:showBubbleSize val="0"/>
+        </c:dLbls>
+        <c:gapWidth val="219"/>
+        <c:overlap val="-27"/>
+        <c:axId val="881033679"/>
+        <c:axId val="881848607"/>
+      </c:barChart>
+      <c:catAx>
+        <c:axId val="881033679"/>
+        <c:scaling>
+          <c:orientation val="minMax"/>
+        </c:scaling>
+        <c:delete val="0"/>
+        <c:axPos val="b"/>
+        <c:numFmt formatCode="General" sourceLinked="1"/>
+        <c:majorTickMark val="none"/>
+        <c:minorTickMark val="none"/>
+        <c:tickLblPos val="nextTo"/>
+        <c:spPr>
+          <a:noFill/>
+          <a:ln w="9525" cap="flat" cmpd="sng" algn="ctr">
+            <a:solidFill>
+              <a:schemeClr val="tx1">
+                <a:lumMod val="15000"/>
+                <a:lumOff val="85000"/>
+              </a:schemeClr>
+            </a:solidFill>
+            <a:round/>
+          </a:ln>
+          <a:effectLst/>
+        </c:spPr>
+        <c:txPr>
+          <a:bodyPr rot="-60000000" spcFirstLastPara="1" vertOverflow="ellipsis" vert="horz" wrap="square" anchor="ctr" anchorCtr="1"/>
+          <a:lstStyle/>
+          <a:p>
+            <a:pPr>
+              <a:defRPr sz="1197" b="0" i="0" u="none" strike="noStrike" kern="1200" baseline="0">
+                <a:solidFill>
+                  <a:schemeClr val="tx1">
+                    <a:lumMod val="65000"/>
+                    <a:lumOff val="35000"/>
+                  </a:schemeClr>
+                </a:solidFill>
+                <a:latin typeface="+mn-lt"/>
+                <a:ea typeface="+mn-ea"/>
+                <a:cs typeface="+mn-cs"/>
+              </a:defRPr>
+            </a:pPr>
+            <a:endParaRPr lang="en-US"/>
+          </a:p>
+        </c:txPr>
+        <c:crossAx val="881848607"/>
+        <c:crosses val="autoZero"/>
+        <c:auto val="1"/>
+        <c:lblAlgn val="ctr"/>
+        <c:lblOffset val="100"/>
+        <c:noMultiLvlLbl val="0"/>
+      </c:catAx>
+      <c:valAx>
+        <c:axId val="881848607"/>
+        <c:scaling>
+          <c:orientation val="minMax"/>
+        </c:scaling>
+        <c:delete val="0"/>
+        <c:axPos val="l"/>
+        <c:majorGridlines>
+          <c:spPr>
+            <a:ln w="9525" cap="flat" cmpd="sng" algn="ctr">
+              <a:solidFill>
+                <a:schemeClr val="tx1">
+                  <a:lumMod val="15000"/>
+                  <a:lumOff val="85000"/>
+                </a:schemeClr>
+              </a:solidFill>
+              <a:round/>
+            </a:ln>
+            <a:effectLst/>
+          </c:spPr>
+        </c:majorGridlines>
+        <c:numFmt formatCode="General" sourceLinked="1"/>
+        <c:majorTickMark val="none"/>
+        <c:minorTickMark val="none"/>
+        <c:tickLblPos val="nextTo"/>
+        <c:spPr>
+          <a:noFill/>
+          <a:ln>
+            <a:noFill/>
+          </a:ln>
+          <a:effectLst/>
+        </c:spPr>
+        <c:txPr>
+          <a:bodyPr rot="-60000000" spcFirstLastPara="1" vertOverflow="ellipsis" vert="horz" wrap="square" anchor="ctr" anchorCtr="1"/>
+          <a:lstStyle/>
+          <a:p>
+            <a:pPr>
+              <a:defRPr sz="1197" b="0" i="0" u="none" strike="noStrike" kern="1200" baseline="0">
+                <a:solidFill>
+                  <a:schemeClr val="tx1">
+                    <a:lumMod val="65000"/>
+                    <a:lumOff val="35000"/>
+                  </a:schemeClr>
+                </a:solidFill>
+                <a:latin typeface="+mn-lt"/>
+                <a:ea typeface="+mn-ea"/>
+                <a:cs typeface="+mn-cs"/>
+              </a:defRPr>
+            </a:pPr>
+            <a:endParaRPr lang="en-US"/>
+          </a:p>
+        </c:txPr>
+        <c:crossAx val="881033679"/>
+        <c:crosses val="autoZero"/>
+        <c:crossBetween val="between"/>
+      </c:valAx>
+      <c:spPr>
+        <a:noFill/>
+        <a:ln>
+          <a:noFill/>
+        </a:ln>
+        <a:effectLst/>
+      </c:spPr>
+    </c:plotArea>
+    <c:legend>
+      <c:legendPos val="b"/>
+      <c:overlay val="0"/>
+      <c:spPr>
+        <a:noFill/>
+        <a:ln>
+          <a:noFill/>
+        </a:ln>
+        <a:effectLst/>
+      </c:spPr>
+      <c:txPr>
+        <a:bodyPr rot="0" spcFirstLastPara="1" vertOverflow="ellipsis" vert="horz" wrap="square" anchor="ctr" anchorCtr="1"/>
+        <a:lstStyle/>
+        <a:p>
+          <a:pPr>
+            <a:defRPr sz="1197" b="0" i="0" u="none" strike="noStrike" kern="1200" baseline="0">
+              <a:solidFill>
+                <a:schemeClr val="tx1">
+                  <a:lumMod val="65000"/>
+                  <a:lumOff val="35000"/>
+                </a:schemeClr>
+              </a:solidFill>
+              <a:latin typeface="+mn-lt"/>
+              <a:ea typeface="+mn-ea"/>
+              <a:cs typeface="+mn-cs"/>
+            </a:defRPr>
+          </a:pPr>
+          <a:endParaRPr lang="en-US"/>
+        </a:p>
+      </c:txPr>
+    </c:legend>
+    <c:plotVisOnly val="1"/>
+    <c:dispBlanksAs val="gap"/>
+    <c:extLst>
+      <c:ext xmlns:c16r3="http://schemas.microsoft.com/office/drawing/2017/03/chart" uri="{56B9EC1D-385E-4148-901F-78D8002777C0}">
+        <c16r3:dataDisplayOptions16>
+          <c16r3:dispNaAsBlank val="1"/>
+        </c16r3:dataDisplayOptions16>
+      </c:ext>
+    </c:extLst>
+    <c:showDLblsOverMax val="0"/>
+  </c:chart>
+  <c:spPr>
+    <a:noFill/>
+    <a:ln>
+      <a:noFill/>
+    </a:ln>
+    <a:effectLst/>
+  </c:spPr>
+  <c:txPr>
+    <a:bodyPr/>
+    <a:lstStyle/>
+    <a:p>
+      <a:pPr>
+        <a:defRPr/>
+      </a:pPr>
+      <a:endParaRPr lang="en-US"/>
+    </a:p>
+  </c:txPr>
+  <c:externalData r:id="rId3">
+    <c:autoUpdate val="0"/>
+  </c:externalData>
+</c:chartSpace>
+</file>
+
 <file path=ppt/charts/colors1.xml><?xml version="1.0" encoding="utf-8"?>
 <cs:colorStyle xmlns:cs="http://schemas.microsoft.com/office/drawing/2012/chartStyle" xmlns:a="http://schemas.openxmlformats.org/drawingml/2006/main" meth="withinLinear" id="14">
   <a:schemeClr val="accent1"/>
 </cs:colorStyle>
 </file>
 
+<file path=ppt/charts/colors2.xml><?xml version="1.0" encoding="utf-8"?>
+<cs:colorStyle xmlns:cs="http://schemas.microsoft.com/office/drawing/2012/chartStyle" xmlns:a="http://schemas.openxmlformats.org/drawingml/2006/main" meth="cycle" id="10">
+  <a:schemeClr val="accent1"/>
+  <a:schemeClr val="accent2"/>
+  <a:schemeClr val="accent3"/>
+  <a:schemeClr val="accent4"/>
+  <a:schemeClr val="accent5"/>
+  <a:schemeClr val="accent6"/>
+  <cs:variation/>
+  <cs:variation>
+    <a:lumMod val="60000"/>
+  </cs:variation>
+  <cs:variation>
+    <a:lumMod val="80000"/>
+    <a:lumOff val="20000"/>
+  </cs:variation>
+  <cs:variation>
+    <a:lumMod val="80000"/>
+  </cs:variation>
+  <cs:variation>
+    <a:lumMod val="60000"/>
+    <a:lumOff val="40000"/>
+  </cs:variation>
+  <cs:variation>
+    <a:lumMod val="50000"/>
+  </cs:variation>
+  <cs:variation>
+    <a:lumMod val="70000"/>
+    <a:lumOff val="30000"/>
+  </cs:variation>
+  <cs:variation>
+    <a:lumMod val="70000"/>
+  </cs:variation>
+  <cs:variation>
+    <a:lumMod val="50000"/>
+    <a:lumOff val="50000"/>
+  </cs:variation>
+</cs:colorStyle>
+</file>
+
 <file path=ppt/charts/style1.xml><?xml version="1.0" encoding="utf-8"?>
+<cs:chartStyle xmlns:cs="http://schemas.microsoft.com/office/drawing/2012/chartStyle" xmlns:a="http://schemas.openxmlformats.org/drawingml/2006/main" id="201">
+  <cs:axisTitle>
+    <cs:lnRef idx="0"/>
+    <cs:fillRef idx="0"/>
+    <cs:effectRef idx="0"/>
+    <cs:fontRef idx="minor">
+      <a:schemeClr val="tx1">
+        <a:lumMod val="65000"/>
+        <a:lumOff val="35000"/>
+      </a:schemeClr>
+    </cs:fontRef>
+    <cs:defRPr sz="1330" kern="1200"/>
+  </cs:axisTitle>
+  <cs:categoryAxis>
+    <cs:lnRef idx="0"/>
+    <cs:fillRef idx="0"/>
+    <cs:effectRef idx="0"/>
+    <cs:fontRef idx="minor">
+      <a:schemeClr val="tx1">
+        <a:lumMod val="65000"/>
+        <a:lumOff val="35000"/>
+      </a:schemeClr>
+    </cs:fontRef>
+    <cs:spPr>
+      <a:ln w="9525" cap="flat" cmpd="sng" algn="ctr">
+        <a:solidFill>
+          <a:schemeClr val="tx1">
+            <a:lumMod val="15000"/>
+            <a:lumOff val="85000"/>
+          </a:schemeClr>
+        </a:solidFill>
+        <a:round/>
+      </a:ln>
+    </cs:spPr>
+    <cs:defRPr sz="1197" kern="1200"/>
+  </cs:categoryAxis>
+  <cs:chartArea mods="allowNoFillOverride allowNoLineOverride">
+    <cs:lnRef idx="0"/>
+    <cs:fillRef idx="0"/>
+    <cs:effectRef idx="0"/>
+    <cs:fontRef idx="minor">
+      <a:schemeClr val="tx1"/>
+    </cs:fontRef>
+    <cs:spPr>
+      <a:solidFill>
+        <a:schemeClr val="bg1"/>
+      </a:solidFill>
+      <a:ln w="9525" cap="flat" cmpd="sng" algn="ctr">
+        <a:solidFill>
+          <a:schemeClr val="tx1">
+            <a:lumMod val="15000"/>
+            <a:lumOff val="85000"/>
+          </a:schemeClr>
+        </a:solidFill>
+        <a:round/>
+      </a:ln>
+    </cs:spPr>
+    <cs:defRPr sz="1330" kern="1200"/>
+  </cs:chartArea>
+  <cs:dataLabel>
+    <cs:lnRef idx="0"/>
+    <cs:fillRef idx="0"/>
+    <cs:effectRef idx="0"/>
+    <cs:fontRef idx="minor">
+      <a:schemeClr val="tx1">
+        <a:lumMod val="75000"/>
+        <a:lumOff val="25000"/>
+      </a:schemeClr>
+    </cs:fontRef>
+    <cs:defRPr sz="1197" kern="1200"/>
+  </cs:dataLabel>
+  <cs:dataLabelCallout>
+    <cs:lnRef idx="0"/>
+    <cs:fillRef idx="0"/>
+    <cs:effectRef idx="0"/>
+    <cs:fontRef idx="minor">
+      <a:schemeClr val="dk1">
+        <a:lumMod val="65000"/>
+        <a:lumOff val="35000"/>
+      </a:schemeClr>
+    </cs:fontRef>
+    <cs:spPr>
+      <a:solidFill>
+        <a:schemeClr val="lt1"/>
+      </a:solidFill>
+      <a:ln>
+        <a:solidFill>
+          <a:schemeClr val="dk1">
+            <a:lumMod val="25000"/>
+            <a:lumOff val="75000"/>
+          </a:schemeClr>
+        </a:solidFill>
+      </a:ln>
+    </cs:spPr>
+    <cs:defRPr sz="1197" kern="1200"/>
+    <cs:bodyPr rot="0" spcFirstLastPara="1" vertOverflow="clip" horzOverflow="clip" vert="horz" wrap="square" lIns="36576" tIns="18288" rIns="36576" bIns="18288" anchor="ctr" anchorCtr="1">
+      <a:spAutoFit/>
+    </cs:bodyPr>
+  </cs:dataLabelCallout>
+  <cs:dataPoint>
+    <cs:lnRef idx="0"/>
+    <cs:fillRef idx="1">
+      <cs:styleClr val="auto"/>
+    </cs:fillRef>
+    <cs:effectRef idx="0"/>
+    <cs:fontRef idx="minor">
+      <a:schemeClr val="tx1"/>
+    </cs:fontRef>
+  </cs:dataPoint>
+  <cs:dataPoint3D>
+    <cs:lnRef idx="0"/>
+    <cs:fillRef idx="1">
+      <cs:styleClr val="auto"/>
+    </cs:fillRef>
+    <cs:effectRef idx="0"/>
+    <cs:fontRef idx="minor">
+      <a:schemeClr val="tx1"/>
+    </cs:fontRef>
+  </cs:dataPoint3D>
+  <cs:dataPointLine>
+    <cs:lnRef idx="0">
+      <cs:styleClr val="auto"/>
+    </cs:lnRef>
+    <cs:fillRef idx="1"/>
+    <cs:effectRef idx="0"/>
+    <cs:fontRef idx="minor">
+      <a:schemeClr val="tx1"/>
+    </cs:fontRef>
+    <cs:spPr>
+      <a:ln w="28575" cap="rnd">
+        <a:solidFill>
+          <a:schemeClr val="phClr"/>
+        </a:solidFill>
+        <a:round/>
+      </a:ln>
+    </cs:spPr>
+  </cs:dataPointLine>
+  <cs:dataPointMarker>
+    <cs:lnRef idx="0">
+      <cs:styleClr val="auto"/>
+    </cs:lnRef>
+    <cs:fillRef idx="1">
+      <cs:styleClr val="auto"/>
+    </cs:fillRef>
+    <cs:effectRef idx="0"/>
+    <cs:fontRef idx="minor">
+      <a:schemeClr val="tx1"/>
+    </cs:fontRef>
+    <cs:spPr>
+      <a:ln w="9525">
+        <a:solidFill>
+          <a:schemeClr val="phClr"/>
+        </a:solidFill>
+      </a:ln>
+    </cs:spPr>
+  </cs:dataPointMarker>
+  <cs:dataPointMarkerLayout symbol="circle" size="5"/>
+  <cs:dataPointWireframe>
+    <cs:lnRef idx="0">
+      <cs:styleClr val="auto"/>
+    </cs:lnRef>
+    <cs:fillRef idx="1"/>
+    <cs:effectRef idx="0"/>
+    <cs:fontRef idx="minor">
+      <a:schemeClr val="tx1"/>
+    </cs:fontRef>
+    <cs:spPr>
+      <a:ln w="9525" cap="rnd">
+        <a:solidFill>
+          <a:schemeClr val="phClr"/>
+        </a:solidFill>
+        <a:round/>
+      </a:ln>
+    </cs:spPr>
+  </cs:dataPointWireframe>
+  <cs:dataTable>
+    <cs:lnRef idx="0"/>
+    <cs:fillRef idx="0"/>
+    <cs:effectRef idx="0"/>
+    <cs:fontRef idx="minor">
+      <a:schemeClr val="tx1">
+        <a:lumMod val="65000"/>
+        <a:lumOff val="35000"/>
+      </a:schemeClr>
+    </cs:fontRef>
+    <cs:spPr>
+      <a:noFill/>
+      <a:ln w="9525" cap="flat" cmpd="sng" algn="ctr">
+        <a:solidFill>
+          <a:schemeClr val="tx1">
+            <a:lumMod val="15000"/>
+            <a:lumOff val="85000"/>
+          </a:schemeClr>
+        </a:solidFill>
+        <a:round/>
+      </a:ln>
+    </cs:spPr>
+    <cs:defRPr sz="1197" kern="1200"/>
+  </cs:dataTable>
+  <cs:downBar>
+    <cs:lnRef idx="0"/>
+    <cs:fillRef idx="0"/>
+    <cs:effectRef idx="0"/>
+    <cs:fontRef idx="minor">
+      <a:schemeClr val="dk1"/>
+    </cs:fontRef>
+    <cs:spPr>
+      <a:solidFill>
+        <a:schemeClr val="dk1">
+          <a:lumMod val="65000"/>
+          <a:lumOff val="35000"/>
+        </a:schemeClr>
+      </a:solidFill>
+      <a:ln w="9525">
+        <a:solidFill>
+          <a:schemeClr val="tx1">
+            <a:lumMod val="65000"/>
+            <a:lumOff val="35000"/>
+          </a:schemeClr>
+        </a:solidFill>
+      </a:ln>
+    </cs:spPr>
+  </cs:downBar>
+  <cs:dropLine>
+    <cs:lnRef idx="0"/>
+    <cs:fillRef idx="0"/>
+    <cs:effectRef idx="0"/>
+    <cs:fontRef idx="minor">
+      <a:schemeClr val="tx1"/>
+    </cs:fontRef>
+    <cs:spPr>
+      <a:ln w="9525" cap="flat" cmpd="sng" algn="ctr">
+        <a:solidFill>
+          <a:schemeClr val="tx1">
+            <a:lumMod val="35000"/>
+            <a:lumOff val="65000"/>
+          </a:schemeClr>
+        </a:solidFill>
+        <a:round/>
+      </a:ln>
+    </cs:spPr>
+  </cs:dropLine>
+  <cs:errorBar>
+    <cs:lnRef idx="0"/>
+    <cs:fillRef idx="0"/>
+    <cs:effectRef idx="0"/>
+    <cs:fontRef idx="minor">
+      <a:schemeClr val="tx1"/>
+    </cs:fontRef>
+    <cs:spPr>
+      <a:ln w="9525" cap="flat" cmpd="sng" algn="ctr">
+        <a:solidFill>
+          <a:schemeClr val="tx1">
+            <a:lumMod val="65000"/>
+            <a:lumOff val="35000"/>
+          </a:schemeClr>
+        </a:solidFill>
+        <a:round/>
+      </a:ln>
+    </cs:spPr>
+  </cs:errorBar>
+  <cs:floor>
+    <cs:lnRef idx="0"/>
+    <cs:fillRef idx="0"/>
+    <cs:effectRef idx="0"/>
+    <cs:fontRef idx="minor">
+      <a:schemeClr val="tx1"/>
+    </cs:fontRef>
+    <cs:spPr>
+      <a:noFill/>
+      <a:ln>
+        <a:noFill/>
+      </a:ln>
+    </cs:spPr>
+  </cs:floor>
+  <cs:gridlineMajor>
+    <cs:lnRef idx="0"/>
+    <cs:fillRef idx="0"/>
+    <cs:effectRef idx="0"/>
+    <cs:fontRef idx="minor">
+      <a:schemeClr val="tx1"/>
+    </cs:fontRef>
+    <cs:spPr>
+      <a:ln w="9525" cap="flat" cmpd="sng" algn="ctr">
+        <a:solidFill>
+          <a:schemeClr val="tx1">
+            <a:lumMod val="15000"/>
+            <a:lumOff val="85000"/>
+          </a:schemeClr>
+        </a:solidFill>
+        <a:round/>
+      </a:ln>
+    </cs:spPr>
+  </cs:gridlineMajor>
+  <cs:gridlineMinor>
+    <cs:lnRef idx="0"/>
+    <cs:fillRef idx="0"/>
+    <cs:effectRef idx="0"/>
+    <cs:fontRef idx="minor">
+      <a:schemeClr val="tx1"/>
+    </cs:fontRef>
+    <cs:spPr>
+      <a:ln w="9525" cap="flat" cmpd="sng" algn="ctr">
+        <a:solidFill>
+          <a:schemeClr val="tx1">
+            <a:lumMod val="5000"/>
+            <a:lumOff val="95000"/>
+          </a:schemeClr>
+        </a:solidFill>
+        <a:round/>
+      </a:ln>
+    </cs:spPr>
+  </cs:gridlineMinor>
+  <cs:hiLoLine>
+    <cs:lnRef idx="0"/>
+    <cs:fillRef idx="0"/>
+    <cs:effectRef idx="0"/>
+    <cs:fontRef idx="minor">
+      <a:schemeClr val="tx1"/>
+    </cs:fontRef>
+    <cs:spPr>
+      <a:ln w="9525" cap="flat" cmpd="sng" algn="ctr">
+        <a:solidFill>
+          <a:schemeClr val="tx1">
+            <a:lumMod val="75000"/>
+            <a:lumOff val="25000"/>
+          </a:schemeClr>
+        </a:solidFill>
+        <a:round/>
+      </a:ln>
+    </cs:spPr>
+  </cs:hiLoLine>
+  <cs:leaderLine>
+    <cs:lnRef idx="0"/>
+    <cs:fillRef idx="0"/>
+    <cs:effectRef idx="0"/>
+    <cs:fontRef idx="minor">
+      <a:schemeClr val="tx1"/>
+    </cs:fontRef>
+    <cs:spPr>
+      <a:ln w="9525" cap="flat" cmpd="sng" algn="ctr">
+        <a:solidFill>
+          <a:schemeClr val="tx1">
+            <a:lumMod val="35000"/>
+            <a:lumOff val="65000"/>
+          </a:schemeClr>
+        </a:solidFill>
+        <a:round/>
+      </a:ln>
+    </cs:spPr>
+  </cs:leaderLine>
+  <cs:legend>
+    <cs:lnRef idx="0"/>
+    <cs:fillRef idx="0"/>
+    <cs:effectRef idx="0"/>
+    <cs:fontRef idx="minor">
+      <a:schemeClr val="tx1">
+        <a:lumMod val="65000"/>
+        <a:lumOff val="35000"/>
+      </a:schemeClr>
+    </cs:fontRef>
+    <cs:defRPr sz="1197" kern="1200"/>
+  </cs:legend>
+  <cs:plotArea mods="allowNoFillOverride allowNoLineOverride">
+    <cs:lnRef idx="0"/>
+    <cs:fillRef idx="0"/>
+    <cs:effectRef idx="0"/>
+    <cs:fontRef idx="minor">
+      <a:schemeClr val="tx1"/>
+    </cs:fontRef>
+  </cs:plotArea>
+  <cs:plotArea3D mods="allowNoFillOverride allowNoLineOverride">
+    <cs:lnRef idx="0"/>
+    <cs:fillRef idx="0"/>
+    <cs:effectRef idx="0"/>
+    <cs:fontRef idx="minor">
+      <a:schemeClr val="tx1"/>
+    </cs:fontRef>
+  </cs:plotArea3D>
+  <cs:seriesAxis>
+    <cs:lnRef idx="0"/>
+    <cs:fillRef idx="0"/>
+    <cs:effectRef idx="0"/>
+    <cs:fontRef idx="minor">
+      <a:schemeClr val="tx1">
+        <a:lumMod val="65000"/>
+        <a:lumOff val="35000"/>
+      </a:schemeClr>
+    </cs:fontRef>
+    <cs:defRPr sz="1197" kern="1200"/>
+  </cs:seriesAxis>
+  <cs:seriesLine>
+    <cs:lnRef idx="0"/>
+    <cs:fillRef idx="0"/>
+    <cs:effectRef idx="0"/>
+    <cs:fontRef idx="minor">
+      <a:schemeClr val="tx1"/>
+    </cs:fontRef>
+    <cs:spPr>
+      <a:ln w="9525" cap="flat" cmpd="sng" algn="ctr">
+        <a:solidFill>
+          <a:schemeClr val="tx1">
+            <a:lumMod val="35000"/>
+            <a:lumOff val="65000"/>
+          </a:schemeClr>
+        </a:solidFill>
+        <a:round/>
+      </a:ln>
+    </cs:spPr>
+  </cs:seriesLine>
+  <cs:title>
+    <cs:lnRef idx="0"/>
+    <cs:fillRef idx="0"/>
+    <cs:effectRef idx="0"/>
+    <cs:fontRef idx="minor">
+      <a:schemeClr val="tx1">
+        <a:lumMod val="65000"/>
+        <a:lumOff val="35000"/>
+      </a:schemeClr>
+    </cs:fontRef>
+    <cs:defRPr sz="1862" b="0" kern="1200" spc="0" baseline="0"/>
+  </cs:title>
+  <cs:trendline>
+    <cs:lnRef idx="0">
+      <cs:styleClr val="auto"/>
+    </cs:lnRef>
+    <cs:fillRef idx="0"/>
+    <cs:effectRef idx="0"/>
+    <cs:fontRef idx="minor">
+      <a:schemeClr val="tx1"/>
+    </cs:fontRef>
+    <cs:spPr>
+      <a:ln w="19050" cap="rnd">
+        <a:solidFill>
+          <a:schemeClr val="phClr"/>
+        </a:solidFill>
+        <a:prstDash val="sysDot"/>
+      </a:ln>
+    </cs:spPr>
+  </cs:trendline>
+  <cs:trendlineLabel>
+    <cs:lnRef idx="0"/>
+    <cs:fillRef idx="0"/>
+    <cs:effectRef idx="0"/>
+    <cs:fontRef idx="minor">
+      <a:schemeClr val="tx1">
+        <a:lumMod val="65000"/>
+        <a:lumOff val="35000"/>
+      </a:schemeClr>
+    </cs:fontRef>
+    <cs:defRPr sz="1197" kern="1200"/>
+  </cs:trendlineLabel>
+  <cs:upBar>
+    <cs:lnRef idx="0"/>
+    <cs:fillRef idx="0"/>
+    <cs:effectRef idx="0"/>
+    <cs:fontRef idx="minor">
+      <a:schemeClr val="dk1"/>
+    </cs:fontRef>
+    <cs:spPr>
+      <a:solidFill>
+        <a:schemeClr val="lt1"/>
+      </a:solidFill>
+      <a:ln w="9525">
+        <a:solidFill>
+          <a:schemeClr val="tx1">
+            <a:lumMod val="15000"/>
+            <a:lumOff val="85000"/>
+          </a:schemeClr>
+        </a:solidFill>
+      </a:ln>
+    </cs:spPr>
+  </cs:upBar>
+  <cs:valueAxis>
+    <cs:lnRef idx="0"/>
+    <cs:fillRef idx="0"/>
+    <cs:effectRef idx="0"/>
+    <cs:fontRef idx="minor">
+      <a:schemeClr val="tx1">
+        <a:lumMod val="65000"/>
+        <a:lumOff val="35000"/>
+      </a:schemeClr>
+    </cs:fontRef>
+    <cs:defRPr sz="1197" kern="1200"/>
+  </cs:valueAxis>
+  <cs:wall>
+    <cs:lnRef idx="0"/>
+    <cs:fillRef idx="0"/>
+    <cs:effectRef idx="0"/>
+    <cs:fontRef idx="minor">
+      <a:schemeClr val="tx1"/>
+    </cs:fontRef>
+    <cs:spPr>
+      <a:noFill/>
+      <a:ln>
+        <a:noFill/>
+      </a:ln>
+    </cs:spPr>
+  </cs:wall>
+</cs:chartStyle>
+</file>
+
+<file path=ppt/charts/style2.xml><?xml version="1.0" encoding="utf-8"?>
 <cs:chartStyle xmlns:cs="http://schemas.microsoft.com/office/drawing/2012/chartStyle" xmlns:a="http://schemas.openxmlformats.org/drawingml/2006/main" id="201">
   <cs:axisTitle>
     <cs:lnRef idx="0"/>
@@ -1940,6 +2941,753 @@
 </dgm:colorsDef>
 </file>
 
+<file path=ppt/diagrams/colors2.xml><?xml version="1.0" encoding="utf-8"?>
+<dgm:colorsDef xmlns:dgm="http://schemas.openxmlformats.org/drawingml/2006/diagram" xmlns:a="http://schemas.openxmlformats.org/drawingml/2006/main" uniqueId="urn:microsoft.com/office/officeart/2005/8/colors/accent1_2">
+  <dgm:title val=""/>
+  <dgm:desc val=""/>
+  <dgm:catLst>
+    <dgm:cat type="accent1" pri="11200"/>
+  </dgm:catLst>
+  <dgm:styleLbl name="node0">
+    <dgm:fillClrLst meth="repeat">
+      <a:schemeClr val="accent1"/>
+    </dgm:fillClrLst>
+    <dgm:linClrLst meth="repeat">
+      <a:schemeClr val="lt1"/>
+    </dgm:linClrLst>
+    <dgm:effectClrLst/>
+    <dgm:txLinClrLst/>
+    <dgm:txFillClrLst/>
+    <dgm:txEffectClrLst/>
+  </dgm:styleLbl>
+  <dgm:styleLbl name="alignNode1">
+    <dgm:fillClrLst meth="repeat">
+      <a:schemeClr val="accent1"/>
+    </dgm:fillClrLst>
+    <dgm:linClrLst meth="repeat">
+      <a:schemeClr val="accent1"/>
+    </dgm:linClrLst>
+    <dgm:effectClrLst/>
+    <dgm:txLinClrLst/>
+    <dgm:txFillClrLst/>
+    <dgm:txEffectClrLst/>
+  </dgm:styleLbl>
+  <dgm:styleLbl name="node1">
+    <dgm:fillClrLst meth="repeat">
+      <a:schemeClr val="accent1"/>
+    </dgm:fillClrLst>
+    <dgm:linClrLst meth="repeat">
+      <a:schemeClr val="lt1"/>
+    </dgm:linClrLst>
+    <dgm:effectClrLst/>
+    <dgm:txLinClrLst/>
+    <dgm:txFillClrLst/>
+    <dgm:txEffectClrLst/>
+  </dgm:styleLbl>
+  <dgm:styleLbl name="lnNode1">
+    <dgm:fillClrLst meth="repeat">
+      <a:schemeClr val="accent1"/>
+    </dgm:fillClrLst>
+    <dgm:linClrLst meth="repeat">
+      <a:schemeClr val="lt1"/>
+    </dgm:linClrLst>
+    <dgm:effectClrLst/>
+    <dgm:txLinClrLst/>
+    <dgm:txFillClrLst/>
+    <dgm:txEffectClrLst/>
+  </dgm:styleLbl>
+  <dgm:styleLbl name="vennNode1">
+    <dgm:fillClrLst meth="repeat">
+      <a:schemeClr val="accent1">
+        <a:alpha val="50000"/>
+      </a:schemeClr>
+    </dgm:fillClrLst>
+    <dgm:linClrLst meth="repeat">
+      <a:schemeClr val="lt1"/>
+    </dgm:linClrLst>
+    <dgm:effectClrLst/>
+    <dgm:txLinClrLst/>
+    <dgm:txFillClrLst/>
+    <dgm:txEffectClrLst/>
+  </dgm:styleLbl>
+  <dgm:styleLbl name="node2">
+    <dgm:fillClrLst meth="repeat">
+      <a:schemeClr val="accent1"/>
+    </dgm:fillClrLst>
+    <dgm:linClrLst meth="repeat">
+      <a:schemeClr val="lt1"/>
+    </dgm:linClrLst>
+    <dgm:effectClrLst/>
+    <dgm:txLinClrLst/>
+    <dgm:txFillClrLst/>
+    <dgm:txEffectClrLst/>
+  </dgm:styleLbl>
+  <dgm:styleLbl name="node3">
+    <dgm:fillClrLst meth="repeat">
+      <a:schemeClr val="accent1"/>
+    </dgm:fillClrLst>
+    <dgm:linClrLst meth="repeat">
+      <a:schemeClr val="lt1"/>
+    </dgm:linClrLst>
+    <dgm:effectClrLst/>
+    <dgm:txLinClrLst/>
+    <dgm:txFillClrLst/>
+    <dgm:txEffectClrLst/>
+  </dgm:styleLbl>
+  <dgm:styleLbl name="node4">
+    <dgm:fillClrLst meth="repeat">
+      <a:schemeClr val="accent1"/>
+    </dgm:fillClrLst>
+    <dgm:linClrLst meth="repeat">
+      <a:schemeClr val="lt1"/>
+    </dgm:linClrLst>
+    <dgm:effectClrLst/>
+    <dgm:txLinClrLst/>
+    <dgm:txFillClrLst/>
+    <dgm:txEffectClrLst/>
+  </dgm:styleLbl>
+  <dgm:styleLbl name="fgImgPlace1">
+    <dgm:fillClrLst meth="repeat">
+      <a:schemeClr val="accent1">
+        <a:tint val="50000"/>
+      </a:schemeClr>
+    </dgm:fillClrLst>
+    <dgm:linClrLst meth="repeat">
+      <a:schemeClr val="lt1"/>
+    </dgm:linClrLst>
+    <dgm:effectClrLst/>
+    <dgm:txLinClrLst/>
+    <dgm:txFillClrLst meth="repeat">
+      <a:schemeClr val="lt1"/>
+    </dgm:txFillClrLst>
+    <dgm:txEffectClrLst/>
+  </dgm:styleLbl>
+  <dgm:styleLbl name="alignImgPlace1">
+    <dgm:fillClrLst meth="repeat">
+      <a:schemeClr val="accent1">
+        <a:tint val="50000"/>
+      </a:schemeClr>
+    </dgm:fillClrLst>
+    <dgm:linClrLst meth="repeat">
+      <a:schemeClr val="lt1"/>
+    </dgm:linClrLst>
+    <dgm:effectClrLst/>
+    <dgm:txLinClrLst/>
+    <dgm:txFillClrLst meth="repeat">
+      <a:schemeClr val="lt1"/>
+    </dgm:txFillClrLst>
+    <dgm:txEffectClrLst/>
+  </dgm:styleLbl>
+  <dgm:styleLbl name="bgImgPlace1">
+    <dgm:fillClrLst meth="repeat">
+      <a:schemeClr val="accent1">
+        <a:tint val="50000"/>
+      </a:schemeClr>
+    </dgm:fillClrLst>
+    <dgm:linClrLst meth="repeat">
+      <a:schemeClr val="lt1"/>
+    </dgm:linClrLst>
+    <dgm:effectClrLst/>
+    <dgm:txLinClrLst/>
+    <dgm:txFillClrLst meth="repeat">
+      <a:schemeClr val="lt1"/>
+    </dgm:txFillClrLst>
+    <dgm:txEffectClrLst/>
+  </dgm:styleLbl>
+  <dgm:styleLbl name="sibTrans2D1">
+    <dgm:fillClrLst meth="repeat">
+      <a:schemeClr val="accent1">
+        <a:tint val="60000"/>
+      </a:schemeClr>
+    </dgm:fillClrLst>
+    <dgm:linClrLst meth="repeat">
+      <a:schemeClr val="accent1">
+        <a:tint val="60000"/>
+      </a:schemeClr>
+    </dgm:linClrLst>
+    <dgm:effectClrLst/>
+    <dgm:txLinClrLst/>
+    <dgm:txFillClrLst/>
+    <dgm:txEffectClrLst/>
+  </dgm:styleLbl>
+  <dgm:styleLbl name="fgSibTrans2D1">
+    <dgm:fillClrLst meth="repeat">
+      <a:schemeClr val="accent1">
+        <a:tint val="60000"/>
+      </a:schemeClr>
+    </dgm:fillClrLst>
+    <dgm:linClrLst meth="repeat">
+      <a:schemeClr val="accent1">
+        <a:tint val="60000"/>
+      </a:schemeClr>
+    </dgm:linClrLst>
+    <dgm:effectClrLst/>
+    <dgm:txLinClrLst/>
+    <dgm:txFillClrLst/>
+    <dgm:txEffectClrLst/>
+  </dgm:styleLbl>
+  <dgm:styleLbl name="bgSibTrans2D1">
+    <dgm:fillClrLst meth="repeat">
+      <a:schemeClr val="accent1">
+        <a:tint val="60000"/>
+      </a:schemeClr>
+    </dgm:fillClrLst>
+    <dgm:linClrLst meth="repeat">
+      <a:schemeClr val="accent1">
+        <a:tint val="60000"/>
+      </a:schemeClr>
+    </dgm:linClrLst>
+    <dgm:effectClrLst/>
+    <dgm:txLinClrLst/>
+    <dgm:txFillClrLst/>
+    <dgm:txEffectClrLst/>
+  </dgm:styleLbl>
+  <dgm:styleLbl name="sibTrans1D1">
+    <dgm:fillClrLst meth="repeat">
+      <a:schemeClr val="accent1"/>
+    </dgm:fillClrLst>
+    <dgm:linClrLst meth="repeat">
+      <a:schemeClr val="accent1"/>
+    </dgm:linClrLst>
+    <dgm:effectClrLst/>
+    <dgm:txLinClrLst/>
+    <dgm:txFillClrLst meth="repeat">
+      <a:schemeClr val="tx1"/>
+    </dgm:txFillClrLst>
+    <dgm:txEffectClrLst/>
+  </dgm:styleLbl>
+  <dgm:styleLbl name="callout">
+    <dgm:fillClrLst meth="repeat">
+      <a:schemeClr val="accent1"/>
+    </dgm:fillClrLst>
+    <dgm:linClrLst meth="repeat">
+      <a:schemeClr val="accent1">
+        <a:tint val="50000"/>
+      </a:schemeClr>
+    </dgm:linClrLst>
+    <dgm:effectClrLst/>
+    <dgm:txLinClrLst/>
+    <dgm:txFillClrLst meth="repeat">
+      <a:schemeClr val="tx1"/>
+    </dgm:txFillClrLst>
+    <dgm:txEffectClrLst/>
+  </dgm:styleLbl>
+  <dgm:styleLbl name="asst0">
+    <dgm:fillClrLst meth="repeat">
+      <a:schemeClr val="accent1"/>
+    </dgm:fillClrLst>
+    <dgm:linClrLst meth="repeat">
+      <a:schemeClr val="lt1"/>
+    </dgm:linClrLst>
+    <dgm:effectClrLst/>
+    <dgm:txLinClrLst/>
+    <dgm:txFillClrLst/>
+    <dgm:txEffectClrLst/>
+  </dgm:styleLbl>
+  <dgm:styleLbl name="asst1">
+    <dgm:fillClrLst meth="repeat">
+      <a:schemeClr val="accent1"/>
+    </dgm:fillClrLst>
+    <dgm:linClrLst meth="repeat">
+      <a:schemeClr val="lt1"/>
+    </dgm:linClrLst>
+    <dgm:effectClrLst/>
+    <dgm:txLinClrLst/>
+    <dgm:txFillClrLst/>
+    <dgm:txEffectClrLst/>
+  </dgm:styleLbl>
+  <dgm:styleLbl name="asst2">
+    <dgm:fillClrLst meth="repeat">
+      <a:schemeClr val="accent1"/>
+    </dgm:fillClrLst>
+    <dgm:linClrLst meth="repeat">
+      <a:schemeClr val="lt1"/>
+    </dgm:linClrLst>
+    <dgm:effectClrLst/>
+    <dgm:txLinClrLst/>
+    <dgm:txFillClrLst/>
+    <dgm:txEffectClrLst/>
+  </dgm:styleLbl>
+  <dgm:styleLbl name="asst3">
+    <dgm:fillClrLst meth="repeat">
+      <a:schemeClr val="accent1"/>
+    </dgm:fillClrLst>
+    <dgm:linClrLst meth="repeat">
+      <a:schemeClr val="lt1"/>
+    </dgm:linClrLst>
+    <dgm:effectClrLst/>
+    <dgm:txLinClrLst/>
+    <dgm:txFillClrLst/>
+    <dgm:txEffectClrLst/>
+  </dgm:styleLbl>
+  <dgm:styleLbl name="asst4">
+    <dgm:fillClrLst meth="repeat">
+      <a:schemeClr val="accent1"/>
+    </dgm:fillClrLst>
+    <dgm:linClrLst meth="repeat">
+      <a:schemeClr val="lt1"/>
+    </dgm:linClrLst>
+    <dgm:effectClrLst/>
+    <dgm:txLinClrLst/>
+    <dgm:txFillClrLst/>
+    <dgm:txEffectClrLst/>
+  </dgm:styleLbl>
+  <dgm:styleLbl name="parChTrans2D1">
+    <dgm:fillClrLst meth="repeat">
+      <a:schemeClr val="accent1">
+        <a:tint val="60000"/>
+      </a:schemeClr>
+    </dgm:fillClrLst>
+    <dgm:linClrLst meth="repeat">
+      <a:schemeClr val="accent1">
+        <a:tint val="60000"/>
+      </a:schemeClr>
+    </dgm:linClrLst>
+    <dgm:effectClrLst/>
+    <dgm:txLinClrLst/>
+    <dgm:txFillClrLst meth="repeat">
+      <a:schemeClr val="lt1"/>
+    </dgm:txFillClrLst>
+    <dgm:txEffectClrLst/>
+  </dgm:styleLbl>
+  <dgm:styleLbl name="parChTrans2D2">
+    <dgm:fillClrLst meth="repeat">
+      <a:schemeClr val="accent1"/>
+    </dgm:fillClrLst>
+    <dgm:linClrLst meth="repeat">
+      <a:schemeClr val="accent1"/>
+    </dgm:linClrLst>
+    <dgm:effectClrLst/>
+    <dgm:txLinClrLst/>
+    <dgm:txFillClrLst meth="repeat">
+      <a:schemeClr val="lt1"/>
+    </dgm:txFillClrLst>
+    <dgm:txEffectClrLst/>
+  </dgm:styleLbl>
+  <dgm:styleLbl name="parChTrans2D3">
+    <dgm:fillClrLst meth="repeat">
+      <a:schemeClr val="accent1"/>
+    </dgm:fillClrLst>
+    <dgm:linClrLst meth="repeat">
+      <a:schemeClr val="accent1"/>
+    </dgm:linClrLst>
+    <dgm:effectClrLst/>
+    <dgm:txLinClrLst/>
+    <dgm:txFillClrLst meth="repeat">
+      <a:schemeClr val="lt1"/>
+    </dgm:txFillClrLst>
+    <dgm:txEffectClrLst/>
+  </dgm:styleLbl>
+  <dgm:styleLbl name="parChTrans2D4">
+    <dgm:fillClrLst meth="repeat">
+      <a:schemeClr val="accent1"/>
+    </dgm:fillClrLst>
+    <dgm:linClrLst meth="repeat">
+      <a:schemeClr val="accent1"/>
+    </dgm:linClrLst>
+    <dgm:effectClrLst/>
+    <dgm:txLinClrLst/>
+    <dgm:txFillClrLst meth="repeat">
+      <a:schemeClr val="lt1"/>
+    </dgm:txFillClrLst>
+    <dgm:txEffectClrLst/>
+  </dgm:styleLbl>
+  <dgm:styleLbl name="parChTrans1D1">
+    <dgm:fillClrLst meth="repeat">
+      <a:schemeClr val="accent1"/>
+    </dgm:fillClrLst>
+    <dgm:linClrLst meth="repeat">
+      <a:schemeClr val="accent1">
+        <a:shade val="60000"/>
+      </a:schemeClr>
+    </dgm:linClrLst>
+    <dgm:effectClrLst/>
+    <dgm:txLinClrLst/>
+    <dgm:txFillClrLst meth="repeat">
+      <a:schemeClr val="tx1"/>
+    </dgm:txFillClrLst>
+    <dgm:txEffectClrLst/>
+  </dgm:styleLbl>
+  <dgm:styleLbl name="parChTrans1D2">
+    <dgm:fillClrLst meth="repeat">
+      <a:schemeClr val="accent1"/>
+    </dgm:fillClrLst>
+    <dgm:linClrLst meth="repeat">
+      <a:schemeClr val="accent1">
+        <a:shade val="60000"/>
+      </a:schemeClr>
+    </dgm:linClrLst>
+    <dgm:effectClrLst/>
+    <dgm:txLinClrLst/>
+    <dgm:txFillClrLst meth="repeat">
+      <a:schemeClr val="tx1"/>
+    </dgm:txFillClrLst>
+    <dgm:txEffectClrLst/>
+  </dgm:styleLbl>
+  <dgm:styleLbl name="parChTrans1D3">
+    <dgm:fillClrLst meth="repeat">
+      <a:schemeClr val="accent1"/>
+    </dgm:fillClrLst>
+    <dgm:linClrLst meth="repeat">
+      <a:schemeClr val="accent1">
+        <a:shade val="80000"/>
+      </a:schemeClr>
+    </dgm:linClrLst>
+    <dgm:effectClrLst/>
+    <dgm:txLinClrLst/>
+    <dgm:txFillClrLst meth="repeat">
+      <a:schemeClr val="tx1"/>
+    </dgm:txFillClrLst>
+    <dgm:txEffectClrLst/>
+  </dgm:styleLbl>
+  <dgm:styleLbl name="parChTrans1D4">
+    <dgm:fillClrLst meth="repeat">
+      <a:schemeClr val="accent1"/>
+    </dgm:fillClrLst>
+    <dgm:linClrLst meth="repeat">
+      <a:schemeClr val="accent1">
+        <a:shade val="80000"/>
+      </a:schemeClr>
+    </dgm:linClrLst>
+    <dgm:effectClrLst/>
+    <dgm:txLinClrLst/>
+    <dgm:txFillClrLst meth="repeat">
+      <a:schemeClr val="tx1"/>
+    </dgm:txFillClrLst>
+    <dgm:txEffectClrLst/>
+  </dgm:styleLbl>
+  <dgm:styleLbl name="fgAcc1">
+    <dgm:fillClrLst meth="repeat">
+      <a:schemeClr val="lt1">
+        <a:alpha val="90000"/>
+      </a:schemeClr>
+    </dgm:fillClrLst>
+    <dgm:linClrLst meth="repeat">
+      <a:schemeClr val="accent1"/>
+    </dgm:linClrLst>
+    <dgm:effectClrLst/>
+    <dgm:txLinClrLst/>
+    <dgm:txFillClrLst meth="repeat">
+      <a:schemeClr val="dk1"/>
+    </dgm:txFillClrLst>
+    <dgm:txEffectClrLst/>
+  </dgm:styleLbl>
+  <dgm:styleLbl name="conFgAcc1">
+    <dgm:fillClrLst meth="repeat">
+      <a:schemeClr val="lt1">
+        <a:alpha val="90000"/>
+      </a:schemeClr>
+    </dgm:fillClrLst>
+    <dgm:linClrLst meth="repeat">
+      <a:schemeClr val="accent1"/>
+    </dgm:linClrLst>
+    <dgm:effectClrLst/>
+    <dgm:txLinClrLst/>
+    <dgm:txFillClrLst meth="repeat">
+      <a:schemeClr val="dk1"/>
+    </dgm:txFillClrLst>
+    <dgm:txEffectClrLst/>
+  </dgm:styleLbl>
+  <dgm:styleLbl name="alignAcc1">
+    <dgm:fillClrLst meth="repeat">
+      <a:schemeClr val="lt1">
+        <a:alpha val="90000"/>
+      </a:schemeClr>
+    </dgm:fillClrLst>
+    <dgm:linClrLst meth="repeat">
+      <a:schemeClr val="accent1"/>
+    </dgm:linClrLst>
+    <dgm:effectClrLst/>
+    <dgm:txLinClrLst/>
+    <dgm:txFillClrLst meth="repeat">
+      <a:schemeClr val="dk1"/>
+    </dgm:txFillClrLst>
+    <dgm:txEffectClrLst/>
+  </dgm:styleLbl>
+  <dgm:styleLbl name="trAlignAcc1">
+    <dgm:fillClrLst meth="repeat">
+      <a:schemeClr val="lt1">
+        <a:alpha val="40000"/>
+      </a:schemeClr>
+    </dgm:fillClrLst>
+    <dgm:linClrLst meth="repeat">
+      <a:schemeClr val="accent1"/>
+    </dgm:linClrLst>
+    <dgm:effectClrLst/>
+    <dgm:txLinClrLst/>
+    <dgm:txFillClrLst meth="repeat">
+      <a:schemeClr val="dk1"/>
+    </dgm:txFillClrLst>
+    <dgm:txEffectClrLst/>
+  </dgm:styleLbl>
+  <dgm:styleLbl name="bgAcc1">
+    <dgm:fillClrLst meth="repeat">
+      <a:schemeClr val="lt1">
+        <a:alpha val="90000"/>
+      </a:schemeClr>
+    </dgm:fillClrLst>
+    <dgm:linClrLst meth="repeat">
+      <a:schemeClr val="accent1"/>
+    </dgm:linClrLst>
+    <dgm:effectClrLst/>
+    <dgm:txLinClrLst/>
+    <dgm:txFillClrLst meth="repeat">
+      <a:schemeClr val="dk1"/>
+    </dgm:txFillClrLst>
+    <dgm:txEffectClrLst/>
+  </dgm:styleLbl>
+  <dgm:styleLbl name="solidFgAcc1">
+    <dgm:fillClrLst meth="repeat">
+      <a:schemeClr val="lt1"/>
+    </dgm:fillClrLst>
+    <dgm:linClrLst meth="repeat">
+      <a:schemeClr val="accent1"/>
+    </dgm:linClrLst>
+    <dgm:effectClrLst/>
+    <dgm:txLinClrLst/>
+    <dgm:txFillClrLst meth="repeat">
+      <a:schemeClr val="dk1"/>
+    </dgm:txFillClrLst>
+    <dgm:txEffectClrLst/>
+  </dgm:styleLbl>
+  <dgm:styleLbl name="solidAlignAcc1">
+    <dgm:fillClrLst meth="repeat">
+      <a:schemeClr val="lt1"/>
+    </dgm:fillClrLst>
+    <dgm:linClrLst meth="repeat">
+      <a:schemeClr val="accent1"/>
+    </dgm:linClrLst>
+    <dgm:effectClrLst/>
+    <dgm:txLinClrLst/>
+    <dgm:txFillClrLst meth="repeat">
+      <a:schemeClr val="dk1"/>
+    </dgm:txFillClrLst>
+    <dgm:txEffectClrLst/>
+  </dgm:styleLbl>
+  <dgm:styleLbl name="solidBgAcc1">
+    <dgm:fillClrLst meth="repeat">
+      <a:schemeClr val="lt1"/>
+    </dgm:fillClrLst>
+    <dgm:linClrLst meth="repeat">
+      <a:schemeClr val="accent1"/>
+    </dgm:linClrLst>
+    <dgm:effectClrLst/>
+    <dgm:txLinClrLst/>
+    <dgm:txFillClrLst meth="repeat">
+      <a:schemeClr val="dk1"/>
+    </dgm:txFillClrLst>
+    <dgm:txEffectClrLst/>
+  </dgm:styleLbl>
+  <dgm:styleLbl name="fgAccFollowNode1">
+    <dgm:fillClrLst meth="repeat">
+      <a:schemeClr val="accent1">
+        <a:alpha val="90000"/>
+        <a:tint val="40000"/>
+      </a:schemeClr>
+    </dgm:fillClrLst>
+    <dgm:linClrLst meth="repeat">
+      <a:schemeClr val="accent1">
+        <a:alpha val="90000"/>
+        <a:tint val="40000"/>
+      </a:schemeClr>
+    </dgm:linClrLst>
+    <dgm:effectClrLst/>
+    <dgm:txLinClrLst/>
+    <dgm:txFillClrLst meth="repeat">
+      <a:schemeClr val="dk1"/>
+    </dgm:txFillClrLst>
+    <dgm:txEffectClrLst/>
+  </dgm:styleLbl>
+  <dgm:styleLbl name="alignAccFollowNode1">
+    <dgm:fillClrLst meth="repeat">
+      <a:schemeClr val="accent1">
+        <a:alpha val="90000"/>
+        <a:tint val="40000"/>
+      </a:schemeClr>
+    </dgm:fillClrLst>
+    <dgm:linClrLst meth="repeat">
+      <a:schemeClr val="accent1">
+        <a:alpha val="90000"/>
+        <a:tint val="40000"/>
+      </a:schemeClr>
+    </dgm:linClrLst>
+    <dgm:effectClrLst/>
+    <dgm:txLinClrLst/>
+    <dgm:txFillClrLst meth="repeat">
+      <a:schemeClr val="dk1"/>
+    </dgm:txFillClrLst>
+    <dgm:txEffectClrLst/>
+  </dgm:styleLbl>
+  <dgm:styleLbl name="bgAccFollowNode1">
+    <dgm:fillClrLst meth="repeat">
+      <a:schemeClr val="accent1">
+        <a:alpha val="90000"/>
+        <a:tint val="40000"/>
+      </a:schemeClr>
+    </dgm:fillClrLst>
+    <dgm:linClrLst meth="repeat">
+      <a:schemeClr val="accent1">
+        <a:alpha val="90000"/>
+        <a:tint val="40000"/>
+      </a:schemeClr>
+    </dgm:linClrLst>
+    <dgm:effectClrLst/>
+    <dgm:txLinClrLst/>
+    <dgm:txFillClrLst meth="repeat">
+      <a:schemeClr val="dk1"/>
+    </dgm:txFillClrLst>
+    <dgm:txEffectClrLst/>
+  </dgm:styleLbl>
+  <dgm:styleLbl name="fgAcc0">
+    <dgm:fillClrLst meth="repeat">
+      <a:schemeClr val="lt1">
+        <a:alpha val="90000"/>
+      </a:schemeClr>
+    </dgm:fillClrLst>
+    <dgm:linClrLst meth="repeat">
+      <a:schemeClr val="accent1"/>
+    </dgm:linClrLst>
+    <dgm:effectClrLst/>
+    <dgm:txLinClrLst/>
+    <dgm:txFillClrLst meth="repeat">
+      <a:schemeClr val="dk1"/>
+    </dgm:txFillClrLst>
+    <dgm:txEffectClrLst/>
+  </dgm:styleLbl>
+  <dgm:styleLbl name="fgAcc2">
+    <dgm:fillClrLst meth="repeat">
+      <a:schemeClr val="lt1">
+        <a:alpha val="90000"/>
+      </a:schemeClr>
+    </dgm:fillClrLst>
+    <dgm:linClrLst meth="repeat">
+      <a:schemeClr val="accent1"/>
+    </dgm:linClrLst>
+    <dgm:effectClrLst/>
+    <dgm:txLinClrLst/>
+    <dgm:txFillClrLst meth="repeat">
+      <a:schemeClr val="dk1"/>
+    </dgm:txFillClrLst>
+    <dgm:txEffectClrLst/>
+  </dgm:styleLbl>
+  <dgm:styleLbl name="fgAcc3">
+    <dgm:fillClrLst meth="repeat">
+      <a:schemeClr val="lt1">
+        <a:alpha val="90000"/>
+      </a:schemeClr>
+    </dgm:fillClrLst>
+    <dgm:linClrLst meth="repeat">
+      <a:schemeClr val="accent1"/>
+    </dgm:linClrLst>
+    <dgm:effectClrLst/>
+    <dgm:txLinClrLst/>
+    <dgm:txFillClrLst meth="repeat">
+      <a:schemeClr val="dk1"/>
+    </dgm:txFillClrLst>
+    <dgm:txEffectClrLst/>
+  </dgm:styleLbl>
+  <dgm:styleLbl name="fgAcc4">
+    <dgm:fillClrLst meth="repeat">
+      <a:schemeClr val="lt1">
+        <a:alpha val="90000"/>
+      </a:schemeClr>
+    </dgm:fillClrLst>
+    <dgm:linClrLst meth="repeat">
+      <a:schemeClr val="accent1"/>
+    </dgm:linClrLst>
+    <dgm:effectClrLst/>
+    <dgm:txLinClrLst/>
+    <dgm:txFillClrLst meth="repeat">
+      <a:schemeClr val="dk1"/>
+    </dgm:txFillClrLst>
+    <dgm:txEffectClrLst/>
+  </dgm:styleLbl>
+  <dgm:styleLbl name="bgShp">
+    <dgm:fillClrLst meth="repeat">
+      <a:schemeClr val="accent1">
+        <a:tint val="40000"/>
+      </a:schemeClr>
+    </dgm:fillClrLst>
+    <dgm:linClrLst meth="repeat">
+      <a:schemeClr val="accent1"/>
+    </dgm:linClrLst>
+    <dgm:effectClrLst/>
+    <dgm:txLinClrLst/>
+    <dgm:txFillClrLst meth="repeat">
+      <a:schemeClr val="dk1"/>
+    </dgm:txFillClrLst>
+    <dgm:txEffectClrLst/>
+  </dgm:styleLbl>
+  <dgm:styleLbl name="dkBgShp">
+    <dgm:fillClrLst meth="repeat">
+      <a:schemeClr val="accent1">
+        <a:shade val="80000"/>
+      </a:schemeClr>
+    </dgm:fillClrLst>
+    <dgm:linClrLst meth="repeat">
+      <a:schemeClr val="accent1"/>
+    </dgm:linClrLst>
+    <dgm:effectClrLst/>
+    <dgm:txLinClrLst/>
+    <dgm:txFillClrLst meth="repeat">
+      <a:schemeClr val="lt1"/>
+    </dgm:txFillClrLst>
+    <dgm:txEffectClrLst/>
+  </dgm:styleLbl>
+  <dgm:styleLbl name="trBgShp">
+    <dgm:fillClrLst meth="repeat">
+      <a:schemeClr val="accent1">
+        <a:tint val="50000"/>
+        <a:alpha val="40000"/>
+      </a:schemeClr>
+    </dgm:fillClrLst>
+    <dgm:linClrLst meth="repeat">
+      <a:schemeClr val="accent1"/>
+    </dgm:linClrLst>
+    <dgm:effectClrLst/>
+    <dgm:txLinClrLst/>
+    <dgm:txFillClrLst meth="repeat">
+      <a:schemeClr val="lt1"/>
+    </dgm:txFillClrLst>
+    <dgm:txEffectClrLst/>
+  </dgm:styleLbl>
+  <dgm:styleLbl name="fgShp">
+    <dgm:fillClrLst meth="repeat">
+      <a:schemeClr val="accent1">
+        <a:tint val="60000"/>
+      </a:schemeClr>
+    </dgm:fillClrLst>
+    <dgm:linClrLst meth="repeat">
+      <a:schemeClr val="lt1"/>
+    </dgm:linClrLst>
+    <dgm:effectClrLst/>
+    <dgm:txLinClrLst/>
+    <dgm:txFillClrLst meth="repeat">
+      <a:schemeClr val="dk1"/>
+    </dgm:txFillClrLst>
+    <dgm:txEffectClrLst/>
+  </dgm:styleLbl>
+  <dgm:styleLbl name="revTx">
+    <dgm:fillClrLst meth="repeat">
+      <a:schemeClr val="lt1">
+        <a:alpha val="0"/>
+      </a:schemeClr>
+    </dgm:fillClrLst>
+    <dgm:linClrLst meth="repeat">
+      <a:schemeClr val="dk1">
+        <a:alpha val="0"/>
+      </a:schemeClr>
+    </dgm:linClrLst>
+    <dgm:effectClrLst/>
+    <dgm:txLinClrLst/>
+    <dgm:txFillClrLst meth="repeat">
+      <a:schemeClr val="tx1"/>
+    </dgm:txFillClrLst>
+    <dgm:txEffectClrLst/>
+  </dgm:styleLbl>
+</dgm:colorsDef>
+</file>
+
 <file path=ppt/diagrams/data1.xml><?xml version="1.0" encoding="utf-8"?>
 <dgm:dataModel xmlns:dgm="http://schemas.openxmlformats.org/drawingml/2006/diagram" xmlns:a="http://schemas.openxmlformats.org/drawingml/2006/main">
   <dgm:ptLst>
@@ -1963,7 +3711,13 @@
         <a:p>
           <a:r>
             <a:rPr lang="en-US" dirty="0"/>
-            <a:t>Convert Top Prospects </a:t>
+            <a:t>Path 1: </a:t>
+          </a:r>
+        </a:p>
+        <a:p>
+          <a:r>
+            <a:rPr lang="en-US" dirty="0"/>
+            <a:t>Convert Only the “Top” Prospects </a:t>
           </a:r>
         </a:p>
       </dgm:t>
@@ -1990,50 +3744,18 @@
         </a:p>
       </dgm:t>
     </dgm:pt>
-    <dgm:pt modelId="{FFD52F2C-DBC7-43FC-B8C1-3A9D2B75DDA5}">
+    <dgm:pt modelId="{2E7A2E44-11DB-42B1-BFDD-604DFF03E3E3}">
       <dgm:prSet phldrT="[Text]"/>
-      <dgm:spPr>
-        <a:noFill/>
-      </dgm:spPr>
+      <dgm:spPr/>
       <dgm:t>
         <a:bodyPr/>
         <a:lstStyle/>
         <a:p>
           <a:r>
             <a:rPr lang="en-US" dirty="0"/>
-            <a:t>Smaller Capital Cost </a:t>
+            <a:t>Path 2: </a:t>
           </a:r>
         </a:p>
-      </dgm:t>
-    </dgm:pt>
-    <dgm:pt modelId="{E385E268-CCB7-4EF6-A461-6626282B6C43}" type="parTrans" cxnId="{7AE3E847-AC4A-4698-998D-1A4AC1A2613D}">
-      <dgm:prSet/>
-      <dgm:spPr/>
-      <dgm:t>
-        <a:bodyPr/>
-        <a:lstStyle/>
-        <a:p>
-          <a:endParaRPr lang="en-US"/>
-        </a:p>
-      </dgm:t>
-    </dgm:pt>
-    <dgm:pt modelId="{986139A4-DB32-4009-870D-4AB52DCB28B5}" type="sibTrans" cxnId="{7AE3E847-AC4A-4698-998D-1A4AC1A2613D}">
-      <dgm:prSet/>
-      <dgm:spPr/>
-      <dgm:t>
-        <a:bodyPr/>
-        <a:lstStyle/>
-        <a:p>
-          <a:endParaRPr lang="en-US"/>
-        </a:p>
-      </dgm:t>
-    </dgm:pt>
-    <dgm:pt modelId="{2E7A2E44-11DB-42B1-BFDD-604DFF03E3E3}">
-      <dgm:prSet phldrT="[Text]"/>
-      <dgm:spPr/>
-      <dgm:t>
-        <a:bodyPr/>
-        <a:lstStyle/>
         <a:p>
           <a:r>
             <a:rPr lang="en-US" dirty="0"/>
@@ -2103,7 +3825,7 @@
       </dgm:t>
     </dgm:pt>
     <dgm:pt modelId="{287E4719-B00A-4EB5-A89F-E22A014D816C}">
-      <dgm:prSet phldrT="[Text]" phldr="1"/>
+      <dgm:prSet phldrT="[Text]"/>
       <dgm:spPr>
         <a:noFill/>
       </dgm:spPr>
@@ -2111,7 +3833,10 @@
         <a:bodyPr/>
         <a:lstStyle/>
         <a:p>
-          <a:endParaRPr lang="en-US" dirty="0"/>
+          <a:r>
+            <a:rPr lang="en-US" dirty="0"/>
+            <a:t>Increased Diversity in Investment </a:t>
+          </a:r>
         </a:p>
       </dgm:t>
     </dgm:pt>
@@ -2146,6 +3871,12 @@
         <a:p>
           <a:r>
             <a:rPr lang="en-US" dirty="0"/>
+            <a:t>Path 3: </a:t>
+          </a:r>
+        </a:p>
+        <a:p>
+          <a:r>
+            <a:rPr lang="en-US" dirty="0"/>
             <a:t>Continue Current Trajectory </a:t>
           </a:r>
         </a:p>
@@ -2174,7 +3905,7 @@
       </dgm:t>
     </dgm:pt>
     <dgm:pt modelId="{619F6E50-C674-43F8-9E07-CC40C8D2B822}">
-      <dgm:prSet phldrT="[Text]" phldr="1"/>
+      <dgm:prSet phldrT="[Text]"/>
       <dgm:spPr>
         <a:noFill/>
       </dgm:spPr>
@@ -2182,7 +3913,13 @@
         <a:bodyPr/>
         <a:lstStyle/>
         <a:p>
-          <a:endParaRPr lang="en-US"/>
+          <a:pPr>
+            <a:buNone/>
+          </a:pPr>
+          <a:r>
+            <a:rPr lang="en-US" dirty="0"/>
+            <a:t>Pros: </a:t>
+          </a:r>
         </a:p>
       </dgm:t>
     </dgm:pt>
@@ -2198,41 +3935,6 @@
       </dgm:t>
     </dgm:pt>
     <dgm:pt modelId="{23939E97-A84A-40B2-9900-D14000B30293}" type="sibTrans" cxnId="{616A4114-86E0-4DB7-BB43-8D73C3D5F9FD}">
-      <dgm:prSet/>
-      <dgm:spPr/>
-      <dgm:t>
-        <a:bodyPr/>
-        <a:lstStyle/>
-        <a:p>
-          <a:endParaRPr lang="en-US"/>
-        </a:p>
-      </dgm:t>
-    </dgm:pt>
-    <dgm:pt modelId="{5965C5DE-661E-4D31-9400-397972AD8273}">
-      <dgm:prSet phldrT="[Text]" phldr="1"/>
-      <dgm:spPr>
-        <a:noFill/>
-      </dgm:spPr>
-      <dgm:t>
-        <a:bodyPr/>
-        <a:lstStyle/>
-        <a:p>
-          <a:endParaRPr lang="en-US" dirty="0"/>
-        </a:p>
-      </dgm:t>
-    </dgm:pt>
-    <dgm:pt modelId="{8BDF464C-8505-42F2-AA3D-F0D45AE9DBD9}" type="parTrans" cxnId="{89515088-6059-42CC-A6FE-08DAF47793B1}">
-      <dgm:prSet/>
-      <dgm:spPr/>
-      <dgm:t>
-        <a:bodyPr/>
-        <a:lstStyle/>
-        <a:p>
-          <a:endParaRPr lang="en-US"/>
-        </a:p>
-      </dgm:t>
-    </dgm:pt>
-    <dgm:pt modelId="{A2C9C2D7-095C-4769-99DF-42C30822132A}" type="sibTrans" cxnId="{89515088-6059-42CC-A6FE-08DAF47793B1}">
       <dgm:prSet/>
       <dgm:spPr/>
       <dgm:t>
@@ -2292,7 +3994,7 @@
         <a:p>
           <a:r>
             <a:rPr lang="en-US" dirty="0"/>
-            <a:t>Low Risk</a:t>
+            <a:t>Lower Risk</a:t>
           </a:r>
         </a:p>
       </dgm:t>
@@ -2371,7 +4073,7 @@
           </a:pPr>
           <a:r>
             <a:rPr lang="en-US" dirty="0"/>
-            <a:t>Pros: </a:t>
+            <a:t>Pros:</a:t>
           </a:r>
         </a:p>
       </dgm:t>
@@ -2496,10 +4198,589 @@
     <dgm:pt modelId="{C55CC494-E750-4B8A-A5BC-8D2ABD8D457E}" type="parTrans" cxnId="{B9104964-5FF0-4246-BE19-C00DCFFA74B5}">
       <dgm:prSet/>
       <dgm:spPr/>
+      <dgm:t>
+        <a:bodyPr/>
+        <a:lstStyle/>
+        <a:p>
+          <a:endParaRPr lang="en-US"/>
+        </a:p>
+      </dgm:t>
     </dgm:pt>
     <dgm:pt modelId="{299EC0E2-B304-435B-A091-2CE91F4CB87F}" type="sibTrans" cxnId="{B9104964-5FF0-4246-BE19-C00DCFFA74B5}">
       <dgm:prSet/>
       <dgm:spPr/>
+      <dgm:t>
+        <a:bodyPr/>
+        <a:lstStyle/>
+        <a:p>
+          <a:endParaRPr lang="en-US"/>
+        </a:p>
+      </dgm:t>
+    </dgm:pt>
+    <dgm:pt modelId="{DE3930B6-CD6E-2D4D-8AF5-6850B2E2CA32}">
+      <dgm:prSet phldrT="[Text]"/>
+      <dgm:spPr>
+        <a:noFill/>
+      </dgm:spPr>
+      <dgm:t>
+        <a:bodyPr/>
+        <a:lstStyle/>
+        <a:p>
+          <a:pPr>
+            <a:buNone/>
+          </a:pPr>
+          <a:r>
+            <a:rPr lang="en-US" dirty="0"/>
+            <a:t>Cons: </a:t>
+          </a:r>
+        </a:p>
+      </dgm:t>
+    </dgm:pt>
+    <dgm:pt modelId="{0D546854-0BBB-6C49-8EC1-73B1D77EDABA}" type="parTrans" cxnId="{838303C8-A543-DF4B-A627-DB32B54BF40A}">
+      <dgm:prSet/>
+      <dgm:spPr/>
+      <dgm:t>
+        <a:bodyPr/>
+        <a:lstStyle/>
+        <a:p>
+          <a:endParaRPr lang="en-US"/>
+        </a:p>
+      </dgm:t>
+    </dgm:pt>
+    <dgm:pt modelId="{7BC92663-A5B8-F24A-A459-F0302C8BE241}" type="sibTrans" cxnId="{838303C8-A543-DF4B-A627-DB32B54BF40A}">
+      <dgm:prSet/>
+      <dgm:spPr/>
+      <dgm:t>
+        <a:bodyPr/>
+        <a:lstStyle/>
+        <a:p>
+          <a:endParaRPr lang="en-US"/>
+        </a:p>
+      </dgm:t>
+    </dgm:pt>
+    <dgm:pt modelId="{7476709B-56F4-484A-B3EF-5B1826DF43F3}">
+      <dgm:prSet phldrT="[Text]"/>
+      <dgm:spPr>
+        <a:noFill/>
+      </dgm:spPr>
+      <dgm:t>
+        <a:bodyPr/>
+        <a:lstStyle/>
+        <a:p>
+          <a:r>
+            <a:rPr lang="en-US" dirty="0"/>
+            <a:t>No Risk </a:t>
+          </a:r>
+        </a:p>
+      </dgm:t>
+    </dgm:pt>
+    <dgm:pt modelId="{B22AB8C6-3B13-414C-9BE4-6EFF29394F94}" type="parTrans" cxnId="{EE24D5BB-369C-F745-B3A2-305234B8744D}">
+      <dgm:prSet/>
+      <dgm:spPr/>
+      <dgm:t>
+        <a:bodyPr/>
+        <a:lstStyle/>
+        <a:p>
+          <a:endParaRPr lang="en-US"/>
+        </a:p>
+      </dgm:t>
+    </dgm:pt>
+    <dgm:pt modelId="{FFAF7F9B-DE8B-CF4B-9250-8AF6467DA44A}" type="sibTrans" cxnId="{EE24D5BB-369C-F745-B3A2-305234B8744D}">
+      <dgm:prSet/>
+      <dgm:spPr/>
+      <dgm:t>
+        <a:bodyPr/>
+        <a:lstStyle/>
+        <a:p>
+          <a:endParaRPr lang="en-US"/>
+        </a:p>
+      </dgm:t>
+    </dgm:pt>
+    <dgm:pt modelId="{195A1D4E-B9B9-334C-BAFE-D0120A98E333}">
+      <dgm:prSet phldrT="[Text]"/>
+      <dgm:spPr>
+        <a:noFill/>
+      </dgm:spPr>
+      <dgm:t>
+        <a:bodyPr/>
+        <a:lstStyle/>
+        <a:p>
+          <a:endParaRPr lang="en-US" dirty="0"/>
+        </a:p>
+      </dgm:t>
+    </dgm:pt>
+    <dgm:pt modelId="{4E813964-81EB-FB44-BFD2-0A1C8267B75E}" type="parTrans" cxnId="{DB4B304E-5D08-804B-A7FB-235AFCAC6907}">
+      <dgm:prSet/>
+      <dgm:spPr/>
+      <dgm:t>
+        <a:bodyPr/>
+        <a:lstStyle/>
+        <a:p>
+          <a:endParaRPr lang="en-US"/>
+        </a:p>
+      </dgm:t>
+    </dgm:pt>
+    <dgm:pt modelId="{DC22E5C6-43AE-1641-BCBD-130FAE14F3FA}" type="sibTrans" cxnId="{DB4B304E-5D08-804B-A7FB-235AFCAC6907}">
+      <dgm:prSet/>
+      <dgm:spPr/>
+      <dgm:t>
+        <a:bodyPr/>
+        <a:lstStyle/>
+        <a:p>
+          <a:endParaRPr lang="en-US"/>
+        </a:p>
+      </dgm:t>
+    </dgm:pt>
+    <dgm:pt modelId="{45495D93-A65C-3747-B2BD-F7B7DA6D0ACB}">
+      <dgm:prSet phldrT="[Text]"/>
+      <dgm:spPr>
+        <a:noFill/>
+      </dgm:spPr>
+      <dgm:t>
+        <a:bodyPr/>
+        <a:lstStyle/>
+        <a:p>
+          <a:r>
+            <a:rPr lang="en-US" dirty="0"/>
+            <a:t>No Reward</a:t>
+          </a:r>
+        </a:p>
+      </dgm:t>
+    </dgm:pt>
+    <dgm:pt modelId="{9FF5925F-DD48-564E-B4EB-171378150E9D}" type="parTrans" cxnId="{6621DB1A-3C96-ED45-BB17-1B495AC8D879}">
+      <dgm:prSet/>
+      <dgm:spPr/>
+      <dgm:t>
+        <a:bodyPr/>
+        <a:lstStyle/>
+        <a:p>
+          <a:endParaRPr lang="en-US"/>
+        </a:p>
+      </dgm:t>
+    </dgm:pt>
+    <dgm:pt modelId="{42DCA5E7-884E-C143-B6D8-B7218E7FB452}" type="sibTrans" cxnId="{6621DB1A-3C96-ED45-BB17-1B495AC8D879}">
+      <dgm:prSet/>
+      <dgm:spPr/>
+      <dgm:t>
+        <a:bodyPr/>
+        <a:lstStyle/>
+        <a:p>
+          <a:endParaRPr lang="en-US"/>
+        </a:p>
+      </dgm:t>
+    </dgm:pt>
+    <dgm:pt modelId="{E35E463D-10BC-C84B-8CFE-4A4B6DC9C685}">
+      <dgm:prSet phldrT="[Text]"/>
+      <dgm:spPr>
+        <a:noFill/>
+      </dgm:spPr>
+      <dgm:t>
+        <a:bodyPr/>
+        <a:lstStyle/>
+        <a:p>
+          <a:r>
+            <a:rPr lang="en-US" dirty="0"/>
+            <a:t>No Increased Market Capture  </a:t>
+          </a:r>
+        </a:p>
+      </dgm:t>
+    </dgm:pt>
+    <dgm:pt modelId="{ADAF2072-E5F4-9149-A692-28FA45C378DA}" type="parTrans" cxnId="{2241F41B-A286-5A44-9E04-FE90F9FBF731}">
+      <dgm:prSet/>
+      <dgm:spPr/>
+      <dgm:t>
+        <a:bodyPr/>
+        <a:lstStyle/>
+        <a:p>
+          <a:endParaRPr lang="en-US"/>
+        </a:p>
+      </dgm:t>
+    </dgm:pt>
+    <dgm:pt modelId="{4BAB80CA-6C30-C145-A89B-6396E4602719}" type="sibTrans" cxnId="{2241F41B-A286-5A44-9E04-FE90F9FBF731}">
+      <dgm:prSet/>
+      <dgm:spPr/>
+      <dgm:t>
+        <a:bodyPr/>
+        <a:lstStyle/>
+        <a:p>
+          <a:endParaRPr lang="en-US"/>
+        </a:p>
+      </dgm:t>
+    </dgm:pt>
+    <dgm:pt modelId="{952284E9-7676-6F4E-9F9A-7408EC30AC15}">
+      <dgm:prSet phldrT="[Text]"/>
+      <dgm:spPr>
+        <a:noFill/>
+      </dgm:spPr>
+      <dgm:t>
+        <a:bodyPr/>
+        <a:lstStyle/>
+        <a:p>
+          <a:pPr>
+            <a:buNone/>
+          </a:pPr>
+          <a:r>
+            <a:rPr lang="en-US" dirty="0"/>
+            <a:t>Cons: </a:t>
+          </a:r>
+        </a:p>
+      </dgm:t>
+    </dgm:pt>
+    <dgm:pt modelId="{1DF62C5C-57AC-EC4D-B0A3-F87E34D1CB40}" type="parTrans" cxnId="{35A8058C-3465-C249-BDE5-718591E76510}">
+      <dgm:prSet/>
+      <dgm:spPr/>
+      <dgm:t>
+        <a:bodyPr/>
+        <a:lstStyle/>
+        <a:p>
+          <a:endParaRPr lang="en-US"/>
+        </a:p>
+      </dgm:t>
+    </dgm:pt>
+    <dgm:pt modelId="{2441A576-04DD-9A42-8E96-A590A040C25A}" type="sibTrans" cxnId="{35A8058C-3465-C249-BDE5-718591E76510}">
+      <dgm:prSet/>
+      <dgm:spPr/>
+      <dgm:t>
+        <a:bodyPr/>
+        <a:lstStyle/>
+        <a:p>
+          <a:endParaRPr lang="en-US"/>
+        </a:p>
+      </dgm:t>
+    </dgm:pt>
+    <dgm:pt modelId="{D15DA50F-9196-6249-AFDF-6878DC50F4F4}">
+      <dgm:prSet phldrT="[Text]"/>
+      <dgm:spPr>
+        <a:noFill/>
+      </dgm:spPr>
+      <dgm:t>
+        <a:bodyPr/>
+        <a:lstStyle/>
+        <a:p>
+          <a:endParaRPr lang="en-US" dirty="0"/>
+        </a:p>
+      </dgm:t>
+    </dgm:pt>
+    <dgm:pt modelId="{EF4AA990-D60B-8D4B-A227-F9354A9FBA78}" type="parTrans" cxnId="{405290D0-5C8D-FC42-931C-E103707B4E55}">
+      <dgm:prSet/>
+      <dgm:spPr/>
+      <dgm:t>
+        <a:bodyPr/>
+        <a:lstStyle/>
+        <a:p>
+          <a:endParaRPr lang="en-US"/>
+        </a:p>
+      </dgm:t>
+    </dgm:pt>
+    <dgm:pt modelId="{ACEF5E89-1CAD-7042-A87C-E2E07941A417}" type="sibTrans" cxnId="{405290D0-5C8D-FC42-931C-E103707B4E55}">
+      <dgm:prSet/>
+      <dgm:spPr/>
+      <dgm:t>
+        <a:bodyPr/>
+        <a:lstStyle/>
+        <a:p>
+          <a:endParaRPr lang="en-US"/>
+        </a:p>
+      </dgm:t>
+    </dgm:pt>
+    <dgm:pt modelId="{A2749A43-4D31-6844-B331-FFD241392134}">
+      <dgm:prSet phldrT="[Text]"/>
+      <dgm:spPr>
+        <a:noFill/>
+      </dgm:spPr>
+      <dgm:t>
+        <a:bodyPr/>
+        <a:lstStyle/>
+        <a:p>
+          <a:r>
+            <a:rPr lang="en-US" dirty="0"/>
+            <a:t>Higher start-up Cost</a:t>
+          </a:r>
+        </a:p>
+      </dgm:t>
+    </dgm:pt>
+    <dgm:pt modelId="{B06981F5-BBD5-114B-908E-01C7BAC5E0C1}" type="parTrans" cxnId="{9969E7B2-A608-324D-BD08-77DBE3DA392B}">
+      <dgm:prSet/>
+      <dgm:spPr/>
+      <dgm:t>
+        <a:bodyPr/>
+        <a:lstStyle/>
+        <a:p>
+          <a:endParaRPr lang="en-US"/>
+        </a:p>
+      </dgm:t>
+    </dgm:pt>
+    <dgm:pt modelId="{BC9134C4-BF97-1E4F-A22A-3456CBF19F58}" type="sibTrans" cxnId="{9969E7B2-A608-324D-BD08-77DBE3DA392B}">
+      <dgm:prSet/>
+      <dgm:spPr/>
+      <dgm:t>
+        <a:bodyPr/>
+        <a:lstStyle/>
+        <a:p>
+          <a:endParaRPr lang="en-US"/>
+        </a:p>
+      </dgm:t>
+    </dgm:pt>
+    <dgm:pt modelId="{1DB0D78E-66BC-8440-8082-F30399F23BE8}">
+      <dgm:prSet phldrT="[Text]"/>
+      <dgm:spPr>
+        <a:noFill/>
+      </dgm:spPr>
+      <dgm:t>
+        <a:bodyPr/>
+        <a:lstStyle/>
+        <a:p>
+          <a:r>
+            <a:rPr lang="en-US" dirty="0"/>
+            <a:t>Increased Risk  </a:t>
+          </a:r>
+        </a:p>
+      </dgm:t>
+    </dgm:pt>
+    <dgm:pt modelId="{B34CDE48-7BF4-4542-9E98-C3C182526D53}" type="parTrans" cxnId="{C46DAA8D-D08B-C043-9F99-5100AEF4A3BF}">
+      <dgm:prSet/>
+      <dgm:spPr/>
+      <dgm:t>
+        <a:bodyPr/>
+        <a:lstStyle/>
+        <a:p>
+          <a:endParaRPr lang="en-US"/>
+        </a:p>
+      </dgm:t>
+    </dgm:pt>
+    <dgm:pt modelId="{537288A3-5120-5F4B-8D23-620A9C9A47E1}" type="sibTrans" cxnId="{C46DAA8D-D08B-C043-9F99-5100AEF4A3BF}">
+      <dgm:prSet/>
+      <dgm:spPr/>
+      <dgm:t>
+        <a:bodyPr/>
+        <a:lstStyle/>
+        <a:p>
+          <a:endParaRPr lang="en-US"/>
+        </a:p>
+      </dgm:t>
+    </dgm:pt>
+    <dgm:pt modelId="{207EFB82-2B72-1D49-9162-F94E1A08C839}">
+      <dgm:prSet phldrT="[Text]"/>
+      <dgm:spPr>
+        <a:noFill/>
+      </dgm:spPr>
+      <dgm:t>
+        <a:bodyPr/>
+        <a:lstStyle/>
+        <a:p>
+          <a:pPr>
+            <a:buFont typeface="Arial" panose="020B0604020202020204" pitchFamily="34" charset="0"/>
+            <a:buChar char="•"/>
+          </a:pPr>
+          <a:r>
+            <a:rPr lang="en-US" dirty="0"/>
+            <a:t>Lower Capital Cost </a:t>
+          </a:r>
+        </a:p>
+      </dgm:t>
+    </dgm:pt>
+    <dgm:pt modelId="{3D89C833-964C-C54D-980B-91810ADFFC05}" type="parTrans" cxnId="{8E135A2A-D849-B64B-AC19-FEAB540A3213}">
+      <dgm:prSet/>
+      <dgm:spPr/>
+      <dgm:t>
+        <a:bodyPr/>
+        <a:lstStyle/>
+        <a:p>
+          <a:endParaRPr lang="en-US"/>
+        </a:p>
+      </dgm:t>
+    </dgm:pt>
+    <dgm:pt modelId="{74959733-B00E-9D49-A53E-5F19B6033FBE}" type="sibTrans" cxnId="{8E135A2A-D849-B64B-AC19-FEAB540A3213}">
+      <dgm:prSet/>
+      <dgm:spPr/>
+      <dgm:t>
+        <a:bodyPr/>
+        <a:lstStyle/>
+        <a:p>
+          <a:endParaRPr lang="en-US"/>
+        </a:p>
+      </dgm:t>
+    </dgm:pt>
+    <dgm:pt modelId="{D6700288-1BEA-CF41-A90E-FB9891041561}">
+      <dgm:prSet phldrT="[Text]"/>
+      <dgm:spPr>
+        <a:noFill/>
+      </dgm:spPr>
+      <dgm:t>
+        <a:bodyPr/>
+        <a:lstStyle/>
+        <a:p>
+          <a:endParaRPr lang="en-US" dirty="0"/>
+        </a:p>
+      </dgm:t>
+    </dgm:pt>
+    <dgm:pt modelId="{1B5E6777-B63C-B04C-AA01-1B2C1CAFC43C}" type="parTrans" cxnId="{FF56FF4A-8A8F-4E40-8566-C02EA88D44BD}">
+      <dgm:prSet/>
+      <dgm:spPr/>
+      <dgm:t>
+        <a:bodyPr/>
+        <a:lstStyle/>
+        <a:p>
+          <a:endParaRPr lang="en-US"/>
+        </a:p>
+      </dgm:t>
+    </dgm:pt>
+    <dgm:pt modelId="{B6715ACE-6BAD-314D-8CD8-D34DE86508B7}" type="sibTrans" cxnId="{FF56FF4A-8A8F-4E40-8566-C02EA88D44BD}">
+      <dgm:prSet/>
+      <dgm:spPr/>
+      <dgm:t>
+        <a:bodyPr/>
+        <a:lstStyle/>
+        <a:p>
+          <a:endParaRPr lang="en-US"/>
+        </a:p>
+      </dgm:t>
+    </dgm:pt>
+    <dgm:pt modelId="{F3C892FD-EE31-6F44-ACC6-1FFE2DBF49D6}">
+      <dgm:prSet phldrT="[Text]"/>
+      <dgm:spPr>
+        <a:noFill/>
+      </dgm:spPr>
+      <dgm:t>
+        <a:bodyPr/>
+        <a:lstStyle/>
+        <a:p>
+          <a:endParaRPr lang="en-US" dirty="0"/>
+        </a:p>
+      </dgm:t>
+    </dgm:pt>
+    <dgm:pt modelId="{E9D7BBBF-B15F-C94D-B28A-F6DD62F38BEF}" type="parTrans" cxnId="{EAB2BE4F-7BAD-824D-A96C-525388CDE741}">
+      <dgm:prSet/>
+      <dgm:spPr/>
+      <dgm:t>
+        <a:bodyPr/>
+        <a:lstStyle/>
+        <a:p>
+          <a:endParaRPr lang="en-US"/>
+        </a:p>
+      </dgm:t>
+    </dgm:pt>
+    <dgm:pt modelId="{1AE830DC-67EA-3345-BE23-135AF03ACA50}" type="sibTrans" cxnId="{EAB2BE4F-7BAD-824D-A96C-525388CDE741}">
+      <dgm:prSet/>
+      <dgm:spPr/>
+      <dgm:t>
+        <a:bodyPr/>
+        <a:lstStyle/>
+        <a:p>
+          <a:endParaRPr lang="en-US"/>
+        </a:p>
+      </dgm:t>
+    </dgm:pt>
+    <dgm:pt modelId="{B9F60A67-560B-3345-A605-D614F1F04AED}">
+      <dgm:prSet phldrT="[Text]"/>
+      <dgm:spPr>
+        <a:noFill/>
+      </dgm:spPr>
+      <dgm:t>
+        <a:bodyPr/>
+        <a:lstStyle/>
+        <a:p>
+          <a:r>
+            <a:rPr lang="en-US" dirty="0"/>
+            <a:t>Lower </a:t>
+          </a:r>
+        </a:p>
+      </dgm:t>
+    </dgm:pt>
+    <dgm:pt modelId="{6055FBDB-2A97-D947-922C-4FC8B12BB60E}" type="parTrans" cxnId="{59931C60-357E-EF4B-94AC-EC719AF9CAAD}">
+      <dgm:prSet/>
+      <dgm:spPr/>
+      <dgm:t>
+        <a:bodyPr/>
+        <a:lstStyle/>
+        <a:p>
+          <a:endParaRPr lang="en-US"/>
+        </a:p>
+      </dgm:t>
+    </dgm:pt>
+    <dgm:pt modelId="{F86B2150-9913-264F-9FEF-A80BB8C36C22}" type="sibTrans" cxnId="{59931C60-357E-EF4B-94AC-EC719AF9CAAD}">
+      <dgm:prSet/>
+      <dgm:spPr/>
+      <dgm:t>
+        <a:bodyPr/>
+        <a:lstStyle/>
+        <a:p>
+          <a:endParaRPr lang="en-US"/>
+        </a:p>
+      </dgm:t>
+    </dgm:pt>
+    <dgm:pt modelId="{A35C442B-76B4-3E40-91BB-185B765BDB38}">
+      <dgm:prSet phldrT="[Text]"/>
+      <dgm:spPr>
+        <a:noFill/>
+      </dgm:spPr>
+      <dgm:t>
+        <a:bodyPr/>
+        <a:lstStyle/>
+        <a:p>
+          <a:r>
+            <a:rPr lang="en-US" dirty="0"/>
+            <a:t>Loss in Earning Potential of $3M +</a:t>
+          </a:r>
+        </a:p>
+      </dgm:t>
+    </dgm:pt>
+    <dgm:pt modelId="{0AC87A47-F1D4-0144-8555-69B378C2A369}" type="parTrans" cxnId="{9285E012-DB3F-0D48-B40A-F5E12AEF1EF6}">
+      <dgm:prSet/>
+      <dgm:spPr/>
+      <dgm:t>
+        <a:bodyPr/>
+        <a:lstStyle/>
+        <a:p>
+          <a:endParaRPr lang="en-US"/>
+        </a:p>
+      </dgm:t>
+    </dgm:pt>
+    <dgm:pt modelId="{1FFDD404-8BA7-6742-966A-718342B1B18A}" type="sibTrans" cxnId="{9285E012-DB3F-0D48-B40A-F5E12AEF1EF6}">
+      <dgm:prSet/>
+      <dgm:spPr/>
+      <dgm:t>
+        <a:bodyPr/>
+        <a:lstStyle/>
+        <a:p>
+          <a:endParaRPr lang="en-US"/>
+        </a:p>
+      </dgm:t>
+    </dgm:pt>
+    <dgm:pt modelId="{3E5C3CC5-7CB6-0744-BB9D-0DD5D8A8AE54}">
+      <dgm:prSet phldrT="[Text]"/>
+      <dgm:spPr>
+        <a:noFill/>
+      </dgm:spPr>
+      <dgm:t>
+        <a:bodyPr/>
+        <a:lstStyle/>
+        <a:p>
+          <a:endParaRPr lang="en-US" dirty="0"/>
+        </a:p>
+      </dgm:t>
+    </dgm:pt>
+    <dgm:pt modelId="{411DD8DA-E736-444D-9264-29D3932B3B19}" type="parTrans" cxnId="{F5131A57-E1B1-9644-9B9D-73E7620509DD}">
+      <dgm:prSet/>
+      <dgm:spPr/>
+      <dgm:t>
+        <a:bodyPr/>
+        <a:lstStyle/>
+        <a:p>
+          <a:endParaRPr lang="en-US"/>
+        </a:p>
+      </dgm:t>
+    </dgm:pt>
+    <dgm:pt modelId="{D0055058-92C5-384A-AD1F-3B08E436DBB1}" type="sibTrans" cxnId="{F5131A57-E1B1-9644-9B9D-73E7620509DD}">
+      <dgm:prSet/>
+      <dgm:spPr/>
+      <dgm:t>
+        <a:bodyPr/>
+        <a:lstStyle/>
+        <a:p>
+          <a:endParaRPr lang="en-US"/>
+        </a:p>
+      </dgm:t>
     </dgm:pt>
     <dgm:pt modelId="{7D5AB81A-C5F6-49E6-88D9-336070C4BA9E}" type="pres">
       <dgm:prSet presAssocID="{CEF49EBA-9A3F-4E9E-ACA3-E45765A831AE}" presName="Name0" presStyleCnt="0">
@@ -2530,7 +4811,7 @@
       </dgm:spPr>
     </dgm:pt>
     <dgm:pt modelId="{391892B7-30B7-4F7A-8F61-247BD1784957}" type="pres">
-      <dgm:prSet presAssocID="{BE919AD8-CB0A-47CE-A012-622F109A0A49}" presName="desTx" presStyleLbl="alignAccFollowNode1" presStyleIdx="0" presStyleCnt="3" custScaleX="84276" custScaleY="80232" custLinFactNeighborX="-52" custLinFactNeighborY="-22078">
+      <dgm:prSet presAssocID="{BE919AD8-CB0A-47CE-A012-622F109A0A49}" presName="desTx" presStyleLbl="alignAccFollowNode1" presStyleIdx="0" presStyleCnt="3" custScaleX="84276" custScaleY="80232" custLinFactNeighborX="-52" custLinFactNeighborY="-12524">
         <dgm:presLayoutVars>
           <dgm:bulletEnabled val="1"/>
         </dgm:presLayoutVars>
@@ -2560,7 +4841,7 @@
       </dgm:spPr>
     </dgm:pt>
     <dgm:pt modelId="{15914202-C424-4671-A803-02B0B6D43882}" type="pres">
-      <dgm:prSet presAssocID="{2E7A2E44-11DB-42B1-BFDD-604DFF03E3E3}" presName="desTx" presStyleLbl="alignAccFollowNode1" presStyleIdx="1" presStyleCnt="3" custScaleX="84276" custScaleY="80232" custLinFactNeighborX="-135" custLinFactNeighborY="-22078">
+      <dgm:prSet presAssocID="{2E7A2E44-11DB-42B1-BFDD-604DFF03E3E3}" presName="desTx" presStyleLbl="alignAccFollowNode1" presStyleIdx="1" presStyleCnt="3" custScaleX="84276" custScaleY="80232" custLinFactNeighborX="-1012" custLinFactNeighborY="-12524">
         <dgm:presLayoutVars>
           <dgm:bulletEnabled val="1"/>
         </dgm:presLayoutVars>
@@ -2590,7 +4871,7 @@
       </dgm:spPr>
     </dgm:pt>
     <dgm:pt modelId="{4B187744-4B45-4628-80A2-452EC69E8428}" type="pres">
-      <dgm:prSet presAssocID="{CAA2CC30-B501-4D89-BE35-4A990EF49618}" presName="desTx" presStyleLbl="alignAccFollowNode1" presStyleIdx="2" presStyleCnt="3" custScaleX="84276" custScaleY="80232" custLinFactNeighborX="-135" custLinFactNeighborY="-22078">
+      <dgm:prSet presAssocID="{CAA2CC30-B501-4D89-BE35-4A990EF49618}" presName="desTx" presStyleLbl="alignAccFollowNode1" presStyleIdx="2" presStyleCnt="3" custScaleX="84276" custScaleY="80232" custLinFactNeighborX="-135" custLinFactNeighborY="-12524">
         <dgm:presLayoutVars>
           <dgm:bulletEnabled val="1"/>
         </dgm:presLayoutVars>
@@ -2601,34 +4882,60 @@
   <dgm:cxnLst>
     <dgm:cxn modelId="{0EE88803-E48B-419A-9004-C06D43FB0763}" type="presOf" srcId="{2E7A2E44-11DB-42B1-BFDD-604DFF03E3E3}" destId="{01EEB09D-415A-4D75-A394-2BCC5988429A}" srcOrd="0" destOrd="0" presId="urn:microsoft.com/office/officeart/2005/8/layout/hList1"/>
     <dgm:cxn modelId="{46E6A408-612E-4430-88E6-B811003889FA}" type="presOf" srcId="{CEF49EBA-9A3F-4E9E-ACA3-E45765A831AE}" destId="{7D5AB81A-C5F6-49E6-88D9-336070C4BA9E}" srcOrd="0" destOrd="0" presId="urn:microsoft.com/office/officeart/2005/8/layout/hList1"/>
+    <dgm:cxn modelId="{F4770E09-480A-B54B-B3E2-5EF1C9909314}" type="presOf" srcId="{F3C892FD-EE31-6F44-ACC6-1FFE2DBF49D6}" destId="{391892B7-30B7-4F7A-8F61-247BD1784957}" srcOrd="0" destOrd="8" presId="urn:microsoft.com/office/officeart/2005/8/layout/hList1"/>
+    <dgm:cxn modelId="{1043FA09-FCA9-CB4C-B0B3-7BF6E699DA0E}" type="presOf" srcId="{45495D93-A65C-3747-B2BD-F7B7DA6D0ACB}" destId="{4B187744-4B45-4628-80A2-452EC69E8428}" srcOrd="0" destOrd="6" presId="urn:microsoft.com/office/officeart/2005/8/layout/hList1"/>
+    <dgm:cxn modelId="{9BBE3010-79F1-CE41-9C55-81B905F69CD7}" type="presOf" srcId="{952284E9-7676-6F4E-9F9A-7408EC30AC15}" destId="{15914202-C424-4671-A803-02B0B6D43882}" srcOrd="0" destOrd="5" presId="urn:microsoft.com/office/officeart/2005/8/layout/hList1"/>
     <dgm:cxn modelId="{081DC512-0655-4D1B-B98B-CF0F02B76087}" type="presOf" srcId="{D7BEDDF7-35A5-4284-922D-B7808BA4F349}" destId="{391892B7-30B7-4F7A-8F61-247BD1784957}" srcOrd="0" destOrd="3" presId="urn:microsoft.com/office/officeart/2005/8/layout/hList1"/>
+    <dgm:cxn modelId="{9285E012-DB3F-0D48-B40A-F5E12AEF1EF6}" srcId="{CAA2CC30-B501-4D89-BE35-4A990EF49618}" destId="{A35C442B-76B4-3E40-91BB-185B765BDB38}" srcOrd="2" destOrd="0" parTransId="{0AC87A47-F1D4-0144-8555-69B378C2A369}" sibTransId="{1FFDD404-8BA7-6742-966A-718342B1B18A}"/>
     <dgm:cxn modelId="{616A4114-86E0-4DB7-BB43-8D73C3D5F9FD}" srcId="{CAA2CC30-B501-4D89-BE35-4A990EF49618}" destId="{619F6E50-C674-43F8-9E07-CC40C8D2B822}" srcOrd="0" destOrd="0" parTransId="{2375D01D-568D-4C9C-B8AC-52EC7C0FD5FE}" sibTransId="{23939E97-A84A-40B2-9900-D14000B30293}"/>
+    <dgm:cxn modelId="{232D5817-B155-AD4D-82EB-87EC2C5E89BD}" type="presOf" srcId="{1DB0D78E-66BC-8440-8082-F30399F23BE8}" destId="{15914202-C424-4671-A803-02B0B6D43882}" srcOrd="0" destOrd="7" presId="urn:microsoft.com/office/officeart/2005/8/layout/hList1"/>
+    <dgm:cxn modelId="{6621DB1A-3C96-ED45-BB17-1B495AC8D879}" srcId="{CAA2CC30-B501-4D89-BE35-4A990EF49618}" destId="{45495D93-A65C-3747-B2BD-F7B7DA6D0ACB}" srcOrd="6" destOrd="0" parTransId="{9FF5925F-DD48-564E-B4EB-171378150E9D}" sibTransId="{42DCA5E7-884E-C143-B6D8-B7218E7FB452}"/>
+    <dgm:cxn modelId="{2241F41B-A286-5A44-9E04-FE90F9FBF731}" srcId="{CAA2CC30-B501-4D89-BE35-4A990EF49618}" destId="{E35E463D-10BC-C84B-8CFE-4A4B6DC9C685}" srcOrd="7" destOrd="0" parTransId="{ADAF2072-E5F4-9149-A692-28FA45C378DA}" sibTransId="{4BAB80CA-6C30-C145-A89B-6396E4602719}"/>
+    <dgm:cxn modelId="{03FDFF23-4F01-4B42-B2CC-A722220495EE}" type="presOf" srcId="{E35E463D-10BC-C84B-8CFE-4A4B6DC9C685}" destId="{4B187744-4B45-4628-80A2-452EC69E8428}" srcOrd="0" destOrd="7" presId="urn:microsoft.com/office/officeart/2005/8/layout/hList1"/>
+    <dgm:cxn modelId="{817C1424-1D7A-2049-A399-AC39EC6ACC79}" type="presOf" srcId="{DE3930B6-CD6E-2D4D-8AF5-6850B2E2CA32}" destId="{4B187744-4B45-4628-80A2-452EC69E8428}" srcOrd="0" destOrd="5" presId="urn:microsoft.com/office/officeart/2005/8/layout/hList1"/>
     <dgm:cxn modelId="{E477F327-C4BE-4F50-B544-3B96B3611E26}" type="presOf" srcId="{619F6E50-C674-43F8-9E07-CC40C8D2B822}" destId="{4B187744-4B45-4628-80A2-452EC69E8428}" srcOrd="0" destOrd="0" presId="urn:microsoft.com/office/officeart/2005/8/layout/hList1"/>
+    <dgm:cxn modelId="{8E135A2A-D849-B64B-AC19-FEAB540A3213}" srcId="{BE919AD8-CB0A-47CE-A012-622F109A0A49}" destId="{207EFB82-2B72-1D49-9162-F94E1A08C839}" srcOrd="1" destOrd="0" parTransId="{3D89C833-964C-C54D-980B-91810ADFFC05}" sibTransId="{74959733-B00E-9D49-A53E-5F19B6033FBE}"/>
+    <dgm:cxn modelId="{C0EA802B-4D6F-3941-8922-4D774C9D5F96}" type="presOf" srcId="{3E5C3CC5-7CB6-0744-BB9D-0DD5D8A8AE54}" destId="{4B187744-4B45-4628-80A2-452EC69E8428}" srcOrd="0" destOrd="3" presId="urn:microsoft.com/office/officeart/2005/8/layout/hList1"/>
     <dgm:cxn modelId="{64050F34-335F-43CE-8BAE-81F674686DB5}" type="presOf" srcId="{DF20775B-1D29-4092-B301-6965981B3548}" destId="{15914202-C424-4671-A803-02B0B6D43882}" srcOrd="0" destOrd="0" presId="urn:microsoft.com/office/officeart/2005/8/layout/hList1"/>
+    <dgm:cxn modelId="{4AFD4C35-5D7E-F247-A61C-A37B52DE72E8}" type="presOf" srcId="{D6700288-1BEA-CF41-A90E-FB9891041561}" destId="{15914202-C424-4671-A803-02B0B6D43882}" srcOrd="0" destOrd="3" presId="urn:microsoft.com/office/officeart/2005/8/layout/hList1"/>
     <dgm:cxn modelId="{3F183939-006B-4396-9B0E-58F28ED33C56}" srcId="{BE919AD8-CB0A-47CE-A012-622F109A0A49}" destId="{DC528F0B-D96A-4A76-BF95-D907B1FB7B4F}" srcOrd="0" destOrd="0" parTransId="{C9E2C901-798A-4B7E-9DB5-A720395AE412}" sibTransId="{0E682562-B187-4BFC-B2D4-26F4BE3D771F}"/>
+    <dgm:cxn modelId="{FC5F6942-79C4-4ED6-99EC-63496C3BF449}" srcId="{CEF49EBA-9A3F-4E9E-ACA3-E45765A831AE}" destId="{CAA2CC30-B501-4D89-BE35-4A990EF49618}" srcOrd="2" destOrd="0" parTransId="{FDEA792B-B72E-477C-B138-86AE57EB37FA}" sibTransId="{D26C0C0E-D5EA-4C7B-88DB-923CF73AF112}"/>
+    <dgm:cxn modelId="{6D478C42-7F61-6C41-9CE6-EACFC0C1C002}" type="presOf" srcId="{7476709B-56F4-484A-B3EF-5B1826DF43F3}" destId="{4B187744-4B45-4628-80A2-452EC69E8428}" srcOrd="0" destOrd="1" presId="urn:microsoft.com/office/officeart/2005/8/layout/hList1"/>
+    <dgm:cxn modelId="{886E2348-938B-9341-AF98-295CE865F898}" type="presOf" srcId="{B9F60A67-560B-3345-A605-D614F1F04AED}" destId="{391892B7-30B7-4F7A-8F61-247BD1784957}" srcOrd="0" destOrd="7" presId="urn:microsoft.com/office/officeart/2005/8/layout/hList1"/>
+    <dgm:cxn modelId="{62C25749-AE53-464C-AA37-53B7AC58E13C}" type="presOf" srcId="{207EFB82-2B72-1D49-9162-F94E1A08C839}" destId="{391892B7-30B7-4F7A-8F61-247BD1784957}" srcOrd="0" destOrd="1" presId="urn:microsoft.com/office/officeart/2005/8/layout/hList1"/>
+    <dgm:cxn modelId="{FF56FF4A-8A8F-4E40-8566-C02EA88D44BD}" srcId="{2E7A2E44-11DB-42B1-BFDD-604DFF03E3E3}" destId="{D6700288-1BEA-CF41-A90E-FB9891041561}" srcOrd="3" destOrd="0" parTransId="{1B5E6777-B63C-B04C-AA01-1B2C1CAFC43C}" sibTransId="{B6715ACE-6BAD-314D-8CD8-D34DE86508B7}"/>
+    <dgm:cxn modelId="{DB4B304E-5D08-804B-A7FB-235AFCAC6907}" srcId="{CAA2CC30-B501-4D89-BE35-4A990EF49618}" destId="{195A1D4E-B9B9-334C-BAFE-D0120A98E333}" srcOrd="4" destOrd="0" parTransId="{4E813964-81EB-FB44-BFD2-0A1C8267B75E}" sibTransId="{DC22E5C6-43AE-1641-BCBD-130FAE14F3FA}"/>
+    <dgm:cxn modelId="{EAB2BE4F-7BAD-824D-A96C-525388CDE741}" srcId="{BE919AD8-CB0A-47CE-A012-622F109A0A49}" destId="{F3C892FD-EE31-6F44-ACC6-1FFE2DBF49D6}" srcOrd="7" destOrd="0" parTransId="{E9D7BBBF-B15F-C94D-B28A-F6DD62F38BEF}" sibTransId="{1AE830DC-67EA-3345-BE23-135AF03ACA50}"/>
+    <dgm:cxn modelId="{F5131A57-E1B1-9644-9B9D-73E7620509DD}" srcId="{CAA2CC30-B501-4D89-BE35-4A990EF49618}" destId="{3E5C3CC5-7CB6-0744-BB9D-0DD5D8A8AE54}" srcOrd="3" destOrd="0" parTransId="{411DD8DA-E736-444D-9264-29D3932B3B19}" sibTransId="{D0055058-92C5-384A-AD1F-3B08E436DBB1}"/>
+    <dgm:cxn modelId="{59931C60-357E-EF4B-94AC-EC719AF9CAAD}" srcId="{BE919AD8-CB0A-47CE-A012-622F109A0A49}" destId="{B9F60A67-560B-3345-A605-D614F1F04AED}" srcOrd="6" destOrd="0" parTransId="{6055FBDB-2A97-D947-922C-4FC8B12BB60E}" sibTransId="{F86B2150-9913-264F-9FEF-A80BB8C36C22}"/>
     <dgm:cxn modelId="{F807F260-498F-4105-90B0-FF99CC9D562B}" type="presOf" srcId="{1A16556A-4A0A-4AC0-BA55-2A58E15F93A9}" destId="{391892B7-30B7-4F7A-8F61-247BD1784957}" srcOrd="0" destOrd="2" presId="urn:microsoft.com/office/officeart/2005/8/layout/hList1"/>
-    <dgm:cxn modelId="{FC5F6942-79C4-4ED6-99EC-63496C3BF449}" srcId="{CEF49EBA-9A3F-4E9E-ACA3-E45765A831AE}" destId="{CAA2CC30-B501-4D89-BE35-4A990EF49618}" srcOrd="2" destOrd="0" parTransId="{FDEA792B-B72E-477C-B138-86AE57EB37FA}" sibTransId="{D26C0C0E-D5EA-4C7B-88DB-923CF73AF112}"/>
     <dgm:cxn modelId="{B9104964-5FF0-4246-BE19-C00DCFFA74B5}" srcId="{2E7A2E44-11DB-42B1-BFDD-604DFF03E3E3}" destId="{DF20775B-1D29-4092-B301-6965981B3548}" srcOrd="0" destOrd="0" parTransId="{C55CC494-E750-4B8A-A5BC-8D2ABD8D457E}" sibTransId="{299EC0E2-B304-435B-A091-2CE91F4CB87F}"/>
-    <dgm:cxn modelId="{7AE3E847-AC4A-4698-998D-1A4AC1A2613D}" srcId="{BE919AD8-CB0A-47CE-A012-622F109A0A49}" destId="{FFD52F2C-DBC7-43FC-B8C1-3A9D2B75DDA5}" srcOrd="1" destOrd="0" parTransId="{E385E268-CCB7-4EF6-A461-6626282B6C43}" sibTransId="{986139A4-DB32-4009-870D-4AB52DCB28B5}"/>
-    <dgm:cxn modelId="{08E91B49-D829-4A64-9E8B-CF57000D296D}" type="presOf" srcId="{FFD52F2C-DBC7-43FC-B8C1-3A9D2B75DDA5}" destId="{391892B7-30B7-4F7A-8F61-247BD1784957}" srcOrd="0" destOrd="1" presId="urn:microsoft.com/office/officeart/2005/8/layout/hList1"/>
+    <dgm:cxn modelId="{EEF4DD70-B982-5F4F-AB2B-12878A3D0B42}" type="presOf" srcId="{A2749A43-4D31-6844-B331-FFD241392134}" destId="{15914202-C424-4671-A803-02B0B6D43882}" srcOrd="0" destOrd="6" presId="urn:microsoft.com/office/officeart/2005/8/layout/hList1"/>
     <dgm:cxn modelId="{EC0D7071-82BA-4B1D-9678-BA82C3C5A82B}" type="presOf" srcId="{EDD9A4AA-9E74-4ADB-B134-94DFA6C61FF9}" destId="{391892B7-30B7-4F7A-8F61-247BD1784957}" srcOrd="0" destOrd="5" presId="urn:microsoft.com/office/officeart/2005/8/layout/hList1"/>
-    <dgm:cxn modelId="{89515088-6059-42CC-A6FE-08DAF47793B1}" srcId="{CAA2CC30-B501-4D89-BE35-4A990EF49618}" destId="{5965C5DE-661E-4D31-9400-397972AD8273}" srcOrd="1" destOrd="0" parTransId="{8BDF464C-8505-42F2-AA3D-F0D45AE9DBD9}" sibTransId="{A2C9C2D7-095C-4769-99DF-42C30822132A}"/>
+    <dgm:cxn modelId="{A5D28C82-D2F6-0046-8E27-4947C7C94DC9}" type="presOf" srcId="{A35C442B-76B4-3E40-91BB-185B765BDB38}" destId="{4B187744-4B45-4628-80A2-452EC69E8428}" srcOrd="0" destOrd="2" presId="urn:microsoft.com/office/officeart/2005/8/layout/hList1"/>
     <dgm:cxn modelId="{95FB8989-A5C8-4E9C-8569-A4B631C1A280}" type="presOf" srcId="{75FEF0AE-B79A-4620-9A49-CAFC3A18A1CD}" destId="{15914202-C424-4671-A803-02B0B6D43882}" srcOrd="0" destOrd="1" presId="urn:microsoft.com/office/officeart/2005/8/layout/hList1"/>
-    <dgm:cxn modelId="{FF01378E-771F-4643-90D8-D4540EF62A8F}" srcId="{FFD52F2C-DBC7-43FC-B8C1-3A9D2B75DDA5}" destId="{1A16556A-4A0A-4AC0-BA55-2A58E15F93A9}" srcOrd="0" destOrd="0" parTransId="{02753C22-E3D5-43EA-A66F-B4FB54CCC5C2}" sibTransId="{6C36D3C8-C46F-4B5F-96A0-3281DEFABF72}"/>
+    <dgm:cxn modelId="{35A8058C-3465-C249-BDE5-718591E76510}" srcId="{2E7A2E44-11DB-42B1-BFDD-604DFF03E3E3}" destId="{952284E9-7676-6F4E-9F9A-7408EC30AC15}" srcOrd="5" destOrd="0" parTransId="{1DF62C5C-57AC-EC4D-B0A3-F87E34D1CB40}" sibTransId="{2441A576-04DD-9A42-8E96-A590A040C25A}"/>
+    <dgm:cxn modelId="{C46DAA8D-D08B-C043-9F99-5100AEF4A3BF}" srcId="{2E7A2E44-11DB-42B1-BFDD-604DFF03E3E3}" destId="{1DB0D78E-66BC-8440-8082-F30399F23BE8}" srcOrd="7" destOrd="0" parTransId="{B34CDE48-7BF4-4542-9E98-C3C182526D53}" sibTransId="{537288A3-5120-5F4B-8D23-620A9C9A47E1}"/>
+    <dgm:cxn modelId="{FF01378E-771F-4643-90D8-D4540EF62A8F}" srcId="{207EFB82-2B72-1D49-9162-F94E1A08C839}" destId="{1A16556A-4A0A-4AC0-BA55-2A58E15F93A9}" srcOrd="0" destOrd="0" parTransId="{02753C22-E3D5-43EA-A66F-B4FB54CCC5C2}" sibTransId="{6C36D3C8-C46F-4B5F-96A0-3281DEFABF72}"/>
     <dgm:cxn modelId="{03040D8F-FEE5-4BF8-B2C7-53F52CECE9FF}" srcId="{BE919AD8-CB0A-47CE-A012-622F109A0A49}" destId="{8B9FFB7F-B8F3-46E4-ABF5-FD5337924A6E}" srcOrd="5" destOrd="0" parTransId="{B2CDB338-4CB4-4C92-BAF1-3B0B76B52622}" sibTransId="{42C30410-6335-41A0-9095-A0789EB7B995}"/>
     <dgm:cxn modelId="{2C460A91-1767-49CF-8A70-7B4C336D755F}" type="presOf" srcId="{287E4719-B00A-4EB5-A89F-E22A014D816C}" destId="{15914202-C424-4671-A803-02B0B6D43882}" srcOrd="0" destOrd="2" presId="urn:microsoft.com/office/officeart/2005/8/layout/hList1"/>
     <dgm:cxn modelId="{3F277196-489B-4AA5-866A-DEDB81F2191B}" srcId="{BE919AD8-CB0A-47CE-A012-622F109A0A49}" destId="{D7BEDDF7-35A5-4284-922D-B7808BA4F349}" srcOrd="2" destOrd="0" parTransId="{294C0118-C5F1-447D-8E8A-988CC13BF4E8}" sibTransId="{6C16AF3B-AE1D-4258-A556-204E9018C9BD}"/>
     <dgm:cxn modelId="{6D106899-F274-40D7-8FA5-8C7586DC67C8}" type="presOf" srcId="{BE919AD8-CB0A-47CE-A012-622F109A0A49}" destId="{232D3604-7E13-474E-9F06-663F5B865665}" srcOrd="0" destOrd="0" presId="urn:microsoft.com/office/officeart/2005/8/layout/hList1"/>
-    <dgm:cxn modelId="{4E157099-A8E1-4D84-9246-E02A91E84863}" type="presOf" srcId="{5965C5DE-661E-4D31-9400-397972AD8273}" destId="{4B187744-4B45-4628-80A2-452EC69E8428}" srcOrd="0" destOrd="1" presId="urn:microsoft.com/office/officeart/2005/8/layout/hList1"/>
+    <dgm:cxn modelId="{500F959A-E3CB-1948-8F8B-67F2AB18211F}" type="presOf" srcId="{D15DA50F-9196-6249-AFDF-6878DC50F4F4}" destId="{15914202-C424-4671-A803-02B0B6D43882}" srcOrd="0" destOrd="4" presId="urn:microsoft.com/office/officeart/2005/8/layout/hList1"/>
     <dgm:cxn modelId="{80A1FB9B-837A-47E3-9D36-131BD965C351}" srcId="{2E7A2E44-11DB-42B1-BFDD-604DFF03E3E3}" destId="{287E4719-B00A-4EB5-A89F-E22A014D816C}" srcOrd="2" destOrd="0" parTransId="{0CBDBADC-A3ED-4D59-B9FD-C7100C88FA56}" sibTransId="{E6E31A1D-DBB9-44E2-B706-D3EFE9F6B88A}"/>
     <dgm:cxn modelId="{8E9F3CA1-3D47-411B-AB93-F7458BFED5C5}" srcId="{CEF49EBA-9A3F-4E9E-ACA3-E45765A831AE}" destId="{BE919AD8-CB0A-47CE-A012-622F109A0A49}" srcOrd="0" destOrd="0" parTransId="{E18B3561-F744-4781-84ED-1058449AE09B}" sibTransId="{FA506FF5-F7E0-47CA-AB42-CB324FA13B6B}"/>
     <dgm:cxn modelId="{0D0F6DA6-0E02-4764-A349-F4D5633DFAE9}" type="presOf" srcId="{DC528F0B-D96A-4A76-BF95-D907B1FB7B4F}" destId="{391892B7-30B7-4F7A-8F61-247BD1784957}" srcOrd="0" destOrd="0" presId="urn:microsoft.com/office/officeart/2005/8/layout/hList1"/>
+    <dgm:cxn modelId="{9969E7B2-A608-324D-BD08-77DBE3DA392B}" srcId="{2E7A2E44-11DB-42B1-BFDD-604DFF03E3E3}" destId="{A2749A43-4D31-6844-B331-FFD241392134}" srcOrd="6" destOrd="0" parTransId="{B06981F5-BBD5-114B-908E-01C7BAC5E0C1}" sibTransId="{BC9134C4-BF97-1E4F-A22A-3456CBF19F58}"/>
     <dgm:cxn modelId="{FFBE85B3-0B6F-4278-ABF9-68C729EB062E}" srcId="{CEF49EBA-9A3F-4E9E-ACA3-E45765A831AE}" destId="{2E7A2E44-11DB-42B1-BFDD-604DFF03E3E3}" srcOrd="1" destOrd="0" parTransId="{067E8792-DAE6-41CD-9AF0-4BF8F8E53803}" sibTransId="{00B1D089-4C49-4847-BB03-9F6ABBE94A38}"/>
+    <dgm:cxn modelId="{EE24D5BB-369C-F745-B3A2-305234B8744D}" srcId="{CAA2CC30-B501-4D89-BE35-4A990EF49618}" destId="{7476709B-56F4-484A-B3EF-5B1826DF43F3}" srcOrd="1" destOrd="0" parTransId="{B22AB8C6-3B13-414C-9BE4-6EFF29394F94}" sibTransId="{FFAF7F9B-DE8B-CF4B-9250-8AF6467DA44A}"/>
     <dgm:cxn modelId="{3057DBBE-1C89-445E-A1A5-AF43B268AA2A}" srcId="{BE919AD8-CB0A-47CE-A012-622F109A0A49}" destId="{D2282BAB-B1F2-43E2-8678-C1B8D5E0C605}" srcOrd="3" destOrd="0" parTransId="{40185DCB-1267-4FAD-B233-C7BDAD2CE0AD}" sibTransId="{9A478A1B-583E-4285-B178-5AB8BF053EEC}"/>
     <dgm:cxn modelId="{59E0A9C1-BF84-4E6D-BAAC-189CABD349D9}" type="presOf" srcId="{D2282BAB-B1F2-43E2-8678-C1B8D5E0C605}" destId="{391892B7-30B7-4F7A-8F61-247BD1784957}" srcOrd="0" destOrd="4" presId="urn:microsoft.com/office/officeart/2005/8/layout/hList1"/>
+    <dgm:cxn modelId="{838303C8-A543-DF4B-A627-DB32B54BF40A}" srcId="{CAA2CC30-B501-4D89-BE35-4A990EF49618}" destId="{DE3930B6-CD6E-2D4D-8AF5-6850B2E2CA32}" srcOrd="5" destOrd="0" parTransId="{0D546854-0BBB-6C49-8EC1-73B1D77EDABA}" sibTransId="{7BC92663-A5B8-F24A-A459-F0302C8BE241}"/>
     <dgm:cxn modelId="{C9AC92CC-5DA8-4CE0-8857-0A95F1909305}" type="presOf" srcId="{CAA2CC30-B501-4D89-BE35-4A990EF49618}" destId="{5EE0ABB4-1D8C-498C-B2D6-E829A7BED688}" srcOrd="0" destOrd="0" presId="urn:microsoft.com/office/officeart/2005/8/layout/hList1"/>
+    <dgm:cxn modelId="{405290D0-5C8D-FC42-931C-E103707B4E55}" srcId="{2E7A2E44-11DB-42B1-BFDD-604DFF03E3E3}" destId="{D15DA50F-9196-6249-AFDF-6878DC50F4F4}" srcOrd="4" destOrd="0" parTransId="{EF4AA990-D60B-8D4B-A227-F9354A9FBA78}" sibTransId="{ACEF5E89-1CAD-7042-A87C-E2E07941A417}"/>
     <dgm:cxn modelId="{E81323D8-0FA2-4932-8DBC-50BE0C0D69DE}" srcId="{BE919AD8-CB0A-47CE-A012-622F109A0A49}" destId="{EDD9A4AA-9E74-4ADB-B134-94DFA6C61FF9}" srcOrd="4" destOrd="0" parTransId="{DA03C92A-2A02-4607-AD5F-CBB28E82BA95}" sibTransId="{F5D6051C-5D7C-4F81-9589-5E0AB4B372B9}"/>
     <dgm:cxn modelId="{462F83D8-D3F7-4F87-AC28-E277C1A60D34}" srcId="{2E7A2E44-11DB-42B1-BFDD-604DFF03E3E3}" destId="{75FEF0AE-B79A-4620-9A49-CAFC3A18A1CD}" srcOrd="1" destOrd="0" parTransId="{FE60BAE2-A26C-4AFC-9D89-73104AFDEC3D}" sibTransId="{D9D7C6DD-B069-422F-98B7-4ACA151C3A06}"/>
+    <dgm:cxn modelId="{469469E3-CBF0-7842-9E1F-52BA02E66ED4}" type="presOf" srcId="{195A1D4E-B9B9-334C-BAFE-D0120A98E333}" destId="{4B187744-4B45-4628-80A2-452EC69E8428}" srcOrd="0" destOrd="4" presId="urn:microsoft.com/office/officeart/2005/8/layout/hList1"/>
     <dgm:cxn modelId="{2C59C0EE-6F8E-44D2-9A79-71F58BF79B9C}" type="presOf" srcId="{8B9FFB7F-B8F3-46E4-ABF5-FD5337924A6E}" destId="{391892B7-30B7-4F7A-8F61-247BD1784957}" srcOrd="0" destOrd="6" presId="urn:microsoft.com/office/officeart/2005/8/layout/hList1"/>
     <dgm:cxn modelId="{615623A8-4271-41BD-8517-B09E9D4BE53B}" type="presParOf" srcId="{7D5AB81A-C5F6-49E6-88D9-336070C4BA9E}" destId="{8512BCA0-4042-4CB1-83AE-282D9F3857EA}" srcOrd="0" destOrd="0" presId="urn:microsoft.com/office/officeart/2005/8/layout/hList1"/>
     <dgm:cxn modelId="{0E3191CB-643B-4BC5-A827-E48EC04C4998}" type="presParOf" srcId="{8512BCA0-4042-4CB1-83AE-282D9F3857EA}" destId="{232D3604-7E13-474E-9F06-663F5B865665}" srcOrd="0" destOrd="0" presId="urn:microsoft.com/office/officeart/2005/8/layout/hList1"/>
@@ -2652,6 +4959,323 @@
 </dgm:dataModel>
 </file>
 
+<file path=ppt/diagrams/data2.xml><?xml version="1.0" encoding="utf-8"?>
+<dgm:dataModel xmlns:dgm="http://schemas.openxmlformats.org/drawingml/2006/diagram" xmlns:a="http://schemas.openxmlformats.org/drawingml/2006/main">
+  <dgm:ptLst>
+    <dgm:pt modelId="{7D0EAC32-30A1-384B-9B3D-AF50728CC517}" type="doc">
+      <dgm:prSet loTypeId="urn:microsoft.com/office/officeart/2005/8/layout/arrow2" loCatId="" qsTypeId="urn:microsoft.com/office/officeart/2005/8/quickstyle/simple1" qsCatId="simple" csTypeId="urn:microsoft.com/office/officeart/2005/8/colors/accent1_2" csCatId="accent1" phldr="1"/>
+      <dgm:spPr/>
+    </dgm:pt>
+    <dgm:pt modelId="{3920610D-F669-004B-A8E7-7EDF14E7F099}">
+      <dgm:prSet phldrT="[Text]"/>
+      <dgm:spPr/>
+      <dgm:t>
+        <a:bodyPr/>
+        <a:lstStyle/>
+        <a:p>
+          <a:r>
+            <a:rPr lang="en-US" dirty="0">
+              <a:solidFill>
+                <a:schemeClr val="bg2"/>
+              </a:solidFill>
+            </a:rPr>
+            <a:t>Phase 1: Preparation and Listing </a:t>
+          </a:r>
+        </a:p>
+      </dgm:t>
+    </dgm:pt>
+    <dgm:pt modelId="{BED55FFF-6785-214C-92FA-ADC42A3EA4AF}" type="parTrans" cxnId="{BDC69985-5766-3B45-9BC3-C8CFDC890501}">
+      <dgm:prSet/>
+      <dgm:spPr/>
+      <dgm:t>
+        <a:bodyPr/>
+        <a:lstStyle/>
+        <a:p>
+          <a:endParaRPr lang="en-US"/>
+        </a:p>
+      </dgm:t>
+    </dgm:pt>
+    <dgm:pt modelId="{65972964-B32E-C14D-9B0F-7C0F5E983FF6}" type="sibTrans" cxnId="{BDC69985-5766-3B45-9BC3-C8CFDC890501}">
+      <dgm:prSet/>
+      <dgm:spPr/>
+      <dgm:t>
+        <a:bodyPr/>
+        <a:lstStyle/>
+        <a:p>
+          <a:endParaRPr lang="en-US"/>
+        </a:p>
+      </dgm:t>
+    </dgm:pt>
+    <dgm:pt modelId="{2D27DBAF-40E9-8C41-8BD7-16CA628A7C14}">
+      <dgm:prSet phldrT="[Text]"/>
+      <dgm:spPr/>
+      <dgm:t>
+        <a:bodyPr/>
+        <a:lstStyle/>
+        <a:p>
+          <a:r>
+            <a:rPr lang="en-US" dirty="0">
+              <a:solidFill>
+                <a:schemeClr val="bg2"/>
+              </a:solidFill>
+            </a:rPr>
+            <a:t>Phase 2: </a:t>
+          </a:r>
+        </a:p>
+        <a:p>
+          <a:r>
+            <a:rPr lang="en-US" dirty="0">
+              <a:solidFill>
+                <a:schemeClr val="bg2"/>
+              </a:solidFill>
+            </a:rPr>
+            <a:t>Further </a:t>
+          </a:r>
+        </a:p>
+        <a:p>
+          <a:r>
+            <a:rPr lang="en-US" dirty="0">
+              <a:solidFill>
+                <a:schemeClr val="bg2"/>
+              </a:solidFill>
+            </a:rPr>
+            <a:t>Analysis</a:t>
+          </a:r>
+          <a:r>
+            <a:rPr lang="en-US" dirty="0"/>
+            <a:t> </a:t>
+          </a:r>
+        </a:p>
+      </dgm:t>
+    </dgm:pt>
+    <dgm:pt modelId="{C23CA803-CE7D-0B40-BDBD-635D63C27FB6}" type="parTrans" cxnId="{459BF040-78D0-F94D-8AF3-67C1DFA050C6}">
+      <dgm:prSet/>
+      <dgm:spPr/>
+      <dgm:t>
+        <a:bodyPr/>
+        <a:lstStyle/>
+        <a:p>
+          <a:endParaRPr lang="en-US"/>
+        </a:p>
+      </dgm:t>
+    </dgm:pt>
+    <dgm:pt modelId="{778FCAD3-F088-8B4B-B84D-B1465A81F55A}" type="sibTrans" cxnId="{459BF040-78D0-F94D-8AF3-67C1DFA050C6}">
+      <dgm:prSet/>
+      <dgm:spPr/>
+      <dgm:t>
+        <a:bodyPr/>
+        <a:lstStyle/>
+        <a:p>
+          <a:endParaRPr lang="en-US"/>
+        </a:p>
+      </dgm:t>
+    </dgm:pt>
+    <dgm:pt modelId="{0588E26D-49BA-364B-88C9-92927B82B759}">
+      <dgm:prSet phldrT="[Text]"/>
+      <dgm:spPr/>
+      <dgm:t>
+        <a:bodyPr/>
+        <a:lstStyle/>
+        <a:p>
+          <a:r>
+            <a:rPr lang="en-US" dirty="0">
+              <a:solidFill>
+                <a:schemeClr val="bg2"/>
+              </a:solidFill>
+            </a:rPr>
+            <a:t>Phase 3: </a:t>
+          </a:r>
+        </a:p>
+        <a:p>
+          <a:r>
+            <a:rPr lang="en-US" dirty="0">
+              <a:solidFill>
+                <a:schemeClr val="bg2"/>
+              </a:solidFill>
+            </a:rPr>
+            <a:t>Marketing Boost</a:t>
+          </a:r>
+          <a:r>
+            <a:rPr lang="en-US" dirty="0"/>
+            <a:t> </a:t>
+          </a:r>
+        </a:p>
+      </dgm:t>
+    </dgm:pt>
+    <dgm:pt modelId="{C68873AD-5A45-C246-BFD8-4F6CA463DA9C}" type="parTrans" cxnId="{14B1BCDA-ABEC-7847-A733-1A0B58830A48}">
+      <dgm:prSet/>
+      <dgm:spPr/>
+      <dgm:t>
+        <a:bodyPr/>
+        <a:lstStyle/>
+        <a:p>
+          <a:endParaRPr lang="en-US"/>
+        </a:p>
+      </dgm:t>
+    </dgm:pt>
+    <dgm:pt modelId="{3157AFAF-F018-7E4F-94AF-3A3328060E87}" type="sibTrans" cxnId="{14B1BCDA-ABEC-7847-A733-1A0B58830A48}">
+      <dgm:prSet/>
+      <dgm:spPr/>
+      <dgm:t>
+        <a:bodyPr/>
+        <a:lstStyle/>
+        <a:p>
+          <a:endParaRPr lang="en-US"/>
+        </a:p>
+      </dgm:t>
+    </dgm:pt>
+    <dgm:pt modelId="{D9E71C9F-DF55-2D4B-B65C-C26BEE1F6A9F}">
+      <dgm:prSet/>
+      <dgm:spPr/>
+      <dgm:t>
+        <a:bodyPr/>
+        <a:lstStyle/>
+        <a:p>
+          <a:r>
+            <a:rPr lang="en-US" dirty="0">
+              <a:solidFill>
+                <a:schemeClr val="bg2"/>
+              </a:solidFill>
+            </a:rPr>
+            <a:t>Phase 4: </a:t>
+          </a:r>
+        </a:p>
+        <a:p>
+          <a:r>
+            <a:rPr lang="en-US" dirty="0">
+              <a:solidFill>
+                <a:schemeClr val="bg2"/>
+              </a:solidFill>
+            </a:rPr>
+            <a:t>Reassess</a:t>
+          </a:r>
+          <a:r>
+            <a:rPr lang="en-US" dirty="0"/>
+            <a:t> </a:t>
+          </a:r>
+        </a:p>
+      </dgm:t>
+    </dgm:pt>
+    <dgm:pt modelId="{FF9B6EBE-BAC9-9B4E-918E-F84C620E2A37}" type="parTrans" cxnId="{30C13F8C-DEC7-454A-A25B-94DCC6ABF41F}">
+      <dgm:prSet/>
+      <dgm:spPr/>
+      <dgm:t>
+        <a:bodyPr/>
+        <a:lstStyle/>
+        <a:p>
+          <a:endParaRPr lang="en-US"/>
+        </a:p>
+      </dgm:t>
+    </dgm:pt>
+    <dgm:pt modelId="{69C9B997-4854-A04E-88D3-05AE046D22B4}" type="sibTrans" cxnId="{30C13F8C-DEC7-454A-A25B-94DCC6ABF41F}">
+      <dgm:prSet/>
+      <dgm:spPr/>
+      <dgm:t>
+        <a:bodyPr/>
+        <a:lstStyle/>
+        <a:p>
+          <a:endParaRPr lang="en-US"/>
+        </a:p>
+      </dgm:t>
+    </dgm:pt>
+    <dgm:pt modelId="{B3138E1A-9101-C246-913E-452A70B195BD}" type="pres">
+      <dgm:prSet presAssocID="{7D0EAC32-30A1-384B-9B3D-AF50728CC517}" presName="arrowDiagram" presStyleCnt="0">
+        <dgm:presLayoutVars>
+          <dgm:chMax val="5"/>
+          <dgm:dir/>
+          <dgm:resizeHandles val="exact"/>
+        </dgm:presLayoutVars>
+      </dgm:prSet>
+      <dgm:spPr/>
+    </dgm:pt>
+    <dgm:pt modelId="{BA492A3F-F264-464F-B8C2-D9533D26D47C}" type="pres">
+      <dgm:prSet presAssocID="{7D0EAC32-30A1-384B-9B3D-AF50728CC517}" presName="arrow" presStyleLbl="bgShp" presStyleIdx="0" presStyleCnt="1"/>
+      <dgm:spPr/>
+    </dgm:pt>
+    <dgm:pt modelId="{075743BE-8F31-174D-A680-5D0FBAF1C248}" type="pres">
+      <dgm:prSet presAssocID="{7D0EAC32-30A1-384B-9B3D-AF50728CC517}" presName="arrowDiagram4" presStyleCnt="0"/>
+      <dgm:spPr/>
+    </dgm:pt>
+    <dgm:pt modelId="{8A729C39-CC28-D442-A977-8F8299CA512C}" type="pres">
+      <dgm:prSet presAssocID="{3920610D-F669-004B-A8E7-7EDF14E7F099}" presName="bullet4a" presStyleLbl="node1" presStyleIdx="0" presStyleCnt="4"/>
+      <dgm:spPr/>
+    </dgm:pt>
+    <dgm:pt modelId="{7C25F59D-CD0F-8A4D-B84B-B844AD74BC24}" type="pres">
+      <dgm:prSet presAssocID="{3920610D-F669-004B-A8E7-7EDF14E7F099}" presName="textBox4a" presStyleLbl="revTx" presStyleIdx="0" presStyleCnt="4" custLinFactNeighborX="7267" custLinFactNeighborY="20476">
+        <dgm:presLayoutVars>
+          <dgm:bulletEnabled val="1"/>
+        </dgm:presLayoutVars>
+      </dgm:prSet>
+      <dgm:spPr/>
+    </dgm:pt>
+    <dgm:pt modelId="{3DD9F795-D624-6044-9B0E-26E7BEF73AE1}" type="pres">
+      <dgm:prSet presAssocID="{2D27DBAF-40E9-8C41-8BD7-16CA628A7C14}" presName="bullet4b" presStyleLbl="node1" presStyleIdx="1" presStyleCnt="4" custLinFactNeighborX="42014" custLinFactNeighborY="-17187"/>
+      <dgm:spPr/>
+    </dgm:pt>
+    <dgm:pt modelId="{A20F1BE8-4DEB-FF41-8207-4D5FCF74D062}" type="pres">
+      <dgm:prSet presAssocID="{2D27DBAF-40E9-8C41-8BD7-16CA628A7C14}" presName="textBox4b" presStyleLbl="revTx" presStyleIdx="1" presStyleCnt="4" custScaleX="150428" custScaleY="30089" custLinFactNeighborX="40767" custLinFactNeighborY="-25350">
+        <dgm:presLayoutVars>
+          <dgm:bulletEnabled val="1"/>
+        </dgm:presLayoutVars>
+      </dgm:prSet>
+      <dgm:spPr/>
+    </dgm:pt>
+    <dgm:pt modelId="{8099B090-9C31-9C44-AA24-A80508A50CE7}" type="pres">
+      <dgm:prSet presAssocID="{0588E26D-49BA-364B-88C9-92927B82B759}" presName="bullet4c" presStyleLbl="node1" presStyleIdx="2" presStyleCnt="4" custLinFactNeighborX="778" custLinFactNeighborY="-1545"/>
+      <dgm:spPr/>
+    </dgm:pt>
+    <dgm:pt modelId="{B7733AEF-B4F3-D24F-AEB2-19A39F5135CE}" type="pres">
+      <dgm:prSet presAssocID="{0588E26D-49BA-364B-88C9-92927B82B759}" presName="textBox4c" presStyleLbl="revTx" presStyleIdx="2" presStyleCnt="4" custScaleY="28197" custLinFactNeighborX="4713" custLinFactNeighborY="-23768">
+        <dgm:presLayoutVars>
+          <dgm:bulletEnabled val="1"/>
+        </dgm:presLayoutVars>
+      </dgm:prSet>
+      <dgm:spPr/>
+    </dgm:pt>
+    <dgm:pt modelId="{87454C78-9689-E84D-8595-5170D4BD45A6}" type="pres">
+      <dgm:prSet presAssocID="{D9E71C9F-DF55-2D4B-B65C-C26BEE1F6A9F}" presName="bullet4d" presStyleLbl="node1" presStyleIdx="3" presStyleCnt="4" custLinFactNeighborX="2299" custLinFactNeighborY="-2334"/>
+      <dgm:spPr/>
+    </dgm:pt>
+    <dgm:pt modelId="{461CDDB3-06DC-844C-9436-0607B3F3962E}" type="pres">
+      <dgm:prSet presAssocID="{D9E71C9F-DF55-2D4B-B65C-C26BEE1F6A9F}" presName="textBox4d" presStyleLbl="revTx" presStyleIdx="3" presStyleCnt="4" custScaleY="22689" custLinFactNeighborX="-12587" custLinFactNeighborY="-22943">
+        <dgm:presLayoutVars>
+          <dgm:bulletEnabled val="1"/>
+        </dgm:presLayoutVars>
+      </dgm:prSet>
+      <dgm:spPr/>
+    </dgm:pt>
+  </dgm:ptLst>
+  <dgm:cxnLst>
+    <dgm:cxn modelId="{50155228-6340-8744-B81B-AD47DBC5D5A9}" type="presOf" srcId="{3920610D-F669-004B-A8E7-7EDF14E7F099}" destId="{7C25F59D-CD0F-8A4D-B84B-B844AD74BC24}" srcOrd="0" destOrd="0" presId="urn:microsoft.com/office/officeart/2005/8/layout/arrow2"/>
+    <dgm:cxn modelId="{7E4D3939-637F-7541-8318-CE75E2BD273E}" type="presOf" srcId="{D9E71C9F-DF55-2D4B-B65C-C26BEE1F6A9F}" destId="{461CDDB3-06DC-844C-9436-0607B3F3962E}" srcOrd="0" destOrd="0" presId="urn:microsoft.com/office/officeart/2005/8/layout/arrow2"/>
+    <dgm:cxn modelId="{459BF040-78D0-F94D-8AF3-67C1DFA050C6}" srcId="{7D0EAC32-30A1-384B-9B3D-AF50728CC517}" destId="{2D27DBAF-40E9-8C41-8BD7-16CA628A7C14}" srcOrd="1" destOrd="0" parTransId="{C23CA803-CE7D-0B40-BDBD-635D63C27FB6}" sibTransId="{778FCAD3-F088-8B4B-B84D-B1465A81F55A}"/>
+    <dgm:cxn modelId="{718A2657-6CB4-AB45-848D-1F5F0B49B3BF}" type="presOf" srcId="{0588E26D-49BA-364B-88C9-92927B82B759}" destId="{B7733AEF-B4F3-D24F-AEB2-19A39F5135CE}" srcOrd="0" destOrd="0" presId="urn:microsoft.com/office/officeart/2005/8/layout/arrow2"/>
+    <dgm:cxn modelId="{766FF657-415D-5E4B-956C-1A3630BCB6AC}" type="presOf" srcId="{7D0EAC32-30A1-384B-9B3D-AF50728CC517}" destId="{B3138E1A-9101-C246-913E-452A70B195BD}" srcOrd="0" destOrd="0" presId="urn:microsoft.com/office/officeart/2005/8/layout/arrow2"/>
+    <dgm:cxn modelId="{BDC69985-5766-3B45-9BC3-C8CFDC890501}" srcId="{7D0EAC32-30A1-384B-9B3D-AF50728CC517}" destId="{3920610D-F669-004B-A8E7-7EDF14E7F099}" srcOrd="0" destOrd="0" parTransId="{BED55FFF-6785-214C-92FA-ADC42A3EA4AF}" sibTransId="{65972964-B32E-C14D-9B0F-7C0F5E983FF6}"/>
+    <dgm:cxn modelId="{30C13F8C-DEC7-454A-A25B-94DCC6ABF41F}" srcId="{7D0EAC32-30A1-384B-9B3D-AF50728CC517}" destId="{D9E71C9F-DF55-2D4B-B65C-C26BEE1F6A9F}" srcOrd="3" destOrd="0" parTransId="{FF9B6EBE-BAC9-9B4E-918E-F84C620E2A37}" sibTransId="{69C9B997-4854-A04E-88D3-05AE046D22B4}"/>
+    <dgm:cxn modelId="{1EB100B6-6FBC-C447-AA22-B40702A14549}" type="presOf" srcId="{2D27DBAF-40E9-8C41-8BD7-16CA628A7C14}" destId="{A20F1BE8-4DEB-FF41-8207-4D5FCF74D062}" srcOrd="0" destOrd="0" presId="urn:microsoft.com/office/officeart/2005/8/layout/arrow2"/>
+    <dgm:cxn modelId="{14B1BCDA-ABEC-7847-A733-1A0B58830A48}" srcId="{7D0EAC32-30A1-384B-9B3D-AF50728CC517}" destId="{0588E26D-49BA-364B-88C9-92927B82B759}" srcOrd="2" destOrd="0" parTransId="{C68873AD-5A45-C246-BFD8-4F6CA463DA9C}" sibTransId="{3157AFAF-F018-7E4F-94AF-3A3328060E87}"/>
+    <dgm:cxn modelId="{967658DA-84CE-D944-AE7C-DD0498D184B5}" type="presParOf" srcId="{B3138E1A-9101-C246-913E-452A70B195BD}" destId="{BA492A3F-F264-464F-B8C2-D9533D26D47C}" srcOrd="0" destOrd="0" presId="urn:microsoft.com/office/officeart/2005/8/layout/arrow2"/>
+    <dgm:cxn modelId="{9E27F5F2-9FE8-4A4B-AF78-44B2D7B898AE}" type="presParOf" srcId="{B3138E1A-9101-C246-913E-452A70B195BD}" destId="{075743BE-8F31-174D-A680-5D0FBAF1C248}" srcOrd="1" destOrd="0" presId="urn:microsoft.com/office/officeart/2005/8/layout/arrow2"/>
+    <dgm:cxn modelId="{C2B7E7C4-3D2E-914D-BBDF-11B186714602}" type="presParOf" srcId="{075743BE-8F31-174D-A680-5D0FBAF1C248}" destId="{8A729C39-CC28-D442-A977-8F8299CA512C}" srcOrd="0" destOrd="0" presId="urn:microsoft.com/office/officeart/2005/8/layout/arrow2"/>
+    <dgm:cxn modelId="{34562CD7-698E-3B49-81D9-D52F306FC0F9}" type="presParOf" srcId="{075743BE-8F31-174D-A680-5D0FBAF1C248}" destId="{7C25F59D-CD0F-8A4D-B84B-B844AD74BC24}" srcOrd="1" destOrd="0" presId="urn:microsoft.com/office/officeart/2005/8/layout/arrow2"/>
+    <dgm:cxn modelId="{2096F9F8-9FDD-3343-A757-49A06D84631C}" type="presParOf" srcId="{075743BE-8F31-174D-A680-5D0FBAF1C248}" destId="{3DD9F795-D624-6044-9B0E-26E7BEF73AE1}" srcOrd="2" destOrd="0" presId="urn:microsoft.com/office/officeart/2005/8/layout/arrow2"/>
+    <dgm:cxn modelId="{06623564-5C14-A74A-9CBF-35596D31E0A3}" type="presParOf" srcId="{075743BE-8F31-174D-A680-5D0FBAF1C248}" destId="{A20F1BE8-4DEB-FF41-8207-4D5FCF74D062}" srcOrd="3" destOrd="0" presId="urn:microsoft.com/office/officeart/2005/8/layout/arrow2"/>
+    <dgm:cxn modelId="{AC8A5EE2-35A6-2449-9A4B-5C7D1B48720E}" type="presParOf" srcId="{075743BE-8F31-174D-A680-5D0FBAF1C248}" destId="{8099B090-9C31-9C44-AA24-A80508A50CE7}" srcOrd="4" destOrd="0" presId="urn:microsoft.com/office/officeart/2005/8/layout/arrow2"/>
+    <dgm:cxn modelId="{AC0BB6E6-89AC-A847-B026-FC32BCFDD6E1}" type="presParOf" srcId="{075743BE-8F31-174D-A680-5D0FBAF1C248}" destId="{B7733AEF-B4F3-D24F-AEB2-19A39F5135CE}" srcOrd="5" destOrd="0" presId="urn:microsoft.com/office/officeart/2005/8/layout/arrow2"/>
+    <dgm:cxn modelId="{67D27628-E095-6D40-A109-D142497794A3}" type="presParOf" srcId="{075743BE-8F31-174D-A680-5D0FBAF1C248}" destId="{87454C78-9689-E84D-8595-5170D4BD45A6}" srcOrd="6" destOrd="0" presId="urn:microsoft.com/office/officeart/2005/8/layout/arrow2"/>
+    <dgm:cxn modelId="{2449032B-175B-314E-A3F2-4162ACFDFDED}" type="presParOf" srcId="{075743BE-8F31-174D-A680-5D0FBAF1C248}" destId="{461CDDB3-06DC-844C-9436-0607B3F3962E}" srcOrd="7" destOrd="0" presId="urn:microsoft.com/office/officeart/2005/8/layout/arrow2"/>
+  </dgm:cxnLst>
+  <dgm:bg/>
+  <dgm:whole/>
+  <dgm:extLst>
+    <a:ext uri="http://schemas.microsoft.com/office/drawing/2008/diagram">
+      <dsp:dataModelExt xmlns:dsp="http://schemas.microsoft.com/office/drawing/2008/diagram" relId="rId8" minVer="http://schemas.openxmlformats.org/drawingml/2006/diagram"/>
+    </a:ext>
+  </dgm:extLst>
+</dgm:dataModel>
+</file>
+
 <file path=ppt/diagrams/drawing1.xml><?xml version="1.0" encoding="utf-8"?>
 <dsp:drawing xmlns:dgm="http://schemas.openxmlformats.org/drawingml/2006/diagram" xmlns:dsp="http://schemas.microsoft.com/office/drawing/2008/diagram" xmlns:a="http://schemas.openxmlformats.org/drawingml/2006/main">
   <dsp:spTree>
@@ -2668,7 +5292,7 @@
       <dsp:spPr>
         <a:xfrm>
           <a:off x="76209" y="0"/>
-          <a:ext cx="3497420" cy="599414"/>
+          <a:ext cx="3497420" cy="877920"/>
         </a:xfrm>
         <a:prstGeom prst="roundRect">
           <a:avLst/>
@@ -2710,12 +5334,12 @@
         </a:fontRef>
       </dsp:style>
       <dsp:txBody>
-        <a:bodyPr spcFirstLastPara="0" vert="horz" wrap="square" lIns="106680" tIns="60960" rIns="106680" bIns="60960" numCol="1" spcCol="1270" anchor="ctr" anchorCtr="0">
+        <a:bodyPr spcFirstLastPara="0" vert="horz" wrap="square" lIns="99568" tIns="56896" rIns="99568" bIns="56896" numCol="1" spcCol="1270" anchor="ctr" anchorCtr="0">
           <a:noAutofit/>
         </a:bodyPr>
         <a:lstStyle/>
         <a:p>
-          <a:pPr marL="0" lvl="0" indent="0" algn="ctr" defTabSz="666750">
+          <a:pPr marL="0" lvl="0" indent="0" algn="ctr" defTabSz="622300">
             <a:lnSpc>
               <a:spcPct val="90000"/>
             </a:lnSpc>
@@ -2728,14 +5352,32 @@
             <a:buNone/>
           </a:pPr>
           <a:r>
-            <a:rPr lang="en-US" sz="1500" kern="1200" dirty="0"/>
-            <a:t>Convert Top Prospects </a:t>
+            <a:rPr lang="en-US" sz="1400" kern="1200" dirty="0"/>
+            <a:t>Path 1: </a:t>
+          </a:r>
+        </a:p>
+        <a:p>
+          <a:pPr marL="0" lvl="0" indent="0" algn="ctr" defTabSz="622300">
+            <a:lnSpc>
+              <a:spcPct val="90000"/>
+            </a:lnSpc>
+            <a:spcBef>
+              <a:spcPct val="0"/>
+            </a:spcBef>
+            <a:spcAft>
+              <a:spcPct val="35000"/>
+            </a:spcAft>
+            <a:buNone/>
+          </a:pPr>
+          <a:r>
+            <a:rPr lang="en-US" sz="1400" kern="1200" dirty="0"/>
+            <a:t>Convert Only the “Top” Prospects </a:t>
           </a:r>
         </a:p>
       </dsp:txBody>
       <dsp:txXfrm>
-        <a:off x="105470" y="29261"/>
-        <a:ext cx="3438898" cy="540892"/>
+        <a:off x="119066" y="42857"/>
+        <a:ext cx="3411706" cy="792206"/>
       </dsp:txXfrm>
     </dsp:sp>
     <dsp:sp modelId="{391892B7-30B7-4F7A-8F61-247BD1784957}">
@@ -2745,8 +5387,8 @@
       </dsp:nvSpPr>
       <dsp:spPr>
         <a:xfrm>
-          <a:off x="16" y="943287"/>
-          <a:ext cx="3497420" cy="2319338"/>
+          <a:off x="16" y="1066404"/>
+          <a:ext cx="3497420" cy="2765555"/>
         </a:xfrm>
         <a:prstGeom prst="rect">
           <a:avLst/>
@@ -2781,12 +5423,12 @@
         <a:fontRef idx="minor"/>
       </dsp:style>
       <dsp:txBody>
-        <a:bodyPr spcFirstLastPara="0" vert="horz" wrap="square" lIns="80010" tIns="80010" rIns="106680" bIns="120015" numCol="1" spcCol="1270" anchor="t" anchorCtr="0">
+        <a:bodyPr spcFirstLastPara="0" vert="horz" wrap="square" lIns="74676" tIns="74676" rIns="99568" bIns="112014" numCol="1" spcCol="1270" anchor="t" anchorCtr="0">
           <a:noAutofit/>
         </a:bodyPr>
         <a:lstStyle/>
         <a:p>
-          <a:pPr marL="114300" lvl="1" indent="-114300" algn="l" defTabSz="666750">
+          <a:pPr marL="114300" lvl="1" indent="-114300" algn="l" defTabSz="622300">
             <a:lnSpc>
               <a:spcPct val="90000"/>
             </a:lnSpc>
@@ -2799,12 +5441,31 @@
             <a:buNone/>
           </a:pPr>
           <a:r>
-            <a:rPr lang="en-US" sz="1500" kern="1200" dirty="0"/>
-            <a:t>Pros: </a:t>
+            <a:rPr lang="en-US" sz="1400" kern="1200" dirty="0"/>
+            <a:t>Pros:</a:t>
           </a:r>
         </a:p>
         <a:p>
-          <a:pPr marL="114300" lvl="1" indent="-114300" algn="l" defTabSz="666750">
+          <a:pPr marL="114300" lvl="1" indent="-114300" algn="l" defTabSz="622300">
+            <a:lnSpc>
+              <a:spcPct val="90000"/>
+            </a:lnSpc>
+            <a:spcBef>
+              <a:spcPct val="0"/>
+            </a:spcBef>
+            <a:spcAft>
+              <a:spcPct val="15000"/>
+            </a:spcAft>
+            <a:buFont typeface="Arial" panose="020B0604020202020204" pitchFamily="34" charset="0"/>
+            <a:buChar char="•"/>
+          </a:pPr>
+          <a:r>
+            <a:rPr lang="en-US" sz="1400" kern="1200" dirty="0"/>
+            <a:t>Lower Capital Cost </a:t>
+          </a:r>
+        </a:p>
+        <a:p>
+          <a:pPr marL="228600" lvl="2" indent="-114300" algn="l" defTabSz="622300">
             <a:lnSpc>
               <a:spcPct val="90000"/>
             </a:lnSpc>
@@ -2817,12 +5478,12 @@
             <a:buChar char="•"/>
           </a:pPr>
           <a:r>
-            <a:rPr lang="en-US" sz="1500" kern="1200" dirty="0"/>
-            <a:t>Smaller Capital Cost </a:t>
+            <a:rPr lang="en-US" sz="1400" kern="1200" dirty="0"/>
+            <a:t>Maximizes return per dollar spent on conversion </a:t>
           </a:r>
         </a:p>
         <a:p>
-          <a:pPr marL="228600" lvl="2" indent="-114300" algn="l" defTabSz="666750">
+          <a:pPr marL="114300" lvl="1" indent="-114300" algn="l" defTabSz="622300">
             <a:lnSpc>
               <a:spcPct val="90000"/>
             </a:lnSpc>
@@ -2835,12 +5496,45 @@
             <a:buChar char="•"/>
           </a:pPr>
           <a:r>
-            <a:rPr lang="en-US" sz="1500" kern="1200" dirty="0"/>
-            <a:t>Maximizes return per dollar spent on conversion </a:t>
+            <a:rPr lang="en-US" sz="1400" kern="1200" dirty="0"/>
+            <a:t>Lower Risk</a:t>
           </a:r>
         </a:p>
         <a:p>
-          <a:pPr marL="114300" lvl="1" indent="-114300" algn="l" defTabSz="666750">
+          <a:pPr marL="114300" lvl="1" indent="-114300" algn="l" defTabSz="622300">
+            <a:lnSpc>
+              <a:spcPct val="90000"/>
+            </a:lnSpc>
+            <a:spcBef>
+              <a:spcPct val="0"/>
+            </a:spcBef>
+            <a:spcAft>
+              <a:spcPct val="15000"/>
+            </a:spcAft>
+            <a:buChar char="•"/>
+          </a:pPr>
+          <a:endParaRPr lang="en-US" sz="1400" kern="1200" dirty="0"/>
+        </a:p>
+        <a:p>
+          <a:pPr marL="114300" lvl="1" indent="-114300" algn="l" defTabSz="622300">
+            <a:lnSpc>
+              <a:spcPct val="90000"/>
+            </a:lnSpc>
+            <a:spcBef>
+              <a:spcPct val="0"/>
+            </a:spcBef>
+            <a:spcAft>
+              <a:spcPct val="15000"/>
+            </a:spcAft>
+            <a:buNone/>
+          </a:pPr>
+          <a:r>
+            <a:rPr lang="en-US" sz="1400" kern="1200" dirty="0"/>
+            <a:t>Cons: </a:t>
+          </a:r>
+        </a:p>
+        <a:p>
+          <a:pPr marL="114300" lvl="1" indent="-114300" algn="l" defTabSz="622300">
             <a:lnSpc>
               <a:spcPct val="90000"/>
             </a:lnSpc>
@@ -2853,45 +5547,12 @@
             <a:buChar char="•"/>
           </a:pPr>
           <a:r>
-            <a:rPr lang="en-US" sz="1500" kern="1200" dirty="0"/>
-            <a:t>Low Risk</a:t>
+            <a:rPr lang="en-US" sz="1400" kern="1200" dirty="0"/>
+            <a:t>Low Market Influence</a:t>
           </a:r>
         </a:p>
         <a:p>
-          <a:pPr marL="114300" lvl="1" indent="-114300" algn="l" defTabSz="666750">
-            <a:lnSpc>
-              <a:spcPct val="90000"/>
-            </a:lnSpc>
-            <a:spcBef>
-              <a:spcPct val="0"/>
-            </a:spcBef>
-            <a:spcAft>
-              <a:spcPct val="15000"/>
-            </a:spcAft>
-            <a:buChar char="•"/>
-          </a:pPr>
-          <a:endParaRPr lang="en-US" sz="1500" kern="1200" dirty="0"/>
-        </a:p>
-        <a:p>
-          <a:pPr marL="114300" lvl="1" indent="-114300" algn="l" defTabSz="666750">
-            <a:lnSpc>
-              <a:spcPct val="90000"/>
-            </a:lnSpc>
-            <a:spcBef>
-              <a:spcPct val="0"/>
-            </a:spcBef>
-            <a:spcAft>
-              <a:spcPct val="15000"/>
-            </a:spcAft>
-            <a:buNone/>
-          </a:pPr>
-          <a:r>
-            <a:rPr lang="en-US" sz="1500" kern="1200" dirty="0"/>
-            <a:t>Cons: </a:t>
-          </a:r>
-        </a:p>
-        <a:p>
-          <a:pPr marL="114300" lvl="1" indent="-114300" algn="l" defTabSz="666750">
+          <a:pPr marL="114300" lvl="1" indent="-114300" algn="l" defTabSz="622300">
             <a:lnSpc>
               <a:spcPct val="90000"/>
             </a:lnSpc>
@@ -2904,14 +5565,29 @@
             <a:buChar char="•"/>
           </a:pPr>
           <a:r>
-            <a:rPr lang="en-US" sz="1500" kern="1200" dirty="0"/>
-            <a:t>Low Market Influence</a:t>
+            <a:rPr lang="en-US" sz="1400" kern="1200" dirty="0"/>
+            <a:t>Lower </a:t>
           </a:r>
+        </a:p>
+        <a:p>
+          <a:pPr marL="114300" lvl="1" indent="-114300" algn="l" defTabSz="622300">
+            <a:lnSpc>
+              <a:spcPct val="90000"/>
+            </a:lnSpc>
+            <a:spcBef>
+              <a:spcPct val="0"/>
+            </a:spcBef>
+            <a:spcAft>
+              <a:spcPct val="15000"/>
+            </a:spcAft>
+            <a:buChar char="•"/>
+          </a:pPr>
+          <a:endParaRPr lang="en-US" sz="1400" kern="1200" dirty="0"/>
         </a:p>
       </dsp:txBody>
       <dsp:txXfrm>
-        <a:off x="16" y="943287"/>
-        <a:ext cx="3497420" cy="2319338"/>
+        <a:off x="16" y="1066404"/>
+        <a:ext cx="3497420" cy="2765555"/>
       </dsp:txXfrm>
     </dsp:sp>
     <dsp:sp modelId="{01EEB09D-415A-4D75-A394-2BCC5988429A}">
@@ -2922,7 +5598,7 @@
       <dsp:spPr>
         <a:xfrm>
           <a:off x="4114785" y="0"/>
-          <a:ext cx="3497420" cy="599414"/>
+          <a:ext cx="3497420" cy="877920"/>
         </a:xfrm>
         <a:prstGeom prst="roundRect">
           <a:avLst/>
@@ -2964,12 +5640,12 @@
         </a:fontRef>
       </dsp:style>
       <dsp:txBody>
-        <a:bodyPr spcFirstLastPara="0" vert="horz" wrap="square" lIns="106680" tIns="60960" rIns="106680" bIns="60960" numCol="1" spcCol="1270" anchor="ctr" anchorCtr="0">
+        <a:bodyPr spcFirstLastPara="0" vert="horz" wrap="square" lIns="99568" tIns="56896" rIns="99568" bIns="56896" numCol="1" spcCol="1270" anchor="ctr" anchorCtr="0">
           <a:noAutofit/>
         </a:bodyPr>
         <a:lstStyle/>
         <a:p>
-          <a:pPr marL="0" lvl="0" indent="0" algn="ctr" defTabSz="666750">
+          <a:pPr marL="0" lvl="0" indent="0" algn="ctr" defTabSz="622300">
             <a:lnSpc>
               <a:spcPct val="90000"/>
             </a:lnSpc>
@@ -2982,14 +5658,32 @@
             <a:buNone/>
           </a:pPr>
           <a:r>
-            <a:rPr lang="en-US" sz="1500" kern="1200" dirty="0"/>
+            <a:rPr lang="en-US" sz="1400" kern="1200" dirty="0"/>
+            <a:t>Path 2: </a:t>
+          </a:r>
+        </a:p>
+        <a:p>
+          <a:pPr marL="0" lvl="0" indent="0" algn="ctr" defTabSz="622300">
+            <a:lnSpc>
+              <a:spcPct val="90000"/>
+            </a:lnSpc>
+            <a:spcBef>
+              <a:spcPct val="0"/>
+            </a:spcBef>
+            <a:spcAft>
+              <a:spcPct val="35000"/>
+            </a:spcAft>
+            <a:buNone/>
+          </a:pPr>
+          <a:r>
+            <a:rPr lang="en-US" sz="1400" kern="1200" dirty="0"/>
             <a:t>Convert All Prospects Over Threshold </a:t>
           </a:r>
         </a:p>
       </dsp:txBody>
       <dsp:txXfrm>
-        <a:off x="4144046" y="29261"/>
-        <a:ext cx="3438898" cy="540892"/>
+        <a:off x="4157642" y="42857"/>
+        <a:ext cx="3411706" cy="792206"/>
       </dsp:txXfrm>
     </dsp:sp>
     <dsp:sp modelId="{15914202-C424-4671-A803-02B0B6D43882}">
@@ -2999,8 +5693,8 @@
       </dsp:nvSpPr>
       <dsp:spPr>
         <a:xfrm>
-          <a:off x="4074987" y="943287"/>
-          <a:ext cx="3497420" cy="2319338"/>
+          <a:off x="4038591" y="1066404"/>
+          <a:ext cx="3497420" cy="2765555"/>
         </a:xfrm>
         <a:prstGeom prst="rect">
           <a:avLst/>
@@ -3035,12 +5729,12 @@
         <a:fontRef idx="minor"/>
       </dsp:style>
       <dsp:txBody>
-        <a:bodyPr spcFirstLastPara="0" vert="horz" wrap="square" lIns="80010" tIns="80010" rIns="106680" bIns="120015" numCol="1" spcCol="1270" anchor="t" anchorCtr="0">
+        <a:bodyPr spcFirstLastPara="0" vert="horz" wrap="square" lIns="74676" tIns="74676" rIns="99568" bIns="112014" numCol="1" spcCol="1270" anchor="t" anchorCtr="0">
           <a:noAutofit/>
         </a:bodyPr>
         <a:lstStyle/>
         <a:p>
-          <a:pPr marL="114300" lvl="1" indent="-114300" algn="l" defTabSz="666750">
+          <a:pPr marL="114300" lvl="1" indent="-114300" algn="l" defTabSz="622300">
             <a:lnSpc>
               <a:spcPct val="90000"/>
             </a:lnSpc>
@@ -3053,12 +5747,12 @@
             <a:buNone/>
           </a:pPr>
           <a:r>
-            <a:rPr lang="en-US" sz="1500" kern="1200" dirty="0"/>
+            <a:rPr lang="en-US" sz="1400" kern="1200" dirty="0"/>
             <a:t>Pros: </a:t>
           </a:r>
         </a:p>
         <a:p>
-          <a:pPr marL="114300" lvl="1" indent="-114300" algn="l" defTabSz="666750">
+          <a:pPr marL="114300" lvl="1" indent="-114300" algn="l" defTabSz="622300">
             <a:lnSpc>
               <a:spcPct val="90000"/>
             </a:lnSpc>
@@ -3071,12 +5765,12 @@
             <a:buChar char="•"/>
           </a:pPr>
           <a:r>
-            <a:rPr lang="en-US" sz="1500" kern="1200" dirty="0"/>
+            <a:rPr lang="en-US" sz="1400" kern="1200" dirty="0"/>
             <a:t>Maximizes Return </a:t>
           </a:r>
         </a:p>
         <a:p>
-          <a:pPr marL="114300" lvl="1" indent="-114300" algn="l" defTabSz="666750">
+          <a:pPr marL="114300" lvl="1" indent="-114300" algn="l" defTabSz="622300">
             <a:lnSpc>
               <a:spcPct val="90000"/>
             </a:lnSpc>
@@ -3088,12 +5782,99 @@
             </a:spcAft>
             <a:buChar char="•"/>
           </a:pPr>
-          <a:endParaRPr lang="en-US" sz="1500" kern="1200" dirty="0"/>
+          <a:r>
+            <a:rPr lang="en-US" sz="1400" kern="1200" dirty="0"/>
+            <a:t>Increased Diversity in Investment </a:t>
+          </a:r>
+        </a:p>
+        <a:p>
+          <a:pPr marL="114300" lvl="1" indent="-114300" algn="l" defTabSz="622300">
+            <a:lnSpc>
+              <a:spcPct val="90000"/>
+            </a:lnSpc>
+            <a:spcBef>
+              <a:spcPct val="0"/>
+            </a:spcBef>
+            <a:spcAft>
+              <a:spcPct val="15000"/>
+            </a:spcAft>
+            <a:buChar char="•"/>
+          </a:pPr>
+          <a:endParaRPr lang="en-US" sz="1400" kern="1200" dirty="0"/>
+        </a:p>
+        <a:p>
+          <a:pPr marL="114300" lvl="1" indent="-114300" algn="l" defTabSz="622300">
+            <a:lnSpc>
+              <a:spcPct val="90000"/>
+            </a:lnSpc>
+            <a:spcBef>
+              <a:spcPct val="0"/>
+            </a:spcBef>
+            <a:spcAft>
+              <a:spcPct val="15000"/>
+            </a:spcAft>
+            <a:buChar char="•"/>
+          </a:pPr>
+          <a:endParaRPr lang="en-US" sz="1400" kern="1200" dirty="0"/>
+        </a:p>
+        <a:p>
+          <a:pPr marL="114300" lvl="1" indent="-114300" algn="l" defTabSz="622300">
+            <a:lnSpc>
+              <a:spcPct val="90000"/>
+            </a:lnSpc>
+            <a:spcBef>
+              <a:spcPct val="0"/>
+            </a:spcBef>
+            <a:spcAft>
+              <a:spcPct val="15000"/>
+            </a:spcAft>
+            <a:buNone/>
+          </a:pPr>
+          <a:r>
+            <a:rPr lang="en-US" sz="1400" kern="1200" dirty="0"/>
+            <a:t>Cons: </a:t>
+          </a:r>
+        </a:p>
+        <a:p>
+          <a:pPr marL="114300" lvl="1" indent="-114300" algn="l" defTabSz="622300">
+            <a:lnSpc>
+              <a:spcPct val="90000"/>
+            </a:lnSpc>
+            <a:spcBef>
+              <a:spcPct val="0"/>
+            </a:spcBef>
+            <a:spcAft>
+              <a:spcPct val="15000"/>
+            </a:spcAft>
+            <a:buChar char="•"/>
+          </a:pPr>
+          <a:r>
+            <a:rPr lang="en-US" sz="1400" kern="1200" dirty="0"/>
+            <a:t>Higher start-up Cost</a:t>
+          </a:r>
+        </a:p>
+        <a:p>
+          <a:pPr marL="114300" lvl="1" indent="-114300" algn="l" defTabSz="622300">
+            <a:lnSpc>
+              <a:spcPct val="90000"/>
+            </a:lnSpc>
+            <a:spcBef>
+              <a:spcPct val="0"/>
+            </a:spcBef>
+            <a:spcAft>
+              <a:spcPct val="15000"/>
+            </a:spcAft>
+            <a:buChar char="•"/>
+          </a:pPr>
+          <a:r>
+            <a:rPr lang="en-US" sz="1400" kern="1200" dirty="0"/>
+            <a:t>Increased Risk  </a:t>
+          </a:r>
         </a:p>
       </dsp:txBody>
       <dsp:txXfrm>
-        <a:off x="4074987" y="943287"/>
-        <a:ext cx="3497420" cy="2319338"/>
+        <a:off x="4038591" y="1066404"/>
+        <a:ext cx="3497420" cy="2765555"/>
       </dsp:txXfrm>
     </dsp:sp>
     <dsp:sp modelId="{5EE0ABB4-1D8C-498C-B2D6-E829A7BED688}">
@@ -3104,7 +5885,7 @@
       <dsp:spPr>
         <a:xfrm>
           <a:off x="8077209" y="0"/>
-          <a:ext cx="3497420" cy="599414"/>
+          <a:ext cx="3497420" cy="877920"/>
         </a:xfrm>
         <a:prstGeom prst="roundRect">
           <a:avLst/>
@@ -3146,12 +5927,12 @@
         </a:fontRef>
       </dsp:style>
       <dsp:txBody>
-        <a:bodyPr spcFirstLastPara="0" vert="horz" wrap="square" lIns="106680" tIns="60960" rIns="106680" bIns="60960" numCol="1" spcCol="1270" anchor="ctr" anchorCtr="0">
+        <a:bodyPr spcFirstLastPara="0" vert="horz" wrap="square" lIns="99568" tIns="56896" rIns="99568" bIns="56896" numCol="1" spcCol="1270" anchor="ctr" anchorCtr="0">
           <a:noAutofit/>
         </a:bodyPr>
         <a:lstStyle/>
         <a:p>
-          <a:pPr marL="0" lvl="0" indent="0" algn="ctr" defTabSz="666750">
+          <a:pPr marL="0" lvl="0" indent="0" algn="ctr" defTabSz="622300">
             <a:lnSpc>
               <a:spcPct val="90000"/>
             </a:lnSpc>
@@ -3164,14 +5945,32 @@
             <a:buNone/>
           </a:pPr>
           <a:r>
-            <a:rPr lang="en-US" sz="1500" kern="1200" dirty="0"/>
+            <a:rPr lang="en-US" sz="1400" kern="1200" dirty="0"/>
+            <a:t>Path 3: </a:t>
+          </a:r>
+        </a:p>
+        <a:p>
+          <a:pPr marL="0" lvl="0" indent="0" algn="ctr" defTabSz="622300">
+            <a:lnSpc>
+              <a:spcPct val="90000"/>
+            </a:lnSpc>
+            <a:spcBef>
+              <a:spcPct val="0"/>
+            </a:spcBef>
+            <a:spcAft>
+              <a:spcPct val="35000"/>
+            </a:spcAft>
+            <a:buNone/>
+          </a:pPr>
+          <a:r>
+            <a:rPr lang="en-US" sz="1400" kern="1200" dirty="0"/>
             <a:t>Continue Current Trajectory </a:t>
           </a:r>
         </a:p>
       </dsp:txBody>
       <dsp:txXfrm>
-        <a:off x="8106470" y="29261"/>
-        <a:ext cx="3438898" cy="540892"/>
+        <a:off x="8120066" y="42857"/>
+        <a:ext cx="3411706" cy="792206"/>
       </dsp:txXfrm>
     </dsp:sp>
     <dsp:sp modelId="{4B187744-4B45-4628-80A2-452EC69E8428}">
@@ -3181,8 +5980,8 @@
       </dsp:nvSpPr>
       <dsp:spPr>
         <a:xfrm>
-          <a:off x="8153402" y="943287"/>
-          <a:ext cx="3497420" cy="2319338"/>
+          <a:off x="8153402" y="1066404"/>
+          <a:ext cx="3497420" cy="2765555"/>
         </a:xfrm>
         <a:prstGeom prst="rect">
           <a:avLst/>
@@ -3217,12 +6016,30 @@
         <a:fontRef idx="minor"/>
       </dsp:style>
       <dsp:txBody>
-        <a:bodyPr spcFirstLastPara="0" vert="horz" wrap="square" lIns="80010" tIns="80010" rIns="106680" bIns="120015" numCol="1" spcCol="1270" anchor="t" anchorCtr="0">
+        <a:bodyPr spcFirstLastPara="0" vert="horz" wrap="square" lIns="74676" tIns="74676" rIns="99568" bIns="112014" numCol="1" spcCol="1270" anchor="t" anchorCtr="0">
           <a:noAutofit/>
         </a:bodyPr>
         <a:lstStyle/>
         <a:p>
-          <a:pPr marL="114300" lvl="1" indent="-114300" algn="l" defTabSz="666750">
+          <a:pPr marL="114300" lvl="1" indent="-114300" algn="l" defTabSz="622300">
+            <a:lnSpc>
+              <a:spcPct val="90000"/>
+            </a:lnSpc>
+            <a:spcBef>
+              <a:spcPct val="0"/>
+            </a:spcBef>
+            <a:spcAft>
+              <a:spcPct val="15000"/>
+            </a:spcAft>
+            <a:buNone/>
+          </a:pPr>
+          <a:r>
+            <a:rPr lang="en-US" sz="1400" kern="1200" dirty="0"/>
+            <a:t>Pros: </a:t>
+          </a:r>
+        </a:p>
+        <a:p>
+          <a:pPr marL="114300" lvl="1" indent="-114300" algn="l" defTabSz="622300">
             <a:lnSpc>
               <a:spcPct val="90000"/>
             </a:lnSpc>
@@ -3234,10 +6051,13 @@
             </a:spcAft>
             <a:buChar char="•"/>
           </a:pPr>
-          <a:endParaRPr lang="en-US" sz="1500" kern="1200"/>
+          <a:r>
+            <a:rPr lang="en-US" sz="1400" kern="1200" dirty="0"/>
+            <a:t>No Risk </a:t>
+          </a:r>
         </a:p>
         <a:p>
-          <a:pPr marL="114300" lvl="1" indent="-114300" algn="l" defTabSz="666750">
+          <a:pPr marL="114300" lvl="1" indent="-114300" algn="l" defTabSz="622300">
             <a:lnSpc>
               <a:spcPct val="90000"/>
             </a:lnSpc>
@@ -3249,12 +6069,710 @@
             </a:spcAft>
             <a:buChar char="•"/>
           </a:pPr>
-          <a:endParaRPr lang="en-US" sz="1500" kern="1200" dirty="0"/>
+          <a:r>
+            <a:rPr lang="en-US" sz="1400" kern="1200" dirty="0"/>
+            <a:t>Loss in Earning Potential of $3M +</a:t>
+          </a:r>
+        </a:p>
+        <a:p>
+          <a:pPr marL="114300" lvl="1" indent="-114300" algn="l" defTabSz="622300">
+            <a:lnSpc>
+              <a:spcPct val="90000"/>
+            </a:lnSpc>
+            <a:spcBef>
+              <a:spcPct val="0"/>
+            </a:spcBef>
+            <a:spcAft>
+              <a:spcPct val="15000"/>
+            </a:spcAft>
+            <a:buChar char="•"/>
+          </a:pPr>
+          <a:endParaRPr lang="en-US" sz="1400" kern="1200" dirty="0"/>
+        </a:p>
+        <a:p>
+          <a:pPr marL="114300" lvl="1" indent="-114300" algn="l" defTabSz="622300">
+            <a:lnSpc>
+              <a:spcPct val="90000"/>
+            </a:lnSpc>
+            <a:spcBef>
+              <a:spcPct val="0"/>
+            </a:spcBef>
+            <a:spcAft>
+              <a:spcPct val="15000"/>
+            </a:spcAft>
+            <a:buChar char="•"/>
+          </a:pPr>
+          <a:endParaRPr lang="en-US" sz="1400" kern="1200" dirty="0"/>
+        </a:p>
+        <a:p>
+          <a:pPr marL="114300" lvl="1" indent="-114300" algn="l" defTabSz="622300">
+            <a:lnSpc>
+              <a:spcPct val="90000"/>
+            </a:lnSpc>
+            <a:spcBef>
+              <a:spcPct val="0"/>
+            </a:spcBef>
+            <a:spcAft>
+              <a:spcPct val="15000"/>
+            </a:spcAft>
+            <a:buNone/>
+          </a:pPr>
+          <a:r>
+            <a:rPr lang="en-US" sz="1400" kern="1200" dirty="0"/>
+            <a:t>Cons: </a:t>
+          </a:r>
+        </a:p>
+        <a:p>
+          <a:pPr marL="114300" lvl="1" indent="-114300" algn="l" defTabSz="622300">
+            <a:lnSpc>
+              <a:spcPct val="90000"/>
+            </a:lnSpc>
+            <a:spcBef>
+              <a:spcPct val="0"/>
+            </a:spcBef>
+            <a:spcAft>
+              <a:spcPct val="15000"/>
+            </a:spcAft>
+            <a:buChar char="•"/>
+          </a:pPr>
+          <a:r>
+            <a:rPr lang="en-US" sz="1400" kern="1200" dirty="0"/>
+            <a:t>No Reward</a:t>
+          </a:r>
+        </a:p>
+        <a:p>
+          <a:pPr marL="114300" lvl="1" indent="-114300" algn="l" defTabSz="622300">
+            <a:lnSpc>
+              <a:spcPct val="90000"/>
+            </a:lnSpc>
+            <a:spcBef>
+              <a:spcPct val="0"/>
+            </a:spcBef>
+            <a:spcAft>
+              <a:spcPct val="15000"/>
+            </a:spcAft>
+            <a:buChar char="•"/>
+          </a:pPr>
+          <a:r>
+            <a:rPr lang="en-US" sz="1400" kern="1200" dirty="0"/>
+            <a:t>No Increased Market Capture  </a:t>
+          </a:r>
         </a:p>
       </dsp:txBody>
       <dsp:txXfrm>
-        <a:off x="8153402" y="943287"/>
-        <a:ext cx="3497420" cy="2319338"/>
+        <a:off x="8153402" y="1066404"/>
+        <a:ext cx="3497420" cy="2765555"/>
+      </dsp:txXfrm>
+    </dsp:sp>
+  </dsp:spTree>
+</dsp:drawing>
+</file>
+
+<file path=ppt/diagrams/drawing2.xml><?xml version="1.0" encoding="utf-8"?>
+<dsp:drawing xmlns:dgm="http://schemas.openxmlformats.org/drawingml/2006/diagram" xmlns:dsp="http://schemas.microsoft.com/office/drawing/2008/diagram" xmlns:a="http://schemas.openxmlformats.org/drawingml/2006/main">
+  <dsp:spTree>
+    <dsp:nvGrpSpPr>
+      <dsp:cNvPr id="0" name=""/>
+      <dsp:cNvGrpSpPr/>
+    </dsp:nvGrpSpPr>
+    <dsp:grpSpPr/>
+    <dsp:sp modelId="{BA492A3F-F264-464F-B8C2-D9533D26D47C}">
+      <dsp:nvSpPr>
+        <dsp:cNvPr id="0" name=""/>
+        <dsp:cNvSpPr/>
+      </dsp:nvSpPr>
+      <dsp:spPr>
+        <a:xfrm>
+          <a:off x="0" y="143139"/>
+          <a:ext cx="6375400" cy="3984625"/>
+        </a:xfrm>
+        <a:prstGeom prst="swooshArrow">
+          <a:avLst>
+            <a:gd name="adj1" fmla="val 25000"/>
+            <a:gd name="adj2" fmla="val 25000"/>
+          </a:avLst>
+        </a:prstGeom>
+        <a:solidFill>
+          <a:schemeClr val="accent1">
+            <a:tint val="40000"/>
+            <a:hueOff val="0"/>
+            <a:satOff val="0"/>
+            <a:lumOff val="0"/>
+            <a:alphaOff val="0"/>
+          </a:schemeClr>
+        </a:solidFill>
+        <a:ln>
+          <a:noFill/>
+        </a:ln>
+        <a:effectLst/>
+      </dsp:spPr>
+      <dsp:style>
+        <a:lnRef idx="0">
+          <a:scrgbClr r="0" g="0" b="0"/>
+        </a:lnRef>
+        <a:fillRef idx="1">
+          <a:scrgbClr r="0" g="0" b="0"/>
+        </a:fillRef>
+        <a:effectRef idx="0">
+          <a:scrgbClr r="0" g="0" b="0"/>
+        </a:effectRef>
+        <a:fontRef idx="minor"/>
+      </dsp:style>
+    </dsp:sp>
+    <dsp:sp modelId="{8A729C39-CC28-D442-A977-8F8299CA512C}">
+      <dsp:nvSpPr>
+        <dsp:cNvPr id="0" name=""/>
+        <dsp:cNvSpPr/>
+      </dsp:nvSpPr>
+      <dsp:spPr>
+        <a:xfrm>
+          <a:off x="627976" y="3106106"/>
+          <a:ext cx="146634" cy="146634"/>
+        </a:xfrm>
+        <a:prstGeom prst="ellipse">
+          <a:avLst/>
+        </a:prstGeom>
+        <a:solidFill>
+          <a:schemeClr val="accent1">
+            <a:hueOff val="0"/>
+            <a:satOff val="0"/>
+            <a:lumOff val="0"/>
+            <a:alphaOff val="0"/>
+          </a:schemeClr>
+        </a:solidFill>
+        <a:ln w="12700" cap="flat" cmpd="sng" algn="ctr">
+          <a:solidFill>
+            <a:schemeClr val="lt1">
+              <a:hueOff val="0"/>
+              <a:satOff val="0"/>
+              <a:lumOff val="0"/>
+              <a:alphaOff val="0"/>
+            </a:schemeClr>
+          </a:solidFill>
+          <a:prstDash val="solid"/>
+          <a:miter lim="800000"/>
+        </a:ln>
+        <a:effectLst/>
+      </dsp:spPr>
+      <dsp:style>
+        <a:lnRef idx="2">
+          <a:scrgbClr r="0" g="0" b="0"/>
+        </a:lnRef>
+        <a:fillRef idx="1">
+          <a:scrgbClr r="0" g="0" b="0"/>
+        </a:fillRef>
+        <a:effectRef idx="0">
+          <a:scrgbClr r="0" g="0" b="0"/>
+        </a:effectRef>
+        <a:fontRef idx="minor">
+          <a:schemeClr val="lt1"/>
+        </a:fontRef>
+      </dsp:style>
+    </dsp:sp>
+    <dsp:sp modelId="{7C25F59D-CD0F-8A4D-B84B-B844AD74BC24}">
+      <dsp:nvSpPr>
+        <dsp:cNvPr id="0" name=""/>
+        <dsp:cNvSpPr/>
+      </dsp:nvSpPr>
+      <dsp:spPr>
+        <a:xfrm>
+          <a:off x="780518" y="3322563"/>
+          <a:ext cx="1090193" cy="948340"/>
+        </a:xfrm>
+        <a:prstGeom prst="rect">
+          <a:avLst/>
+        </a:prstGeom>
+        <a:noFill/>
+        <a:ln>
+          <a:noFill/>
+        </a:ln>
+        <a:effectLst/>
+      </dsp:spPr>
+      <dsp:style>
+        <a:lnRef idx="0">
+          <a:scrgbClr r="0" g="0" b="0"/>
+        </a:lnRef>
+        <a:fillRef idx="0">
+          <a:scrgbClr r="0" g="0" b="0"/>
+        </a:fillRef>
+        <a:effectRef idx="0">
+          <a:scrgbClr r="0" g="0" b="0"/>
+        </a:effectRef>
+        <a:fontRef idx="minor"/>
+      </dsp:style>
+      <dsp:txBody>
+        <a:bodyPr spcFirstLastPara="0" vert="horz" wrap="square" lIns="77698" tIns="0" rIns="0" bIns="0" numCol="1" spcCol="1270" anchor="t" anchorCtr="0">
+          <a:noAutofit/>
+        </a:bodyPr>
+        <a:lstStyle/>
+        <a:p>
+          <a:pPr marL="0" lvl="0" indent="0" algn="l" defTabSz="444500">
+            <a:lnSpc>
+              <a:spcPct val="90000"/>
+            </a:lnSpc>
+            <a:spcBef>
+              <a:spcPct val="0"/>
+            </a:spcBef>
+            <a:spcAft>
+              <a:spcPct val="35000"/>
+            </a:spcAft>
+            <a:buNone/>
+          </a:pPr>
+          <a:r>
+            <a:rPr lang="en-US" sz="1000" kern="1200" dirty="0">
+              <a:solidFill>
+                <a:schemeClr val="bg2"/>
+              </a:solidFill>
+            </a:rPr>
+            <a:t>Phase 1: Preparation and Listing </a:t>
+          </a:r>
+        </a:p>
+      </dsp:txBody>
+      <dsp:txXfrm>
+        <a:off x="780518" y="3322563"/>
+        <a:ext cx="1090193" cy="948340"/>
+      </dsp:txXfrm>
+    </dsp:sp>
+    <dsp:sp modelId="{3DD9F795-D624-6044-9B0E-26E7BEF73AE1}">
+      <dsp:nvSpPr>
+        <dsp:cNvPr id="0" name=""/>
+        <dsp:cNvSpPr/>
+      </dsp:nvSpPr>
+      <dsp:spPr>
+        <a:xfrm>
+          <a:off x="1771121" y="2135453"/>
+          <a:ext cx="255016" cy="255016"/>
+        </a:xfrm>
+        <a:prstGeom prst="ellipse">
+          <a:avLst/>
+        </a:prstGeom>
+        <a:solidFill>
+          <a:schemeClr val="accent1">
+            <a:hueOff val="0"/>
+            <a:satOff val="0"/>
+            <a:lumOff val="0"/>
+            <a:alphaOff val="0"/>
+          </a:schemeClr>
+        </a:solidFill>
+        <a:ln w="12700" cap="flat" cmpd="sng" algn="ctr">
+          <a:solidFill>
+            <a:schemeClr val="lt1">
+              <a:hueOff val="0"/>
+              <a:satOff val="0"/>
+              <a:lumOff val="0"/>
+              <a:alphaOff val="0"/>
+            </a:schemeClr>
+          </a:solidFill>
+          <a:prstDash val="solid"/>
+          <a:miter lim="800000"/>
+        </a:ln>
+        <a:effectLst/>
+      </dsp:spPr>
+      <dsp:style>
+        <a:lnRef idx="2">
+          <a:scrgbClr r="0" g="0" b="0"/>
+        </a:lnRef>
+        <a:fillRef idx="1">
+          <a:scrgbClr r="0" g="0" b="0"/>
+        </a:fillRef>
+        <a:effectRef idx="0">
+          <a:scrgbClr r="0" g="0" b="0"/>
+        </a:effectRef>
+        <a:fontRef idx="minor">
+          <a:schemeClr val="lt1"/>
+        </a:fontRef>
+      </dsp:style>
+    </dsp:sp>
+    <dsp:sp modelId="{A20F1BE8-4DEB-FF41-8207-4D5FCF74D062}">
+      <dsp:nvSpPr>
+        <dsp:cNvPr id="0" name=""/>
+        <dsp:cNvSpPr/>
+      </dsp:nvSpPr>
+      <dsp:spPr>
+        <a:xfrm>
+          <a:off x="1999716" y="2481704"/>
+          <a:ext cx="2013981" cy="547912"/>
+        </a:xfrm>
+        <a:prstGeom prst="rect">
+          <a:avLst/>
+        </a:prstGeom>
+        <a:noFill/>
+        <a:ln>
+          <a:noFill/>
+        </a:ln>
+        <a:effectLst/>
+      </dsp:spPr>
+      <dsp:style>
+        <a:lnRef idx="0">
+          <a:scrgbClr r="0" g="0" b="0"/>
+        </a:lnRef>
+        <a:fillRef idx="0">
+          <a:scrgbClr r="0" g="0" b="0"/>
+        </a:fillRef>
+        <a:effectRef idx="0">
+          <a:scrgbClr r="0" g="0" b="0"/>
+        </a:effectRef>
+        <a:fontRef idx="minor"/>
+      </dsp:style>
+      <dsp:txBody>
+        <a:bodyPr spcFirstLastPara="0" vert="horz" wrap="square" lIns="135128" tIns="0" rIns="0" bIns="0" numCol="1" spcCol="1270" anchor="t" anchorCtr="0">
+          <a:noAutofit/>
+        </a:bodyPr>
+        <a:lstStyle/>
+        <a:p>
+          <a:pPr marL="0" lvl="0" indent="0" algn="l" defTabSz="444500">
+            <a:lnSpc>
+              <a:spcPct val="90000"/>
+            </a:lnSpc>
+            <a:spcBef>
+              <a:spcPct val="0"/>
+            </a:spcBef>
+            <a:spcAft>
+              <a:spcPct val="35000"/>
+            </a:spcAft>
+            <a:buNone/>
+          </a:pPr>
+          <a:r>
+            <a:rPr lang="en-US" sz="1000" kern="1200" dirty="0">
+              <a:solidFill>
+                <a:schemeClr val="bg2"/>
+              </a:solidFill>
+            </a:rPr>
+            <a:t>Phase 2: </a:t>
+          </a:r>
+        </a:p>
+        <a:p>
+          <a:pPr marL="0" lvl="0" indent="0" algn="l" defTabSz="444500">
+            <a:lnSpc>
+              <a:spcPct val="90000"/>
+            </a:lnSpc>
+            <a:spcBef>
+              <a:spcPct val="0"/>
+            </a:spcBef>
+            <a:spcAft>
+              <a:spcPct val="35000"/>
+            </a:spcAft>
+            <a:buNone/>
+          </a:pPr>
+          <a:r>
+            <a:rPr lang="en-US" sz="1000" kern="1200" dirty="0">
+              <a:solidFill>
+                <a:schemeClr val="bg2"/>
+              </a:solidFill>
+            </a:rPr>
+            <a:t>Further </a:t>
+          </a:r>
+        </a:p>
+        <a:p>
+          <a:pPr marL="0" lvl="0" indent="0" algn="l" defTabSz="444500">
+            <a:lnSpc>
+              <a:spcPct val="90000"/>
+            </a:lnSpc>
+            <a:spcBef>
+              <a:spcPct val="0"/>
+            </a:spcBef>
+            <a:spcAft>
+              <a:spcPct val="35000"/>
+            </a:spcAft>
+            <a:buNone/>
+          </a:pPr>
+          <a:r>
+            <a:rPr lang="en-US" sz="1000" kern="1200" dirty="0">
+              <a:solidFill>
+                <a:schemeClr val="bg2"/>
+              </a:solidFill>
+            </a:rPr>
+            <a:t>Analysis</a:t>
+          </a:r>
+          <a:r>
+            <a:rPr lang="en-US" sz="1000" kern="1200" dirty="0"/>
+            <a:t> </a:t>
+          </a:r>
+        </a:p>
+      </dsp:txBody>
+      <dsp:txXfrm>
+        <a:off x="1999716" y="2481704"/>
+        <a:ext cx="2013981" cy="547912"/>
+      </dsp:txXfrm>
+    </dsp:sp>
+    <dsp:sp modelId="{8099B090-9C31-9C44-AA24-A80508A50CE7}">
+      <dsp:nvSpPr>
+        <dsp:cNvPr id="0" name=""/>
+        <dsp:cNvSpPr/>
+      </dsp:nvSpPr>
+      <dsp:spPr>
+        <a:xfrm>
+          <a:off x="2989503" y="1491097"/>
+          <a:ext cx="337896" cy="337896"/>
+        </a:xfrm>
+        <a:prstGeom prst="ellipse">
+          <a:avLst/>
+        </a:prstGeom>
+        <a:solidFill>
+          <a:schemeClr val="accent1">
+            <a:hueOff val="0"/>
+            <a:satOff val="0"/>
+            <a:lumOff val="0"/>
+            <a:alphaOff val="0"/>
+          </a:schemeClr>
+        </a:solidFill>
+        <a:ln w="12700" cap="flat" cmpd="sng" algn="ctr">
+          <a:solidFill>
+            <a:schemeClr val="lt1">
+              <a:hueOff val="0"/>
+              <a:satOff val="0"/>
+              <a:lumOff val="0"/>
+              <a:alphaOff val="0"/>
+            </a:schemeClr>
+          </a:solidFill>
+          <a:prstDash val="solid"/>
+          <a:miter lim="800000"/>
+        </a:ln>
+        <a:effectLst/>
+      </dsp:spPr>
+      <dsp:style>
+        <a:lnRef idx="2">
+          <a:scrgbClr r="0" g="0" b="0"/>
+        </a:lnRef>
+        <a:fillRef idx="1">
+          <a:scrgbClr r="0" g="0" b="0"/>
+        </a:fillRef>
+        <a:effectRef idx="0">
+          <a:scrgbClr r="0" g="0" b="0"/>
+        </a:effectRef>
+        <a:fontRef idx="minor">
+          <a:schemeClr val="lt1"/>
+        </a:fontRef>
+      </dsp:style>
+    </dsp:sp>
+    <dsp:sp modelId="{B7733AEF-B4F3-D24F-AEB2-19A39F5135CE}">
+      <dsp:nvSpPr>
+        <dsp:cNvPr id="0" name=""/>
+        <dsp:cNvSpPr/>
+      </dsp:nvSpPr>
+      <dsp:spPr>
+        <a:xfrm>
+          <a:off x="3218922" y="1964053"/>
+          <a:ext cx="1338834" cy="694350"/>
+        </a:xfrm>
+        <a:prstGeom prst="rect">
+          <a:avLst/>
+        </a:prstGeom>
+        <a:noFill/>
+        <a:ln>
+          <a:noFill/>
+        </a:ln>
+        <a:effectLst/>
+      </dsp:spPr>
+      <dsp:style>
+        <a:lnRef idx="0">
+          <a:scrgbClr r="0" g="0" b="0"/>
+        </a:lnRef>
+        <a:fillRef idx="0">
+          <a:scrgbClr r="0" g="0" b="0"/>
+        </a:fillRef>
+        <a:effectRef idx="0">
+          <a:scrgbClr r="0" g="0" b="0"/>
+        </a:effectRef>
+        <a:fontRef idx="minor"/>
+      </dsp:style>
+      <dsp:txBody>
+        <a:bodyPr spcFirstLastPara="0" vert="horz" wrap="square" lIns="179044" tIns="0" rIns="0" bIns="0" numCol="1" spcCol="1270" anchor="t" anchorCtr="0">
+          <a:noAutofit/>
+        </a:bodyPr>
+        <a:lstStyle/>
+        <a:p>
+          <a:pPr marL="0" lvl="0" indent="0" algn="l" defTabSz="444500">
+            <a:lnSpc>
+              <a:spcPct val="90000"/>
+            </a:lnSpc>
+            <a:spcBef>
+              <a:spcPct val="0"/>
+            </a:spcBef>
+            <a:spcAft>
+              <a:spcPct val="35000"/>
+            </a:spcAft>
+            <a:buNone/>
+          </a:pPr>
+          <a:r>
+            <a:rPr lang="en-US" sz="1000" kern="1200" dirty="0">
+              <a:solidFill>
+                <a:schemeClr val="bg2"/>
+              </a:solidFill>
+            </a:rPr>
+            <a:t>Phase 3: </a:t>
+          </a:r>
+        </a:p>
+        <a:p>
+          <a:pPr marL="0" lvl="0" indent="0" algn="l" defTabSz="444500">
+            <a:lnSpc>
+              <a:spcPct val="90000"/>
+            </a:lnSpc>
+            <a:spcBef>
+              <a:spcPct val="0"/>
+            </a:spcBef>
+            <a:spcAft>
+              <a:spcPct val="35000"/>
+            </a:spcAft>
+            <a:buNone/>
+          </a:pPr>
+          <a:r>
+            <a:rPr lang="en-US" sz="1000" kern="1200" dirty="0">
+              <a:solidFill>
+                <a:schemeClr val="bg2"/>
+              </a:solidFill>
+            </a:rPr>
+            <a:t>Marketing Boost</a:t>
+          </a:r>
+          <a:r>
+            <a:rPr lang="en-US" sz="1000" kern="1200" dirty="0"/>
+            <a:t> </a:t>
+          </a:r>
+        </a:p>
+      </dsp:txBody>
+      <dsp:txXfrm>
+        <a:off x="3218922" y="1964053"/>
+        <a:ext cx="1338834" cy="694350"/>
+      </dsp:txXfrm>
+    </dsp:sp>
+    <dsp:sp modelId="{87454C78-9689-E84D-8595-5170D4BD45A6}">
+      <dsp:nvSpPr>
+        <dsp:cNvPr id="0" name=""/>
+        <dsp:cNvSpPr/>
+      </dsp:nvSpPr>
+      <dsp:spPr>
+        <a:xfrm>
+          <a:off x="4438121" y="1033896"/>
+          <a:ext cx="452653" cy="452653"/>
+        </a:xfrm>
+        <a:prstGeom prst="ellipse">
+          <a:avLst/>
+        </a:prstGeom>
+        <a:solidFill>
+          <a:schemeClr val="accent1">
+            <a:hueOff val="0"/>
+            <a:satOff val="0"/>
+            <a:lumOff val="0"/>
+            <a:alphaOff val="0"/>
+          </a:schemeClr>
+        </a:solidFill>
+        <a:ln w="12700" cap="flat" cmpd="sng" algn="ctr">
+          <a:solidFill>
+            <a:schemeClr val="lt1">
+              <a:hueOff val="0"/>
+              <a:satOff val="0"/>
+              <a:lumOff val="0"/>
+              <a:alphaOff val="0"/>
+            </a:schemeClr>
+          </a:solidFill>
+          <a:prstDash val="solid"/>
+          <a:miter lim="800000"/>
+        </a:ln>
+        <a:effectLst/>
+      </dsp:spPr>
+      <dsp:style>
+        <a:lnRef idx="2">
+          <a:scrgbClr r="0" g="0" b="0"/>
+        </a:lnRef>
+        <a:fillRef idx="1">
+          <a:scrgbClr r="0" g="0" b="0"/>
+        </a:fillRef>
+        <a:effectRef idx="0">
+          <a:scrgbClr r="0" g="0" b="0"/>
+        </a:effectRef>
+        <a:fontRef idx="minor">
+          <a:schemeClr val="lt1"/>
+        </a:fontRef>
+      </dsp:style>
+    </dsp:sp>
+    <dsp:sp modelId="{461CDDB3-06DC-844C-9436-0607B3F3962E}">
+      <dsp:nvSpPr>
+        <dsp:cNvPr id="0" name=""/>
+        <dsp:cNvSpPr/>
+      </dsp:nvSpPr>
+      <dsp:spPr>
+        <a:xfrm>
+          <a:off x="4485522" y="1719690"/>
+          <a:ext cx="1338834" cy="648219"/>
+        </a:xfrm>
+        <a:prstGeom prst="rect">
+          <a:avLst/>
+        </a:prstGeom>
+        <a:noFill/>
+        <a:ln>
+          <a:noFill/>
+        </a:ln>
+        <a:effectLst/>
+      </dsp:spPr>
+      <dsp:style>
+        <a:lnRef idx="0">
+          <a:scrgbClr r="0" g="0" b="0"/>
+        </a:lnRef>
+        <a:fillRef idx="0">
+          <a:scrgbClr r="0" g="0" b="0"/>
+        </a:fillRef>
+        <a:effectRef idx="0">
+          <a:scrgbClr r="0" g="0" b="0"/>
+        </a:effectRef>
+        <a:fontRef idx="minor"/>
+      </dsp:style>
+      <dsp:txBody>
+        <a:bodyPr spcFirstLastPara="0" vert="horz" wrap="square" lIns="239852" tIns="0" rIns="0" bIns="0" numCol="1" spcCol="1270" anchor="t" anchorCtr="0">
+          <a:noAutofit/>
+        </a:bodyPr>
+        <a:lstStyle/>
+        <a:p>
+          <a:pPr marL="0" lvl="0" indent="0" algn="l" defTabSz="444500">
+            <a:lnSpc>
+              <a:spcPct val="90000"/>
+            </a:lnSpc>
+            <a:spcBef>
+              <a:spcPct val="0"/>
+            </a:spcBef>
+            <a:spcAft>
+              <a:spcPct val="35000"/>
+            </a:spcAft>
+            <a:buNone/>
+          </a:pPr>
+          <a:r>
+            <a:rPr lang="en-US" sz="1000" kern="1200" dirty="0">
+              <a:solidFill>
+                <a:schemeClr val="bg2"/>
+              </a:solidFill>
+            </a:rPr>
+            <a:t>Phase 4: </a:t>
+          </a:r>
+        </a:p>
+        <a:p>
+          <a:pPr marL="0" lvl="0" indent="0" algn="l" defTabSz="444500">
+            <a:lnSpc>
+              <a:spcPct val="90000"/>
+            </a:lnSpc>
+            <a:spcBef>
+              <a:spcPct val="0"/>
+            </a:spcBef>
+            <a:spcAft>
+              <a:spcPct val="35000"/>
+            </a:spcAft>
+            <a:buNone/>
+          </a:pPr>
+          <a:r>
+            <a:rPr lang="en-US" sz="1000" kern="1200" dirty="0">
+              <a:solidFill>
+                <a:schemeClr val="bg2"/>
+              </a:solidFill>
+            </a:rPr>
+            <a:t>Reassess</a:t>
+          </a:r>
+          <a:r>
+            <a:rPr lang="en-US" sz="1000" kern="1200" dirty="0"/>
+            <a:t> </a:t>
+          </a:r>
+        </a:p>
+      </dsp:txBody>
+      <dsp:txXfrm>
+        <a:off x="4485522" y="1719690"/>
+        <a:ext cx="1338834" cy="648219"/>
       </dsp:txXfrm>
     </dsp:sp>
   </dsp:spTree>
@@ -3478,7 +6996,2686 @@
 </dgm:layoutDef>
 </file>
 
+<file path=ppt/diagrams/layout2.xml><?xml version="1.0" encoding="utf-8"?>
+<dgm:layoutDef xmlns:dgm="http://schemas.openxmlformats.org/drawingml/2006/diagram" xmlns:a="http://schemas.openxmlformats.org/drawingml/2006/main" uniqueId="urn:microsoft.com/office/officeart/2005/8/layout/arrow2">
+  <dgm:title val=""/>
+  <dgm:desc val=""/>
+  <dgm:catLst>
+    <dgm:cat type="process" pri="23000"/>
+  </dgm:catLst>
+  <dgm:sampData useDef="1">
+    <dgm:dataModel>
+      <dgm:ptLst/>
+      <dgm:bg/>
+      <dgm:whole/>
+    </dgm:dataModel>
+  </dgm:sampData>
+  <dgm:styleData>
+    <dgm:dataModel>
+      <dgm:ptLst>
+        <dgm:pt modelId="0" type="doc"/>
+        <dgm:pt modelId="1"/>
+        <dgm:pt modelId="2"/>
+      </dgm:ptLst>
+      <dgm:cxnLst>
+        <dgm:cxn modelId="3" srcId="0" destId="1" srcOrd="0" destOrd="0"/>
+        <dgm:cxn modelId="4" srcId="0" destId="2" srcOrd="1" destOrd="0"/>
+      </dgm:cxnLst>
+      <dgm:bg/>
+      <dgm:whole/>
+    </dgm:dataModel>
+  </dgm:styleData>
+  <dgm:clrData>
+    <dgm:dataModel>
+      <dgm:ptLst>
+        <dgm:pt modelId="0" type="doc"/>
+        <dgm:pt modelId="1"/>
+        <dgm:pt modelId="2"/>
+        <dgm:pt modelId="3"/>
+        <dgm:pt modelId="4"/>
+      </dgm:ptLst>
+      <dgm:cxnLst>
+        <dgm:cxn modelId="5" srcId="0" destId="1" srcOrd="0" destOrd="0"/>
+        <dgm:cxn modelId="6" srcId="0" destId="2" srcOrd="1" destOrd="0"/>
+        <dgm:cxn modelId="7" srcId="0" destId="3" srcOrd="2" destOrd="0"/>
+        <dgm:cxn modelId="8" srcId="0" destId="4" srcOrd="3" destOrd="0"/>
+      </dgm:cxnLst>
+      <dgm:bg/>
+      <dgm:whole/>
+    </dgm:dataModel>
+  </dgm:clrData>
+  <dgm:layoutNode name="arrowDiagram">
+    <dgm:varLst>
+      <dgm:chMax val="5"/>
+      <dgm:dir/>
+      <dgm:resizeHandles val="exact"/>
+    </dgm:varLst>
+    <dgm:alg type="composite">
+      <dgm:param type="ar" val="1.6"/>
+    </dgm:alg>
+    <dgm:shape xmlns:r="http://schemas.openxmlformats.org/officeDocument/2006/relationships" r:blip="">
+      <dgm:adjLst/>
+    </dgm:shape>
+    <dgm:presOf/>
+    <dgm:constrLst>
+      <dgm:constr type="l" for="ch" forName="arrow"/>
+      <dgm:constr type="t" for="ch" forName="arrow"/>
+      <dgm:constr type="w" for="ch" forName="arrow" refType="w"/>
+      <dgm:constr type="h" for="ch" forName="arrow" refType="h"/>
+      <dgm:constr type="ctrX" for="ch" forName="arrowDiagram1" refType="w" fact="0.5"/>
+      <dgm:constr type="ctrY" for="ch" forName="arrowDiagram1" refType="h" fact="0.5"/>
+      <dgm:constr type="w" for="ch" forName="arrowDiagram1" refType="w"/>
+      <dgm:constr type="h" for="ch" forName="arrowDiagram1" refType="h"/>
+      <dgm:constr type="ctrX" for="ch" forName="arrowDiagram2" refType="w" fact="0.5"/>
+      <dgm:constr type="ctrY" for="ch" forName="arrowDiagram2" refType="h" fact="0.5"/>
+      <dgm:constr type="w" for="ch" forName="arrowDiagram2" refType="w"/>
+      <dgm:constr type="h" for="ch" forName="arrowDiagram2" refType="h"/>
+      <dgm:constr type="ctrX" for="ch" forName="arrowDiagram3" refType="w" fact="0.5"/>
+      <dgm:constr type="ctrY" for="ch" forName="arrowDiagram3" refType="h" fact="0.5"/>
+      <dgm:constr type="w" for="ch" forName="arrowDiagram3" refType="w"/>
+      <dgm:constr type="h" for="ch" forName="arrowDiagram3" refType="h"/>
+      <dgm:constr type="ctrX" for="ch" forName="arrowDiagram4" refType="w" fact="0.5"/>
+      <dgm:constr type="ctrY" for="ch" forName="arrowDiagram4" refType="h" fact="0.5"/>
+      <dgm:constr type="w" for="ch" forName="arrowDiagram4" refType="w"/>
+      <dgm:constr type="h" for="ch" forName="arrowDiagram4" refType="h"/>
+      <dgm:constr type="ctrX" for="ch" forName="arrowDiagram5" refType="w" fact="0.5"/>
+      <dgm:constr type="ctrY" for="ch" forName="arrowDiagram5" refType="h" fact="0.5"/>
+      <dgm:constr type="w" for="ch" forName="arrowDiagram5" refType="w"/>
+      <dgm:constr type="h" for="ch" forName="arrowDiagram5" refType="h"/>
+    </dgm:constrLst>
+    <dgm:ruleLst/>
+    <dgm:choose name="Name0">
+      <dgm:if name="Name1" axis="ch" ptType="node" func="cnt" op="gte" val="1">
+        <dgm:layoutNode name="arrow" styleLbl="bgShp">
+          <dgm:alg type="sp"/>
+          <dgm:shape xmlns:r="http://schemas.openxmlformats.org/officeDocument/2006/relationships" type="swooshArrow" r:blip="">
+            <dgm:adjLst>
+              <dgm:adj idx="2" val="0.25"/>
+            </dgm:adjLst>
+          </dgm:shape>
+          <dgm:presOf/>
+          <dgm:constrLst/>
+          <dgm:ruleLst/>
+        </dgm:layoutNode>
+        <dgm:choose name="Name2">
+          <dgm:if name="Name3" axis="ch" ptType="node" func="cnt" op="lt" val="1"/>
+          <dgm:if name="Name4" axis="ch" ptType="node" func="cnt" op="equ" val="1">
+            <dgm:layoutNode name="arrowDiagram1">
+              <dgm:varLst>
+                <dgm:bulletEnabled val="1"/>
+              </dgm:varLst>
+              <dgm:alg type="composite">
+                <dgm:param type="vertAlign" val="none"/>
+                <dgm:param type="horzAlign" val="none"/>
+              </dgm:alg>
+              <dgm:shape xmlns:r="http://schemas.openxmlformats.org/officeDocument/2006/relationships" r:blip="">
+                <dgm:adjLst/>
+              </dgm:shape>
+              <dgm:presOf/>
+              <dgm:constrLst>
+                <dgm:constr type="ctrX" for="ch" forName="bullet1" refType="w" fact="0.8"/>
+                <dgm:constr type="ctrY" for="ch" forName="bullet1" refType="h" fact="0.262"/>
+                <dgm:constr type="w" for="ch" forName="bullet1" refType="w" fact="0.074"/>
+                <dgm:constr type="h" for="ch" forName="bullet1" refType="w" refFor="ch" refForName="bullet1"/>
+                <dgm:constr type="r" for="ch" forName="textBox1" refType="ctrX" refFor="ch" refForName="bullet1"/>
+                <dgm:constr type="t" for="ch" forName="textBox1" refType="ctrY" refFor="ch" refForName="bullet1"/>
+                <dgm:constr type="w" for="ch" forName="textBox1" refType="w" fact="0.4"/>
+                <dgm:constr type="h" for="ch" forName="textBox1" refType="h" fact="0.738"/>
+                <dgm:constr type="userA" refType="h" refFor="ch" refForName="bullet1" fact="0.53"/>
+                <dgm:constr type="rMarg" for="ch" forName="textBox1" refType="userA" fact="2.834"/>
+                <dgm:constr type="primFontSz" for="ch" ptType="node" op="equ" val="65"/>
+              </dgm:constrLst>
+              <dgm:ruleLst/>
+              <dgm:forEach name="Name5" axis="ch" ptType="node" cnt="1">
+                <dgm:layoutNode name="bullet1" styleLbl="node1">
+                  <dgm:alg type="sp"/>
+                  <dgm:shape xmlns:r="http://schemas.openxmlformats.org/officeDocument/2006/relationships" type="ellipse" r:blip="">
+                    <dgm:adjLst/>
+                  </dgm:shape>
+                  <dgm:presOf/>
+                  <dgm:constrLst/>
+                  <dgm:ruleLst/>
+                </dgm:layoutNode>
+                <dgm:layoutNode name="textBox1" styleLbl="revTx">
+                  <dgm:varLst>
+                    <dgm:bulletEnabled val="1"/>
+                  </dgm:varLst>
+                  <dgm:alg type="tx">
+                    <dgm:param type="txAnchorVert" val="t"/>
+                    <dgm:param type="parTxLTRAlign" val="r"/>
+                    <dgm:param type="parTxRTLAlign" val="r"/>
+                  </dgm:alg>
+                  <dgm:shape xmlns:r="http://schemas.openxmlformats.org/officeDocument/2006/relationships" type="round2DiagRect" r:blip="">
+                    <dgm:adjLst/>
+                  </dgm:shape>
+                  <dgm:presOf axis="desOrSelf" ptType="node"/>
+                  <dgm:constrLst>
+                    <dgm:constr type="lMarg"/>
+                    <dgm:constr type="tMarg"/>
+                    <dgm:constr type="bMarg"/>
+                  </dgm:constrLst>
+                  <dgm:ruleLst>
+                    <dgm:rule type="primFontSz" val="5" fact="NaN" max="NaN"/>
+                  </dgm:ruleLst>
+                </dgm:layoutNode>
+              </dgm:forEach>
+            </dgm:layoutNode>
+          </dgm:if>
+          <dgm:if name="Name6" axis="ch" ptType="node" func="cnt" op="equ" val="2">
+            <dgm:layoutNode name="arrowDiagram2">
+              <dgm:alg type="composite">
+                <dgm:param type="vertAlign" val="none"/>
+                <dgm:param type="horzAlign" val="none"/>
+              </dgm:alg>
+              <dgm:shape xmlns:r="http://schemas.openxmlformats.org/officeDocument/2006/relationships" r:blip="">
+                <dgm:adjLst/>
+              </dgm:shape>
+              <dgm:presOf/>
+              <dgm:choose name="Name7">
+                <dgm:if name="Name8" func="var" arg="dir" op="equ" val="norm">
+                  <dgm:constrLst>
+                    <dgm:constr type="ctrX" for="ch" forName="bullet2a" refType="w" fact="0.25"/>
+                    <dgm:constr type="ctrY" for="ch" forName="bullet2a" refType="h" fact="0.573"/>
+                    <dgm:constr type="w" for="ch" forName="bullet2a" refType="w" fact="0.035"/>
+                    <dgm:constr type="h" for="ch" forName="bullet2a" refType="w" refFor="ch" refForName="bullet2a"/>
+                    <dgm:constr type="l" for="ch" forName="textBox2a" refType="ctrX" refFor="ch" refForName="bullet2a"/>
+                    <dgm:constr type="t" for="ch" forName="textBox2a" refType="ctrY" refFor="ch" refForName="bullet2a"/>
+                    <dgm:constr type="w" for="ch" forName="textBox2a" refType="w" fact="0.325"/>
+                    <dgm:constr type="h" for="ch" forName="textBox2a" refType="h" fact="0.427"/>
+                    <dgm:constr type="userA" refType="h" refFor="ch" refForName="bullet2a" fact="0.53"/>
+                    <dgm:constr type="lMarg" for="ch" forName="textBox2a" refType="userA" fact="2.834"/>
+                    <dgm:constr type="ctrX" for="ch" forName="bullet2b" refType="w" fact="0.585"/>
+                    <dgm:constr type="ctrY" for="ch" forName="bullet2b" refType="h" fact="0.338"/>
+                    <dgm:constr type="w" for="ch" forName="bullet2b" refType="w" fact="0.06"/>
+                    <dgm:constr type="h" for="ch" forName="bullet2b" refType="w" refFor="ch" refForName="bullet2b"/>
+                    <dgm:constr type="l" for="ch" forName="textBox2b" refType="ctrX" refFor="ch" refForName="bullet2b"/>
+                    <dgm:constr type="t" for="ch" forName="textBox2b" refType="ctrY" refFor="ch" refForName="bullet2b"/>
+                    <dgm:constr type="w" for="ch" forName="textBox2b" refType="w" fact="0.325"/>
+                    <dgm:constr type="h" for="ch" forName="textBox2b" refType="h" fact="0.662"/>
+                    <dgm:constr type="userB" refType="h" refFor="ch" refForName="bullet2b" fact="0.53"/>
+                    <dgm:constr type="lMarg" for="ch" forName="textBox2b" refType="userB" fact="2.834"/>
+                    <dgm:constr type="primFontSz" for="ch" ptType="node" op="equ" val="65"/>
+                  </dgm:constrLst>
+                </dgm:if>
+                <dgm:else name="Name9">
+                  <dgm:constrLst>
+                    <dgm:constr type="ctrX" for="ch" forName="bullet2a" refType="w" fact="0.25"/>
+                    <dgm:constr type="ctrY" for="ch" forName="bullet2a" refType="h" fact="0.573"/>
+                    <dgm:constr type="w" for="ch" forName="bullet2a" refType="w" fact="0.035"/>
+                    <dgm:constr type="h" for="ch" forName="bullet2a" refType="w" refFor="ch" refForName="bullet2a"/>
+                    <dgm:constr type="r" for="ch" forName="textBox2a" refType="ctrX" refFor="ch" refForName="bullet2a"/>
+                    <dgm:constr type="b" for="ch" forName="textBox2a" refType="ctrY" refFor="ch" refForName="bullet2a"/>
+                    <dgm:constr type="w" for="ch" forName="textBox2a" refType="w" fact="0.25"/>
+                    <dgm:constr type="h" for="ch" forName="textBox2a" refType="h" fact="0.573"/>
+                    <dgm:constr type="userA" refType="h" refFor="ch" refForName="bullet2a" fact="0.53"/>
+                    <dgm:constr type="rMarg" for="ch" forName="textBox2a" refType="userA" fact="2.834"/>
+                    <dgm:constr type="ctrX" for="ch" forName="bullet2b" refType="w" fact="0.585"/>
+                    <dgm:constr type="ctrY" for="ch" forName="bullet2b" refType="h" fact="0.338"/>
+                    <dgm:constr type="w" for="ch" forName="bullet2b" refType="w" fact="0.06"/>
+                    <dgm:constr type="h" for="ch" forName="bullet2b" refType="w" refFor="ch" refForName="bullet2b"/>
+                    <dgm:constr type="r" for="ch" forName="textBox2b" refType="ctrX" refFor="ch" refForName="bullet2b"/>
+                    <dgm:constr type="b" for="ch" forName="textBox2b" refType="ctrY" refFor="ch" refForName="bullet2b"/>
+                    <dgm:constr type="w" for="ch" forName="textBox2b" refType="w" fact="0.28"/>
+                    <dgm:constr type="h" for="ch" forName="textBox2b" refType="h" fact="0.338"/>
+                    <dgm:constr type="userB" refType="h" refFor="ch" refForName="bullet2b" fact="0.53"/>
+                    <dgm:constr type="rMarg" for="ch" forName="textBox2b" refType="userB" fact="2.834"/>
+                    <dgm:constr type="primFontSz" for="ch" ptType="node" op="equ" val="65"/>
+                  </dgm:constrLst>
+                </dgm:else>
+              </dgm:choose>
+              <dgm:ruleLst/>
+              <dgm:forEach name="Name10" axis="ch" ptType="node" cnt="1">
+                <dgm:layoutNode name="bullet2a" styleLbl="node1">
+                  <dgm:alg type="sp"/>
+                  <dgm:shape xmlns:r="http://schemas.openxmlformats.org/officeDocument/2006/relationships" type="ellipse" r:blip="">
+                    <dgm:adjLst/>
+                  </dgm:shape>
+                  <dgm:presOf/>
+                  <dgm:constrLst/>
+                  <dgm:ruleLst/>
+                </dgm:layoutNode>
+                <dgm:layoutNode name="textBox2a" styleLbl="revTx">
+                  <dgm:varLst>
+                    <dgm:bulletEnabled val="1"/>
+                  </dgm:varLst>
+                  <dgm:choose name="Name11">
+                    <dgm:if name="Name12" func="var" arg="dir" op="equ" val="norm">
+                      <dgm:choose name="Name13">
+                        <dgm:if name="Name14" axis="root des" ptType="all node" func="maxDepth" op="gt" val="1">
+                          <dgm:alg type="tx">
+                            <dgm:param type="txAnchorVert" val="t"/>
+                            <dgm:param type="parTxLTRAlign" val="l"/>
+                            <dgm:param type="parTxRTLAlign" val="r"/>
+                          </dgm:alg>
+                        </dgm:if>
+                        <dgm:else name="Name15">
+                          <dgm:alg type="tx">
+                            <dgm:param type="txAnchorVert" val="t"/>
+                            <dgm:param type="parTxLTRAlign" val="l"/>
+                            <dgm:param type="parTxRTLAlign" val="l"/>
+                          </dgm:alg>
+                        </dgm:else>
+                      </dgm:choose>
+                    </dgm:if>
+                    <dgm:else name="Name16">
+                      <dgm:choose name="Name17">
+                        <dgm:if name="Name18" axis="root des" ptType="all node" func="maxDepth" op="gt" val="1">
+                          <dgm:alg type="tx">
+                            <dgm:param type="txAnchorVert" val="b"/>
+                            <dgm:param type="txAnchorVertCh" val="b"/>
+                            <dgm:param type="parTxLTRAlign" val="l"/>
+                            <dgm:param type="parTxRTLAlign" val="r"/>
+                          </dgm:alg>
+                        </dgm:if>
+                        <dgm:else name="Name19">
+                          <dgm:alg type="tx">
+                            <dgm:param type="txAnchorVert" val="b"/>
+                            <dgm:param type="parTxLTRAlign" val="r"/>
+                            <dgm:param type="parTxRTLAlign" val="r"/>
+                          </dgm:alg>
+                        </dgm:else>
+                      </dgm:choose>
+                    </dgm:else>
+                  </dgm:choose>
+                  <dgm:shape xmlns:r="http://schemas.openxmlformats.org/officeDocument/2006/relationships" type="rect" r:blip="">
+                    <dgm:adjLst/>
+                  </dgm:shape>
+                  <dgm:presOf axis="desOrSelf" ptType="node"/>
+                  <dgm:choose name="Name20">
+                    <dgm:if name="Name21" func="var" arg="dir" op="equ" val="norm">
+                      <dgm:constrLst>
+                        <dgm:constr type="rMarg"/>
+                        <dgm:constr type="tMarg"/>
+                        <dgm:constr type="bMarg"/>
+                      </dgm:constrLst>
+                    </dgm:if>
+                    <dgm:else name="Name22">
+                      <dgm:constrLst>
+                        <dgm:constr type="lMarg"/>
+                        <dgm:constr type="tMarg"/>
+                        <dgm:constr type="bMarg"/>
+                      </dgm:constrLst>
+                    </dgm:else>
+                  </dgm:choose>
+                  <dgm:ruleLst>
+                    <dgm:rule type="primFontSz" val="5" fact="NaN" max="NaN"/>
+                  </dgm:ruleLst>
+                </dgm:layoutNode>
+              </dgm:forEach>
+              <dgm:forEach name="Name23" axis="ch" ptType="node" st="2" cnt="1">
+                <dgm:layoutNode name="bullet2b" styleLbl="node1">
+                  <dgm:alg type="sp"/>
+                  <dgm:shape xmlns:r="http://schemas.openxmlformats.org/officeDocument/2006/relationships" type="ellipse" r:blip="">
+                    <dgm:adjLst/>
+                  </dgm:shape>
+                  <dgm:presOf/>
+                  <dgm:constrLst/>
+                  <dgm:ruleLst/>
+                </dgm:layoutNode>
+                <dgm:layoutNode name="textBox2b" styleLbl="revTx">
+                  <dgm:varLst>
+                    <dgm:bulletEnabled val="1"/>
+                  </dgm:varLst>
+                  <dgm:choose name="Name24">
+                    <dgm:if name="Name25" func="var" arg="dir" op="equ" val="norm">
+                      <dgm:choose name="Name26">
+                        <dgm:if name="Name27" axis="root des" ptType="all node" func="maxDepth" op="gt" val="1">
+                          <dgm:alg type="tx">
+                            <dgm:param type="txAnchorVert" val="t"/>
+                            <dgm:param type="parTxLTRAlign" val="l"/>
+                            <dgm:param type="parTxRTLAlign" val="r"/>
+                          </dgm:alg>
+                        </dgm:if>
+                        <dgm:else name="Name28">
+                          <dgm:alg type="tx">
+                            <dgm:param type="txAnchorVert" val="t"/>
+                            <dgm:param type="parTxLTRAlign" val="l"/>
+                            <dgm:param type="parTxRTLAlign" val="l"/>
+                          </dgm:alg>
+                        </dgm:else>
+                      </dgm:choose>
+                    </dgm:if>
+                    <dgm:else name="Name29">
+                      <dgm:choose name="Name30">
+                        <dgm:if name="Name31" axis="root des" ptType="all node" func="maxDepth" op="gt" val="1">
+                          <dgm:alg type="tx">
+                            <dgm:param type="txAnchorVert" val="b"/>
+                            <dgm:param type="txAnchorVertCh" val="b"/>
+                            <dgm:param type="parTxLTRAlign" val="l"/>
+                            <dgm:param type="parTxRTLAlign" val="r"/>
+                          </dgm:alg>
+                        </dgm:if>
+                        <dgm:else name="Name32">
+                          <dgm:alg type="tx">
+                            <dgm:param type="txAnchorVert" val="b"/>
+                            <dgm:param type="parTxLTRAlign" val="r"/>
+                            <dgm:param type="parTxRTLAlign" val="r"/>
+                          </dgm:alg>
+                        </dgm:else>
+                      </dgm:choose>
+                    </dgm:else>
+                  </dgm:choose>
+                  <dgm:shape xmlns:r="http://schemas.openxmlformats.org/officeDocument/2006/relationships" type="rect" r:blip="">
+                    <dgm:adjLst/>
+                  </dgm:shape>
+                  <dgm:presOf axis="desOrSelf" ptType="node"/>
+                  <dgm:choose name="Name33">
+                    <dgm:if name="Name34" func="var" arg="dir" op="equ" val="norm">
+                      <dgm:constrLst>
+                        <dgm:constr type="rMarg"/>
+                        <dgm:constr type="tMarg"/>
+                        <dgm:constr type="bMarg"/>
+                      </dgm:constrLst>
+                    </dgm:if>
+                    <dgm:else name="Name35">
+                      <dgm:constrLst>
+                        <dgm:constr type="lMarg"/>
+                        <dgm:constr type="tMarg"/>
+                        <dgm:constr type="bMarg"/>
+                      </dgm:constrLst>
+                    </dgm:else>
+                  </dgm:choose>
+                  <dgm:ruleLst>
+                    <dgm:rule type="primFontSz" val="5" fact="NaN" max="NaN"/>
+                  </dgm:ruleLst>
+                </dgm:layoutNode>
+              </dgm:forEach>
+            </dgm:layoutNode>
+          </dgm:if>
+          <dgm:if name="Name36" axis="ch" ptType="node" func="cnt" op="equ" val="3">
+            <dgm:layoutNode name="arrowDiagram3">
+              <dgm:alg type="composite">
+                <dgm:param type="vertAlign" val="none"/>
+                <dgm:param type="horzAlign" val="none"/>
+              </dgm:alg>
+              <dgm:shape xmlns:r="http://schemas.openxmlformats.org/officeDocument/2006/relationships" r:blip="">
+                <dgm:adjLst/>
+              </dgm:shape>
+              <dgm:presOf/>
+              <dgm:choose name="Name37">
+                <dgm:if name="Name38" func="var" arg="dir" op="equ" val="norm">
+                  <dgm:constrLst>
+                    <dgm:constr type="ctrX" for="ch" forName="bullet3a" refType="w" fact="0.14"/>
+                    <dgm:constr type="ctrY" for="ch" forName="bullet3a" refType="h" fact="0.711"/>
+                    <dgm:constr type="w" for="ch" forName="bullet3a" refType="w" fact="0.026"/>
+                    <dgm:constr type="h" for="ch" forName="bullet3a" refType="w" refFor="ch" refForName="bullet3a"/>
+                    <dgm:constr type="l" for="ch" forName="textBox3a" refType="ctrX" refFor="ch" refForName="bullet3a"/>
+                    <dgm:constr type="t" for="ch" forName="textBox3a" refType="ctrY" refFor="ch" refForName="bullet3a"/>
+                    <dgm:constr type="w" for="ch" forName="textBox3a" refType="w" fact="0.233"/>
+                    <dgm:constr type="h" for="ch" forName="textBox3a" refType="h" fact="0.289"/>
+                    <dgm:constr type="userA" refType="h" refFor="ch" refForName="bullet3a" fact="0.53"/>
+                    <dgm:constr type="lMarg" for="ch" forName="textBox3a" refType="userA" fact="2.834"/>
+                    <dgm:constr type="ctrX" for="ch" forName="bullet3b" refType="w" fact="0.38"/>
+                    <dgm:constr type="ctrY" for="ch" forName="bullet3b" refType="h" fact="0.456"/>
+                    <dgm:constr type="w" for="ch" forName="bullet3b" refType="w" fact="0.047"/>
+                    <dgm:constr type="h" for="ch" forName="bullet3b" refType="w" refFor="ch" refForName="bullet3b"/>
+                    <dgm:constr type="l" for="ch" forName="textBox3b" refType="ctrX" refFor="ch" refForName="bullet3b"/>
+                    <dgm:constr type="t" for="ch" forName="textBox3b" refType="ctrY" refFor="ch" refForName="bullet3b"/>
+                    <dgm:constr type="w" for="ch" forName="textBox3b" refType="w" fact="0.24"/>
+                    <dgm:constr type="h" for="ch" forName="textBox3b" refType="h" fact="0.544"/>
+                    <dgm:constr type="userB" refType="h" refFor="ch" refForName="bullet3b" fact="0.53"/>
+                    <dgm:constr type="lMarg" for="ch" forName="textBox3b" refType="userB" fact="2.834"/>
+                    <dgm:constr type="ctrX" for="ch" forName="bullet3c" refType="w" fact="0.665"/>
+                    <dgm:constr type="ctrY" for="ch" forName="bullet3c" refType="h" fact="0.305"/>
+                    <dgm:constr type="w" for="ch" forName="bullet3c" refType="w" fact="0.065"/>
+                    <dgm:constr type="h" for="ch" forName="bullet3c" refType="w" refFor="ch" refForName="bullet3c"/>
+                    <dgm:constr type="l" for="ch" forName="textBox3c" refType="ctrX" refFor="ch" refForName="bullet3c"/>
+                    <dgm:constr type="t" for="ch" forName="textBox3c" refType="ctrY" refFor="ch" refForName="bullet3c"/>
+                    <dgm:constr type="w" for="ch" forName="textBox3c" refType="w" fact="0.24"/>
+                    <dgm:constr type="h" for="ch" forName="textBox3c" refType="h" fact="0.695"/>
+                    <dgm:constr type="userC" refType="h" refFor="ch" refForName="bullet3c" fact="0.53"/>
+                    <dgm:constr type="lMarg" for="ch" forName="textBox3c" refType="userC" fact="2.834"/>
+                    <dgm:constr type="primFontSz" for="ch" ptType="node" op="equ" val="65"/>
+                  </dgm:constrLst>
+                </dgm:if>
+                <dgm:else name="Name39">
+                  <dgm:constrLst>
+                    <dgm:constr type="ctrX" for="ch" forName="bullet3a" refType="w" fact="0.14"/>
+                    <dgm:constr type="ctrY" for="ch" forName="bullet3a" refType="h" fact="0.711"/>
+                    <dgm:constr type="w" for="ch" forName="bullet3a" refType="w" fact="0.026"/>
+                    <dgm:constr type="h" for="ch" forName="bullet3a" refType="w" refFor="ch" refForName="bullet3a"/>
+                    <dgm:constr type="r" for="ch" forName="textBox3a" refType="ctrX" refFor="ch" refForName="bullet3a"/>
+                    <dgm:constr type="b" for="ch" forName="textBox3a" refType="ctrY" refFor="ch" refForName="bullet3a"/>
+                    <dgm:constr type="w" for="ch" forName="textBox3a" refType="w" fact="0.14"/>
+                    <dgm:constr type="h" for="ch" forName="textBox3a" refType="h" fact="0.711"/>
+                    <dgm:constr type="userA" refType="h" refFor="ch" refForName="bullet3a" fact="0.53"/>
+                    <dgm:constr type="rMarg" for="ch" forName="textBox3a" refType="userA" fact="2.834"/>
+                    <dgm:constr type="ctrX" for="ch" forName="bullet3b" refType="w" fact="0.38"/>
+                    <dgm:constr type="ctrY" for="ch" forName="bullet3b" refType="h" fact="0.456"/>
+                    <dgm:constr type="w" for="ch" forName="bullet3b" refType="w" fact="0.047"/>
+                    <dgm:constr type="h" for="ch" forName="bullet3b" refType="w" refFor="ch" refForName="bullet3b"/>
+                    <dgm:constr type="r" for="ch" forName="textBox3b" refType="ctrX" refFor="ch" refForName="bullet3b"/>
+                    <dgm:constr type="b" for="ch" forName="textBox3b" refType="ctrY" refFor="ch" refForName="bullet3b"/>
+                    <dgm:constr type="w" for="ch" forName="textBox3b" refType="w" fact="0.24"/>
+                    <dgm:constr type="h" for="ch" forName="textBox3b" refType="h" fact="0.456"/>
+                    <dgm:constr type="userB" refType="h" refFor="ch" refForName="bullet3b" fact="0.53"/>
+                    <dgm:constr type="rMarg" for="ch" forName="textBox3b" refType="userB" fact="2.834"/>
+                    <dgm:constr type="ctrX" for="ch" forName="bullet3c" refType="w" fact="0.665"/>
+                    <dgm:constr type="ctrY" for="ch" forName="bullet3c" refType="h" fact="0.305"/>
+                    <dgm:constr type="w" for="ch" forName="bullet3c" refType="w" fact="0.065"/>
+                    <dgm:constr type="h" for="ch" forName="bullet3c" refType="w" refFor="ch" refForName="bullet3c"/>
+                    <dgm:constr type="r" for="ch" forName="textBox3c" refType="ctrX" refFor="ch" refForName="bullet3c"/>
+                    <dgm:constr type="b" for="ch" forName="textBox3c" refType="ctrY" refFor="ch" refForName="bullet3c"/>
+                    <dgm:constr type="w" for="ch" forName="textBox3c" refType="w" fact="0.24"/>
+                    <dgm:constr type="h" for="ch" forName="textBox3c" refType="h" fact="0.305"/>
+                    <dgm:constr type="userC" refType="h" refFor="ch" refForName="bullet3c" fact="0.53"/>
+                    <dgm:constr type="rMarg" for="ch" forName="textBox3c" refType="userC" fact="2.834"/>
+                    <dgm:constr type="primFontSz" for="ch" ptType="node" op="equ" val="65"/>
+                  </dgm:constrLst>
+                </dgm:else>
+              </dgm:choose>
+              <dgm:ruleLst/>
+              <dgm:forEach name="Name40" axis="ch" ptType="node" cnt="1">
+                <dgm:layoutNode name="bullet3a" styleLbl="node1">
+                  <dgm:alg type="sp"/>
+                  <dgm:shape xmlns:r="http://schemas.openxmlformats.org/officeDocument/2006/relationships" type="ellipse" r:blip="">
+                    <dgm:adjLst/>
+                  </dgm:shape>
+                  <dgm:presOf/>
+                  <dgm:constrLst/>
+                  <dgm:ruleLst/>
+                </dgm:layoutNode>
+                <dgm:layoutNode name="textBox3a" styleLbl="revTx">
+                  <dgm:varLst>
+                    <dgm:bulletEnabled val="1"/>
+                  </dgm:varLst>
+                  <dgm:choose name="Name41">
+                    <dgm:if name="Name42" func="var" arg="dir" op="equ" val="norm">
+                      <dgm:choose name="Name43">
+                        <dgm:if name="Name44" axis="root des" ptType="all node" func="maxDepth" op="gt" val="1">
+                          <dgm:alg type="tx">
+                            <dgm:param type="txAnchorVert" val="t"/>
+                            <dgm:param type="parTxLTRAlign" val="l"/>
+                            <dgm:param type="parTxRTLAlign" val="r"/>
+                          </dgm:alg>
+                        </dgm:if>
+                        <dgm:else name="Name45">
+                          <dgm:alg type="tx">
+                            <dgm:param type="txAnchorVert" val="t"/>
+                            <dgm:param type="parTxLTRAlign" val="l"/>
+                            <dgm:param type="parTxRTLAlign" val="l"/>
+                          </dgm:alg>
+                        </dgm:else>
+                      </dgm:choose>
+                    </dgm:if>
+                    <dgm:else name="Name46">
+                      <dgm:choose name="Name47">
+                        <dgm:if name="Name48" axis="root des" ptType="all node" func="maxDepth" op="gt" val="1">
+                          <dgm:alg type="tx">
+                            <dgm:param type="txAnchorVert" val="b"/>
+                            <dgm:param type="txAnchorVertCh" val="b"/>
+                            <dgm:param type="parTxLTRAlign" val="l"/>
+                            <dgm:param type="parTxRTLAlign" val="r"/>
+                          </dgm:alg>
+                        </dgm:if>
+                        <dgm:else name="Name49">
+                          <dgm:alg type="tx">
+                            <dgm:param type="txAnchorVert" val="b"/>
+                            <dgm:param type="parTxLTRAlign" val="r"/>
+                            <dgm:param type="parTxRTLAlign" val="r"/>
+                          </dgm:alg>
+                        </dgm:else>
+                      </dgm:choose>
+                    </dgm:else>
+                  </dgm:choose>
+                  <dgm:shape xmlns:r="http://schemas.openxmlformats.org/officeDocument/2006/relationships" type="rect" r:blip="">
+                    <dgm:adjLst/>
+                  </dgm:shape>
+                  <dgm:presOf axis="desOrSelf" ptType="node"/>
+                  <dgm:choose name="Name50">
+                    <dgm:if name="Name51" func="var" arg="dir" op="equ" val="norm">
+                      <dgm:constrLst>
+                        <dgm:constr type="rMarg"/>
+                        <dgm:constr type="tMarg"/>
+                        <dgm:constr type="bMarg"/>
+                      </dgm:constrLst>
+                    </dgm:if>
+                    <dgm:else name="Name52">
+                      <dgm:constrLst>
+                        <dgm:constr type="lMarg"/>
+                        <dgm:constr type="tMarg"/>
+                        <dgm:constr type="bMarg"/>
+                      </dgm:constrLst>
+                    </dgm:else>
+                  </dgm:choose>
+                  <dgm:ruleLst>
+                    <dgm:rule type="primFontSz" val="5" fact="NaN" max="NaN"/>
+                  </dgm:ruleLst>
+                </dgm:layoutNode>
+              </dgm:forEach>
+              <dgm:forEach name="Name53" axis="ch" ptType="node" st="2" cnt="1">
+                <dgm:layoutNode name="bullet3b" styleLbl="node1">
+                  <dgm:alg type="sp"/>
+                  <dgm:shape xmlns:r="http://schemas.openxmlformats.org/officeDocument/2006/relationships" type="ellipse" r:blip="">
+                    <dgm:adjLst/>
+                  </dgm:shape>
+                  <dgm:presOf/>
+                  <dgm:constrLst/>
+                  <dgm:ruleLst/>
+                </dgm:layoutNode>
+                <dgm:layoutNode name="textBox3b" styleLbl="revTx">
+                  <dgm:varLst>
+                    <dgm:bulletEnabled val="1"/>
+                  </dgm:varLst>
+                  <dgm:choose name="Name54">
+                    <dgm:if name="Name55" func="var" arg="dir" op="equ" val="norm">
+                      <dgm:choose name="Name56">
+                        <dgm:if name="Name57" axis="root des" ptType="all node" func="maxDepth" op="gt" val="1">
+                          <dgm:alg type="tx">
+                            <dgm:param type="txAnchorVert" val="t"/>
+                            <dgm:param type="parTxLTRAlign" val="l"/>
+                            <dgm:param type="parTxRTLAlign" val="r"/>
+                          </dgm:alg>
+                        </dgm:if>
+                        <dgm:else name="Name58">
+                          <dgm:alg type="tx">
+                            <dgm:param type="txAnchorVert" val="t"/>
+                            <dgm:param type="parTxLTRAlign" val="l"/>
+                            <dgm:param type="parTxRTLAlign" val="l"/>
+                          </dgm:alg>
+                        </dgm:else>
+                      </dgm:choose>
+                    </dgm:if>
+                    <dgm:else name="Name59">
+                      <dgm:choose name="Name60">
+                        <dgm:if name="Name61" axis="root des" ptType="all node" func="maxDepth" op="gt" val="1">
+                          <dgm:alg type="tx">
+                            <dgm:param type="txAnchorVert" val="b"/>
+                            <dgm:param type="txAnchorVertCh" val="b"/>
+                            <dgm:param type="parTxLTRAlign" val="l"/>
+                            <dgm:param type="parTxRTLAlign" val="r"/>
+                          </dgm:alg>
+                        </dgm:if>
+                        <dgm:else name="Name62">
+                          <dgm:alg type="tx">
+                            <dgm:param type="txAnchorVert" val="b"/>
+                            <dgm:param type="parTxLTRAlign" val="r"/>
+                            <dgm:param type="parTxRTLAlign" val="r"/>
+                          </dgm:alg>
+                        </dgm:else>
+                      </dgm:choose>
+                    </dgm:else>
+                  </dgm:choose>
+                  <dgm:shape xmlns:r="http://schemas.openxmlformats.org/officeDocument/2006/relationships" type="rect" r:blip="">
+                    <dgm:adjLst/>
+                  </dgm:shape>
+                  <dgm:presOf axis="desOrSelf" ptType="node"/>
+                  <dgm:choose name="Name63">
+                    <dgm:if name="Name64" func="var" arg="dir" op="equ" val="norm">
+                      <dgm:constrLst>
+                        <dgm:constr type="rMarg"/>
+                        <dgm:constr type="tMarg"/>
+                        <dgm:constr type="bMarg"/>
+                      </dgm:constrLst>
+                    </dgm:if>
+                    <dgm:else name="Name65">
+                      <dgm:constrLst>
+                        <dgm:constr type="lMarg"/>
+                        <dgm:constr type="tMarg"/>
+                        <dgm:constr type="bMarg"/>
+                      </dgm:constrLst>
+                    </dgm:else>
+                  </dgm:choose>
+                  <dgm:ruleLst>
+                    <dgm:rule type="primFontSz" val="5" fact="NaN" max="NaN"/>
+                  </dgm:ruleLst>
+                </dgm:layoutNode>
+              </dgm:forEach>
+              <dgm:forEach name="Name66" axis="ch" ptType="node" st="3" cnt="1">
+                <dgm:layoutNode name="bullet3c" styleLbl="node1">
+                  <dgm:alg type="sp"/>
+                  <dgm:shape xmlns:r="http://schemas.openxmlformats.org/officeDocument/2006/relationships" type="ellipse" r:blip="">
+                    <dgm:adjLst/>
+                  </dgm:shape>
+                  <dgm:presOf/>
+                  <dgm:constrLst/>
+                  <dgm:ruleLst/>
+                </dgm:layoutNode>
+                <dgm:layoutNode name="textBox3c" styleLbl="revTx">
+                  <dgm:varLst>
+                    <dgm:bulletEnabled val="1"/>
+                  </dgm:varLst>
+                  <dgm:choose name="Name67">
+                    <dgm:if name="Name68" func="var" arg="dir" op="equ" val="norm">
+                      <dgm:choose name="Name69">
+                        <dgm:if name="Name70" axis="root des" ptType="all node" func="maxDepth" op="gt" val="1">
+                          <dgm:alg type="tx">
+                            <dgm:param type="txAnchorVert" val="t"/>
+                            <dgm:param type="parTxLTRAlign" val="l"/>
+                            <dgm:param type="parTxRTLAlign" val="r"/>
+                          </dgm:alg>
+                        </dgm:if>
+                        <dgm:else name="Name71">
+                          <dgm:alg type="tx">
+                            <dgm:param type="txAnchorVert" val="t"/>
+                            <dgm:param type="parTxLTRAlign" val="l"/>
+                            <dgm:param type="parTxRTLAlign" val="l"/>
+                          </dgm:alg>
+                        </dgm:else>
+                      </dgm:choose>
+                    </dgm:if>
+                    <dgm:else name="Name72">
+                      <dgm:choose name="Name73">
+                        <dgm:if name="Name74" axis="root des" ptType="all node" func="maxDepth" op="gt" val="1">
+                          <dgm:alg type="tx">
+                            <dgm:param type="txAnchorVert" val="b"/>
+                            <dgm:param type="txAnchorVertCh" val="b"/>
+                            <dgm:param type="parTxLTRAlign" val="l"/>
+                            <dgm:param type="parTxRTLAlign" val="r"/>
+                          </dgm:alg>
+                        </dgm:if>
+                        <dgm:else name="Name75">
+                          <dgm:alg type="tx">
+                            <dgm:param type="txAnchorVert" val="b"/>
+                            <dgm:param type="parTxLTRAlign" val="r"/>
+                            <dgm:param type="parTxRTLAlign" val="r"/>
+                          </dgm:alg>
+                        </dgm:else>
+                      </dgm:choose>
+                    </dgm:else>
+                  </dgm:choose>
+                  <dgm:shape xmlns:r="http://schemas.openxmlformats.org/officeDocument/2006/relationships" type="rect" r:blip="">
+                    <dgm:adjLst/>
+                  </dgm:shape>
+                  <dgm:presOf axis="desOrSelf" ptType="node"/>
+                  <dgm:choose name="Name76">
+                    <dgm:if name="Name77" func="var" arg="dir" op="equ" val="norm">
+                      <dgm:constrLst>
+                        <dgm:constr type="rMarg"/>
+                        <dgm:constr type="tMarg"/>
+                        <dgm:constr type="bMarg"/>
+                      </dgm:constrLst>
+                    </dgm:if>
+                    <dgm:else name="Name78">
+                      <dgm:constrLst>
+                        <dgm:constr type="lMarg"/>
+                        <dgm:constr type="tMarg"/>
+                        <dgm:constr type="bMarg"/>
+                      </dgm:constrLst>
+                    </dgm:else>
+                  </dgm:choose>
+                  <dgm:ruleLst>
+                    <dgm:rule type="primFontSz" val="5" fact="NaN" max="NaN"/>
+                  </dgm:ruleLst>
+                </dgm:layoutNode>
+              </dgm:forEach>
+            </dgm:layoutNode>
+          </dgm:if>
+          <dgm:if name="Name79" axis="ch" ptType="node" func="cnt" op="equ" val="4">
+            <dgm:layoutNode name="arrowDiagram4">
+              <dgm:alg type="composite">
+                <dgm:param type="vertAlign" val="none"/>
+                <dgm:param type="horzAlign" val="none"/>
+              </dgm:alg>
+              <dgm:shape xmlns:r="http://schemas.openxmlformats.org/officeDocument/2006/relationships" r:blip="">
+                <dgm:adjLst/>
+              </dgm:shape>
+              <dgm:presOf/>
+              <dgm:choose name="Name80">
+                <dgm:if name="Name81" func="var" arg="dir" op="equ" val="norm">
+                  <dgm:constrLst>
+                    <dgm:constr type="ctrX" for="ch" forName="bullet4a" refType="w" fact="0.11"/>
+                    <dgm:constr type="ctrY" for="ch" forName="bullet4a" refType="h" fact="0.762"/>
+                    <dgm:constr type="w" for="ch" forName="bullet4a" refType="w" fact="0.023"/>
+                    <dgm:constr type="h" for="ch" forName="bullet4a" refType="w" refFor="ch" refForName="bullet4a"/>
+                    <dgm:constr type="l" for="ch" forName="textBox4a" refType="ctrX" refFor="ch" refForName="bullet4a"/>
+                    <dgm:constr type="t" for="ch" forName="textBox4a" refType="ctrY" refFor="ch" refForName="bullet4a"/>
+                    <dgm:constr type="w" for="ch" forName="textBox4a" refType="w" fact="0.171"/>
+                    <dgm:constr type="h" for="ch" forName="textBox4a" refType="h" fact="0.238"/>
+                    <dgm:constr type="userA" refType="h" refFor="ch" refForName="bullet4a" fact="0.53"/>
+                    <dgm:constr type="lMarg" for="ch" forName="textBox4a" refType="userA" fact="2.834"/>
+                    <dgm:constr type="ctrX" for="ch" forName="bullet4b" refType="w" fact="0.281"/>
+                    <dgm:constr type="ctrY" for="ch" forName="bullet4b" refType="h" fact="0.543"/>
+                    <dgm:constr type="w" for="ch" forName="bullet4b" refType="w" fact="0.04"/>
+                    <dgm:constr type="h" for="ch" forName="bullet4b" refType="w" refFor="ch" refForName="bullet4b"/>
+                    <dgm:constr type="l" for="ch" forName="textBox4b" refType="ctrX" refFor="ch" refForName="bullet4b"/>
+                    <dgm:constr type="t" for="ch" forName="textBox4b" refType="ctrY" refFor="ch" refForName="bullet4b"/>
+                    <dgm:constr type="w" for="ch" forName="textBox4b" refType="w" fact="0.21"/>
+                    <dgm:constr type="h" for="ch" forName="textBox4b" refType="h" fact="0.457"/>
+                    <dgm:constr type="userB" refType="h" refFor="ch" refForName="bullet4b" fact="0.53"/>
+                    <dgm:constr type="lMarg" for="ch" forName="textBox4b" refType="userB" fact="2.834"/>
+                    <dgm:constr type="ctrX" for="ch" forName="bullet4c" refType="w" fact="0.495"/>
+                    <dgm:constr type="ctrY" for="ch" forName="bullet4c" refType="h" fact="0.382"/>
+                    <dgm:constr type="w" for="ch" forName="bullet4c" refType="w" fact="0.053"/>
+                    <dgm:constr type="h" for="ch" forName="bullet4c" refType="w" refFor="ch" refForName="bullet4c"/>
+                    <dgm:constr type="l" for="ch" forName="textBox4c" refType="ctrX" refFor="ch" refForName="bullet4c"/>
+                    <dgm:constr type="t" for="ch" forName="textBox4c" refType="ctrY" refFor="ch" refForName="bullet4c"/>
+                    <dgm:constr type="w" for="ch" forName="textBox4c" refType="w" fact="0.21"/>
+                    <dgm:constr type="h" for="ch" forName="textBox4c" refType="h" fact="0.618"/>
+                    <dgm:constr type="userC" refType="h" refFor="ch" refForName="bullet4c" fact="0.53"/>
+                    <dgm:constr type="lMarg" for="ch" forName="textBox4c" refType="userC" fact="2.834"/>
+                    <dgm:constr type="ctrX" for="ch" forName="bullet4d" refType="w" fact="0.73"/>
+                    <dgm:constr type="ctrY" for="ch" forName="bullet4d" refType="h" fact="0.283"/>
+                    <dgm:constr type="w" for="ch" forName="bullet4d" refType="w" fact="0.071"/>
+                    <dgm:constr type="h" for="ch" forName="bullet4d" refType="w" refFor="ch" refForName="bullet4d"/>
+                    <dgm:constr type="l" for="ch" forName="textBox4d" refType="ctrX" refFor="ch" refForName="bullet4d"/>
+                    <dgm:constr type="t" for="ch" forName="textBox4d" refType="ctrY" refFor="ch" refForName="bullet4d"/>
+                    <dgm:constr type="w" for="ch" forName="textBox4d" refType="w" fact="0.21"/>
+                    <dgm:constr type="h" for="ch" forName="textBox4d" refType="h" fact="0.717"/>
+                    <dgm:constr type="userD" refType="h" refFor="ch" refForName="bullet4d" fact="0.53"/>
+                    <dgm:constr type="lMarg" for="ch" forName="textBox4d" refType="userD" fact="2.834"/>
+                    <dgm:constr type="primFontSz" for="ch" ptType="node" op="equ" val="65"/>
+                  </dgm:constrLst>
+                </dgm:if>
+                <dgm:else name="Name82">
+                  <dgm:constrLst>
+                    <dgm:constr type="ctrX" for="ch" forName="bullet4a" refType="w" fact="0.11"/>
+                    <dgm:constr type="ctrY" for="ch" forName="bullet4a" refType="h" fact="0.762"/>
+                    <dgm:constr type="w" for="ch" forName="bullet4a" refType="w" fact="0.023"/>
+                    <dgm:constr type="h" for="ch" forName="bullet4a" refType="w" refFor="ch" refForName="bullet4a"/>
+                    <dgm:constr type="r" for="ch" forName="textBox4a" refType="ctrX" refFor="ch" refForName="bullet4a"/>
+                    <dgm:constr type="b" for="ch" forName="textBox4a" refType="ctrY" refFor="ch" refForName="bullet4a"/>
+                    <dgm:constr type="w" for="ch" forName="textBox4a" refType="w" fact="0.11"/>
+                    <dgm:constr type="h" for="ch" forName="textBox4a" refType="h" fact="0.762"/>
+                    <dgm:constr type="userA" refType="h" refFor="ch" refForName="bullet4a" fact="0.53"/>
+                    <dgm:constr type="rMarg" for="ch" forName="textBox4a" refType="userA" fact="2.834"/>
+                    <dgm:constr type="ctrX" for="ch" forName="bullet4b" refType="w" fact="0.281"/>
+                    <dgm:constr type="ctrY" for="ch" forName="bullet4b" refType="h" fact="0.543"/>
+                    <dgm:constr type="w" for="ch" forName="bullet4b" refType="w" fact="0.04"/>
+                    <dgm:constr type="h" for="ch" forName="bullet4b" refType="w" refFor="ch" refForName="bullet4b"/>
+                    <dgm:constr type="r" for="ch" forName="textBox4b" refType="ctrX" refFor="ch" refForName="bullet4b"/>
+                    <dgm:constr type="b" for="ch" forName="textBox4b" refType="ctrY" refFor="ch" refForName="bullet4b"/>
+                    <dgm:constr type="w" for="ch" forName="textBox4b" refType="w" fact="0.171"/>
+                    <dgm:constr type="h" for="ch" forName="textBox4b" refType="h" fact="0.543"/>
+                    <dgm:constr type="userB" refType="h" refFor="ch" refForName="bullet4b" fact="0.53"/>
+                    <dgm:constr type="rMarg" for="ch" forName="textBox4b" refType="userB" fact="2.834"/>
+                    <dgm:constr type="ctrX" for="ch" forName="bullet4c" refType="w" fact="0.495"/>
+                    <dgm:constr type="ctrY" for="ch" forName="bullet4c" refType="h" fact="0.382"/>
+                    <dgm:constr type="w" for="ch" forName="bullet4c" refType="w" fact="0.053"/>
+                    <dgm:constr type="h" for="ch" forName="bullet4c" refType="w" refFor="ch" refForName="bullet4c"/>
+                    <dgm:constr type="r" for="ch" forName="textBox4c" refType="ctrX" refFor="ch" refForName="bullet4c"/>
+                    <dgm:constr type="b" for="ch" forName="textBox4c" refType="ctrY" refFor="ch" refForName="bullet4c"/>
+                    <dgm:constr type="w" for="ch" forName="textBox4c" refType="w" fact="0.21"/>
+                    <dgm:constr type="h" for="ch" forName="textBox4c" refType="h" fact="0.382"/>
+                    <dgm:constr type="userC" refType="h" refFor="ch" refForName="bullet4c" fact="0.53"/>
+                    <dgm:constr type="rMarg" for="ch" forName="textBox4c" refType="userC" fact="2.834"/>
+                    <dgm:constr type="ctrX" for="ch" forName="bullet4d" refType="w" fact="0.73"/>
+                    <dgm:constr type="ctrY" for="ch" forName="bullet4d" refType="h" fact="0.283"/>
+                    <dgm:constr type="w" for="ch" forName="bullet4d" refType="w" fact="0.071"/>
+                    <dgm:constr type="h" for="ch" forName="bullet4d" refType="w" refFor="ch" refForName="bullet4d"/>
+                    <dgm:constr type="r" for="ch" forName="textBox4d" refType="ctrX" refFor="ch" refForName="bullet4d"/>
+                    <dgm:constr type="b" for="ch" forName="textBox4d" refType="ctrY" refFor="ch" refForName="bullet4d"/>
+                    <dgm:constr type="w" for="ch" forName="textBox4d" refType="w" fact="0.21"/>
+                    <dgm:constr type="h" for="ch" forName="textBox4d" refType="h" fact="0.283"/>
+                    <dgm:constr type="userD" refType="h" refFor="ch" refForName="bullet4d" fact="0.53"/>
+                    <dgm:constr type="rMarg" for="ch" forName="textBox4d" refType="userD" fact="2.834"/>
+                    <dgm:constr type="primFontSz" for="ch" ptType="node" op="equ" val="65"/>
+                  </dgm:constrLst>
+                </dgm:else>
+              </dgm:choose>
+              <dgm:ruleLst/>
+              <dgm:forEach name="Name83" axis="ch" ptType="node" cnt="1">
+                <dgm:layoutNode name="bullet4a" styleLbl="node1">
+                  <dgm:alg type="sp"/>
+                  <dgm:shape xmlns:r="http://schemas.openxmlformats.org/officeDocument/2006/relationships" type="ellipse" r:blip="">
+                    <dgm:adjLst/>
+                  </dgm:shape>
+                  <dgm:presOf/>
+                  <dgm:constrLst/>
+                  <dgm:ruleLst/>
+                </dgm:layoutNode>
+                <dgm:layoutNode name="textBox4a" styleLbl="revTx">
+                  <dgm:varLst>
+                    <dgm:bulletEnabled val="1"/>
+                  </dgm:varLst>
+                  <dgm:choose name="Name84">
+                    <dgm:if name="Name85" func="var" arg="dir" op="equ" val="norm">
+                      <dgm:choose name="Name86">
+                        <dgm:if name="Name87" axis="root des" ptType="all node" func="maxDepth" op="gt" val="1">
+                          <dgm:alg type="tx">
+                            <dgm:param type="txAnchorVert" val="t"/>
+                            <dgm:param type="parTxLTRAlign" val="l"/>
+                            <dgm:param type="parTxRTLAlign" val="r"/>
+                          </dgm:alg>
+                        </dgm:if>
+                        <dgm:else name="Name88">
+                          <dgm:alg type="tx">
+                            <dgm:param type="txAnchorVert" val="t"/>
+                            <dgm:param type="parTxLTRAlign" val="l"/>
+                            <dgm:param type="parTxRTLAlign" val="l"/>
+                          </dgm:alg>
+                        </dgm:else>
+                      </dgm:choose>
+                    </dgm:if>
+                    <dgm:else name="Name89">
+                      <dgm:choose name="Name90">
+                        <dgm:if name="Name91" axis="root des" ptType="all node" func="maxDepth" op="gt" val="1">
+                          <dgm:alg type="tx">
+                            <dgm:param type="txAnchorVert" val="b"/>
+                            <dgm:param type="txAnchorVertCh" val="b"/>
+                            <dgm:param type="parTxLTRAlign" val="l"/>
+                            <dgm:param type="parTxRTLAlign" val="r"/>
+                          </dgm:alg>
+                        </dgm:if>
+                        <dgm:else name="Name92">
+                          <dgm:alg type="tx">
+                            <dgm:param type="txAnchorVert" val="b"/>
+                            <dgm:param type="parTxLTRAlign" val="r"/>
+                            <dgm:param type="parTxRTLAlign" val="r"/>
+                          </dgm:alg>
+                        </dgm:else>
+                      </dgm:choose>
+                    </dgm:else>
+                  </dgm:choose>
+                  <dgm:shape xmlns:r="http://schemas.openxmlformats.org/officeDocument/2006/relationships" type="rect" r:blip="">
+                    <dgm:adjLst/>
+                  </dgm:shape>
+                  <dgm:presOf axis="desOrSelf" ptType="node"/>
+                  <dgm:choose name="Name93">
+                    <dgm:if name="Name94" func="var" arg="dir" op="equ" val="norm">
+                      <dgm:constrLst>
+                        <dgm:constr type="rMarg"/>
+                        <dgm:constr type="tMarg"/>
+                        <dgm:constr type="bMarg"/>
+                      </dgm:constrLst>
+                    </dgm:if>
+                    <dgm:else name="Name95">
+                      <dgm:constrLst>
+                        <dgm:constr type="lMarg"/>
+                        <dgm:constr type="tMarg"/>
+                        <dgm:constr type="bMarg"/>
+                      </dgm:constrLst>
+                    </dgm:else>
+                  </dgm:choose>
+                  <dgm:ruleLst>
+                    <dgm:rule type="primFontSz" val="5" fact="NaN" max="NaN"/>
+                  </dgm:ruleLst>
+                </dgm:layoutNode>
+              </dgm:forEach>
+              <dgm:forEach name="Name96" axis="ch" ptType="node" st="2" cnt="1">
+                <dgm:layoutNode name="bullet4b" styleLbl="node1">
+                  <dgm:alg type="sp"/>
+                  <dgm:shape xmlns:r="http://schemas.openxmlformats.org/officeDocument/2006/relationships" type="ellipse" r:blip="">
+                    <dgm:adjLst/>
+                  </dgm:shape>
+                  <dgm:presOf/>
+                  <dgm:constrLst/>
+                  <dgm:ruleLst/>
+                </dgm:layoutNode>
+                <dgm:layoutNode name="textBox4b" styleLbl="revTx">
+                  <dgm:varLst>
+                    <dgm:bulletEnabled val="1"/>
+                  </dgm:varLst>
+                  <dgm:choose name="Name97">
+                    <dgm:if name="Name98" func="var" arg="dir" op="equ" val="norm">
+                      <dgm:choose name="Name99">
+                        <dgm:if name="Name100" axis="root des" ptType="all node" func="maxDepth" op="gt" val="1">
+                          <dgm:alg type="tx">
+                            <dgm:param type="txAnchorVert" val="t"/>
+                            <dgm:param type="parTxLTRAlign" val="l"/>
+                            <dgm:param type="parTxRTLAlign" val="r"/>
+                          </dgm:alg>
+                        </dgm:if>
+                        <dgm:else name="Name101">
+                          <dgm:alg type="tx">
+                            <dgm:param type="txAnchorVert" val="t"/>
+                            <dgm:param type="parTxLTRAlign" val="l"/>
+                            <dgm:param type="parTxRTLAlign" val="l"/>
+                          </dgm:alg>
+                        </dgm:else>
+                      </dgm:choose>
+                    </dgm:if>
+                    <dgm:else name="Name102">
+                      <dgm:choose name="Name103">
+                        <dgm:if name="Name104" axis="root des" ptType="all node" func="maxDepth" op="gt" val="1">
+                          <dgm:alg type="tx">
+                            <dgm:param type="txAnchorVert" val="b"/>
+                            <dgm:param type="txAnchorVertCh" val="b"/>
+                            <dgm:param type="parTxLTRAlign" val="l"/>
+                            <dgm:param type="parTxRTLAlign" val="r"/>
+                          </dgm:alg>
+                        </dgm:if>
+                        <dgm:else name="Name105">
+                          <dgm:alg type="tx">
+                            <dgm:param type="txAnchorVert" val="b"/>
+                            <dgm:param type="parTxLTRAlign" val="r"/>
+                            <dgm:param type="parTxRTLAlign" val="r"/>
+                          </dgm:alg>
+                        </dgm:else>
+                      </dgm:choose>
+                    </dgm:else>
+                  </dgm:choose>
+                  <dgm:shape xmlns:r="http://schemas.openxmlformats.org/officeDocument/2006/relationships" type="rect" r:blip="">
+                    <dgm:adjLst/>
+                  </dgm:shape>
+                  <dgm:presOf axis="desOrSelf" ptType="node"/>
+                  <dgm:choose name="Name106">
+                    <dgm:if name="Name107" func="var" arg="dir" op="equ" val="norm">
+                      <dgm:constrLst>
+                        <dgm:constr type="rMarg"/>
+                        <dgm:constr type="tMarg"/>
+                        <dgm:constr type="bMarg"/>
+                      </dgm:constrLst>
+                    </dgm:if>
+                    <dgm:else name="Name108">
+                      <dgm:constrLst>
+                        <dgm:constr type="lMarg"/>
+                        <dgm:constr type="tMarg"/>
+                        <dgm:constr type="bMarg"/>
+                      </dgm:constrLst>
+                    </dgm:else>
+                  </dgm:choose>
+                  <dgm:ruleLst>
+                    <dgm:rule type="primFontSz" val="5" fact="NaN" max="NaN"/>
+                  </dgm:ruleLst>
+                </dgm:layoutNode>
+              </dgm:forEach>
+              <dgm:forEach name="Name109" axis="ch" ptType="node" st="3" cnt="1">
+                <dgm:layoutNode name="bullet4c" styleLbl="node1">
+                  <dgm:alg type="sp"/>
+                  <dgm:shape xmlns:r="http://schemas.openxmlformats.org/officeDocument/2006/relationships" type="ellipse" r:blip="">
+                    <dgm:adjLst/>
+                  </dgm:shape>
+                  <dgm:presOf/>
+                  <dgm:constrLst/>
+                  <dgm:ruleLst/>
+                </dgm:layoutNode>
+                <dgm:layoutNode name="textBox4c" styleLbl="revTx">
+                  <dgm:varLst>
+                    <dgm:bulletEnabled val="1"/>
+                  </dgm:varLst>
+                  <dgm:choose name="Name110">
+                    <dgm:if name="Name111" func="var" arg="dir" op="equ" val="norm">
+                      <dgm:choose name="Name112">
+                        <dgm:if name="Name113" axis="root des" ptType="all node" func="maxDepth" op="gt" val="1">
+                          <dgm:alg type="tx">
+                            <dgm:param type="txAnchorVert" val="t"/>
+                            <dgm:param type="parTxLTRAlign" val="l"/>
+                            <dgm:param type="parTxRTLAlign" val="r"/>
+                          </dgm:alg>
+                        </dgm:if>
+                        <dgm:else name="Name114">
+                          <dgm:alg type="tx">
+                            <dgm:param type="txAnchorVert" val="t"/>
+                            <dgm:param type="parTxLTRAlign" val="l"/>
+                            <dgm:param type="parTxRTLAlign" val="l"/>
+                          </dgm:alg>
+                        </dgm:else>
+                      </dgm:choose>
+                    </dgm:if>
+                    <dgm:else name="Name115">
+                      <dgm:choose name="Name116">
+                        <dgm:if name="Name117" axis="root des" ptType="all node" func="maxDepth" op="gt" val="1">
+                          <dgm:alg type="tx">
+                            <dgm:param type="txAnchorVert" val="b"/>
+                            <dgm:param type="txAnchorVertCh" val="b"/>
+                            <dgm:param type="parTxLTRAlign" val="l"/>
+                            <dgm:param type="parTxRTLAlign" val="r"/>
+                          </dgm:alg>
+                        </dgm:if>
+                        <dgm:else name="Name118">
+                          <dgm:alg type="tx">
+                            <dgm:param type="txAnchorVert" val="b"/>
+                            <dgm:param type="parTxLTRAlign" val="r"/>
+                            <dgm:param type="parTxRTLAlign" val="r"/>
+                          </dgm:alg>
+                        </dgm:else>
+                      </dgm:choose>
+                    </dgm:else>
+                  </dgm:choose>
+                  <dgm:shape xmlns:r="http://schemas.openxmlformats.org/officeDocument/2006/relationships" type="rect" r:blip="">
+                    <dgm:adjLst/>
+                  </dgm:shape>
+                  <dgm:presOf axis="desOrSelf" ptType="node"/>
+                  <dgm:choose name="Name119">
+                    <dgm:if name="Name120" func="var" arg="dir" op="equ" val="norm">
+                      <dgm:constrLst>
+                        <dgm:constr type="rMarg"/>
+                        <dgm:constr type="tMarg"/>
+                        <dgm:constr type="bMarg"/>
+                      </dgm:constrLst>
+                    </dgm:if>
+                    <dgm:else name="Name121">
+                      <dgm:constrLst>
+                        <dgm:constr type="lMarg"/>
+                        <dgm:constr type="tMarg"/>
+                        <dgm:constr type="bMarg"/>
+                      </dgm:constrLst>
+                    </dgm:else>
+                  </dgm:choose>
+                  <dgm:ruleLst>
+                    <dgm:rule type="primFontSz" val="5" fact="NaN" max="NaN"/>
+                  </dgm:ruleLst>
+                </dgm:layoutNode>
+              </dgm:forEach>
+              <dgm:forEach name="Name122" axis="ch" ptType="node" st="4" cnt="1">
+                <dgm:layoutNode name="bullet4d" styleLbl="node1">
+                  <dgm:alg type="sp"/>
+                  <dgm:shape xmlns:r="http://schemas.openxmlformats.org/officeDocument/2006/relationships" type="ellipse" r:blip="">
+                    <dgm:adjLst/>
+                  </dgm:shape>
+                  <dgm:presOf/>
+                  <dgm:constrLst/>
+                  <dgm:ruleLst/>
+                </dgm:layoutNode>
+                <dgm:layoutNode name="textBox4d" styleLbl="revTx">
+                  <dgm:varLst>
+                    <dgm:bulletEnabled val="1"/>
+                  </dgm:varLst>
+                  <dgm:choose name="Name123">
+                    <dgm:if name="Name124" func="var" arg="dir" op="equ" val="norm">
+                      <dgm:choose name="Name125">
+                        <dgm:if name="Name126" axis="root des" ptType="all node" func="maxDepth" op="gt" val="1">
+                          <dgm:alg type="tx">
+                            <dgm:param type="txAnchorVert" val="t"/>
+                            <dgm:param type="parTxLTRAlign" val="l"/>
+                            <dgm:param type="parTxRTLAlign" val="r"/>
+                          </dgm:alg>
+                        </dgm:if>
+                        <dgm:else name="Name127">
+                          <dgm:alg type="tx">
+                            <dgm:param type="txAnchorVert" val="t"/>
+                            <dgm:param type="parTxLTRAlign" val="l"/>
+                            <dgm:param type="parTxRTLAlign" val="l"/>
+                          </dgm:alg>
+                        </dgm:else>
+                      </dgm:choose>
+                    </dgm:if>
+                    <dgm:else name="Name128">
+                      <dgm:choose name="Name129">
+                        <dgm:if name="Name130" axis="root des" ptType="all node" func="maxDepth" op="gt" val="1">
+                          <dgm:alg type="tx">
+                            <dgm:param type="txAnchorVert" val="b"/>
+                            <dgm:param type="txAnchorVertCh" val="b"/>
+                            <dgm:param type="parTxLTRAlign" val="l"/>
+                            <dgm:param type="parTxRTLAlign" val="r"/>
+                          </dgm:alg>
+                        </dgm:if>
+                        <dgm:else name="Name131">
+                          <dgm:alg type="tx">
+                            <dgm:param type="txAnchorVert" val="b"/>
+                            <dgm:param type="parTxLTRAlign" val="r"/>
+                            <dgm:param type="parTxRTLAlign" val="r"/>
+                          </dgm:alg>
+                        </dgm:else>
+                      </dgm:choose>
+                    </dgm:else>
+                  </dgm:choose>
+                  <dgm:shape xmlns:r="http://schemas.openxmlformats.org/officeDocument/2006/relationships" type="rect" r:blip="">
+                    <dgm:adjLst/>
+                  </dgm:shape>
+                  <dgm:presOf axis="desOrSelf" ptType="node"/>
+                  <dgm:choose name="Name132">
+                    <dgm:if name="Name133" func="var" arg="dir" op="equ" val="norm">
+                      <dgm:constrLst>
+                        <dgm:constr type="rMarg"/>
+                        <dgm:constr type="tMarg"/>
+                        <dgm:constr type="bMarg"/>
+                      </dgm:constrLst>
+                    </dgm:if>
+                    <dgm:else name="Name134">
+                      <dgm:constrLst>
+                        <dgm:constr type="lMarg"/>
+                        <dgm:constr type="tMarg"/>
+                        <dgm:constr type="bMarg"/>
+                      </dgm:constrLst>
+                    </dgm:else>
+                  </dgm:choose>
+                  <dgm:ruleLst>
+                    <dgm:rule type="primFontSz" val="5" fact="NaN" max="NaN"/>
+                  </dgm:ruleLst>
+                </dgm:layoutNode>
+              </dgm:forEach>
+            </dgm:layoutNode>
+          </dgm:if>
+          <dgm:else name="Name135">
+            <dgm:layoutNode name="arrowDiagram5">
+              <dgm:alg type="composite">
+                <dgm:param type="vertAlign" val="none"/>
+                <dgm:param type="horzAlign" val="none"/>
+              </dgm:alg>
+              <dgm:shape xmlns:r="http://schemas.openxmlformats.org/officeDocument/2006/relationships" r:blip="">
+                <dgm:adjLst/>
+              </dgm:shape>
+              <dgm:presOf/>
+              <dgm:choose name="Name136">
+                <dgm:if name="Name137" func="var" arg="dir" op="equ" val="norm">
+                  <dgm:constrLst>
+                    <dgm:constr type="ctrX" for="ch" forName="bullet5a" refType="w" fact="0.11"/>
+                    <dgm:constr type="ctrY" for="ch" forName="bullet5a" refType="h" fact="0.762"/>
+                    <dgm:constr type="w" for="ch" forName="bullet5a" refType="w" fact="0.023"/>
+                    <dgm:constr type="h" for="ch" forName="bullet5a" refType="w" refFor="ch" refForName="bullet5a"/>
+                    <dgm:constr type="l" for="ch" forName="textBox5a" refType="ctrX" refFor="ch" refForName="bullet5a"/>
+                    <dgm:constr type="t" for="ch" forName="textBox5a" refType="ctrY" refFor="ch" refForName="bullet5a"/>
+                    <dgm:constr type="w" for="ch" forName="textBox5a" refType="w" fact="0.131"/>
+                    <dgm:constr type="h" for="ch" forName="textBox5a" refType="h" fact="0.238"/>
+                    <dgm:constr type="userA" refType="h" refFor="ch" refForName="bullet5a" fact="0.53"/>
+                    <dgm:constr type="lMarg" for="ch" forName="textBox5a" refType="userA" fact="2.834"/>
+                    <dgm:constr type="ctrX" for="ch" forName="bullet5b" refType="w" fact="0.241"/>
+                    <dgm:constr type="ctrY" for="ch" forName="bullet5b" refType="h" fact="0.581"/>
+                    <dgm:constr type="w" for="ch" forName="bullet5b" refType="w" fact="0.036"/>
+                    <dgm:constr type="h" for="ch" forName="bullet5b" refType="w" refFor="ch" refForName="bullet5b"/>
+                    <dgm:constr type="l" for="ch" forName="textBox5b" refType="ctrX" refFor="ch" refForName="bullet5b"/>
+                    <dgm:constr type="t" for="ch" forName="textBox5b" refType="ctrY" refFor="ch" refForName="bullet5b"/>
+                    <dgm:constr type="w" for="ch" forName="textBox5b" refType="w" fact="0.166"/>
+                    <dgm:constr type="h" for="ch" forName="textBox5b" refType="h" fact="0.419"/>
+                    <dgm:constr type="userB" refType="h" refFor="ch" refForName="bullet5b" fact="0.53"/>
+                    <dgm:constr type="lMarg" for="ch" forName="textBox5b" refType="userB" fact="2.834"/>
+                    <dgm:constr type="ctrX" for="ch" forName="bullet5c" refType="w" fact="0.407"/>
+                    <dgm:constr type="ctrY" for="ch" forName="bullet5c" refType="h" fact="0.438"/>
+                    <dgm:constr type="w" for="ch" forName="bullet5c" refType="w" fact="0.048"/>
+                    <dgm:constr type="h" for="ch" forName="bullet5c" refType="w" refFor="ch" refForName="bullet5c"/>
+                    <dgm:constr type="l" for="ch" forName="textBox5c" refType="ctrX" refFor="ch" refForName="bullet5c"/>
+                    <dgm:constr type="t" for="ch" forName="textBox5c" refType="ctrY" refFor="ch" refForName="bullet5c"/>
+                    <dgm:constr type="w" for="ch" forName="textBox5c" refType="w" fact="0.193"/>
+                    <dgm:constr type="h" for="ch" forName="textBox5c" refType="h" fact="0.562"/>
+                    <dgm:constr type="userC" refType="h" refFor="ch" refForName="bullet5c" fact="0.53"/>
+                    <dgm:constr type="lMarg" for="ch" forName="textBox5c" refType="userC" fact="2.834"/>
+                    <dgm:constr type="ctrX" for="ch" forName="bullet5d" refType="w" fact="0.6"/>
+                    <dgm:constr type="ctrY" for="ch" forName="bullet5d" refType="h" fact="0.33"/>
+                    <dgm:constr type="w" for="ch" forName="bullet5d" refType="w" fact="0.062"/>
+                    <dgm:constr type="h" for="ch" forName="bullet5d" refType="w" refFor="ch" refForName="bullet5d"/>
+                    <dgm:constr type="l" for="ch" forName="textBox5d" refType="ctrX" refFor="ch" refForName="bullet5d"/>
+                    <dgm:constr type="t" for="ch" forName="textBox5d" refType="ctrY" refFor="ch" refForName="bullet5d"/>
+                    <dgm:constr type="w" for="ch" forName="textBox5d" refType="w" fact="0.2"/>
+                    <dgm:constr type="h" for="ch" forName="textBox5d" refType="h" fact="0.67"/>
+                    <dgm:constr type="userD" refType="h" refFor="ch" refForName="bullet5d" fact="0.53"/>
+                    <dgm:constr type="lMarg" for="ch" forName="textBox5d" refType="userD" fact="2.834"/>
+                    <dgm:constr type="ctrX" for="ch" forName="bullet5e" refType="w" fact="0.8"/>
+                    <dgm:constr type="ctrY" for="ch" forName="bullet5e" refType="h" fact="0.264"/>
+                    <dgm:constr type="w" for="ch" forName="bullet5e" refType="w" fact="0.079"/>
+                    <dgm:constr type="h" for="ch" forName="bullet5e" refType="w" refFor="ch" refForName="bullet5e"/>
+                    <dgm:constr type="l" for="ch" forName="textBox5e" refType="ctrX" refFor="ch" refForName="bullet5e"/>
+                    <dgm:constr type="t" for="ch" forName="textBox5e" refType="ctrY" refFor="ch" refForName="bullet5e"/>
+                    <dgm:constr type="w" for="ch" forName="textBox5e" refType="w" fact="0.2"/>
+                    <dgm:constr type="h" for="ch" forName="textBox5e" refType="h" fact="0.736"/>
+                    <dgm:constr type="userE" refType="h" refFor="ch" refForName="bullet5e" fact="0.53"/>
+                    <dgm:constr type="lMarg" for="ch" forName="textBox5e" refType="userE" fact="2.834"/>
+                    <dgm:constr type="primFontSz" for="ch" ptType="node" op="equ" val="65"/>
+                  </dgm:constrLst>
+                </dgm:if>
+                <dgm:else name="Name138">
+                  <dgm:constrLst>
+                    <dgm:constr type="ctrX" for="ch" forName="bullet5a" refType="w" fact="0.11"/>
+                    <dgm:constr type="ctrY" for="ch" forName="bullet5a" refType="h" fact="0.762"/>
+                    <dgm:constr type="w" for="ch" forName="bullet5a" refType="w" fact="0.023"/>
+                    <dgm:constr type="h" for="ch" forName="bullet5a" refType="w" refFor="ch" refForName="bullet5a"/>
+                    <dgm:constr type="r" for="ch" forName="textBox5a" refType="ctrX" refFor="ch" refForName="bullet5a"/>
+                    <dgm:constr type="b" for="ch" forName="textBox5a" refType="ctrY" refFor="ch" refForName="bullet5a"/>
+                    <dgm:constr type="w" for="ch" forName="textBox5a" refType="w" fact="0.11"/>
+                    <dgm:constr type="h" for="ch" forName="textBox5a" refType="h" fact="0.762"/>
+                    <dgm:constr type="userA" refType="h" refFor="ch" refForName="bullet5a" fact="0.53"/>
+                    <dgm:constr type="rMarg" for="ch" forName="textBox5a" refType="userA" fact="2.834"/>
+                    <dgm:constr type="ctrX" for="ch" forName="bullet5b" refType="w" fact="0.241"/>
+                    <dgm:constr type="ctrY" for="ch" forName="bullet5b" refType="h" fact="0.581"/>
+                    <dgm:constr type="w" for="ch" forName="bullet5b" refType="w" fact="0.036"/>
+                    <dgm:constr type="h" for="ch" forName="bullet5b" refType="w" refFor="ch" refForName="bullet5b"/>
+                    <dgm:constr type="r" for="ch" forName="textBox5b" refType="ctrX" refFor="ch" refForName="bullet5b"/>
+                    <dgm:constr type="b" for="ch" forName="textBox5b" refType="ctrY" refFor="ch" refForName="bullet5b"/>
+                    <dgm:constr type="w" for="ch" forName="textBox5b" refType="w" fact="0.131"/>
+                    <dgm:constr type="h" for="ch" forName="textBox5b" refType="h" fact="0.581"/>
+                    <dgm:constr type="userB" refType="h" refFor="ch" refForName="bullet5b" fact="0.53"/>
+                    <dgm:constr type="rMarg" for="ch" forName="textBox5b" refType="userB" fact="2.834"/>
+                    <dgm:constr type="ctrX" for="ch" forName="bullet5c" refType="w" fact="0.407"/>
+                    <dgm:constr type="ctrY" for="ch" forName="bullet5c" refType="h" fact="0.438"/>
+                    <dgm:constr type="w" for="ch" forName="bullet5c" refType="w" fact="0.048"/>
+                    <dgm:constr type="h" for="ch" forName="bullet5c" refType="w" refFor="ch" refForName="bullet5c"/>
+                    <dgm:constr type="r" for="ch" forName="textBox5c" refType="ctrX" refFor="ch" refForName="bullet5c"/>
+                    <dgm:constr type="b" for="ch" forName="textBox5c" refType="ctrY" refFor="ch" refForName="bullet5c"/>
+                    <dgm:constr type="w" for="ch" forName="textBox5c" refType="w" fact="0.166"/>
+                    <dgm:constr type="h" for="ch" forName="textBox5c" refType="h" fact="0.438"/>
+                    <dgm:constr type="userC" refType="h" refFor="ch" refForName="bullet5c" fact="0.53"/>
+                    <dgm:constr type="rMarg" for="ch" forName="textBox5c" refType="userC" fact="2.834"/>
+                    <dgm:constr type="ctrX" for="ch" forName="bullet5d" refType="w" fact="0.6"/>
+                    <dgm:constr type="ctrY" for="ch" forName="bullet5d" refType="h" fact="0.33"/>
+                    <dgm:constr type="w" for="ch" forName="bullet5d" refType="w" fact="0.062"/>
+                    <dgm:constr type="h" for="ch" forName="bullet5d" refType="w" refFor="ch" refForName="bullet5d"/>
+                    <dgm:constr type="r" for="ch" forName="textBox5d" refType="ctrX" refFor="ch" refForName="bullet5d"/>
+                    <dgm:constr type="b" for="ch" forName="textBox5d" refType="ctrY" refFor="ch" refForName="bullet5d"/>
+                    <dgm:constr type="w" for="ch" forName="textBox5d" refType="w" fact="0.193"/>
+                    <dgm:constr type="h" for="ch" forName="textBox5d" refType="h" fact="0.33"/>
+                    <dgm:constr type="userD" refType="h" refFor="ch" refForName="bullet5d" fact="0.53"/>
+                    <dgm:constr type="rMarg" for="ch" forName="textBox5d" refType="userD" fact="2.834"/>
+                    <dgm:constr type="ctrX" for="ch" forName="bullet5e" refType="w" fact="0.8"/>
+                    <dgm:constr type="ctrY" for="ch" forName="bullet5e" refType="h" fact="0.264"/>
+                    <dgm:constr type="w" for="ch" forName="bullet5e" refType="w" fact="0.079"/>
+                    <dgm:constr type="h" for="ch" forName="bullet5e" refType="w" refFor="ch" refForName="bullet5e"/>
+                    <dgm:constr type="r" for="ch" forName="textBox5e" refType="ctrX" refFor="ch" refForName="bullet5e"/>
+                    <dgm:constr type="b" for="ch" forName="textBox5e" refType="ctrY" refFor="ch" refForName="bullet5e"/>
+                    <dgm:constr type="w" for="ch" forName="textBox5e" refType="w" fact="0.2"/>
+                    <dgm:constr type="h" for="ch" forName="textBox5e" refType="h" fact="0.264"/>
+                    <dgm:constr type="userE" refType="h" refFor="ch" refForName="bullet5e" fact="0.53"/>
+                    <dgm:constr type="rMarg" for="ch" forName="textBox5e" refType="userE" fact="2.834"/>
+                    <dgm:constr type="primFontSz" for="ch" ptType="node" op="equ" val="65"/>
+                  </dgm:constrLst>
+                </dgm:else>
+              </dgm:choose>
+              <dgm:ruleLst/>
+              <dgm:forEach name="Name139" axis="ch" ptType="node" cnt="1">
+                <dgm:layoutNode name="bullet5a" styleLbl="node1">
+                  <dgm:alg type="sp"/>
+                  <dgm:shape xmlns:r="http://schemas.openxmlformats.org/officeDocument/2006/relationships" type="ellipse" r:blip="">
+                    <dgm:adjLst/>
+                  </dgm:shape>
+                  <dgm:presOf/>
+                  <dgm:constrLst/>
+                  <dgm:ruleLst/>
+                </dgm:layoutNode>
+                <dgm:layoutNode name="textBox5a" styleLbl="revTx">
+                  <dgm:varLst>
+                    <dgm:bulletEnabled val="1"/>
+                  </dgm:varLst>
+                  <dgm:choose name="Name140">
+                    <dgm:if name="Name141" func="var" arg="dir" op="equ" val="norm">
+                      <dgm:choose name="Name142">
+                        <dgm:if name="Name143" axis="root des" ptType="all node" func="maxDepth" op="gt" val="1">
+                          <dgm:alg type="tx">
+                            <dgm:param type="txAnchorVert" val="t"/>
+                            <dgm:param type="parTxLTRAlign" val="l"/>
+                            <dgm:param type="parTxRTLAlign" val="r"/>
+                          </dgm:alg>
+                        </dgm:if>
+                        <dgm:else name="Name144">
+                          <dgm:alg type="tx">
+                            <dgm:param type="txAnchorVert" val="t"/>
+                            <dgm:param type="parTxLTRAlign" val="l"/>
+                            <dgm:param type="parTxRTLAlign" val="l"/>
+                          </dgm:alg>
+                        </dgm:else>
+                      </dgm:choose>
+                    </dgm:if>
+                    <dgm:else name="Name145">
+                      <dgm:choose name="Name146">
+                        <dgm:if name="Name147" axis="root des" ptType="all node" func="maxDepth" op="gt" val="1">
+                          <dgm:alg type="tx">
+                            <dgm:param type="txAnchorVert" val="b"/>
+                            <dgm:param type="txAnchorVertCh" val="b"/>
+                            <dgm:param type="parTxLTRAlign" val="l"/>
+                            <dgm:param type="parTxRTLAlign" val="r"/>
+                          </dgm:alg>
+                        </dgm:if>
+                        <dgm:else name="Name148">
+                          <dgm:alg type="tx">
+                            <dgm:param type="txAnchorVert" val="b"/>
+                            <dgm:param type="parTxLTRAlign" val="r"/>
+                            <dgm:param type="parTxRTLAlign" val="r"/>
+                          </dgm:alg>
+                        </dgm:else>
+                      </dgm:choose>
+                    </dgm:else>
+                  </dgm:choose>
+                  <dgm:shape xmlns:r="http://schemas.openxmlformats.org/officeDocument/2006/relationships" type="rect" r:blip="">
+                    <dgm:adjLst/>
+                  </dgm:shape>
+                  <dgm:presOf axis="desOrSelf" ptType="node"/>
+                  <dgm:choose name="Name149">
+                    <dgm:if name="Name150" func="var" arg="dir" op="equ" val="norm">
+                      <dgm:constrLst>
+                        <dgm:constr type="rMarg"/>
+                        <dgm:constr type="tMarg"/>
+                        <dgm:constr type="bMarg"/>
+                      </dgm:constrLst>
+                    </dgm:if>
+                    <dgm:else name="Name151">
+                      <dgm:constrLst>
+                        <dgm:constr type="lMarg"/>
+                        <dgm:constr type="tMarg"/>
+                        <dgm:constr type="bMarg"/>
+                      </dgm:constrLst>
+                    </dgm:else>
+                  </dgm:choose>
+                  <dgm:ruleLst>
+                    <dgm:rule type="primFontSz" val="5" fact="NaN" max="NaN"/>
+                  </dgm:ruleLst>
+                </dgm:layoutNode>
+              </dgm:forEach>
+              <dgm:forEach name="Name152" axis="ch" ptType="node" st="2" cnt="1">
+                <dgm:layoutNode name="bullet5b" styleLbl="node1">
+                  <dgm:alg type="sp"/>
+                  <dgm:shape xmlns:r="http://schemas.openxmlformats.org/officeDocument/2006/relationships" type="ellipse" r:blip="">
+                    <dgm:adjLst/>
+                  </dgm:shape>
+                  <dgm:presOf/>
+                  <dgm:constrLst/>
+                  <dgm:ruleLst/>
+                </dgm:layoutNode>
+                <dgm:layoutNode name="textBox5b" styleLbl="revTx">
+                  <dgm:varLst>
+                    <dgm:bulletEnabled val="1"/>
+                  </dgm:varLst>
+                  <dgm:choose name="Name153">
+                    <dgm:if name="Name154" func="var" arg="dir" op="equ" val="norm">
+                      <dgm:choose name="Name155">
+                        <dgm:if name="Name156" axis="root des" ptType="all node" func="maxDepth" op="gt" val="1">
+                          <dgm:alg type="tx">
+                            <dgm:param type="txAnchorVert" val="t"/>
+                            <dgm:param type="parTxLTRAlign" val="l"/>
+                            <dgm:param type="parTxRTLAlign" val="r"/>
+                          </dgm:alg>
+                        </dgm:if>
+                        <dgm:else name="Name157">
+                          <dgm:alg type="tx">
+                            <dgm:param type="txAnchorVert" val="t"/>
+                            <dgm:param type="parTxLTRAlign" val="l"/>
+                            <dgm:param type="parTxRTLAlign" val="l"/>
+                          </dgm:alg>
+                        </dgm:else>
+                      </dgm:choose>
+                    </dgm:if>
+                    <dgm:else name="Name158">
+                      <dgm:choose name="Name159">
+                        <dgm:if name="Name160" axis="root des" ptType="all node" func="maxDepth" op="gt" val="1">
+                          <dgm:alg type="tx">
+                            <dgm:param type="txAnchorVert" val="b"/>
+                            <dgm:param type="txAnchorVertCh" val="b"/>
+                            <dgm:param type="parTxLTRAlign" val="l"/>
+                            <dgm:param type="parTxRTLAlign" val="r"/>
+                          </dgm:alg>
+                        </dgm:if>
+                        <dgm:else name="Name161">
+                          <dgm:alg type="tx">
+                            <dgm:param type="txAnchorVert" val="b"/>
+                            <dgm:param type="parTxLTRAlign" val="r"/>
+                            <dgm:param type="parTxRTLAlign" val="r"/>
+                          </dgm:alg>
+                        </dgm:else>
+                      </dgm:choose>
+                    </dgm:else>
+                  </dgm:choose>
+                  <dgm:shape xmlns:r="http://schemas.openxmlformats.org/officeDocument/2006/relationships" type="rect" r:blip="">
+                    <dgm:adjLst/>
+                  </dgm:shape>
+                  <dgm:presOf axis="desOrSelf" ptType="node"/>
+                  <dgm:choose name="Name162">
+                    <dgm:if name="Name163" func="var" arg="dir" op="equ" val="norm">
+                      <dgm:constrLst>
+                        <dgm:constr type="rMarg"/>
+                        <dgm:constr type="tMarg"/>
+                        <dgm:constr type="bMarg"/>
+                      </dgm:constrLst>
+                    </dgm:if>
+                    <dgm:else name="Name164">
+                      <dgm:constrLst>
+                        <dgm:constr type="lMarg"/>
+                        <dgm:constr type="tMarg"/>
+                        <dgm:constr type="bMarg"/>
+                      </dgm:constrLst>
+                    </dgm:else>
+                  </dgm:choose>
+                  <dgm:ruleLst>
+                    <dgm:rule type="primFontSz" val="5" fact="NaN" max="NaN"/>
+                  </dgm:ruleLst>
+                </dgm:layoutNode>
+              </dgm:forEach>
+              <dgm:forEach name="Name165" axis="ch" ptType="node" st="3" cnt="1">
+                <dgm:layoutNode name="bullet5c" styleLbl="node1">
+                  <dgm:alg type="sp"/>
+                  <dgm:shape xmlns:r="http://schemas.openxmlformats.org/officeDocument/2006/relationships" type="ellipse" r:blip="">
+                    <dgm:adjLst/>
+                  </dgm:shape>
+                  <dgm:presOf/>
+                  <dgm:constrLst/>
+                  <dgm:ruleLst/>
+                </dgm:layoutNode>
+                <dgm:layoutNode name="textBox5c" styleLbl="revTx">
+                  <dgm:varLst>
+                    <dgm:bulletEnabled val="1"/>
+                  </dgm:varLst>
+                  <dgm:choose name="Name166">
+                    <dgm:if name="Name167" func="var" arg="dir" op="equ" val="norm">
+                      <dgm:choose name="Name168">
+                        <dgm:if name="Name169" axis="root des" ptType="all node" func="maxDepth" op="gt" val="1">
+                          <dgm:alg type="tx">
+                            <dgm:param type="txAnchorVert" val="t"/>
+                            <dgm:param type="parTxLTRAlign" val="l"/>
+                            <dgm:param type="parTxRTLAlign" val="r"/>
+                          </dgm:alg>
+                        </dgm:if>
+                        <dgm:else name="Name170">
+                          <dgm:alg type="tx">
+                            <dgm:param type="txAnchorVert" val="t"/>
+                            <dgm:param type="parTxLTRAlign" val="l"/>
+                            <dgm:param type="parTxRTLAlign" val="l"/>
+                          </dgm:alg>
+                        </dgm:else>
+                      </dgm:choose>
+                    </dgm:if>
+                    <dgm:else name="Name171">
+                      <dgm:choose name="Name172">
+                        <dgm:if name="Name173" axis="root des" ptType="all node" func="maxDepth" op="gt" val="1">
+                          <dgm:alg type="tx">
+                            <dgm:param type="txAnchorVert" val="b"/>
+                            <dgm:param type="txAnchorVertCh" val="b"/>
+                            <dgm:param type="parTxLTRAlign" val="l"/>
+                            <dgm:param type="parTxRTLAlign" val="r"/>
+                          </dgm:alg>
+                        </dgm:if>
+                        <dgm:else name="Name174">
+                          <dgm:alg type="tx">
+                            <dgm:param type="txAnchorVert" val="b"/>
+                            <dgm:param type="parTxLTRAlign" val="r"/>
+                            <dgm:param type="parTxRTLAlign" val="r"/>
+                          </dgm:alg>
+                        </dgm:else>
+                      </dgm:choose>
+                    </dgm:else>
+                  </dgm:choose>
+                  <dgm:shape xmlns:r="http://schemas.openxmlformats.org/officeDocument/2006/relationships" type="rect" r:blip="">
+                    <dgm:adjLst/>
+                  </dgm:shape>
+                  <dgm:presOf axis="desOrSelf" ptType="node"/>
+                  <dgm:choose name="Name175">
+                    <dgm:if name="Name176" func="var" arg="dir" op="equ" val="norm">
+                      <dgm:constrLst>
+                        <dgm:constr type="rMarg"/>
+                        <dgm:constr type="tMarg"/>
+                        <dgm:constr type="bMarg"/>
+                      </dgm:constrLst>
+                    </dgm:if>
+                    <dgm:else name="Name177">
+                      <dgm:constrLst>
+                        <dgm:constr type="lMarg"/>
+                        <dgm:constr type="tMarg"/>
+                        <dgm:constr type="bMarg"/>
+                      </dgm:constrLst>
+                    </dgm:else>
+                  </dgm:choose>
+                  <dgm:ruleLst>
+                    <dgm:rule type="primFontSz" val="5" fact="NaN" max="NaN"/>
+                  </dgm:ruleLst>
+                </dgm:layoutNode>
+              </dgm:forEach>
+              <dgm:forEach name="Name178" axis="ch" ptType="node" st="4" cnt="1">
+                <dgm:layoutNode name="bullet5d" styleLbl="node1">
+                  <dgm:alg type="sp"/>
+                  <dgm:shape xmlns:r="http://schemas.openxmlformats.org/officeDocument/2006/relationships" type="ellipse" r:blip="">
+                    <dgm:adjLst/>
+                  </dgm:shape>
+                  <dgm:presOf/>
+                  <dgm:constrLst/>
+                  <dgm:ruleLst/>
+                </dgm:layoutNode>
+                <dgm:layoutNode name="textBox5d" styleLbl="revTx">
+                  <dgm:varLst>
+                    <dgm:bulletEnabled val="1"/>
+                  </dgm:varLst>
+                  <dgm:choose name="Name179">
+                    <dgm:if name="Name180" func="var" arg="dir" op="equ" val="norm">
+                      <dgm:choose name="Name181">
+                        <dgm:if name="Name182" axis="root des" ptType="all node" func="maxDepth" op="gt" val="1">
+                          <dgm:alg type="tx">
+                            <dgm:param type="txAnchorVert" val="t"/>
+                            <dgm:param type="parTxLTRAlign" val="l"/>
+                            <dgm:param type="parTxRTLAlign" val="r"/>
+                          </dgm:alg>
+                        </dgm:if>
+                        <dgm:else name="Name183">
+                          <dgm:alg type="tx">
+                            <dgm:param type="txAnchorVert" val="t"/>
+                            <dgm:param type="parTxLTRAlign" val="l"/>
+                            <dgm:param type="parTxRTLAlign" val="l"/>
+                          </dgm:alg>
+                        </dgm:else>
+                      </dgm:choose>
+                    </dgm:if>
+                    <dgm:else name="Name184">
+                      <dgm:choose name="Name185">
+                        <dgm:if name="Name186" axis="root des" ptType="all node" func="maxDepth" op="gt" val="1">
+                          <dgm:alg type="tx">
+                            <dgm:param type="txAnchorVert" val="b"/>
+                            <dgm:param type="txAnchorVertCh" val="b"/>
+                            <dgm:param type="parTxLTRAlign" val="l"/>
+                            <dgm:param type="parTxRTLAlign" val="r"/>
+                          </dgm:alg>
+                        </dgm:if>
+                        <dgm:else name="Name187">
+                          <dgm:alg type="tx">
+                            <dgm:param type="txAnchorVert" val="b"/>
+                            <dgm:param type="parTxLTRAlign" val="r"/>
+                            <dgm:param type="parTxRTLAlign" val="r"/>
+                          </dgm:alg>
+                        </dgm:else>
+                      </dgm:choose>
+                    </dgm:else>
+                  </dgm:choose>
+                  <dgm:shape xmlns:r="http://schemas.openxmlformats.org/officeDocument/2006/relationships" type="rect" r:blip="">
+                    <dgm:adjLst/>
+                  </dgm:shape>
+                  <dgm:presOf axis="desOrSelf" ptType="node"/>
+                  <dgm:choose name="Name188">
+                    <dgm:if name="Name189" func="var" arg="dir" op="equ" val="norm">
+                      <dgm:constrLst>
+                        <dgm:constr type="rMarg"/>
+                        <dgm:constr type="tMarg"/>
+                        <dgm:constr type="bMarg"/>
+                      </dgm:constrLst>
+                    </dgm:if>
+                    <dgm:else name="Name190">
+                      <dgm:constrLst>
+                        <dgm:constr type="lMarg"/>
+                        <dgm:constr type="tMarg"/>
+                        <dgm:constr type="bMarg"/>
+                      </dgm:constrLst>
+                    </dgm:else>
+                  </dgm:choose>
+                  <dgm:ruleLst>
+                    <dgm:rule type="primFontSz" val="5" fact="NaN" max="NaN"/>
+                  </dgm:ruleLst>
+                </dgm:layoutNode>
+              </dgm:forEach>
+              <dgm:forEach name="Name191" axis="ch" ptType="node" st="5" cnt="1">
+                <dgm:layoutNode name="bullet5e" styleLbl="node1">
+                  <dgm:alg type="sp"/>
+                  <dgm:shape xmlns:r="http://schemas.openxmlformats.org/officeDocument/2006/relationships" type="ellipse" r:blip="">
+                    <dgm:adjLst/>
+                  </dgm:shape>
+                  <dgm:presOf/>
+                  <dgm:constrLst/>
+                  <dgm:ruleLst/>
+                </dgm:layoutNode>
+                <dgm:layoutNode name="textBox5e" styleLbl="revTx">
+                  <dgm:varLst>
+                    <dgm:bulletEnabled val="1"/>
+                  </dgm:varLst>
+                  <dgm:choose name="Name192">
+                    <dgm:if name="Name193" func="var" arg="dir" op="equ" val="norm">
+                      <dgm:choose name="Name194">
+                        <dgm:if name="Name195" axis="root des" ptType="all node" func="maxDepth" op="gt" val="1">
+                          <dgm:alg type="tx">
+                            <dgm:param type="txAnchorVert" val="t"/>
+                            <dgm:param type="parTxLTRAlign" val="l"/>
+                            <dgm:param type="parTxRTLAlign" val="r"/>
+                          </dgm:alg>
+                        </dgm:if>
+                        <dgm:else name="Name196">
+                          <dgm:alg type="tx">
+                            <dgm:param type="txAnchorVert" val="t"/>
+                            <dgm:param type="parTxLTRAlign" val="l"/>
+                            <dgm:param type="parTxRTLAlign" val="l"/>
+                          </dgm:alg>
+                        </dgm:else>
+                      </dgm:choose>
+                    </dgm:if>
+                    <dgm:else name="Name197">
+                      <dgm:choose name="Name198">
+                        <dgm:if name="Name199" axis="root des" ptType="all node" func="maxDepth" op="gt" val="1">
+                          <dgm:alg type="tx">
+                            <dgm:param type="txAnchorVert" val="b"/>
+                            <dgm:param type="txAnchorVertCh" val="b"/>
+                            <dgm:param type="parTxLTRAlign" val="l"/>
+                            <dgm:param type="parTxRTLAlign" val="r"/>
+                          </dgm:alg>
+                        </dgm:if>
+                        <dgm:else name="Name200">
+                          <dgm:alg type="tx">
+                            <dgm:param type="txAnchorVert" val="b"/>
+                            <dgm:param type="parTxLTRAlign" val="r"/>
+                            <dgm:param type="parTxRTLAlign" val="r"/>
+                          </dgm:alg>
+                        </dgm:else>
+                      </dgm:choose>
+                    </dgm:else>
+                  </dgm:choose>
+                  <dgm:shape xmlns:r="http://schemas.openxmlformats.org/officeDocument/2006/relationships" type="rect" r:blip="">
+                    <dgm:adjLst/>
+                  </dgm:shape>
+                  <dgm:presOf axis="desOrSelf" ptType="node"/>
+                  <dgm:choose name="Name201">
+                    <dgm:if name="Name202" func="var" arg="dir" op="equ" val="norm">
+                      <dgm:constrLst>
+                        <dgm:constr type="rMarg"/>
+                        <dgm:constr type="tMarg"/>
+                        <dgm:constr type="bMarg"/>
+                      </dgm:constrLst>
+                    </dgm:if>
+                    <dgm:else name="Name203">
+                      <dgm:constrLst>
+                        <dgm:constr type="lMarg"/>
+                        <dgm:constr type="tMarg"/>
+                        <dgm:constr type="bMarg"/>
+                      </dgm:constrLst>
+                    </dgm:else>
+                  </dgm:choose>
+                  <dgm:ruleLst>
+                    <dgm:rule type="primFontSz" val="5" fact="NaN" max="NaN"/>
+                  </dgm:ruleLst>
+                </dgm:layoutNode>
+              </dgm:forEach>
+            </dgm:layoutNode>
+          </dgm:else>
+        </dgm:choose>
+      </dgm:if>
+      <dgm:else name="Name204"/>
+    </dgm:choose>
+  </dgm:layoutNode>
+</dgm:layoutDef>
+</file>
+
 <file path=ppt/diagrams/quickStyle1.xml><?xml version="1.0" encoding="utf-8"?>
+<dgm:styleDef xmlns:dgm="http://schemas.openxmlformats.org/drawingml/2006/diagram" xmlns:a="http://schemas.openxmlformats.org/drawingml/2006/main" uniqueId="urn:microsoft.com/office/officeart/2005/8/quickstyle/simple1">
+  <dgm:title val=""/>
+  <dgm:desc val=""/>
+  <dgm:catLst>
+    <dgm:cat type="simple" pri="10100"/>
+  </dgm:catLst>
+  <dgm:scene3d>
+    <a:camera prst="orthographicFront"/>
+    <a:lightRig rig="threePt" dir="t"/>
+  </dgm:scene3d>
+  <dgm:styleLbl name="node0">
+    <dgm:scene3d>
+      <a:camera prst="orthographicFront"/>
+      <a:lightRig rig="threePt" dir="t"/>
+    </dgm:scene3d>
+    <dgm:sp3d/>
+    <dgm:txPr/>
+    <dgm:style>
+      <a:lnRef idx="2">
+        <a:scrgbClr r="0" g="0" b="0"/>
+      </a:lnRef>
+      <a:fillRef idx="1">
+        <a:scrgbClr r="0" g="0" b="0"/>
+      </a:fillRef>
+      <a:effectRef idx="0">
+        <a:scrgbClr r="0" g="0" b="0"/>
+      </a:effectRef>
+      <a:fontRef idx="minor">
+        <a:schemeClr val="lt1"/>
+      </a:fontRef>
+    </dgm:style>
+  </dgm:styleLbl>
+  <dgm:styleLbl name="lnNode1">
+    <dgm:scene3d>
+      <a:camera prst="orthographicFront"/>
+      <a:lightRig rig="threePt" dir="t"/>
+    </dgm:scene3d>
+    <dgm:sp3d/>
+    <dgm:txPr/>
+    <dgm:style>
+      <a:lnRef idx="2">
+        <a:scrgbClr r="0" g="0" b="0"/>
+      </a:lnRef>
+      <a:fillRef idx="1">
+        <a:scrgbClr r="0" g="0" b="0"/>
+      </a:fillRef>
+      <a:effectRef idx="0">
+        <a:scrgbClr r="0" g="0" b="0"/>
+      </a:effectRef>
+      <a:fontRef idx="minor">
+        <a:schemeClr val="lt1"/>
+      </a:fontRef>
+    </dgm:style>
+  </dgm:styleLbl>
+  <dgm:styleLbl name="vennNode1">
+    <dgm:scene3d>
+      <a:camera prst="orthographicFront"/>
+      <a:lightRig rig="threePt" dir="t"/>
+    </dgm:scene3d>
+    <dgm:sp3d/>
+    <dgm:txPr/>
+    <dgm:style>
+      <a:lnRef idx="2">
+        <a:scrgbClr r="0" g="0" b="0"/>
+      </a:lnRef>
+      <a:fillRef idx="1">
+        <a:scrgbClr r="0" g="0" b="0"/>
+      </a:fillRef>
+      <a:effectRef idx="0">
+        <a:scrgbClr r="0" g="0" b="0"/>
+      </a:effectRef>
+      <a:fontRef idx="minor">
+        <a:schemeClr val="tx1"/>
+      </a:fontRef>
+    </dgm:style>
+  </dgm:styleLbl>
+  <dgm:styleLbl name="alignNode1">
+    <dgm:scene3d>
+      <a:camera prst="orthographicFront"/>
+      <a:lightRig rig="threePt" dir="t"/>
+    </dgm:scene3d>
+    <dgm:sp3d/>
+    <dgm:txPr/>
+    <dgm:style>
+      <a:lnRef idx="2">
+        <a:scrgbClr r="0" g="0" b="0"/>
+      </a:lnRef>
+      <a:fillRef idx="1">
+        <a:scrgbClr r="0" g="0" b="0"/>
+      </a:fillRef>
+      <a:effectRef idx="0">
+        <a:scrgbClr r="0" g="0" b="0"/>
+      </a:effectRef>
+      <a:fontRef idx="minor">
+        <a:schemeClr val="lt1"/>
+      </a:fontRef>
+    </dgm:style>
+  </dgm:styleLbl>
+  <dgm:styleLbl name="node1">
+    <dgm:scene3d>
+      <a:camera prst="orthographicFront"/>
+      <a:lightRig rig="threePt" dir="t"/>
+    </dgm:scene3d>
+    <dgm:sp3d/>
+    <dgm:txPr/>
+    <dgm:style>
+      <a:lnRef idx="2">
+        <a:scrgbClr r="0" g="0" b="0"/>
+      </a:lnRef>
+      <a:fillRef idx="1">
+        <a:scrgbClr r="0" g="0" b="0"/>
+      </a:fillRef>
+      <a:effectRef idx="0">
+        <a:scrgbClr r="0" g="0" b="0"/>
+      </a:effectRef>
+      <a:fontRef idx="minor">
+        <a:schemeClr val="lt1"/>
+      </a:fontRef>
+    </dgm:style>
+  </dgm:styleLbl>
+  <dgm:styleLbl name="node2">
+    <dgm:scene3d>
+      <a:camera prst="orthographicFront"/>
+      <a:lightRig rig="threePt" dir="t"/>
+    </dgm:scene3d>
+    <dgm:sp3d/>
+    <dgm:txPr/>
+    <dgm:style>
+      <a:lnRef idx="2">
+        <a:scrgbClr r="0" g="0" b="0"/>
+      </a:lnRef>
+      <a:fillRef idx="1">
+        <a:scrgbClr r="0" g="0" b="0"/>
+      </a:fillRef>
+      <a:effectRef idx="0">
+        <a:scrgbClr r="0" g="0" b="0"/>
+      </a:effectRef>
+      <a:fontRef idx="minor">
+        <a:schemeClr val="lt1"/>
+      </a:fontRef>
+    </dgm:style>
+  </dgm:styleLbl>
+  <dgm:styleLbl name="node3">
+    <dgm:scene3d>
+      <a:camera prst="orthographicFront"/>
+      <a:lightRig rig="threePt" dir="t"/>
+    </dgm:scene3d>
+    <dgm:sp3d/>
+    <dgm:txPr/>
+    <dgm:style>
+      <a:lnRef idx="2">
+        <a:scrgbClr r="0" g="0" b="0"/>
+      </a:lnRef>
+      <a:fillRef idx="1">
+        <a:scrgbClr r="0" g="0" b="0"/>
+      </a:fillRef>
+      <a:effectRef idx="0">
+        <a:scrgbClr r="0" g="0" b="0"/>
+      </a:effectRef>
+      <a:fontRef idx="minor">
+        <a:schemeClr val="lt1"/>
+      </a:fontRef>
+    </dgm:style>
+  </dgm:styleLbl>
+  <dgm:styleLbl name="node4">
+    <dgm:scene3d>
+      <a:camera prst="orthographicFront"/>
+      <a:lightRig rig="threePt" dir="t"/>
+    </dgm:scene3d>
+    <dgm:sp3d/>
+    <dgm:txPr/>
+    <dgm:style>
+      <a:lnRef idx="2">
+        <a:scrgbClr r="0" g="0" b="0"/>
+      </a:lnRef>
+      <a:fillRef idx="1">
+        <a:scrgbClr r="0" g="0" b="0"/>
+      </a:fillRef>
+      <a:effectRef idx="0">
+        <a:scrgbClr r="0" g="0" b="0"/>
+      </a:effectRef>
+      <a:fontRef idx="minor">
+        <a:schemeClr val="lt1"/>
+      </a:fontRef>
+    </dgm:style>
+  </dgm:styleLbl>
+  <dgm:styleLbl name="fgImgPlace1">
+    <dgm:scene3d>
+      <a:camera prst="orthographicFront"/>
+      <a:lightRig rig="threePt" dir="t"/>
+    </dgm:scene3d>
+    <dgm:sp3d/>
+    <dgm:txPr/>
+    <dgm:style>
+      <a:lnRef idx="2">
+        <a:scrgbClr r="0" g="0" b="0"/>
+      </a:lnRef>
+      <a:fillRef idx="1">
+        <a:scrgbClr r="0" g="0" b="0"/>
+      </a:fillRef>
+      <a:effectRef idx="0">
+        <a:scrgbClr r="0" g="0" b="0"/>
+      </a:effectRef>
+      <a:fontRef idx="minor"/>
+    </dgm:style>
+  </dgm:styleLbl>
+  <dgm:styleLbl name="alignImgPlace1">
+    <dgm:scene3d>
+      <a:camera prst="orthographicFront"/>
+      <a:lightRig rig="threePt" dir="t"/>
+    </dgm:scene3d>
+    <dgm:sp3d/>
+    <dgm:txPr/>
+    <dgm:style>
+      <a:lnRef idx="2">
+        <a:scrgbClr r="0" g="0" b="0"/>
+      </a:lnRef>
+      <a:fillRef idx="1">
+        <a:scrgbClr r="0" g="0" b="0"/>
+      </a:fillRef>
+      <a:effectRef idx="0">
+        <a:scrgbClr r="0" g="0" b="0"/>
+      </a:effectRef>
+      <a:fontRef idx="minor"/>
+    </dgm:style>
+  </dgm:styleLbl>
+  <dgm:styleLbl name="bgImgPlace1">
+    <dgm:scene3d>
+      <a:camera prst="orthographicFront"/>
+      <a:lightRig rig="threePt" dir="t"/>
+    </dgm:scene3d>
+    <dgm:sp3d/>
+    <dgm:txPr/>
+    <dgm:style>
+      <a:lnRef idx="2">
+        <a:scrgbClr r="0" g="0" b="0"/>
+      </a:lnRef>
+      <a:fillRef idx="1">
+        <a:scrgbClr r="0" g="0" b="0"/>
+      </a:fillRef>
+      <a:effectRef idx="0">
+        <a:scrgbClr r="0" g="0" b="0"/>
+      </a:effectRef>
+      <a:fontRef idx="minor"/>
+    </dgm:style>
+  </dgm:styleLbl>
+  <dgm:styleLbl name="sibTrans2D1">
+    <dgm:scene3d>
+      <a:camera prst="orthographicFront"/>
+      <a:lightRig rig="threePt" dir="t"/>
+    </dgm:scene3d>
+    <dgm:sp3d/>
+    <dgm:txPr/>
+    <dgm:style>
+      <a:lnRef idx="0">
+        <a:scrgbClr r="0" g="0" b="0"/>
+      </a:lnRef>
+      <a:fillRef idx="1">
+        <a:scrgbClr r="0" g="0" b="0"/>
+      </a:fillRef>
+      <a:effectRef idx="0">
+        <a:scrgbClr r="0" g="0" b="0"/>
+      </a:effectRef>
+      <a:fontRef idx="minor">
+        <a:schemeClr val="lt1"/>
+      </a:fontRef>
+    </dgm:style>
+  </dgm:styleLbl>
+  <dgm:styleLbl name="fgSibTrans2D1">
+    <dgm:scene3d>
+      <a:camera prst="orthographicFront"/>
+      <a:lightRig rig="threePt" dir="t"/>
+    </dgm:scene3d>
+    <dgm:sp3d/>
+    <dgm:txPr/>
+    <dgm:style>
+      <a:lnRef idx="0">
+        <a:scrgbClr r="0" g="0" b="0"/>
+      </a:lnRef>
+      <a:fillRef idx="1">
+        <a:scrgbClr r="0" g="0" b="0"/>
+      </a:fillRef>
+      <a:effectRef idx="0">
+        <a:scrgbClr r="0" g="0" b="0"/>
+      </a:effectRef>
+      <a:fontRef idx="minor">
+        <a:schemeClr val="lt1"/>
+      </a:fontRef>
+    </dgm:style>
+  </dgm:styleLbl>
+  <dgm:styleLbl name="bgSibTrans2D1">
+    <dgm:scene3d>
+      <a:camera prst="orthographicFront"/>
+      <a:lightRig rig="threePt" dir="t"/>
+    </dgm:scene3d>
+    <dgm:sp3d/>
+    <dgm:txPr/>
+    <dgm:style>
+      <a:lnRef idx="0">
+        <a:scrgbClr r="0" g="0" b="0"/>
+      </a:lnRef>
+      <a:fillRef idx="1">
+        <a:scrgbClr r="0" g="0" b="0"/>
+      </a:fillRef>
+      <a:effectRef idx="0">
+        <a:scrgbClr r="0" g="0" b="0"/>
+      </a:effectRef>
+      <a:fontRef idx="minor">
+        <a:schemeClr val="lt1"/>
+      </a:fontRef>
+    </dgm:style>
+  </dgm:styleLbl>
+  <dgm:styleLbl name="sibTrans1D1">
+    <dgm:scene3d>
+      <a:camera prst="orthographicFront"/>
+      <a:lightRig rig="threePt" dir="t"/>
+    </dgm:scene3d>
+    <dgm:sp3d/>
+    <dgm:txPr/>
+    <dgm:style>
+      <a:lnRef idx="1">
+        <a:scrgbClr r="0" g="0" b="0"/>
+      </a:lnRef>
+      <a:fillRef idx="0">
+        <a:scrgbClr r="0" g="0" b="0"/>
+      </a:fillRef>
+      <a:effectRef idx="0">
+        <a:scrgbClr r="0" g="0" b="0"/>
+      </a:effectRef>
+      <a:fontRef idx="minor"/>
+    </dgm:style>
+  </dgm:styleLbl>
+  <dgm:styleLbl name="callout">
+    <dgm:scene3d>
+      <a:camera prst="orthographicFront"/>
+      <a:lightRig rig="threePt" dir="t"/>
+    </dgm:scene3d>
+    <dgm:sp3d/>
+    <dgm:txPr/>
+    <dgm:style>
+      <a:lnRef idx="2">
+        <a:scrgbClr r="0" g="0" b="0"/>
+      </a:lnRef>
+      <a:fillRef idx="1">
+        <a:scrgbClr r="0" g="0" b="0"/>
+      </a:fillRef>
+      <a:effectRef idx="0">
+        <a:scrgbClr r="0" g="0" b="0"/>
+      </a:effectRef>
+      <a:fontRef idx="minor"/>
+    </dgm:style>
+  </dgm:styleLbl>
+  <dgm:styleLbl name="asst0">
+    <dgm:scene3d>
+      <a:camera prst="orthographicFront"/>
+      <a:lightRig rig="threePt" dir="t"/>
+    </dgm:scene3d>
+    <dgm:sp3d/>
+    <dgm:txPr/>
+    <dgm:style>
+      <a:lnRef idx="2">
+        <a:scrgbClr r="0" g="0" b="0"/>
+      </a:lnRef>
+      <a:fillRef idx="1">
+        <a:scrgbClr r="0" g="0" b="0"/>
+      </a:fillRef>
+      <a:effectRef idx="0">
+        <a:scrgbClr r="0" g="0" b="0"/>
+      </a:effectRef>
+      <a:fontRef idx="minor">
+        <a:schemeClr val="lt1"/>
+      </a:fontRef>
+    </dgm:style>
+  </dgm:styleLbl>
+  <dgm:styleLbl name="asst1">
+    <dgm:scene3d>
+      <a:camera prst="orthographicFront"/>
+      <a:lightRig rig="threePt" dir="t"/>
+    </dgm:scene3d>
+    <dgm:sp3d/>
+    <dgm:txPr/>
+    <dgm:style>
+      <a:lnRef idx="2">
+        <a:scrgbClr r="0" g="0" b="0"/>
+      </a:lnRef>
+      <a:fillRef idx="1">
+        <a:scrgbClr r="0" g="0" b="0"/>
+      </a:fillRef>
+      <a:effectRef idx="0">
+        <a:scrgbClr r="0" g="0" b="0"/>
+      </a:effectRef>
+      <a:fontRef idx="minor">
+        <a:schemeClr val="lt1"/>
+      </a:fontRef>
+    </dgm:style>
+  </dgm:styleLbl>
+  <dgm:styleLbl name="asst2">
+    <dgm:scene3d>
+      <a:camera prst="orthographicFront"/>
+      <a:lightRig rig="threePt" dir="t"/>
+    </dgm:scene3d>
+    <dgm:sp3d/>
+    <dgm:txPr/>
+    <dgm:style>
+      <a:lnRef idx="2">
+        <a:scrgbClr r="0" g="0" b="0"/>
+      </a:lnRef>
+      <a:fillRef idx="1">
+        <a:scrgbClr r="0" g="0" b="0"/>
+      </a:fillRef>
+      <a:effectRef idx="0">
+        <a:scrgbClr r="0" g="0" b="0"/>
+      </a:effectRef>
+      <a:fontRef idx="minor">
+        <a:schemeClr val="lt1"/>
+      </a:fontRef>
+    </dgm:style>
+  </dgm:styleLbl>
+  <dgm:styleLbl name="asst3">
+    <dgm:scene3d>
+      <a:camera prst="orthographicFront"/>
+      <a:lightRig rig="threePt" dir="t"/>
+    </dgm:scene3d>
+    <dgm:sp3d/>
+    <dgm:txPr/>
+    <dgm:style>
+      <a:lnRef idx="2">
+        <a:scrgbClr r="0" g="0" b="0"/>
+      </a:lnRef>
+      <a:fillRef idx="1">
+        <a:scrgbClr r="0" g="0" b="0"/>
+      </a:fillRef>
+      <a:effectRef idx="0">
+        <a:scrgbClr r="0" g="0" b="0"/>
+      </a:effectRef>
+      <a:fontRef idx="minor">
+        <a:schemeClr val="lt1"/>
+      </a:fontRef>
+    </dgm:style>
+  </dgm:styleLbl>
+  <dgm:styleLbl name="asst4">
+    <dgm:scene3d>
+      <a:camera prst="orthographicFront"/>
+      <a:lightRig rig="threePt" dir="t"/>
+    </dgm:scene3d>
+    <dgm:sp3d/>
+    <dgm:txPr/>
+    <dgm:style>
+      <a:lnRef idx="2">
+        <a:scrgbClr r="0" g="0" b="0"/>
+      </a:lnRef>
+      <a:fillRef idx="1">
+        <a:scrgbClr r="0" g="0" b="0"/>
+      </a:fillRef>
+      <a:effectRef idx="0">
+        <a:scrgbClr r="0" g="0" b="0"/>
+      </a:effectRef>
+      <a:fontRef idx="minor">
+        <a:schemeClr val="lt1"/>
+      </a:fontRef>
+    </dgm:style>
+  </dgm:styleLbl>
+  <dgm:styleLbl name="parChTrans2D1">
+    <dgm:scene3d>
+      <a:camera prst="orthographicFront"/>
+      <a:lightRig rig="threePt" dir="t"/>
+    </dgm:scene3d>
+    <dgm:sp3d/>
+    <dgm:txPr/>
+    <dgm:style>
+      <a:lnRef idx="2">
+        <a:scrgbClr r="0" g="0" b="0"/>
+      </a:lnRef>
+      <a:fillRef idx="1">
+        <a:scrgbClr r="0" g="0" b="0"/>
+      </a:fillRef>
+      <a:effectRef idx="0">
+        <a:scrgbClr r="0" g="0" b="0"/>
+      </a:effectRef>
+      <a:fontRef idx="minor">
+        <a:schemeClr val="lt1"/>
+      </a:fontRef>
+    </dgm:style>
+  </dgm:styleLbl>
+  <dgm:styleLbl name="parChTrans2D2">
+    <dgm:scene3d>
+      <a:camera prst="orthographicFront"/>
+      <a:lightRig rig="threePt" dir="t"/>
+    </dgm:scene3d>
+    <dgm:sp3d/>
+    <dgm:txPr/>
+    <dgm:style>
+      <a:lnRef idx="2">
+        <a:scrgbClr r="0" g="0" b="0"/>
+      </a:lnRef>
+      <a:fillRef idx="1">
+        <a:scrgbClr r="0" g="0" b="0"/>
+      </a:fillRef>
+      <a:effectRef idx="0">
+        <a:scrgbClr r="0" g="0" b="0"/>
+      </a:effectRef>
+      <a:fontRef idx="minor">
+        <a:schemeClr val="lt1"/>
+      </a:fontRef>
+    </dgm:style>
+  </dgm:styleLbl>
+  <dgm:styleLbl name="parChTrans2D3">
+    <dgm:scene3d>
+      <a:camera prst="orthographicFront"/>
+      <a:lightRig rig="threePt" dir="t"/>
+    </dgm:scene3d>
+    <dgm:sp3d/>
+    <dgm:txPr/>
+    <dgm:style>
+      <a:lnRef idx="2">
+        <a:scrgbClr r="0" g="0" b="0"/>
+      </a:lnRef>
+      <a:fillRef idx="1">
+        <a:scrgbClr r="0" g="0" b="0"/>
+      </a:fillRef>
+      <a:effectRef idx="0">
+        <a:scrgbClr r="0" g="0" b="0"/>
+      </a:effectRef>
+      <a:fontRef idx="minor">
+        <a:schemeClr val="lt1"/>
+      </a:fontRef>
+    </dgm:style>
+  </dgm:styleLbl>
+  <dgm:styleLbl name="parChTrans2D4">
+    <dgm:scene3d>
+      <a:camera prst="orthographicFront"/>
+      <a:lightRig rig="threePt" dir="t"/>
+    </dgm:scene3d>
+    <dgm:sp3d/>
+    <dgm:txPr/>
+    <dgm:style>
+      <a:lnRef idx="2">
+        <a:scrgbClr r="0" g="0" b="0"/>
+      </a:lnRef>
+      <a:fillRef idx="1">
+        <a:scrgbClr r="0" g="0" b="0"/>
+      </a:fillRef>
+      <a:effectRef idx="0">
+        <a:scrgbClr r="0" g="0" b="0"/>
+      </a:effectRef>
+      <a:fontRef idx="minor">
+        <a:schemeClr val="lt1"/>
+      </a:fontRef>
+    </dgm:style>
+  </dgm:styleLbl>
+  <dgm:styleLbl name="parChTrans1D1">
+    <dgm:scene3d>
+      <a:camera prst="orthographicFront"/>
+      <a:lightRig rig="threePt" dir="t"/>
+    </dgm:scene3d>
+    <dgm:sp3d/>
+    <dgm:txPr/>
+    <dgm:style>
+      <a:lnRef idx="2">
+        <a:scrgbClr r="0" g="0" b="0"/>
+      </a:lnRef>
+      <a:fillRef idx="0">
+        <a:scrgbClr r="0" g="0" b="0"/>
+      </a:fillRef>
+      <a:effectRef idx="0">
+        <a:scrgbClr r="0" g="0" b="0"/>
+      </a:effectRef>
+      <a:fontRef idx="minor"/>
+    </dgm:style>
+  </dgm:styleLbl>
+  <dgm:styleLbl name="parChTrans1D2">
+    <dgm:scene3d>
+      <a:camera prst="orthographicFront"/>
+      <a:lightRig rig="threePt" dir="t"/>
+    </dgm:scene3d>
+    <dgm:sp3d/>
+    <dgm:txPr/>
+    <dgm:style>
+      <a:lnRef idx="2">
+        <a:scrgbClr r="0" g="0" b="0"/>
+      </a:lnRef>
+      <a:fillRef idx="0">
+        <a:scrgbClr r="0" g="0" b="0"/>
+      </a:fillRef>
+      <a:effectRef idx="0">
+        <a:scrgbClr r="0" g="0" b="0"/>
+      </a:effectRef>
+      <a:fontRef idx="minor"/>
+    </dgm:style>
+  </dgm:styleLbl>
+  <dgm:styleLbl name="parChTrans1D3">
+    <dgm:scene3d>
+      <a:camera prst="orthographicFront"/>
+      <a:lightRig rig="threePt" dir="t"/>
+    </dgm:scene3d>
+    <dgm:sp3d/>
+    <dgm:txPr/>
+    <dgm:style>
+      <a:lnRef idx="2">
+        <a:scrgbClr r="0" g="0" b="0"/>
+      </a:lnRef>
+      <a:fillRef idx="0">
+        <a:scrgbClr r="0" g="0" b="0"/>
+      </a:fillRef>
+      <a:effectRef idx="0">
+        <a:scrgbClr r="0" g="0" b="0"/>
+      </a:effectRef>
+      <a:fontRef idx="minor"/>
+    </dgm:style>
+  </dgm:styleLbl>
+  <dgm:styleLbl name="parChTrans1D4">
+    <dgm:scene3d>
+      <a:camera prst="orthographicFront"/>
+      <a:lightRig rig="threePt" dir="t"/>
+    </dgm:scene3d>
+    <dgm:sp3d/>
+    <dgm:txPr/>
+    <dgm:style>
+      <a:lnRef idx="2">
+        <a:scrgbClr r="0" g="0" b="0"/>
+      </a:lnRef>
+      <a:fillRef idx="0">
+        <a:scrgbClr r="0" g="0" b="0"/>
+      </a:fillRef>
+      <a:effectRef idx="0">
+        <a:scrgbClr r="0" g="0" b="0"/>
+      </a:effectRef>
+      <a:fontRef idx="minor"/>
+    </dgm:style>
+  </dgm:styleLbl>
+  <dgm:styleLbl name="fgAcc1">
+    <dgm:scene3d>
+      <a:camera prst="orthographicFront"/>
+      <a:lightRig rig="threePt" dir="t"/>
+    </dgm:scene3d>
+    <dgm:sp3d/>
+    <dgm:txPr/>
+    <dgm:style>
+      <a:lnRef idx="2">
+        <a:scrgbClr r="0" g="0" b="0"/>
+      </a:lnRef>
+      <a:fillRef idx="1">
+        <a:scrgbClr r="0" g="0" b="0"/>
+      </a:fillRef>
+      <a:effectRef idx="0">
+        <a:scrgbClr r="0" g="0" b="0"/>
+      </a:effectRef>
+      <a:fontRef idx="minor"/>
+    </dgm:style>
+  </dgm:styleLbl>
+  <dgm:styleLbl name="conFgAcc1">
+    <dgm:scene3d>
+      <a:camera prst="orthographicFront"/>
+      <a:lightRig rig="threePt" dir="t"/>
+    </dgm:scene3d>
+    <dgm:sp3d/>
+    <dgm:txPr/>
+    <dgm:style>
+      <a:lnRef idx="2">
+        <a:scrgbClr r="0" g="0" b="0"/>
+      </a:lnRef>
+      <a:fillRef idx="1">
+        <a:scrgbClr r="0" g="0" b="0"/>
+      </a:fillRef>
+      <a:effectRef idx="0">
+        <a:scrgbClr r="0" g="0" b="0"/>
+      </a:effectRef>
+      <a:fontRef idx="minor"/>
+    </dgm:style>
+  </dgm:styleLbl>
+  <dgm:styleLbl name="alignAcc1">
+    <dgm:scene3d>
+      <a:camera prst="orthographicFront"/>
+      <a:lightRig rig="threePt" dir="t"/>
+    </dgm:scene3d>
+    <dgm:sp3d/>
+    <dgm:txPr/>
+    <dgm:style>
+      <a:lnRef idx="2">
+        <a:scrgbClr r="0" g="0" b="0"/>
+      </a:lnRef>
+      <a:fillRef idx="1">
+        <a:scrgbClr r="0" g="0" b="0"/>
+      </a:fillRef>
+      <a:effectRef idx="0">
+        <a:scrgbClr r="0" g="0" b="0"/>
+      </a:effectRef>
+      <a:fontRef idx="minor"/>
+    </dgm:style>
+  </dgm:styleLbl>
+  <dgm:styleLbl name="trAlignAcc1">
+    <dgm:scene3d>
+      <a:camera prst="orthographicFront"/>
+      <a:lightRig rig="threePt" dir="t"/>
+    </dgm:scene3d>
+    <dgm:sp3d/>
+    <dgm:txPr/>
+    <dgm:style>
+      <a:lnRef idx="1">
+        <a:scrgbClr r="0" g="0" b="0"/>
+      </a:lnRef>
+      <a:fillRef idx="1">
+        <a:scrgbClr r="0" g="0" b="0"/>
+      </a:fillRef>
+      <a:effectRef idx="0">
+        <a:scrgbClr r="0" g="0" b="0"/>
+      </a:effectRef>
+      <a:fontRef idx="minor"/>
+    </dgm:style>
+  </dgm:styleLbl>
+  <dgm:styleLbl name="bgAcc1">
+    <dgm:scene3d>
+      <a:camera prst="orthographicFront"/>
+      <a:lightRig rig="threePt" dir="t"/>
+    </dgm:scene3d>
+    <dgm:sp3d/>
+    <dgm:txPr/>
+    <dgm:style>
+      <a:lnRef idx="2">
+        <a:scrgbClr r="0" g="0" b="0"/>
+      </a:lnRef>
+      <a:fillRef idx="1">
+        <a:scrgbClr r="0" g="0" b="0"/>
+      </a:fillRef>
+      <a:effectRef idx="0">
+        <a:scrgbClr r="0" g="0" b="0"/>
+      </a:effectRef>
+      <a:fontRef idx="minor"/>
+    </dgm:style>
+  </dgm:styleLbl>
+  <dgm:styleLbl name="solidFgAcc1">
+    <dgm:scene3d>
+      <a:camera prst="orthographicFront"/>
+      <a:lightRig rig="threePt" dir="t"/>
+    </dgm:scene3d>
+    <dgm:sp3d/>
+    <dgm:txPr/>
+    <dgm:style>
+      <a:lnRef idx="2">
+        <a:scrgbClr r="0" g="0" b="0"/>
+      </a:lnRef>
+      <a:fillRef idx="1">
+        <a:scrgbClr r="0" g="0" b="0"/>
+      </a:fillRef>
+      <a:effectRef idx="0">
+        <a:scrgbClr r="0" g="0" b="0"/>
+      </a:effectRef>
+      <a:fontRef idx="minor"/>
+    </dgm:style>
+  </dgm:styleLbl>
+  <dgm:styleLbl name="solidAlignAcc1">
+    <dgm:scene3d>
+      <a:camera prst="orthographicFront"/>
+      <a:lightRig rig="threePt" dir="t"/>
+    </dgm:scene3d>
+    <dgm:sp3d/>
+    <dgm:txPr/>
+    <dgm:style>
+      <a:lnRef idx="2">
+        <a:scrgbClr r="0" g="0" b="0"/>
+      </a:lnRef>
+      <a:fillRef idx="1">
+        <a:scrgbClr r="0" g="0" b="0"/>
+      </a:fillRef>
+      <a:effectRef idx="0">
+        <a:scrgbClr r="0" g="0" b="0"/>
+      </a:effectRef>
+      <a:fontRef idx="minor"/>
+    </dgm:style>
+  </dgm:styleLbl>
+  <dgm:styleLbl name="solidBgAcc1">
+    <dgm:scene3d>
+      <a:camera prst="orthographicFront"/>
+      <a:lightRig rig="threePt" dir="t"/>
+    </dgm:scene3d>
+    <dgm:sp3d/>
+    <dgm:txPr/>
+    <dgm:style>
+      <a:lnRef idx="2">
+        <a:scrgbClr r="0" g="0" b="0"/>
+      </a:lnRef>
+      <a:fillRef idx="1">
+        <a:scrgbClr r="0" g="0" b="0"/>
+      </a:fillRef>
+      <a:effectRef idx="0">
+        <a:scrgbClr r="0" g="0" b="0"/>
+      </a:effectRef>
+      <a:fontRef idx="minor"/>
+    </dgm:style>
+  </dgm:styleLbl>
+  <dgm:styleLbl name="fgAccFollowNode1">
+    <dgm:scene3d>
+      <a:camera prst="orthographicFront"/>
+      <a:lightRig rig="threePt" dir="t"/>
+    </dgm:scene3d>
+    <dgm:sp3d/>
+    <dgm:txPr/>
+    <dgm:style>
+      <a:lnRef idx="2">
+        <a:scrgbClr r="0" g="0" b="0"/>
+      </a:lnRef>
+      <a:fillRef idx="1">
+        <a:scrgbClr r="0" g="0" b="0"/>
+      </a:fillRef>
+      <a:effectRef idx="0">
+        <a:scrgbClr r="0" g="0" b="0"/>
+      </a:effectRef>
+      <a:fontRef idx="minor"/>
+    </dgm:style>
+  </dgm:styleLbl>
+  <dgm:styleLbl name="alignAccFollowNode1">
+    <dgm:scene3d>
+      <a:camera prst="orthographicFront"/>
+      <a:lightRig rig="threePt" dir="t"/>
+    </dgm:scene3d>
+    <dgm:sp3d/>
+    <dgm:txPr/>
+    <dgm:style>
+      <a:lnRef idx="2">
+        <a:scrgbClr r="0" g="0" b="0"/>
+      </a:lnRef>
+      <a:fillRef idx="1">
+        <a:scrgbClr r="0" g="0" b="0"/>
+      </a:fillRef>
+      <a:effectRef idx="0">
+        <a:scrgbClr r="0" g="0" b="0"/>
+      </a:effectRef>
+      <a:fontRef idx="minor"/>
+    </dgm:style>
+  </dgm:styleLbl>
+  <dgm:styleLbl name="bgAccFollowNode1">
+    <dgm:scene3d>
+      <a:camera prst="orthographicFront"/>
+      <a:lightRig rig="threePt" dir="t"/>
+    </dgm:scene3d>
+    <dgm:sp3d/>
+    <dgm:txPr/>
+    <dgm:style>
+      <a:lnRef idx="2">
+        <a:scrgbClr r="0" g="0" b="0"/>
+      </a:lnRef>
+      <a:fillRef idx="1">
+        <a:scrgbClr r="0" g="0" b="0"/>
+      </a:fillRef>
+      <a:effectRef idx="0">
+        <a:scrgbClr r="0" g="0" b="0"/>
+      </a:effectRef>
+      <a:fontRef idx="minor"/>
+    </dgm:style>
+  </dgm:styleLbl>
+  <dgm:styleLbl name="fgAcc0">
+    <dgm:scene3d>
+      <a:camera prst="orthographicFront"/>
+      <a:lightRig rig="threePt" dir="t"/>
+    </dgm:scene3d>
+    <dgm:sp3d/>
+    <dgm:txPr/>
+    <dgm:style>
+      <a:lnRef idx="2">
+        <a:scrgbClr r="0" g="0" b="0"/>
+      </a:lnRef>
+      <a:fillRef idx="1">
+        <a:scrgbClr r="0" g="0" b="0"/>
+      </a:fillRef>
+      <a:effectRef idx="0">
+        <a:scrgbClr r="0" g="0" b="0"/>
+      </a:effectRef>
+      <a:fontRef idx="minor"/>
+    </dgm:style>
+  </dgm:styleLbl>
+  <dgm:styleLbl name="fgAcc2">
+    <dgm:scene3d>
+      <a:camera prst="orthographicFront"/>
+      <a:lightRig rig="threePt" dir="t"/>
+    </dgm:scene3d>
+    <dgm:sp3d/>
+    <dgm:txPr/>
+    <dgm:style>
+      <a:lnRef idx="2">
+        <a:scrgbClr r="0" g="0" b="0"/>
+      </a:lnRef>
+      <a:fillRef idx="1">
+        <a:scrgbClr r="0" g="0" b="0"/>
+      </a:fillRef>
+      <a:effectRef idx="0">
+        <a:scrgbClr r="0" g="0" b="0"/>
+      </a:effectRef>
+      <a:fontRef idx="minor"/>
+    </dgm:style>
+  </dgm:styleLbl>
+  <dgm:styleLbl name="fgAcc3">
+    <dgm:scene3d>
+      <a:camera prst="orthographicFront"/>
+      <a:lightRig rig="threePt" dir="t"/>
+    </dgm:scene3d>
+    <dgm:sp3d/>
+    <dgm:txPr/>
+    <dgm:style>
+      <a:lnRef idx="2">
+        <a:scrgbClr r="0" g="0" b="0"/>
+      </a:lnRef>
+      <a:fillRef idx="1">
+        <a:scrgbClr r="0" g="0" b="0"/>
+      </a:fillRef>
+      <a:effectRef idx="0">
+        <a:scrgbClr r="0" g="0" b="0"/>
+      </a:effectRef>
+      <a:fontRef idx="minor"/>
+    </dgm:style>
+  </dgm:styleLbl>
+  <dgm:styleLbl name="fgAcc4">
+    <dgm:scene3d>
+      <a:camera prst="orthographicFront"/>
+      <a:lightRig rig="threePt" dir="t"/>
+    </dgm:scene3d>
+    <dgm:sp3d/>
+    <dgm:txPr/>
+    <dgm:style>
+      <a:lnRef idx="2">
+        <a:scrgbClr r="0" g="0" b="0"/>
+      </a:lnRef>
+      <a:fillRef idx="1">
+        <a:scrgbClr r="0" g="0" b="0"/>
+      </a:fillRef>
+      <a:effectRef idx="0">
+        <a:scrgbClr r="0" g="0" b="0"/>
+      </a:effectRef>
+      <a:fontRef idx="minor"/>
+    </dgm:style>
+  </dgm:styleLbl>
+  <dgm:styleLbl name="bgShp">
+    <dgm:scene3d>
+      <a:camera prst="orthographicFront"/>
+      <a:lightRig rig="threePt" dir="t"/>
+    </dgm:scene3d>
+    <dgm:sp3d/>
+    <dgm:txPr/>
+    <dgm:style>
+      <a:lnRef idx="0">
+        <a:scrgbClr r="0" g="0" b="0"/>
+      </a:lnRef>
+      <a:fillRef idx="1">
+        <a:scrgbClr r="0" g="0" b="0"/>
+      </a:fillRef>
+      <a:effectRef idx="0">
+        <a:scrgbClr r="0" g="0" b="0"/>
+      </a:effectRef>
+      <a:fontRef idx="minor"/>
+    </dgm:style>
+  </dgm:styleLbl>
+  <dgm:styleLbl name="dkBgShp">
+    <dgm:scene3d>
+      <a:camera prst="orthographicFront"/>
+      <a:lightRig rig="threePt" dir="t"/>
+    </dgm:scene3d>
+    <dgm:sp3d/>
+    <dgm:txPr/>
+    <dgm:style>
+      <a:lnRef idx="0">
+        <a:scrgbClr r="0" g="0" b="0"/>
+      </a:lnRef>
+      <a:fillRef idx="1">
+        <a:scrgbClr r="0" g="0" b="0"/>
+      </a:fillRef>
+      <a:effectRef idx="0">
+        <a:scrgbClr r="0" g="0" b="0"/>
+      </a:effectRef>
+      <a:fontRef idx="minor"/>
+    </dgm:style>
+  </dgm:styleLbl>
+  <dgm:styleLbl name="trBgShp">
+    <dgm:scene3d>
+      <a:camera prst="orthographicFront"/>
+      <a:lightRig rig="threePt" dir="t"/>
+    </dgm:scene3d>
+    <dgm:sp3d/>
+    <dgm:txPr/>
+    <dgm:style>
+      <a:lnRef idx="0">
+        <a:scrgbClr r="0" g="0" b="0"/>
+      </a:lnRef>
+      <a:fillRef idx="1">
+        <a:scrgbClr r="0" g="0" b="0"/>
+      </a:fillRef>
+      <a:effectRef idx="0">
+        <a:scrgbClr r="0" g="0" b="0"/>
+      </a:effectRef>
+      <a:fontRef idx="minor"/>
+    </dgm:style>
+  </dgm:styleLbl>
+  <dgm:styleLbl name="fgShp">
+    <dgm:scene3d>
+      <a:camera prst="orthographicFront"/>
+      <a:lightRig rig="threePt" dir="t"/>
+    </dgm:scene3d>
+    <dgm:sp3d/>
+    <dgm:txPr/>
+    <dgm:style>
+      <a:lnRef idx="2">
+        <a:scrgbClr r="0" g="0" b="0"/>
+      </a:lnRef>
+      <a:fillRef idx="1">
+        <a:scrgbClr r="0" g="0" b="0"/>
+      </a:fillRef>
+      <a:effectRef idx="0">
+        <a:scrgbClr r="0" g="0" b="0"/>
+      </a:effectRef>
+      <a:fontRef idx="minor"/>
+    </dgm:style>
+  </dgm:styleLbl>
+  <dgm:styleLbl name="revTx">
+    <dgm:scene3d>
+      <a:camera prst="orthographicFront"/>
+      <a:lightRig rig="threePt" dir="t"/>
+    </dgm:scene3d>
+    <dgm:sp3d/>
+    <dgm:txPr/>
+    <dgm:style>
+      <a:lnRef idx="0">
+        <a:scrgbClr r="0" g="0" b="0"/>
+      </a:lnRef>
+      <a:fillRef idx="0">
+        <a:scrgbClr r="0" g="0" b="0"/>
+      </a:fillRef>
+      <a:effectRef idx="0">
+        <a:scrgbClr r="0" g="0" b="0"/>
+      </a:effectRef>
+      <a:fontRef idx="minor"/>
+    </dgm:style>
+  </dgm:styleLbl>
+</dgm:styleDef>
+</file>
+
+<file path=ppt/diagrams/quickStyle2.xml><?xml version="1.0" encoding="utf-8"?>
 <dgm:styleDef xmlns:dgm="http://schemas.openxmlformats.org/drawingml/2006/diagram" xmlns:a="http://schemas.openxmlformats.org/drawingml/2006/main" uniqueId="urn:microsoft.com/office/officeart/2005/8/quickstyle/simple1">
   <dgm:title val=""/>
   <dgm:desc val=""/>
@@ -4594,7 +10791,7 @@
           <a:p>
             <a:fld id="{061C5132-FFA3-4B02-9F09-22FCF40EFA74}" type="datetimeFigureOut">
               <a:rPr lang="en-US" smtClean="0"/>
-              <a:t>3/8/2021</a:t>
+              <a:t>3/12/21</a:t>
             </a:fld>
             <a:endParaRPr lang="en-US"/>
           </a:p>
@@ -4759,7 +10956,7 @@
           <a:p>
             <a:fld id="{0B6E42C9-243F-4DC5-AFF6-9D56B5FA9D63}" type="datetimeFigureOut">
               <a:rPr lang="en-US" smtClean="0"/>
-              <a:t>3/8/2021</a:t>
+              <a:t>3/12/21</a:t>
             </a:fld>
             <a:endParaRPr lang="en-US"/>
           </a:p>
@@ -5507,7 +11704,7 @@
           <a:p>
             <a:fld id="{B0FE2824-C2A0-4931-BB32-60B24BDBB3CC}" type="datetimeFigureOut">
               <a:rPr lang="en-US" smtClean="0"/>
-              <a:t>3/8/2021</a:t>
+              <a:t>3/12/21</a:t>
             </a:fld>
             <a:endParaRPr lang="en-US"/>
           </a:p>
@@ -5702,7 +11899,7 @@
           <a:p>
             <a:fld id="{B0FE2824-C2A0-4931-BB32-60B24BDBB3CC}" type="datetimeFigureOut">
               <a:rPr lang="en-US" smtClean="0"/>
-              <a:t>3/8/2021</a:t>
+              <a:t>3/12/21</a:t>
             </a:fld>
             <a:endParaRPr lang="en-US"/>
           </a:p>
@@ -5882,7 +12079,7 @@
           <a:p>
             <a:fld id="{B0FE2824-C2A0-4931-BB32-60B24BDBB3CC}" type="datetimeFigureOut">
               <a:rPr lang="en-US" smtClean="0"/>
-              <a:t>3/8/2021</a:t>
+              <a:t>3/12/21</a:t>
             </a:fld>
             <a:endParaRPr lang="en-US"/>
           </a:p>
@@ -6402,7 +12599,7 @@
           <a:p>
             <a:fld id="{B0FE2824-C2A0-4931-BB32-60B24BDBB3CC}" type="datetimeFigureOut">
               <a:rPr lang="en-US" smtClean="0"/>
-              <a:t>3/8/2021</a:t>
+              <a:t>3/12/21</a:t>
             </a:fld>
             <a:endParaRPr lang="en-US"/>
           </a:p>
@@ -6844,7 +13041,7 @@
           <a:p>
             <a:fld id="{B0FE2824-C2A0-4931-BB32-60B24BDBB3CC}" type="datetimeFigureOut">
               <a:rPr lang="en-US" smtClean="0"/>
-              <a:t>3/8/2021</a:t>
+              <a:t>3/12/21</a:t>
             </a:fld>
             <a:endParaRPr lang="en-US"/>
           </a:p>
@@ -6973,7 +13170,7 @@
           <a:p>
             <a:fld id="{B0FE2824-C2A0-4931-BB32-60B24BDBB3CC}" type="datetimeFigureOut">
               <a:rPr lang="en-US" smtClean="0"/>
-              <a:t>3/8/2021</a:t>
+              <a:t>3/12/21</a:t>
             </a:fld>
             <a:endParaRPr lang="en-US"/>
           </a:p>
@@ -7080,7 +13277,7 @@
           <a:p>
             <a:fld id="{B0FE2824-C2A0-4931-BB32-60B24BDBB3CC}" type="datetimeFigureOut">
               <a:rPr lang="en-US" smtClean="0"/>
-              <a:t>3/8/2021</a:t>
+              <a:t>3/12/21</a:t>
             </a:fld>
             <a:endParaRPr lang="en-US"/>
           </a:p>
@@ -7376,7 +13573,7 @@
           <a:p>
             <a:fld id="{B0FE2824-C2A0-4931-BB32-60B24BDBB3CC}" type="datetimeFigureOut">
               <a:rPr lang="en-US" smtClean="0"/>
-              <a:t>3/8/2021</a:t>
+              <a:t>3/12/21</a:t>
             </a:fld>
             <a:endParaRPr lang="en-US"/>
           </a:p>
@@ -7649,7 +13846,7 @@
           <a:p>
             <a:fld id="{B0FE2824-C2A0-4931-BB32-60B24BDBB3CC}" type="datetimeFigureOut">
               <a:rPr lang="en-US" smtClean="0"/>
-              <a:t>3/8/2021</a:t>
+              <a:t>3/12/21</a:t>
             </a:fld>
             <a:endParaRPr lang="en-US"/>
           </a:p>
@@ -7943,7 +14140,7 @@
             <a:fld id="{B0FE2824-C2A0-4931-BB32-60B24BDBB3CC}" type="datetimeFigureOut">
               <a:rPr lang="en-US" smtClean="0"/>
               <a:pPr/>
-              <a:t>3/8/2021</a:t>
+              <a:t>3/12/21</a:t>
             </a:fld>
             <a:endParaRPr lang="en-US"/>
           </a:p>
@@ -8448,7 +14645,7 @@
             <a:pPr algn="r"/>
             <a:r>
               <a:rPr lang="en-US" dirty="0"/>
-              <a:t>Recommendations &amp; Analysis </a:t>
+              <a:t>Recommendation &amp; Analysis </a:t>
             </a:r>
           </a:p>
         </p:txBody>
@@ -8522,7 +14719,7 @@
           <a:p>
             <a:r>
               <a:rPr lang="en-US" dirty="0"/>
-              <a:t>Add a Slide Title - 4</a:t>
+              <a:t>Year End Metrics by Option </a:t>
             </a:r>
           </a:p>
         </p:txBody>
@@ -8534,7 +14731,7 @@
             <a:spLocks noGrp="1"/>
           </p:cNvSpPr>
           <p:nvPr>
-            <p:ph idx="1"/>
+            <p:ph sz="half" idx="1"/>
           </p:nvPr>
         </p:nvSpPr>
         <p:spPr/>
@@ -8542,18 +14739,161 @@
           <a:bodyPr/>
           <a:lstStyle/>
           <a:p>
-            <a:endParaRPr lang="en-US"/>
+            <a:r>
+              <a:rPr lang="en-US" dirty="0"/>
+              <a:t>First bullet point here</a:t>
+            </a:r>
+          </a:p>
+          <a:p>
+            <a:r>
+              <a:rPr lang="en-US" dirty="0"/>
+              <a:t>Second bullet point here</a:t>
+            </a:r>
+          </a:p>
+          <a:p>
+            <a:r>
+              <a:rPr lang="en-US" dirty="0"/>
+              <a:t>Third bullet point here</a:t>
+            </a:r>
           </a:p>
         </p:txBody>
       </p:sp>
+      <p:pic>
+        <p:nvPicPr>
+          <p:cNvPr id="6" name="Picture 5" descr="Logo, company name&#10;&#10;Description automatically generated">
+            <a:extLst>
+              <a:ext uri="{FF2B5EF4-FFF2-40B4-BE49-F238E27FC236}">
+                <a16:creationId xmlns:a16="http://schemas.microsoft.com/office/drawing/2014/main" id="{624B6D86-E7F8-473D-BE7F-46F6ECA01DCC}"/>
+              </a:ext>
+            </a:extLst>
+          </p:cNvPr>
+          <p:cNvPicPr>
+            <a:picLocks noChangeAspect="1"/>
+          </p:cNvPicPr>
+          <p:nvPr/>
+        </p:nvPicPr>
+        <p:blipFill rotWithShape="1">
+          <a:blip r:embed="rId2">
+            <a:alphaModFix amt="40000"/>
+            <a:extLst>
+              <a:ext uri="{BEBA8EAE-BF5A-486C-A8C5-ECC9F3942E4B}">
+                <a14:imgProps xmlns:a14="http://schemas.microsoft.com/office/drawing/2010/main">
+                  <a14:imgLayer r:embed="rId3">
+                    <a14:imgEffect>
+                      <a14:brightnessContrast bright="-10000"/>
+                    </a14:imgEffect>
+                  </a14:imgLayer>
+                </a14:imgProps>
+              </a:ext>
+              <a:ext uri="{28A0092B-C50C-407E-A947-70E740481C1C}">
+                <a14:useLocalDpi xmlns:a14="http://schemas.microsoft.com/office/drawing/2010/main" val="0"/>
+              </a:ext>
+            </a:extLst>
+          </a:blip>
+          <a:srcRect l="4640" t="28630" r="67215" b="12687"/>
+          <a:stretch/>
+        </p:blipFill>
+        <p:spPr>
+          <a:xfrm>
+            <a:off x="11037356" y="-3926"/>
+            <a:ext cx="1154644" cy="1059276"/>
+          </a:xfrm>
+          <a:prstGeom prst="ellipse">
+            <a:avLst/>
+          </a:prstGeom>
+        </p:spPr>
+      </p:pic>
+      <p:graphicFrame>
+        <p:nvGraphicFramePr>
+          <p:cNvPr id="8" name="Content Placeholder 7">
+            <a:extLst>
+              <a:ext uri="{FF2B5EF4-FFF2-40B4-BE49-F238E27FC236}">
+                <a16:creationId xmlns:a16="http://schemas.microsoft.com/office/drawing/2014/main" id="{53F97D2E-4C3C-6041-AEDA-0A3B1224121B}"/>
+              </a:ext>
+            </a:extLst>
+          </p:cNvPr>
+          <p:cNvGraphicFramePr>
+            <a:graphicFrameLocks noGrp="1"/>
+          </p:cNvGraphicFramePr>
+          <p:nvPr>
+            <p:ph sz="half" idx="2"/>
+            <p:extLst>
+              <p:ext uri="{D42A27DB-BD31-4B8C-83A1-F6EECF244321}">
+                <p14:modId xmlns:p14="http://schemas.microsoft.com/office/powerpoint/2010/main" val="3460405660"/>
+              </p:ext>
+            </p:extLst>
+          </p:nvPr>
+        </p:nvGraphicFramePr>
+        <p:xfrm>
+          <a:off x="6324600" y="1825625"/>
+          <a:ext cx="5029200" cy="4351338"/>
+        </p:xfrm>
+        <a:graphic>
+          <a:graphicData uri="http://schemas.openxmlformats.org/drawingml/2006/chart">
+            <c:chart xmlns:c="http://schemas.openxmlformats.org/drawingml/2006/chart" xmlns:r="http://schemas.openxmlformats.org/officeDocument/2006/relationships" r:id="rId4"/>
+          </a:graphicData>
+        </a:graphic>
+      </p:graphicFrame>
+    </p:spTree>
+    <p:extLst>
+      <p:ext uri="{BB962C8B-B14F-4D97-AF65-F5344CB8AC3E}">
+        <p14:creationId xmlns:p14="http://schemas.microsoft.com/office/powerpoint/2010/main" val="1180589104"/>
+      </p:ext>
+    </p:extLst>
+  </p:cSld>
+  <p:clrMapOvr>
+    <a:masterClrMapping/>
+  </p:clrMapOvr>
+  <mc:AlternateContent xmlns:mc="http://schemas.openxmlformats.org/markup-compatibility/2006" xmlns:p14="http://schemas.microsoft.com/office/powerpoint/2010/main">
+    <mc:Choice Requires="p14">
+      <p:transition spd="med" p14:dur="700">
+        <p:fade/>
+      </p:transition>
+    </mc:Choice>
+    <mc:Fallback xmlns="">
+      <p:transition spd="med">
+        <p:fade/>
+      </p:transition>
+    </mc:Fallback>
+  </mc:AlternateContent>
+</p:sld>
+</file>
+
+<file path=ppt/slides/slide11.xml><?xml version="1.0" encoding="utf-8"?>
+<p:sld xmlns:a="http://schemas.openxmlformats.org/drawingml/2006/main" xmlns:r="http://schemas.openxmlformats.org/officeDocument/2006/relationships" xmlns:p="http://schemas.openxmlformats.org/presentationml/2006/main">
+  <p:cSld>
+    <p:bg>
+      <p:bgPr>
+        <a:solidFill>
+          <a:schemeClr val="tx1">
+            <a:lumMod val="50000"/>
+          </a:schemeClr>
+        </a:solidFill>
+        <a:effectLst/>
+      </p:bgPr>
+    </p:bg>
+    <p:spTree>
+      <p:nvGrpSpPr>
+        <p:cNvPr id="1" name=""/>
+        <p:cNvGrpSpPr/>
+        <p:nvPr/>
+      </p:nvGrpSpPr>
+      <p:grpSpPr>
+        <a:xfrm>
+          <a:off x="0" y="0"/>
+          <a:ext cx="0" cy="0"/>
+          <a:chOff x="0" y="0"/>
+          <a:chExt cx="0" cy="0"/>
+        </a:xfrm>
+      </p:grpSpPr>
       <p:sp>
         <p:nvSpPr>
-          <p:cNvPr id="4" name="Text Placeholder 3"/>
+          <p:cNvPr id="2" name="Title 1"/>
           <p:cNvSpPr>
             <a:spLocks noGrp="1"/>
           </p:cNvSpPr>
           <p:nvPr>
-            <p:ph type="body" sz="half" idx="2"/>
+            <p:ph type="title"/>
           </p:nvPr>
         </p:nvSpPr>
         <p:spPr/>
@@ -8561,14 +14901,17 @@
           <a:bodyPr/>
           <a:lstStyle/>
           <a:p>
-            <a:endParaRPr lang="en-US"/>
+            <a:r>
+              <a:rPr lang="en-US" dirty="0"/>
+              <a:t>During a Gold Rush – We Sell Shovels </a:t>
+            </a:r>
           </a:p>
         </p:txBody>
       </p:sp>
     </p:spTree>
     <p:extLst>
       <p:ext uri="{BB962C8B-B14F-4D97-AF65-F5344CB8AC3E}">
-        <p14:creationId xmlns:p14="http://schemas.microsoft.com/office/powerpoint/2010/main" val="1827431122"/>
+        <p14:creationId xmlns:p14="http://schemas.microsoft.com/office/powerpoint/2010/main" val="3440500440"/>
       </p:ext>
     </p:extLst>
   </p:cSld>
@@ -8705,7 +15048,7 @@
             </a:pPr>
             <a:r>
               <a:rPr lang="en-US" dirty="0"/>
-              <a:t>Executive Summary &amp; Recommendation </a:t>
+              <a:t>Recommendation &amp; Executive Summary  </a:t>
             </a:r>
           </a:p>
           <a:p>
@@ -8725,7 +15068,7 @@
             </a:pPr>
             <a:r>
               <a:rPr lang="en-US" dirty="0"/>
-              <a:t>Analysis</a:t>
+              <a:t>Analysis &amp; Limiting Assumptions </a:t>
             </a:r>
           </a:p>
           <a:p>
@@ -8745,57 +15088,12 @@
             </a:pPr>
             <a:endParaRPr lang="en-US" dirty="0"/>
           </a:p>
-        </p:txBody>
-      </p:sp>
-      <p:sp>
-        <p:nvSpPr>
-          <p:cNvPr id="5" name="Arrow: Right 4">
-            <a:extLst>
-              <a:ext uri="{FF2B5EF4-FFF2-40B4-BE49-F238E27FC236}">
-                <a16:creationId xmlns:a16="http://schemas.microsoft.com/office/drawing/2014/main" id="{BE009614-B084-4046-8631-2F1E69C37F04}"/>
-              </a:ext>
-            </a:extLst>
-          </p:cNvPr>
-          <p:cNvSpPr/>
-          <p:nvPr/>
-        </p:nvSpPr>
-        <p:spPr>
-          <a:xfrm>
-            <a:off x="424922" y="1905000"/>
-            <a:ext cx="304800" cy="228600"/>
-          </a:xfrm>
-          <a:prstGeom prst="rightArrow">
-            <a:avLst/>
-          </a:prstGeom>
-          <a:solidFill>
-            <a:schemeClr val="bg2"/>
-          </a:solidFill>
-          <a:ln>
-            <a:noFill/>
-          </a:ln>
-        </p:spPr>
-        <p:style>
-          <a:lnRef idx="2">
-            <a:schemeClr val="accent1">
-              <a:shade val="50000"/>
-            </a:schemeClr>
-          </a:lnRef>
-          <a:fillRef idx="1">
-            <a:schemeClr val="accent1"/>
-          </a:fillRef>
-          <a:effectRef idx="0">
-            <a:schemeClr val="accent1"/>
-          </a:effectRef>
-          <a:fontRef idx="minor">
-            <a:schemeClr val="lt1"/>
-          </a:fontRef>
-        </p:style>
-        <p:txBody>
-          <a:bodyPr rtlCol="0" anchor="ctr"/>
-          <a:lstStyle/>
           <a:p>
-            <a:pPr algn="ctr"/>
-            <a:endParaRPr lang="en-US"/>
+            <a:pPr marL="457200" indent="-457200">
+              <a:buFont typeface="+mj-lt"/>
+              <a:buAutoNum type="arabicPeriod"/>
+            </a:pPr>
+            <a:endParaRPr lang="en-US" dirty="0"/>
           </a:p>
         </p:txBody>
       </p:sp>
@@ -8853,7 +15151,382 @@
       </p:grpSpPr>
       <p:sp>
         <p:nvSpPr>
-          <p:cNvPr id="2" name="Title 1"/>
+          <p:cNvPr id="12" name="Text Placeholder 11">
+            <a:extLst>
+              <a:ext uri="{FF2B5EF4-FFF2-40B4-BE49-F238E27FC236}">
+                <a16:creationId xmlns:a16="http://schemas.microsoft.com/office/drawing/2014/main" id="{C3D53CE2-A678-7044-9194-8941706189AD}"/>
+              </a:ext>
+            </a:extLst>
+          </p:cNvPr>
+          <p:cNvSpPr>
+            <a:spLocks noGrp="1"/>
+          </p:cNvSpPr>
+          <p:nvPr>
+            <p:ph type="body" sz="quarter" idx="3"/>
+          </p:nvPr>
+        </p:nvSpPr>
+        <p:spPr>
+          <a:xfrm>
+            <a:off x="228600" y="381000"/>
+            <a:ext cx="9448800" cy="685800"/>
+          </a:xfrm>
+        </p:spPr>
+        <p:txBody>
+          <a:bodyPr>
+            <a:normAutofit fontScale="77500" lnSpcReduction="20000"/>
+          </a:bodyPr>
+          <a:lstStyle/>
+          <a:p>
+            <a:r>
+              <a:rPr lang="en-US" sz="3400" dirty="0">
+                <a:solidFill>
+                  <a:schemeClr val="accent1"/>
+                </a:solidFill>
+                <a:latin typeface="+mj-lt"/>
+                <a:ea typeface="+mj-ea"/>
+                <a:cs typeface="+mj-cs"/>
+              </a:rPr>
+              <a:t>Change is Happening, Time to get out Infront of it  </a:t>
+            </a:r>
+          </a:p>
+          <a:p>
+            <a:endParaRPr lang="en-US" dirty="0"/>
+          </a:p>
+        </p:txBody>
+      </p:sp>
+      <p:graphicFrame>
+        <p:nvGraphicFramePr>
+          <p:cNvPr id="15" name="Table 15">
+            <a:extLst>
+              <a:ext uri="{FF2B5EF4-FFF2-40B4-BE49-F238E27FC236}">
+                <a16:creationId xmlns:a16="http://schemas.microsoft.com/office/drawing/2014/main" id="{6918B0A3-D338-894D-9BEB-21B01E00FB9C}"/>
+              </a:ext>
+            </a:extLst>
+          </p:cNvPr>
+          <p:cNvGraphicFramePr>
+            <a:graphicFrameLocks noGrp="1"/>
+          </p:cNvGraphicFramePr>
+          <p:nvPr>
+            <p:extLst>
+              <p:ext uri="{D42A27DB-BD31-4B8C-83A1-F6EECF244321}">
+                <p14:modId xmlns:p14="http://schemas.microsoft.com/office/powerpoint/2010/main" val="3735754940"/>
+              </p:ext>
+            </p:extLst>
+          </p:nvPr>
+        </p:nvGraphicFramePr>
+        <p:xfrm>
+          <a:off x="711200" y="1371600"/>
+          <a:ext cx="10566400" cy="4114800"/>
+        </p:xfrm>
+        <a:graphic>
+          <a:graphicData uri="http://schemas.openxmlformats.org/drawingml/2006/table">
+            <a:tbl>
+              <a:tblPr firstRow="1" bandRow="1">
+                <a:tableStyleId>{69C7853C-536D-4A76-A0AE-DD22124D55A5}</a:tableStyleId>
+              </a:tblPr>
+              <a:tblGrid>
+                <a:gridCol w="5283200">
+                  <a:extLst>
+                    <a:ext uri="{9D8B030D-6E8A-4147-A177-3AD203B41FA5}">
+                      <a16:colId xmlns:a16="http://schemas.microsoft.com/office/drawing/2014/main" val="833892"/>
+                    </a:ext>
+                  </a:extLst>
+                </a:gridCol>
+                <a:gridCol w="5283200">
+                  <a:extLst>
+                    <a:ext uri="{9D8B030D-6E8A-4147-A177-3AD203B41FA5}">
+                      <a16:colId xmlns:a16="http://schemas.microsoft.com/office/drawing/2014/main" val="878569432"/>
+                    </a:ext>
+                  </a:extLst>
+                </a:gridCol>
+              </a:tblGrid>
+              <a:tr h="754725">
+                <a:tc>
+                  <a:txBody>
+                    <a:bodyPr/>
+                    <a:lstStyle/>
+                    <a:p>
+                      <a:pPr algn="ctr"/>
+                      <a:r>
+                        <a:rPr lang="en-US" dirty="0"/>
+                        <a:t>Change Agent </a:t>
+                      </a:r>
+                    </a:p>
+                  </a:txBody>
+                  <a:tcPr anchor="ctr">
+                    <a:cell3D prstMaterial="dkEdge">
+                      <a:bevel/>
+                      <a:lightRig rig="flood" dir="t"/>
+                    </a:cell3D>
+                  </a:tcPr>
+                </a:tc>
+                <a:tc>
+                  <a:txBody>
+                    <a:bodyPr/>
+                    <a:lstStyle/>
+                    <a:p>
+                      <a:pPr algn="ctr"/>
+                      <a:r>
+                        <a:rPr lang="en-US" dirty="0"/>
+                        <a:t>Change Recipient </a:t>
+                      </a:r>
+                    </a:p>
+                  </a:txBody>
+                  <a:tcPr anchor="ctr">
+                    <a:cell3D prstMaterial="dkEdge">
+                      <a:bevel/>
+                      <a:lightRig rig="flood" dir="t"/>
+                    </a:cell3D>
+                  </a:tcPr>
+                </a:tc>
+                <a:extLst>
+                  <a:ext uri="{0D108BD9-81ED-4DB2-BD59-A6C34878D82A}">
+                    <a16:rowId xmlns:a16="http://schemas.microsoft.com/office/drawing/2014/main" val="2797378043"/>
+                  </a:ext>
+                </a:extLst>
+              </a:tr>
+              <a:tr h="1302675">
+                <a:tc>
+                  <a:txBody>
+                    <a:bodyPr/>
+                    <a:lstStyle/>
+                    <a:p>
+                      <a:pPr marL="285750" indent="-285750" algn="l" defTabSz="914400" rtl="0" eaLnBrk="1" latinLnBrk="0" hangingPunct="1">
+                        <a:buFont typeface="Arial" panose="020B0604020202020204" pitchFamily="34" charset="0"/>
+                        <a:buChar char="•"/>
+                      </a:pPr>
+                      <a:r>
+                        <a:rPr lang="en-US" sz="1800" kern="1200" dirty="0">
+                          <a:solidFill>
+                            <a:schemeClr val="dk1"/>
+                          </a:solidFill>
+                          <a:latin typeface="+mn-lt"/>
+                          <a:ea typeface="+mn-ea"/>
+                          <a:cs typeface="+mn-cs"/>
+                        </a:rPr>
+                        <a:t>Ready to Capitalize on Changing Market Environments </a:t>
+                      </a:r>
+                    </a:p>
+                  </a:txBody>
+                  <a:tcPr anchor="ctr">
+                    <a:noFill/>
+                  </a:tcPr>
+                </a:tc>
+                <a:tc>
+                  <a:txBody>
+                    <a:bodyPr/>
+                    <a:lstStyle/>
+                    <a:p>
+                      <a:pPr marL="285750" indent="-285750" algn="l" defTabSz="914400" rtl="0" eaLnBrk="1" latinLnBrk="0" hangingPunct="1">
+                        <a:buFont typeface="Arial" panose="020B0604020202020204" pitchFamily="34" charset="0"/>
+                        <a:buChar char="•"/>
+                      </a:pPr>
+                      <a:r>
+                        <a:rPr lang="en-US" sz="1800" kern="1200" dirty="0">
+                          <a:solidFill>
+                            <a:schemeClr val="dk1"/>
+                          </a:solidFill>
+                          <a:latin typeface="+mn-lt"/>
+                          <a:ea typeface="+mn-ea"/>
+                          <a:cs typeface="+mn-cs"/>
+                        </a:rPr>
+                        <a:t>Victims of Changing Market Environments </a:t>
+                      </a:r>
+                    </a:p>
+                  </a:txBody>
+                  <a:tcPr anchor="ctr">
+                    <a:noFill/>
+                  </a:tcPr>
+                </a:tc>
+                <a:extLst>
+                  <a:ext uri="{0D108BD9-81ED-4DB2-BD59-A6C34878D82A}">
+                    <a16:rowId xmlns:a16="http://schemas.microsoft.com/office/drawing/2014/main" val="2434266868"/>
+                  </a:ext>
+                </a:extLst>
+              </a:tr>
+              <a:tr h="754725">
+                <a:tc>
+                  <a:txBody>
+                    <a:bodyPr/>
+                    <a:lstStyle/>
+                    <a:p>
+                      <a:pPr marL="285750" indent="-285750" algn="l" defTabSz="914400" rtl="0" eaLnBrk="1" latinLnBrk="0" hangingPunct="1">
+                        <a:buFont typeface="Arial" panose="020B0604020202020204" pitchFamily="34" charset="0"/>
+                        <a:buChar char="•"/>
+                      </a:pPr>
+                      <a:r>
+                        <a:rPr lang="en-US" sz="1800" kern="1200" dirty="0">
+                          <a:solidFill>
+                            <a:schemeClr val="dk1"/>
+                          </a:solidFill>
+                          <a:latin typeface="+mn-lt"/>
+                          <a:ea typeface="+mn-ea"/>
+                          <a:cs typeface="+mn-cs"/>
+                        </a:rPr>
+                        <a:t>Innovators &amp; Trendsetters </a:t>
+                      </a:r>
+                    </a:p>
+                  </a:txBody>
+                  <a:tcPr anchor="ctr">
+                    <a:noFill/>
+                  </a:tcPr>
+                </a:tc>
+                <a:tc>
+                  <a:txBody>
+                    <a:bodyPr/>
+                    <a:lstStyle/>
+                    <a:p>
+                      <a:pPr marL="285750" indent="-285750" algn="l" defTabSz="914400" rtl="0" eaLnBrk="1" latinLnBrk="0" hangingPunct="1">
+                        <a:buFont typeface="Arial" panose="020B0604020202020204" pitchFamily="34" charset="0"/>
+                        <a:buChar char="•"/>
+                      </a:pPr>
+                      <a:r>
+                        <a:rPr lang="en-US" sz="1800" kern="1200" dirty="0">
+                          <a:solidFill>
+                            <a:schemeClr val="dk1"/>
+                          </a:solidFill>
+                          <a:latin typeface="+mn-lt"/>
+                          <a:ea typeface="+mn-ea"/>
+                          <a:cs typeface="+mn-cs"/>
+                        </a:rPr>
+                        <a:t>Stuck Playing Catch-Up </a:t>
+                      </a:r>
+                    </a:p>
+                  </a:txBody>
+                  <a:tcPr anchor="ctr">
+                    <a:noFill/>
+                  </a:tcPr>
+                </a:tc>
+                <a:extLst>
+                  <a:ext uri="{0D108BD9-81ED-4DB2-BD59-A6C34878D82A}">
+                    <a16:rowId xmlns:a16="http://schemas.microsoft.com/office/drawing/2014/main" val="993719293"/>
+                  </a:ext>
+                </a:extLst>
+              </a:tr>
+              <a:tr h="1302675">
+                <a:tc>
+                  <a:txBody>
+                    <a:bodyPr/>
+                    <a:lstStyle/>
+                    <a:p>
+                      <a:pPr marL="285750" indent="-285750" algn="l" defTabSz="914400" rtl="0" eaLnBrk="1" latinLnBrk="0" hangingPunct="1">
+                        <a:buFont typeface="Arial" panose="020B0604020202020204" pitchFamily="34" charset="0"/>
+                        <a:buChar char="•"/>
+                      </a:pPr>
+                      <a:r>
+                        <a:rPr lang="en-US" sz="1800" kern="1200" dirty="0">
+                          <a:solidFill>
+                            <a:schemeClr val="dk1"/>
+                          </a:solidFill>
+                          <a:latin typeface="+mn-lt"/>
+                          <a:ea typeface="+mn-ea"/>
+                          <a:cs typeface="+mn-cs"/>
+                        </a:rPr>
+                        <a:t>Learning &amp; Creating New Technologies </a:t>
+                      </a:r>
+                    </a:p>
+                  </a:txBody>
+                  <a:tcPr anchor="ctr">
+                    <a:noFill/>
+                  </a:tcPr>
+                </a:tc>
+                <a:tc>
+                  <a:txBody>
+                    <a:bodyPr/>
+                    <a:lstStyle/>
+                    <a:p>
+                      <a:pPr marL="285750" indent="-285750" algn="l" defTabSz="914400" rtl="0" eaLnBrk="1" latinLnBrk="0" hangingPunct="1">
+                        <a:buFont typeface="Arial" panose="020B0604020202020204" pitchFamily="34" charset="0"/>
+                        <a:buChar char="•"/>
+                      </a:pPr>
+                      <a:r>
+                        <a:rPr lang="en-US" sz="1800" kern="1200" dirty="0">
+                          <a:solidFill>
+                            <a:schemeClr val="dk1"/>
+                          </a:solidFill>
+                          <a:latin typeface="+mn-lt"/>
+                          <a:ea typeface="+mn-ea"/>
+                          <a:cs typeface="+mn-cs"/>
+                        </a:rPr>
+                        <a:t>Struggles to Keep up with New Technologies </a:t>
+                      </a:r>
+                    </a:p>
+                  </a:txBody>
+                  <a:tcPr anchor="ctr">
+                    <a:noFill/>
+                  </a:tcPr>
+                </a:tc>
+                <a:extLst>
+                  <a:ext uri="{0D108BD9-81ED-4DB2-BD59-A6C34878D82A}">
+                    <a16:rowId xmlns:a16="http://schemas.microsoft.com/office/drawing/2014/main" val="4220892482"/>
+                  </a:ext>
+                </a:extLst>
+              </a:tr>
+            </a:tbl>
+          </a:graphicData>
+        </a:graphic>
+      </p:graphicFrame>
+    </p:spTree>
+    <p:extLst>
+      <p:ext uri="{BB962C8B-B14F-4D97-AF65-F5344CB8AC3E}">
+        <p14:creationId xmlns:p14="http://schemas.microsoft.com/office/powerpoint/2010/main" val="1804560017"/>
+      </p:ext>
+    </p:extLst>
+  </p:cSld>
+  <p:clrMapOvr>
+    <a:overrideClrMapping bg1="dk1" tx1="lt1" bg2="dk2" tx2="lt2" accent1="accent1" accent2="accent2" accent3="accent3" accent4="accent4" accent5="accent5" accent6="accent6" hlink="hlink" folHlink="folHlink"/>
+  </p:clrMapOvr>
+  <mc:AlternateContent xmlns:mc="http://schemas.openxmlformats.org/markup-compatibility/2006" xmlns:p14="http://schemas.microsoft.com/office/powerpoint/2010/main">
+    <mc:Choice Requires="p14">
+      <p:transition spd="med" p14:dur="700">
+        <p:fade/>
+      </p:transition>
+    </mc:Choice>
+    <mc:Fallback xmlns="">
+      <p:transition spd="med">
+        <p:fade/>
+      </p:transition>
+    </mc:Fallback>
+  </mc:AlternateContent>
+</p:sld>
+</file>
+
+<file path=ppt/slides/slide4.xml><?xml version="1.0" encoding="utf-8"?>
+<p:sld xmlns:a="http://schemas.openxmlformats.org/drawingml/2006/main" xmlns:r="http://schemas.openxmlformats.org/officeDocument/2006/relationships" xmlns:p="http://schemas.openxmlformats.org/presentationml/2006/main">
+  <p:cSld>
+    <p:bg>
+      <p:bgPr>
+        <a:solidFill>
+          <a:schemeClr val="tx1">
+            <a:lumMod val="50000"/>
+          </a:schemeClr>
+        </a:solidFill>
+        <a:effectLst/>
+      </p:bgPr>
+    </p:bg>
+    <p:spTree>
+      <p:nvGrpSpPr>
+        <p:cNvPr id="1" name=""/>
+        <p:cNvGrpSpPr/>
+        <p:nvPr/>
+      </p:nvGrpSpPr>
+      <p:grpSpPr>
+        <a:xfrm>
+          <a:off x="0" y="0"/>
+          <a:ext cx="0" cy="0"/>
+          <a:chOff x="0" y="0"/>
+          <a:chExt cx="0" cy="0"/>
+        </a:xfrm>
+      </p:grpSpPr>
+      <p:sp>
+        <p:nvSpPr>
+          <p:cNvPr id="2" name="Title 1">
+            <a:extLst>
+              <a:ext uri="{FF2B5EF4-FFF2-40B4-BE49-F238E27FC236}">
+                <a16:creationId xmlns:a16="http://schemas.microsoft.com/office/drawing/2014/main" id="{45D95E72-254B-4812-9B0D-120853BF11E5}"/>
+              </a:ext>
+            </a:extLst>
+          </p:cNvPr>
           <p:cNvSpPr>
             <a:spLocks noGrp="1"/>
           </p:cNvSpPr>
@@ -8861,59 +15534,120 @@
             <p:ph type="title"/>
           </p:nvPr>
         </p:nvSpPr>
-        <p:spPr/>
+        <p:spPr>
+          <a:xfrm>
+            <a:off x="152400" y="304800"/>
+            <a:ext cx="4267200" cy="595950"/>
+          </a:xfrm>
+        </p:spPr>
         <p:txBody>
           <a:bodyPr/>
           <a:lstStyle/>
+          <a:p>
+            <a:r>
+              <a:rPr lang="en-US" dirty="0"/>
+              <a:t>Recommendation  </a:t>
+            </a:r>
+          </a:p>
+        </p:txBody>
+      </p:sp>
+      <p:sp>
+        <p:nvSpPr>
+          <p:cNvPr id="3" name="Content Placeholder 2">
+            <a:extLst>
+              <a:ext uri="{FF2B5EF4-FFF2-40B4-BE49-F238E27FC236}">
+                <a16:creationId xmlns:a16="http://schemas.microsoft.com/office/drawing/2014/main" id="{D6F0ABBA-74C9-4AB1-99C7-567C5B0A8917}"/>
+              </a:ext>
+            </a:extLst>
+          </p:cNvPr>
+          <p:cNvSpPr>
+            <a:spLocks noGrp="1"/>
+          </p:cNvSpPr>
+          <p:nvPr>
+            <p:ph idx="1"/>
+          </p:nvPr>
+        </p:nvSpPr>
+        <p:spPr>
+          <a:xfrm>
+            <a:off x="381000" y="1447800"/>
+            <a:ext cx="10515600" cy="4351338"/>
+          </a:xfrm>
+        </p:spPr>
+        <p:txBody>
+          <a:bodyPr>
+            <a:normAutofit/>
+          </a:bodyPr>
+          <a:lstStyle/>
+          <a:p>
+            <a:pPr marL="0" indent="0">
+              <a:buNone/>
+            </a:pPr>
+            <a:r>
+              <a:rPr lang="en-US" dirty="0"/>
+              <a:t>Based on an Initial Conversion Capital of $500K*, I recommend the following: </a:t>
+            </a:r>
+          </a:p>
+          <a:p>
+            <a:pPr marL="0" indent="0">
+              <a:buNone/>
+            </a:pPr>
+            <a:endParaRPr lang="en-US" dirty="0"/>
+          </a:p>
+          <a:p>
+            <a:r>
+              <a:rPr lang="en-US" dirty="0"/>
+              <a:t>Convert the Top 16 Most Promising Properties  </a:t>
+            </a:r>
+          </a:p>
+          <a:p>
+            <a:pPr lvl="1"/>
+            <a:r>
+              <a:rPr lang="en-US" dirty="0"/>
+              <a:t>Build Ground Level Relationships with Short-Term Rental Market Sub-Contractors </a:t>
+            </a:r>
+          </a:p>
+          <a:p>
+            <a:pPr marL="228600" lvl="1" indent="0">
+              <a:buNone/>
+            </a:pPr>
+            <a:endParaRPr lang="en-US" dirty="0"/>
+          </a:p>
+          <a:p>
+            <a:r>
+              <a:rPr lang="en-US" dirty="0"/>
+              <a:t>Keep the other 228 Properties as Long-Term Rentals </a:t>
+            </a:r>
+          </a:p>
+          <a:p>
+            <a:pPr lvl="1"/>
+            <a:r>
+              <a:rPr lang="en-US" dirty="0"/>
+              <a:t>Re-analyze Convertibility at Current Leasing Term Ends </a:t>
+            </a:r>
+          </a:p>
+          <a:p>
+            <a:endParaRPr lang="en-US" dirty="0"/>
+          </a:p>
+          <a:p>
+            <a:r>
+              <a:rPr lang="en-US" dirty="0"/>
+              <a:t>Data Gather &amp; Analyze Market Trends more Deeply</a:t>
+            </a:r>
+          </a:p>
+          <a:p>
+            <a:endParaRPr lang="en-US" dirty="0"/>
+          </a:p>
           <a:p>
             <a:endParaRPr lang="en-US" dirty="0"/>
           </a:p>
         </p:txBody>
       </p:sp>
-      <p:sp>
-        <p:nvSpPr>
-          <p:cNvPr id="3" name="Text Placeholder 2"/>
-          <p:cNvSpPr>
-            <a:spLocks noGrp="1"/>
-          </p:cNvSpPr>
-          <p:nvPr>
-            <p:ph type="body" idx="1"/>
-          </p:nvPr>
-        </p:nvSpPr>
-        <p:spPr/>
-        <p:txBody>
-          <a:bodyPr/>
-          <a:lstStyle/>
-          <a:p>
-            <a:endParaRPr lang="en-US"/>
-          </a:p>
-        </p:txBody>
-      </p:sp>
-      <p:sp>
-        <p:nvSpPr>
-          <p:cNvPr id="4" name="Content Placeholder 3"/>
-          <p:cNvSpPr>
-            <a:spLocks noGrp="1"/>
-          </p:cNvSpPr>
-          <p:nvPr>
-            <p:ph sz="half" idx="2"/>
-          </p:nvPr>
-        </p:nvSpPr>
-        <p:spPr/>
-        <p:txBody>
-          <a:bodyPr/>
-          <a:lstStyle/>
-          <a:p>
-            <a:endParaRPr lang="en-US"/>
-          </a:p>
-        </p:txBody>
-      </p:sp>
       <p:pic>
         <p:nvPicPr>
-          <p:cNvPr id="7" name="Picture 6" descr="Logo, company name&#10;&#10;Description automatically generated">
+          <p:cNvPr id="4" name="Picture 3" descr="Logo, company name&#10;&#10;Description automatically generated">
             <a:extLst>
               <a:ext uri="{FF2B5EF4-FFF2-40B4-BE49-F238E27FC236}">
-                <a16:creationId xmlns:a16="http://schemas.microsoft.com/office/drawing/2014/main" id="{13C6813A-FF9C-4BCC-AC40-5ECA2CA9F9A9}"/>
+                <a16:creationId xmlns:a16="http://schemas.microsoft.com/office/drawing/2014/main" id="{6C14087F-BDF1-4EF2-B5E6-6F5AE84EC9EF}"/>
               </a:ext>
             </a:extLst>
           </p:cNvPr>
@@ -8953,10 +15687,55 @@
           </a:prstGeom>
         </p:spPr>
       </p:pic>
+      <p:sp>
+        <p:nvSpPr>
+          <p:cNvPr id="5" name="TextBox 4">
+            <a:extLst>
+              <a:ext uri="{FF2B5EF4-FFF2-40B4-BE49-F238E27FC236}">
+                <a16:creationId xmlns:a16="http://schemas.microsoft.com/office/drawing/2014/main" id="{A2F8F356-8487-F942-8BB4-9FFFD37E42EE}"/>
+              </a:ext>
+            </a:extLst>
+          </p:cNvPr>
+          <p:cNvSpPr txBox="1"/>
+          <p:nvPr/>
+        </p:nvSpPr>
+        <p:spPr>
+          <a:xfrm>
+            <a:off x="7315200" y="5943600"/>
+            <a:ext cx="4876800" cy="584775"/>
+          </a:xfrm>
+          <a:prstGeom prst="rect">
+            <a:avLst/>
+          </a:prstGeom>
+          <a:noFill/>
+        </p:spPr>
+        <p:txBody>
+          <a:bodyPr wrap="square" rtlCol="0">
+            <a:spAutoFit/>
+          </a:bodyPr>
+          <a:lstStyle/>
+          <a:p>
+            <a:r>
+              <a:rPr lang="en-US" sz="1400" dirty="0"/>
+              <a:t>*Note: Conversion of all “Profitable Short-Term Rentals</a:t>
+            </a:r>
+          </a:p>
+          <a:p>
+            <a:r>
+              <a:rPr lang="en-US" sz="1400" dirty="0"/>
+              <a:t> is calculated to be $1.23 M</a:t>
+            </a:r>
+            <a:r>
+              <a:rPr lang="en-US" dirty="0"/>
+              <a:t> </a:t>
+            </a:r>
+          </a:p>
+        </p:txBody>
+      </p:sp>
     </p:spTree>
     <p:extLst>
       <p:ext uri="{BB962C8B-B14F-4D97-AF65-F5344CB8AC3E}">
-        <p14:creationId xmlns:p14="http://schemas.microsoft.com/office/powerpoint/2010/main" val="3387061768"/>
+        <p14:creationId xmlns:p14="http://schemas.microsoft.com/office/powerpoint/2010/main" val="3275969626"/>
       </p:ext>
     </p:extLst>
   </p:cSld>
@@ -8978,7 +15757,7 @@
 </p:sld>
 </file>
 
-<file path=ppt/slides/slide4.xml><?xml version="1.0" encoding="utf-8"?>
+<file path=ppt/slides/slide5.xml><?xml version="1.0" encoding="utf-8"?>
 <p:sld xmlns:a="http://schemas.openxmlformats.org/drawingml/2006/main" xmlns:r="http://schemas.openxmlformats.org/officeDocument/2006/relationships" xmlns:p="http://schemas.openxmlformats.org/presentationml/2006/main">
   <p:cSld>
     <p:bg>
@@ -9418,7 +16197,7 @@
 </p:sld>
 </file>
 
-<file path=ppt/slides/slide5.xml><?xml version="1.0" encoding="utf-8"?>
+<file path=ppt/slides/slide6.xml><?xml version="1.0" encoding="utf-8"?>
 <p:sld xmlns:a="http://schemas.openxmlformats.org/drawingml/2006/main" xmlns:r="http://schemas.openxmlformats.org/officeDocument/2006/relationships" xmlns:p="http://schemas.openxmlformats.org/presentationml/2006/main">
   <p:cSld>
     <p:bg>
@@ -9509,16 +16288,18 @@
         <p:spPr>
           <a:xfrm>
             <a:off x="381000" y="189637"/>
-            <a:ext cx="6019800" cy="672150"/>
+            <a:ext cx="8077200" cy="672150"/>
           </a:xfrm>
         </p:spPr>
         <p:txBody>
-          <a:bodyPr/>
+          <a:bodyPr>
+            <a:normAutofit/>
+          </a:bodyPr>
           <a:lstStyle/>
           <a:p>
             <a:r>
               <a:rPr lang="en-US" dirty="0"/>
-              <a:t>Conversion Recommendation </a:t>
+              <a:t>Conversion Options  </a:t>
             </a:r>
           </a:p>
         </p:txBody>
@@ -9536,7 +16317,7 @@
           <p:nvPr>
             <p:extLst>
               <p:ext uri="{D42A27DB-BD31-4B8C-83A1-F6EECF244321}">
-                <p14:modId xmlns:p14="http://schemas.microsoft.com/office/powerpoint/2010/main" val="435216663"/>
+                <p14:modId xmlns:p14="http://schemas.microsoft.com/office/powerpoint/2010/main" val="893777633"/>
               </p:ext>
             </p:extLst>
           </p:nvPr>
@@ -9576,7 +16357,7 @@
 </p:sld>
 </file>
 
-<file path=ppt/slides/slide6.xml><?xml version="1.0" encoding="utf-8"?>
+<file path=ppt/slides/slide7.xml><?xml version="1.0" encoding="utf-8"?>
 <p:sld xmlns:a="http://schemas.openxmlformats.org/drawingml/2006/main" xmlns:r="http://schemas.openxmlformats.org/officeDocument/2006/relationships" xmlns:p="http://schemas.openxmlformats.org/presentationml/2006/main">
   <p:cSld>
     <p:bg>
@@ -9644,16 +16425,19 @@
         </p:nvSpPr>
         <p:spPr>
           <a:xfrm>
-            <a:off x="228600" y="1825625"/>
-            <a:ext cx="5638800" cy="4351338"/>
+            <a:off x="228600" y="1055350"/>
+            <a:ext cx="5867400" cy="5121613"/>
           </a:xfrm>
         </p:spPr>
         <p:txBody>
           <a:bodyPr>
-            <a:normAutofit fontScale="92500" lnSpcReduction="10000"/>
+            <a:normAutofit/>
           </a:bodyPr>
           <a:lstStyle/>
           <a:p>
+            <a:pPr marL="0" indent="0">
+              <a:buNone/>
+            </a:pPr>
             <a:r>
               <a:rPr lang="en-US" dirty="0"/>
               <a:t>Phase 1: Preparation and Listing </a:t>
@@ -9674,6 +16458,9 @@
             </a:r>
           </a:p>
           <a:p>
+            <a:pPr marL="0" indent="0">
+              <a:buNone/>
+            </a:pPr>
             <a:r>
               <a:rPr lang="en-US" dirty="0"/>
               <a:t>Phase 2: Further Analysis  </a:t>
@@ -9694,6 +16481,9 @@
             </a:r>
           </a:p>
           <a:p>
+            <a:pPr marL="0" indent="0">
+              <a:buNone/>
+            </a:pPr>
             <a:r>
               <a:rPr lang="en-US" dirty="0"/>
               <a:t>Phase 3: Marketing Boost </a:t>
@@ -9707,9 +16497,12 @@
             </a:r>
           </a:p>
           <a:p>
+            <a:pPr marL="0" indent="0">
+              <a:buNone/>
+            </a:pPr>
             <a:r>
               <a:rPr lang="en-US" dirty="0"/>
-              <a:t>Phase 4: </a:t>
+              <a:t>Phase 4: Reassessment </a:t>
             </a:r>
           </a:p>
           <a:p>
@@ -9773,154 +16566,38 @@
           </a:prstGeom>
         </p:spPr>
       </p:pic>
-    </p:spTree>
-    <p:extLst>
-      <p:ext uri="{BB962C8B-B14F-4D97-AF65-F5344CB8AC3E}">
-        <p14:creationId xmlns:p14="http://schemas.microsoft.com/office/powerpoint/2010/main" val="2426022026"/>
-      </p:ext>
-    </p:extLst>
-  </p:cSld>
-  <p:clrMapOvr>
-    <a:masterClrMapping/>
-  </p:clrMapOvr>
-  <mc:AlternateContent xmlns:mc="http://schemas.openxmlformats.org/markup-compatibility/2006" xmlns:p14="http://schemas.microsoft.com/office/powerpoint/2010/main">
-    <mc:Choice Requires="p14">
-      <p:transition spd="med" p14:dur="700">
-        <p:fade/>
-      </p:transition>
-    </mc:Choice>
-    <mc:Fallback xmlns="">
-      <p:transition spd="med">
-        <p:fade/>
-      </p:transition>
-    </mc:Fallback>
-  </mc:AlternateContent>
-</p:sld>
-</file>
-
-<file path=ppt/slides/slide7.xml><?xml version="1.0" encoding="utf-8"?>
-<p:sld xmlns:a="http://schemas.openxmlformats.org/drawingml/2006/main" xmlns:r="http://schemas.openxmlformats.org/officeDocument/2006/relationships" xmlns:p="http://schemas.openxmlformats.org/presentationml/2006/main">
-  <p:cSld>
-    <p:bg>
-      <p:bgPr>
-        <a:solidFill>
-          <a:schemeClr val="tx1">
-            <a:lumMod val="50000"/>
-          </a:schemeClr>
-        </a:solidFill>
-        <a:effectLst/>
-      </p:bgPr>
-    </p:bg>
-    <p:spTree>
-      <p:nvGrpSpPr>
-        <p:cNvPr id="1" name=""/>
-        <p:cNvGrpSpPr/>
-        <p:nvPr/>
-      </p:nvGrpSpPr>
-      <p:grpSpPr>
-        <a:xfrm>
-          <a:off x="0" y="0"/>
-          <a:ext cx="0" cy="0"/>
-          <a:chOff x="0" y="0"/>
-          <a:chExt cx="0" cy="0"/>
-        </a:xfrm>
-      </p:grpSpPr>
-      <p:sp>
-        <p:nvSpPr>
-          <p:cNvPr id="2" name="Title 1"/>
-          <p:cNvSpPr>
-            <a:spLocks noGrp="1"/>
-          </p:cNvSpPr>
-          <p:nvPr>
-            <p:ph type="title"/>
-          </p:nvPr>
-        </p:nvSpPr>
-        <p:spPr/>
-        <p:txBody>
-          <a:bodyPr/>
-          <a:lstStyle/>
-          <a:p>
-            <a:r>
-              <a:rPr lang="en-US" dirty="0"/>
-              <a:t>Title and Content Layout with Chart</a:t>
-            </a:r>
-          </a:p>
-        </p:txBody>
-      </p:sp>
       <p:graphicFrame>
         <p:nvGraphicFramePr>
-          <p:cNvPr id="6" name="Content Placeholder 2" descr="Clustered column chart showing the values of 3 series for 4 categories"/>
-          <p:cNvGraphicFramePr>
-            <a:graphicFrameLocks noGrp="1"/>
-          </p:cNvGraphicFramePr>
+          <p:cNvPr id="4" name="Diagram 3">
+            <a:extLst>
+              <a:ext uri="{FF2B5EF4-FFF2-40B4-BE49-F238E27FC236}">
+                <a16:creationId xmlns:a16="http://schemas.microsoft.com/office/drawing/2014/main" id="{1249C553-724F-DA45-A42F-B8391A9F14E4}"/>
+              </a:ext>
+            </a:extLst>
+          </p:cNvPr>
+          <p:cNvGraphicFramePr/>
           <p:nvPr>
-            <p:ph idx="1"/>
             <p:extLst>
               <p:ext uri="{D42A27DB-BD31-4B8C-83A1-F6EECF244321}">
-                <p14:modId xmlns:p14="http://schemas.microsoft.com/office/powerpoint/2010/main" val="2604075142"/>
+                <p14:modId xmlns:p14="http://schemas.microsoft.com/office/powerpoint/2010/main" val="1741387266"/>
               </p:ext>
             </p:extLst>
           </p:nvPr>
         </p:nvGraphicFramePr>
         <p:xfrm>
-          <a:off x="838200" y="1825625"/>
-          <a:ext cx="10515600" cy="4351338"/>
+          <a:off x="5239278" y="1480704"/>
+          <a:ext cx="6375400" cy="4270904"/>
         </p:xfrm>
         <a:graphic>
-          <a:graphicData uri="http://schemas.openxmlformats.org/drawingml/2006/chart">
-            <c:chart xmlns:c="http://schemas.openxmlformats.org/drawingml/2006/chart" xmlns:r="http://schemas.openxmlformats.org/officeDocument/2006/relationships" r:id="rId2"/>
+          <a:graphicData uri="http://schemas.openxmlformats.org/drawingml/2006/diagram">
+            <dgm:relIds xmlns:dgm="http://schemas.openxmlformats.org/drawingml/2006/diagram" xmlns:r="http://schemas.openxmlformats.org/officeDocument/2006/relationships" r:dm="rId4" r:lo="rId5" r:qs="rId6" r:cs="rId7"/>
           </a:graphicData>
         </a:graphic>
       </p:graphicFrame>
-      <p:pic>
-        <p:nvPicPr>
-          <p:cNvPr id="4" name="Picture 3" descr="Logo, company name&#10;&#10;Description automatically generated">
-            <a:extLst>
-              <a:ext uri="{FF2B5EF4-FFF2-40B4-BE49-F238E27FC236}">
-                <a16:creationId xmlns:a16="http://schemas.microsoft.com/office/drawing/2014/main" id="{11C394AD-3EB7-4873-B82E-F114130D4D63}"/>
-              </a:ext>
-            </a:extLst>
-          </p:cNvPr>
-          <p:cNvPicPr>
-            <a:picLocks noChangeAspect="1"/>
-          </p:cNvPicPr>
-          <p:nvPr/>
-        </p:nvPicPr>
-        <p:blipFill rotWithShape="1">
-          <a:blip r:embed="rId3">
-            <a:alphaModFix amt="40000"/>
-            <a:extLst>
-              <a:ext uri="{BEBA8EAE-BF5A-486C-A8C5-ECC9F3942E4B}">
-                <a14:imgProps xmlns:a14="http://schemas.microsoft.com/office/drawing/2010/main">
-                  <a14:imgLayer r:embed="rId4">
-                    <a14:imgEffect>
-                      <a14:brightnessContrast bright="-10000"/>
-                    </a14:imgEffect>
-                  </a14:imgLayer>
-                </a14:imgProps>
-              </a:ext>
-              <a:ext uri="{28A0092B-C50C-407E-A947-70E740481C1C}">
-                <a14:useLocalDpi xmlns:a14="http://schemas.microsoft.com/office/drawing/2010/main" val="0"/>
-              </a:ext>
-            </a:extLst>
-          </a:blip>
-          <a:srcRect l="4640" t="28630" r="67215" b="12687"/>
-          <a:stretch/>
-        </p:blipFill>
-        <p:spPr>
-          <a:xfrm>
-            <a:off x="11037356" y="-3926"/>
-            <a:ext cx="1154644" cy="1059276"/>
-          </a:xfrm>
-          <a:prstGeom prst="ellipse">
-            <a:avLst/>
-          </a:prstGeom>
-        </p:spPr>
-      </p:pic>
     </p:spTree>
     <p:extLst>
       <p:ext uri="{BB962C8B-B14F-4D97-AF65-F5344CB8AC3E}">
-        <p14:creationId xmlns:p14="http://schemas.microsoft.com/office/powerpoint/2010/main" val="1900486290"/>
+        <p14:creationId xmlns:p14="http://schemas.microsoft.com/office/powerpoint/2010/main" val="2426022026"/>
       </p:ext>
     </p:extLst>
   </p:cSld>
@@ -9986,286 +16663,319 @@
           <a:p>
             <a:r>
               <a:rPr lang="en-US" dirty="0"/>
-              <a:t>Title and Content Layout with Table</a:t>
-            </a:r>
-          </a:p>
-        </p:txBody>
-      </p:sp>
-      <p:sp>
-        <p:nvSpPr>
-          <p:cNvPr id="3" name="Content Placeholder 2"/>
-          <p:cNvSpPr>
-            <a:spLocks noGrp="1"/>
-          </p:cNvSpPr>
-          <p:nvPr>
-            <p:ph sz="half" idx="1"/>
-          </p:nvPr>
-        </p:nvSpPr>
-        <p:spPr/>
-        <p:txBody>
-          <a:bodyPr/>
-          <a:lstStyle/>
-          <a:p>
-            <a:r>
-              <a:rPr lang="en-US" dirty="0"/>
-              <a:t>First bullet point here</a:t>
-            </a:r>
-          </a:p>
-          <a:p>
-            <a:r>
-              <a:rPr lang="en-US" dirty="0"/>
-              <a:t>Second bullet point here</a:t>
-            </a:r>
-          </a:p>
-          <a:p>
-            <a:r>
-              <a:rPr lang="en-US" dirty="0"/>
-              <a:t>Third bullet point here</a:t>
+              <a:t>Simplifying Assumptions </a:t>
             </a:r>
           </a:p>
         </p:txBody>
       </p:sp>
       <p:graphicFrame>
         <p:nvGraphicFramePr>
-          <p:cNvPr id="5" name="Content Placeholder 3"/>
+          <p:cNvPr id="4" name="Table 4">
+            <a:extLst>
+              <a:ext uri="{FF2B5EF4-FFF2-40B4-BE49-F238E27FC236}">
+                <a16:creationId xmlns:a16="http://schemas.microsoft.com/office/drawing/2014/main" id="{F2616B6E-0386-874D-81D8-6E95F6F9E506}"/>
+              </a:ext>
+            </a:extLst>
+          </p:cNvPr>
           <p:cNvGraphicFramePr>
             <a:graphicFrameLocks noGrp="1"/>
           </p:cNvGraphicFramePr>
           <p:nvPr>
-            <p:ph sz="half" idx="2"/>
             <p:extLst>
               <p:ext uri="{D42A27DB-BD31-4B8C-83A1-F6EECF244321}">
-                <p14:modId xmlns:p14="http://schemas.microsoft.com/office/powerpoint/2010/main" val="1546654039"/>
+                <p14:modId xmlns:p14="http://schemas.microsoft.com/office/powerpoint/2010/main" val="559762056"/>
               </p:ext>
             </p:extLst>
           </p:nvPr>
         </p:nvGraphicFramePr>
         <p:xfrm>
-          <a:off x="6324600" y="1825623"/>
-          <a:ext cx="5029200" cy="2289176"/>
+          <a:off x="838200" y="1905000"/>
+          <a:ext cx="8128000" cy="3962400"/>
         </p:xfrm>
         <a:graphic>
           <a:graphicData uri="http://schemas.openxmlformats.org/drawingml/2006/table">
             <a:tbl>
               <a:tblPr firstRow="1" bandRow="1">
-                <a:tableStyleId>{3B4B98B0-60AC-42C2-AFA5-B58CD77FA1E5}</a:tableStyleId>
+                <a:tableStyleId>{2D5ABB26-0587-4C30-8999-92F81FD0307C}</a:tableStyleId>
               </a:tblPr>
               <a:tblGrid>
-                <a:gridCol w="1676400">
+                <a:gridCol w="4038600">
                   <a:extLst>
                     <a:ext uri="{9D8B030D-6E8A-4147-A177-3AD203B41FA5}">
-                      <a16:colId xmlns:a16="http://schemas.microsoft.com/office/drawing/2014/main" val="20000"/>
+                      <a16:colId xmlns:a16="http://schemas.microsoft.com/office/drawing/2014/main" val="1427561568"/>
                     </a:ext>
                   </a:extLst>
                 </a:gridCol>
-                <a:gridCol w="1676400">
+                <a:gridCol w="4089400">
                   <a:extLst>
                     <a:ext uri="{9D8B030D-6E8A-4147-A177-3AD203B41FA5}">
-                      <a16:colId xmlns:a16="http://schemas.microsoft.com/office/drawing/2014/main" val="20001"/>
-                    </a:ext>
-                  </a:extLst>
-                </a:gridCol>
-                <a:gridCol w="1676400">
-                  <a:extLst>
-                    <a:ext uri="{9D8B030D-6E8A-4147-A177-3AD203B41FA5}">
-                      <a16:colId xmlns:a16="http://schemas.microsoft.com/office/drawing/2014/main" val="20002"/>
+                      <a16:colId xmlns:a16="http://schemas.microsoft.com/office/drawing/2014/main" val="162623645"/>
                     </a:ext>
                   </a:extLst>
                 </a:gridCol>
               </a:tblGrid>
-              <a:tr h="572294">
+              <a:tr h="792480">
                 <a:tc>
                   <a:txBody>
                     <a:bodyPr/>
                     <a:lstStyle/>
                     <a:p>
-                      <a:pPr algn="ctr"/>
                       <a:r>
                         <a:rPr lang="en-US" dirty="0"/>
-                        <a:t>Class</a:t>
+                        <a:t>1. </a:t>
                       </a:r>
                     </a:p>
                   </a:txBody>
-                  <a:tcPr anchor="ctr"/>
+                  <a:tcPr>
+                    <a:lnR w="12700" cap="flat" cmpd="sng" algn="ctr">
+                      <a:solidFill>
+                        <a:schemeClr val="tx1"/>
+                      </a:solidFill>
+                      <a:prstDash val="solid"/>
+                      <a:round/>
+                      <a:headEnd type="none" w="med" len="med"/>
+                      <a:tailEnd type="none" w="med" len="med"/>
+                    </a:lnR>
+                  </a:tcPr>
                 </a:tc>
                 <a:tc>
                   <a:txBody>
                     <a:bodyPr/>
                     <a:lstStyle/>
                     <a:p>
-                      <a:pPr algn="ctr"/>
                       <a:r>
                         <a:rPr lang="en-US" dirty="0"/>
-                        <a:t>Group 1</a:t>
+                        <a:t>Instructions from Project Manager </a:t>
                       </a:r>
                     </a:p>
                   </a:txBody>
-                  <a:tcPr anchor="ctr"/>
+                  <a:tcPr>
+                    <a:lnL w="12700" cap="flat" cmpd="sng" algn="ctr">
+                      <a:solidFill>
+                        <a:schemeClr val="tx1"/>
+                      </a:solidFill>
+                      <a:prstDash val="solid"/>
+                      <a:round/>
+                      <a:headEnd type="none" w="med" len="med"/>
+                      <a:tailEnd type="none" w="med" len="med"/>
+                    </a:lnL>
+                  </a:tcPr>
+                </a:tc>
+                <a:extLst>
+                  <a:ext uri="{0D108BD9-81ED-4DB2-BD59-A6C34878D82A}">
+                    <a16:rowId xmlns:a16="http://schemas.microsoft.com/office/drawing/2014/main" val="2684950477"/>
+                  </a:ext>
+                </a:extLst>
+              </a:tr>
+              <a:tr h="792480">
+                <a:tc>
+                  <a:txBody>
+                    <a:bodyPr/>
+                    <a:lstStyle/>
+                    <a:p>
+                      <a:r>
+                        <a:rPr lang="en-US" dirty="0"/>
+                        <a:t>2. </a:t>
+                      </a:r>
+                    </a:p>
+                  </a:txBody>
+                  <a:tcPr>
+                    <a:lnR w="12700" cap="flat" cmpd="sng" algn="ctr">
+                      <a:solidFill>
+                        <a:schemeClr val="tx1"/>
+                      </a:solidFill>
+                      <a:prstDash val="solid"/>
+                      <a:round/>
+                      <a:headEnd type="none" w="med" len="med"/>
+                      <a:tailEnd type="none" w="med" len="med"/>
+                    </a:lnR>
+                  </a:tcPr>
                 </a:tc>
                 <a:tc>
                   <a:txBody>
                     <a:bodyPr/>
                     <a:lstStyle/>
                     <a:p>
-                      <a:pPr algn="ctr"/>
                       <a:r>
                         <a:rPr lang="en-US" dirty="0"/>
-                        <a:t>Group 2</a:t>
+                        <a:t>Necessary with Available Data </a:t>
                       </a:r>
                     </a:p>
                   </a:txBody>
-                  <a:tcPr anchor="ctr"/>
+                  <a:tcPr>
+                    <a:lnL w="12700" cap="flat" cmpd="sng" algn="ctr">
+                      <a:solidFill>
+                        <a:schemeClr val="tx1"/>
+                      </a:solidFill>
+                      <a:prstDash val="solid"/>
+                      <a:round/>
+                      <a:headEnd type="none" w="med" len="med"/>
+                      <a:tailEnd type="none" w="med" len="med"/>
+                    </a:lnL>
+                  </a:tcPr>
                 </a:tc>
                 <a:extLst>
                   <a:ext uri="{0D108BD9-81ED-4DB2-BD59-A6C34878D82A}">
-                    <a16:rowId xmlns:a16="http://schemas.microsoft.com/office/drawing/2014/main" val="10000"/>
+                    <a16:rowId xmlns:a16="http://schemas.microsoft.com/office/drawing/2014/main" val="3692375931"/>
                   </a:ext>
                 </a:extLst>
               </a:tr>
-              <a:tr h="572294">
+              <a:tr h="792480">
                 <a:tc>
                   <a:txBody>
                     <a:bodyPr/>
                     <a:lstStyle/>
                     <a:p>
-                      <a:pPr algn="ctr"/>
                       <a:r>
                         <a:rPr lang="en-US" dirty="0"/>
-                        <a:t>Class 1</a:t>
+                        <a:t>3. </a:t>
                       </a:r>
                     </a:p>
                   </a:txBody>
-                  <a:tcPr anchor="ctr"/>
+                  <a:tcPr>
+                    <a:lnR w="12700" cap="flat" cmpd="sng" algn="ctr">
+                      <a:solidFill>
+                        <a:schemeClr val="tx1"/>
+                      </a:solidFill>
+                      <a:prstDash val="solid"/>
+                      <a:round/>
+                      <a:headEnd type="none" w="med" len="med"/>
+                      <a:tailEnd type="none" w="med" len="med"/>
+                    </a:lnR>
+                  </a:tcPr>
                 </a:tc>
                 <a:tc>
                   <a:txBody>
                     <a:bodyPr/>
                     <a:lstStyle/>
                     <a:p>
-                      <a:pPr algn="ctr"/>
                       <a:r>
                         <a:rPr lang="en-US" dirty="0"/>
-                        <a:t>82</a:t>
+                        <a:t>Instructions From Client </a:t>
                       </a:r>
                     </a:p>
                   </a:txBody>
-                  <a:tcPr anchor="ctr"/>
+                  <a:tcPr>
+                    <a:lnL w="12700" cap="flat" cmpd="sng" algn="ctr">
+                      <a:solidFill>
+                        <a:schemeClr val="tx1"/>
+                      </a:solidFill>
+                      <a:prstDash val="solid"/>
+                      <a:round/>
+                      <a:headEnd type="none" w="med" len="med"/>
+                      <a:tailEnd type="none" w="med" len="med"/>
+                    </a:lnL>
+                  </a:tcPr>
+                </a:tc>
+                <a:extLst>
+                  <a:ext uri="{0D108BD9-81ED-4DB2-BD59-A6C34878D82A}">
+                    <a16:rowId xmlns:a16="http://schemas.microsoft.com/office/drawing/2014/main" val="3356224268"/>
+                  </a:ext>
+                </a:extLst>
+              </a:tr>
+              <a:tr h="792480">
+                <a:tc>
+                  <a:txBody>
+                    <a:bodyPr/>
+                    <a:lstStyle/>
+                    <a:p>
+                      <a:r>
+                        <a:rPr lang="en-US" dirty="0"/>
+                        <a:t>4. </a:t>
+                      </a:r>
+                    </a:p>
+                  </a:txBody>
+                  <a:tcPr>
+                    <a:lnR w="12700" cap="flat" cmpd="sng" algn="ctr">
+                      <a:solidFill>
+                        <a:schemeClr val="tx1"/>
+                      </a:solidFill>
+                      <a:prstDash val="solid"/>
+                      <a:round/>
+                      <a:headEnd type="none" w="med" len="med"/>
+                      <a:tailEnd type="none" w="med" len="med"/>
+                    </a:lnR>
+                  </a:tcPr>
                 </a:tc>
                 <a:tc>
                   <a:txBody>
                     <a:bodyPr/>
                     <a:lstStyle/>
                     <a:p>
-                      <a:pPr algn="ctr"/>
                       <a:r>
                         <a:rPr lang="en-US" dirty="0"/>
-                        <a:t>95</a:t>
+                        <a:t>Instructions From </a:t>
                       </a:r>
                     </a:p>
                   </a:txBody>
-                  <a:tcPr anchor="ctr"/>
+                  <a:tcPr>
+                    <a:lnL w="12700" cap="flat" cmpd="sng" algn="ctr">
+                      <a:solidFill>
+                        <a:schemeClr val="tx1"/>
+                      </a:solidFill>
+                      <a:prstDash val="solid"/>
+                      <a:round/>
+                      <a:headEnd type="none" w="med" len="med"/>
+                      <a:tailEnd type="none" w="med" len="med"/>
+                    </a:lnL>
+                  </a:tcPr>
                 </a:tc>
                 <a:extLst>
                   <a:ext uri="{0D108BD9-81ED-4DB2-BD59-A6C34878D82A}">
-                    <a16:rowId xmlns:a16="http://schemas.microsoft.com/office/drawing/2014/main" val="10001"/>
+                    <a16:rowId xmlns:a16="http://schemas.microsoft.com/office/drawing/2014/main" val="522905185"/>
                   </a:ext>
                 </a:extLst>
               </a:tr>
-              <a:tr h="572294">
+              <a:tr h="792480">
                 <a:tc>
                   <a:txBody>
                     <a:bodyPr/>
                     <a:lstStyle/>
                     <a:p>
-                      <a:pPr algn="ctr"/>
                       <a:r>
                         <a:rPr lang="en-US" dirty="0"/>
-                        <a:t>Class 2</a:t>
+                        <a:t>5. </a:t>
                       </a:r>
                     </a:p>
                   </a:txBody>
-                  <a:tcPr anchor="ctr"/>
+                  <a:tcPr>
+                    <a:lnR w="12700" cap="flat" cmpd="sng" algn="ctr">
+                      <a:solidFill>
+                        <a:schemeClr val="tx1"/>
+                      </a:solidFill>
+                      <a:prstDash val="solid"/>
+                      <a:round/>
+                      <a:headEnd type="none" w="med" len="med"/>
+                      <a:tailEnd type="none" w="med" len="med"/>
+                    </a:lnR>
+                  </a:tcPr>
                 </a:tc>
                 <a:tc>
                   <a:txBody>
                     <a:bodyPr/>
                     <a:lstStyle/>
                     <a:p>
-                      <a:pPr algn="ctr"/>
                       <a:r>
                         <a:rPr lang="en-US" dirty="0"/>
-                        <a:t>76</a:t>
+                        <a:t>Lack of Available Data </a:t>
                       </a:r>
                     </a:p>
                   </a:txBody>
-                  <a:tcPr anchor="ctr"/>
-                </a:tc>
-                <a:tc>
-                  <a:txBody>
-                    <a:bodyPr/>
-                    <a:lstStyle/>
-                    <a:p>
-                      <a:pPr algn="ctr"/>
-                      <a:r>
-                        <a:rPr lang="en-US" dirty="0"/>
-                        <a:t>88</a:t>
-                      </a:r>
-                    </a:p>
-                  </a:txBody>
-                  <a:tcPr anchor="ctr"/>
+                  <a:tcPr>
+                    <a:lnL w="12700" cap="flat" cmpd="sng" algn="ctr">
+                      <a:solidFill>
+                        <a:schemeClr val="tx1"/>
+                      </a:solidFill>
+                      <a:prstDash val="solid"/>
+                      <a:round/>
+                      <a:headEnd type="none" w="med" len="med"/>
+                      <a:tailEnd type="none" w="med" len="med"/>
+                    </a:lnL>
+                  </a:tcPr>
                 </a:tc>
                 <a:extLst>
                   <a:ext uri="{0D108BD9-81ED-4DB2-BD59-A6C34878D82A}">
-                    <a16:rowId xmlns:a16="http://schemas.microsoft.com/office/drawing/2014/main" val="10002"/>
-                  </a:ext>
-                </a:extLst>
-              </a:tr>
-              <a:tr h="572294">
-                <a:tc>
-                  <a:txBody>
-                    <a:bodyPr/>
-                    <a:lstStyle/>
-                    <a:p>
-                      <a:pPr algn="ctr"/>
-                      <a:r>
-                        <a:rPr lang="en-US" dirty="0"/>
-                        <a:t>Class 3</a:t>
-                      </a:r>
-                    </a:p>
-                  </a:txBody>
-                  <a:tcPr anchor="ctr"/>
-                </a:tc>
-                <a:tc>
-                  <a:txBody>
-                    <a:bodyPr/>
-                    <a:lstStyle/>
-                    <a:p>
-                      <a:pPr algn="ctr"/>
-                      <a:r>
-                        <a:rPr lang="en-US" dirty="0"/>
-                        <a:t>84</a:t>
-                      </a:r>
-                    </a:p>
-                  </a:txBody>
-                  <a:tcPr anchor="ctr"/>
-                </a:tc>
-                <a:tc>
-                  <a:txBody>
-                    <a:bodyPr/>
-                    <a:lstStyle/>
-                    <a:p>
-                      <a:pPr algn="ctr"/>
-                      <a:r>
-                        <a:rPr lang="en-US" dirty="0"/>
-                        <a:t>90</a:t>
-                      </a:r>
-                    </a:p>
-                  </a:txBody>
-                  <a:tcPr anchor="ctr"/>
-                </a:tc>
-                <a:extLst>
-                  <a:ext uri="{0D108BD9-81ED-4DB2-BD59-A6C34878D82A}">
-                    <a16:rowId xmlns:a16="http://schemas.microsoft.com/office/drawing/2014/main" val="10003"/>
+                    <a16:rowId xmlns:a16="http://schemas.microsoft.com/office/drawing/2014/main" val="1818476519"/>
                   </a:ext>
                 </a:extLst>
               </a:tr>
@@ -10273,55 +16983,10 @@
           </a:graphicData>
         </a:graphic>
       </p:graphicFrame>
-      <p:pic>
-        <p:nvPicPr>
-          <p:cNvPr id="6" name="Picture 5" descr="Logo, company name&#10;&#10;Description automatically generated">
-            <a:extLst>
-              <a:ext uri="{FF2B5EF4-FFF2-40B4-BE49-F238E27FC236}">
-                <a16:creationId xmlns:a16="http://schemas.microsoft.com/office/drawing/2014/main" id="{624B6D86-E7F8-473D-BE7F-46F6ECA01DCC}"/>
-              </a:ext>
-            </a:extLst>
-          </p:cNvPr>
-          <p:cNvPicPr>
-            <a:picLocks noChangeAspect="1"/>
-          </p:cNvPicPr>
-          <p:nvPr/>
-        </p:nvPicPr>
-        <p:blipFill rotWithShape="1">
-          <a:blip r:embed="rId2">
-            <a:alphaModFix amt="40000"/>
-            <a:extLst>
-              <a:ext uri="{BEBA8EAE-BF5A-486C-A8C5-ECC9F3942E4B}">
-                <a14:imgProps xmlns:a14="http://schemas.microsoft.com/office/drawing/2010/main">
-                  <a14:imgLayer r:embed="rId3">
-                    <a14:imgEffect>
-                      <a14:brightnessContrast bright="-10000"/>
-                    </a14:imgEffect>
-                  </a14:imgLayer>
-                </a14:imgProps>
-              </a:ext>
-              <a:ext uri="{28A0092B-C50C-407E-A947-70E740481C1C}">
-                <a14:useLocalDpi xmlns:a14="http://schemas.microsoft.com/office/drawing/2010/main" val="0"/>
-              </a:ext>
-            </a:extLst>
-          </a:blip>
-          <a:srcRect l="4640" t="28630" r="67215" b="12687"/>
-          <a:stretch/>
-        </p:blipFill>
-        <p:spPr>
-          <a:xfrm>
-            <a:off x="11037356" y="-3926"/>
-            <a:ext cx="1154644" cy="1059276"/>
-          </a:xfrm>
-          <a:prstGeom prst="ellipse">
-            <a:avLst/>
-          </a:prstGeom>
-        </p:spPr>
-      </p:pic>
     </p:spTree>
     <p:extLst>
       <p:ext uri="{BB962C8B-B14F-4D97-AF65-F5344CB8AC3E}">
-        <p14:creationId xmlns:p14="http://schemas.microsoft.com/office/powerpoint/2010/main" val="1180589104"/>
+        <p14:creationId xmlns:p14="http://schemas.microsoft.com/office/powerpoint/2010/main" val="2056049973"/>
       </p:ext>
     </p:extLst>
   </p:cSld>
@@ -10387,15 +17052,85 @@
           <a:p>
             <a:r>
               <a:rPr lang="en-US" dirty="0"/>
-              <a:t>During a Gold Rush – We Sell Shovels </a:t>
+              <a:t>Data &amp; Analysis </a:t>
             </a:r>
           </a:p>
         </p:txBody>
       </p:sp>
+      <p:graphicFrame>
+        <p:nvGraphicFramePr>
+          <p:cNvPr id="6" name="Content Placeholder 2" descr="Clustered column chart showing the values of 3 series for 4 categories"/>
+          <p:cNvGraphicFramePr>
+            <a:graphicFrameLocks noGrp="1"/>
+          </p:cNvGraphicFramePr>
+          <p:nvPr>
+            <p:ph idx="1"/>
+            <p:extLst>
+              <p:ext uri="{D42A27DB-BD31-4B8C-83A1-F6EECF244321}">
+                <p14:modId xmlns:p14="http://schemas.microsoft.com/office/powerpoint/2010/main" val="926025196"/>
+              </p:ext>
+            </p:extLst>
+          </p:nvPr>
+        </p:nvGraphicFramePr>
+        <p:xfrm>
+          <a:off x="838200" y="1825625"/>
+          <a:ext cx="10515600" cy="4351338"/>
+        </p:xfrm>
+        <a:graphic>
+          <a:graphicData uri="http://schemas.openxmlformats.org/drawingml/2006/chart">
+            <c:chart xmlns:c="http://schemas.openxmlformats.org/drawingml/2006/chart" xmlns:r="http://schemas.openxmlformats.org/officeDocument/2006/relationships" r:id="rId2"/>
+          </a:graphicData>
+        </a:graphic>
+      </p:graphicFrame>
+      <p:pic>
+        <p:nvPicPr>
+          <p:cNvPr id="4" name="Picture 3" descr="Logo, company name&#10;&#10;Description automatically generated">
+            <a:extLst>
+              <a:ext uri="{FF2B5EF4-FFF2-40B4-BE49-F238E27FC236}">
+                <a16:creationId xmlns:a16="http://schemas.microsoft.com/office/drawing/2014/main" id="{11C394AD-3EB7-4873-B82E-F114130D4D63}"/>
+              </a:ext>
+            </a:extLst>
+          </p:cNvPr>
+          <p:cNvPicPr>
+            <a:picLocks noChangeAspect="1"/>
+          </p:cNvPicPr>
+          <p:nvPr/>
+        </p:nvPicPr>
+        <p:blipFill rotWithShape="1">
+          <a:blip r:embed="rId3">
+            <a:alphaModFix amt="40000"/>
+            <a:extLst>
+              <a:ext uri="{BEBA8EAE-BF5A-486C-A8C5-ECC9F3942E4B}">
+                <a14:imgProps xmlns:a14="http://schemas.microsoft.com/office/drawing/2010/main">
+                  <a14:imgLayer r:embed="rId4">
+                    <a14:imgEffect>
+                      <a14:brightnessContrast bright="-10000"/>
+                    </a14:imgEffect>
+                  </a14:imgLayer>
+                </a14:imgProps>
+              </a:ext>
+              <a:ext uri="{28A0092B-C50C-407E-A947-70E740481C1C}">
+                <a14:useLocalDpi xmlns:a14="http://schemas.microsoft.com/office/drawing/2010/main" val="0"/>
+              </a:ext>
+            </a:extLst>
+          </a:blip>
+          <a:srcRect l="4640" t="28630" r="67215" b="12687"/>
+          <a:stretch/>
+        </p:blipFill>
+        <p:spPr>
+          <a:xfrm>
+            <a:off x="11037356" y="-3926"/>
+            <a:ext cx="1154644" cy="1059276"/>
+          </a:xfrm>
+          <a:prstGeom prst="ellipse">
+            <a:avLst/>
+          </a:prstGeom>
+        </p:spPr>
+      </p:pic>
     </p:spTree>
     <p:extLst>
       <p:ext uri="{BB962C8B-B14F-4D97-AF65-F5344CB8AC3E}">
-        <p14:creationId xmlns:p14="http://schemas.microsoft.com/office/powerpoint/2010/main" val="3440500440"/>
+        <p14:creationId xmlns:p14="http://schemas.microsoft.com/office/powerpoint/2010/main" val="1900486290"/>
       </p:ext>
     </p:extLst>
   </p:cSld>
@@ -11241,4 +17976,47 @@
     </a:folHlink>
   </a:clrScheme>
 </a:themeOverride>
+</file>
+
+<file path=ppt/theme/themeOverride2.xml><?xml version="1.0" encoding="utf-8"?>
+<a:themeOverride xmlns:a="http://schemas.openxmlformats.org/drawingml/2006/main">
+  <a:clrScheme name="CitySketch">
+    <a:dk1>
+      <a:srgbClr val="3D372E"/>
+    </a:dk1>
+    <a:lt1>
+      <a:sysClr val="window" lastClr="FFFFFF"/>
+    </a:lt1>
+    <a:dk2>
+      <a:srgbClr val="000000"/>
+    </a:dk2>
+    <a:lt2>
+      <a:srgbClr val="E0ECE1"/>
+    </a:lt2>
+    <a:accent1>
+      <a:srgbClr val="B2D0B4"/>
+    </a:accent1>
+    <a:accent2>
+      <a:srgbClr val="88A5BA"/>
+    </a:accent2>
+    <a:accent3>
+      <a:srgbClr val="909F5F"/>
+    </a:accent3>
+    <a:accent4>
+      <a:srgbClr val="C9A057"/>
+    </a:accent4>
+    <a:accent5>
+      <a:srgbClr val="DA7D60"/>
+    </a:accent5>
+    <a:accent6>
+      <a:srgbClr val="978975"/>
+    </a:accent6>
+    <a:hlink>
+      <a:srgbClr val="C9A057"/>
+    </a:hlink>
+    <a:folHlink>
+      <a:srgbClr val="978975"/>
+    </a:folHlink>
+  </a:clrScheme>
+</a:themeOverride>
 </file>
--- a/Analysis and Reccomendation Presentation.pptx
+++ b/Analysis and Reccomendation Presentation.pptx
@@ -4899,19 +4899,19 @@
     <dgm:cxn modelId="{64050F34-335F-43CE-8BAE-81F674686DB5}" type="presOf" srcId="{DF20775B-1D29-4092-B301-6965981B3548}" destId="{15914202-C424-4671-A803-02B0B6D43882}" srcOrd="0" destOrd="0" presId="urn:microsoft.com/office/officeart/2005/8/layout/hList1"/>
     <dgm:cxn modelId="{4AFD4C35-5D7E-F247-A61C-A37B52DE72E8}" type="presOf" srcId="{D6700288-1BEA-CF41-A90E-FB9891041561}" destId="{15914202-C424-4671-A803-02B0B6D43882}" srcOrd="0" destOrd="3" presId="urn:microsoft.com/office/officeart/2005/8/layout/hList1"/>
     <dgm:cxn modelId="{3F183939-006B-4396-9B0E-58F28ED33C56}" srcId="{BE919AD8-CB0A-47CE-A012-622F109A0A49}" destId="{DC528F0B-D96A-4A76-BF95-D907B1FB7B4F}" srcOrd="0" destOrd="0" parTransId="{C9E2C901-798A-4B7E-9DB5-A720395AE412}" sibTransId="{0E682562-B187-4BFC-B2D4-26F4BE3D771F}"/>
+    <dgm:cxn modelId="{59931C60-357E-EF4B-94AC-EC719AF9CAAD}" srcId="{BE919AD8-CB0A-47CE-A012-622F109A0A49}" destId="{B9F60A67-560B-3345-A605-D614F1F04AED}" srcOrd="6" destOrd="0" parTransId="{6055FBDB-2A97-D947-922C-4FC8B12BB60E}" sibTransId="{F86B2150-9913-264F-9FEF-A80BB8C36C22}"/>
+    <dgm:cxn modelId="{F807F260-498F-4105-90B0-FF99CC9D562B}" type="presOf" srcId="{1A16556A-4A0A-4AC0-BA55-2A58E15F93A9}" destId="{391892B7-30B7-4F7A-8F61-247BD1784957}" srcOrd="0" destOrd="2" presId="urn:microsoft.com/office/officeart/2005/8/layout/hList1"/>
     <dgm:cxn modelId="{FC5F6942-79C4-4ED6-99EC-63496C3BF449}" srcId="{CEF49EBA-9A3F-4E9E-ACA3-E45765A831AE}" destId="{CAA2CC30-B501-4D89-BE35-4A990EF49618}" srcOrd="2" destOrd="0" parTransId="{FDEA792B-B72E-477C-B138-86AE57EB37FA}" sibTransId="{D26C0C0E-D5EA-4C7B-88DB-923CF73AF112}"/>
     <dgm:cxn modelId="{6D478C42-7F61-6C41-9CE6-EACFC0C1C002}" type="presOf" srcId="{7476709B-56F4-484A-B3EF-5B1826DF43F3}" destId="{4B187744-4B45-4628-80A2-452EC69E8428}" srcOrd="0" destOrd="1" presId="urn:microsoft.com/office/officeart/2005/8/layout/hList1"/>
+    <dgm:cxn modelId="{B9104964-5FF0-4246-BE19-C00DCFFA74B5}" srcId="{2E7A2E44-11DB-42B1-BFDD-604DFF03E3E3}" destId="{DF20775B-1D29-4092-B301-6965981B3548}" srcOrd="0" destOrd="0" parTransId="{C55CC494-E750-4B8A-A5BC-8D2ABD8D457E}" sibTransId="{299EC0E2-B304-435B-A091-2CE91F4CB87F}"/>
     <dgm:cxn modelId="{886E2348-938B-9341-AF98-295CE865F898}" type="presOf" srcId="{B9F60A67-560B-3345-A605-D614F1F04AED}" destId="{391892B7-30B7-4F7A-8F61-247BD1784957}" srcOrd="0" destOrd="7" presId="urn:microsoft.com/office/officeart/2005/8/layout/hList1"/>
     <dgm:cxn modelId="{62C25749-AE53-464C-AA37-53B7AC58E13C}" type="presOf" srcId="{207EFB82-2B72-1D49-9162-F94E1A08C839}" destId="{391892B7-30B7-4F7A-8F61-247BD1784957}" srcOrd="0" destOrd="1" presId="urn:microsoft.com/office/officeart/2005/8/layout/hList1"/>
     <dgm:cxn modelId="{FF56FF4A-8A8F-4E40-8566-C02EA88D44BD}" srcId="{2E7A2E44-11DB-42B1-BFDD-604DFF03E3E3}" destId="{D6700288-1BEA-CF41-A90E-FB9891041561}" srcOrd="3" destOrd="0" parTransId="{1B5E6777-B63C-B04C-AA01-1B2C1CAFC43C}" sibTransId="{B6715ACE-6BAD-314D-8CD8-D34DE86508B7}"/>
     <dgm:cxn modelId="{DB4B304E-5D08-804B-A7FB-235AFCAC6907}" srcId="{CAA2CC30-B501-4D89-BE35-4A990EF49618}" destId="{195A1D4E-B9B9-334C-BAFE-D0120A98E333}" srcOrd="4" destOrd="0" parTransId="{4E813964-81EB-FB44-BFD2-0A1C8267B75E}" sibTransId="{DC22E5C6-43AE-1641-BCBD-130FAE14F3FA}"/>
     <dgm:cxn modelId="{EAB2BE4F-7BAD-824D-A96C-525388CDE741}" srcId="{BE919AD8-CB0A-47CE-A012-622F109A0A49}" destId="{F3C892FD-EE31-6F44-ACC6-1FFE2DBF49D6}" srcOrd="7" destOrd="0" parTransId="{E9D7BBBF-B15F-C94D-B28A-F6DD62F38BEF}" sibTransId="{1AE830DC-67EA-3345-BE23-135AF03ACA50}"/>
-    <dgm:cxn modelId="{F5131A57-E1B1-9644-9B9D-73E7620509DD}" srcId="{CAA2CC30-B501-4D89-BE35-4A990EF49618}" destId="{3E5C3CC5-7CB6-0744-BB9D-0DD5D8A8AE54}" srcOrd="3" destOrd="0" parTransId="{411DD8DA-E736-444D-9264-29D3932B3B19}" sibTransId="{D0055058-92C5-384A-AD1F-3B08E436DBB1}"/>
-    <dgm:cxn modelId="{59931C60-357E-EF4B-94AC-EC719AF9CAAD}" srcId="{BE919AD8-CB0A-47CE-A012-622F109A0A49}" destId="{B9F60A67-560B-3345-A605-D614F1F04AED}" srcOrd="6" destOrd="0" parTransId="{6055FBDB-2A97-D947-922C-4FC8B12BB60E}" sibTransId="{F86B2150-9913-264F-9FEF-A80BB8C36C22}"/>
-    <dgm:cxn modelId="{F807F260-498F-4105-90B0-FF99CC9D562B}" type="presOf" srcId="{1A16556A-4A0A-4AC0-BA55-2A58E15F93A9}" destId="{391892B7-30B7-4F7A-8F61-247BD1784957}" srcOrd="0" destOrd="2" presId="urn:microsoft.com/office/officeart/2005/8/layout/hList1"/>
-    <dgm:cxn modelId="{B9104964-5FF0-4246-BE19-C00DCFFA74B5}" srcId="{2E7A2E44-11DB-42B1-BFDD-604DFF03E3E3}" destId="{DF20775B-1D29-4092-B301-6965981B3548}" srcOrd="0" destOrd="0" parTransId="{C55CC494-E750-4B8A-A5BC-8D2ABD8D457E}" sibTransId="{299EC0E2-B304-435B-A091-2CE91F4CB87F}"/>
     <dgm:cxn modelId="{EEF4DD70-B982-5F4F-AB2B-12878A3D0B42}" type="presOf" srcId="{A2749A43-4D31-6844-B331-FFD241392134}" destId="{15914202-C424-4671-A803-02B0B6D43882}" srcOrd="0" destOrd="6" presId="urn:microsoft.com/office/officeart/2005/8/layout/hList1"/>
     <dgm:cxn modelId="{EC0D7071-82BA-4B1D-9678-BA82C3C5A82B}" type="presOf" srcId="{EDD9A4AA-9E74-4ADB-B134-94DFA6C61FF9}" destId="{391892B7-30B7-4F7A-8F61-247BD1784957}" srcOrd="0" destOrd="5" presId="urn:microsoft.com/office/officeart/2005/8/layout/hList1"/>
+    <dgm:cxn modelId="{F5131A57-E1B1-9644-9B9D-73E7620509DD}" srcId="{CAA2CC30-B501-4D89-BE35-4A990EF49618}" destId="{3E5C3CC5-7CB6-0744-BB9D-0DD5D8A8AE54}" srcOrd="3" destOrd="0" parTransId="{411DD8DA-E736-444D-9264-29D3932B3B19}" sibTransId="{D0055058-92C5-384A-AD1F-3B08E436DBB1}"/>
     <dgm:cxn modelId="{A5D28C82-D2F6-0046-8E27-4947C7C94DC9}" type="presOf" srcId="{A35C442B-76B4-3E40-91BB-185B765BDB38}" destId="{4B187744-4B45-4628-80A2-452EC69E8428}" srcOrd="0" destOrd="2" presId="urn:microsoft.com/office/officeart/2005/8/layout/hList1"/>
     <dgm:cxn modelId="{95FB8989-A5C8-4E9C-8569-A4B631C1A280}" type="presOf" srcId="{75FEF0AE-B79A-4620-9A49-CAFC3A18A1CD}" destId="{15914202-C424-4671-A803-02B0B6D43882}" srcOrd="0" destOrd="1" presId="urn:microsoft.com/office/officeart/2005/8/layout/hList1"/>
     <dgm:cxn modelId="{35A8058C-3465-C249-BDE5-718591E76510}" srcId="{2E7A2E44-11DB-42B1-BFDD-604DFF03E3E3}" destId="{952284E9-7676-6F4E-9F9A-7408EC30AC15}" srcOrd="5" destOrd="0" parTransId="{1DF62C5C-57AC-EC4D-B0A3-F87E34D1CB40}" sibTransId="{2441A576-04DD-9A42-8E96-A590A040C25A}"/>
@@ -10791,7 +10791,7 @@
           <a:p>
             <a:fld id="{061C5132-FFA3-4B02-9F09-22FCF40EFA74}" type="datetimeFigureOut">
               <a:rPr lang="en-US" smtClean="0"/>
-              <a:t>3/12/21</a:t>
+              <a:t>3/12/2021</a:t>
             </a:fld>
             <a:endParaRPr lang="en-US"/>
           </a:p>
@@ -10956,7 +10956,7 @@
           <a:p>
             <a:fld id="{0B6E42C9-243F-4DC5-AFF6-9D56B5FA9D63}" type="datetimeFigureOut">
               <a:rPr lang="en-US" smtClean="0"/>
-              <a:t>3/12/21</a:t>
+              <a:t>3/12/2021</a:t>
             </a:fld>
             <a:endParaRPr lang="en-US"/>
           </a:p>
@@ -11704,7 +11704,7 @@
           <a:p>
             <a:fld id="{B0FE2824-C2A0-4931-BB32-60B24BDBB3CC}" type="datetimeFigureOut">
               <a:rPr lang="en-US" smtClean="0"/>
-              <a:t>3/12/21</a:t>
+              <a:t>3/12/2021</a:t>
             </a:fld>
             <a:endParaRPr lang="en-US"/>
           </a:p>
@@ -11899,7 +11899,7 @@
           <a:p>
             <a:fld id="{B0FE2824-C2A0-4931-BB32-60B24BDBB3CC}" type="datetimeFigureOut">
               <a:rPr lang="en-US" smtClean="0"/>
-              <a:t>3/12/21</a:t>
+              <a:t>3/12/2021</a:t>
             </a:fld>
             <a:endParaRPr lang="en-US"/>
           </a:p>
@@ -12079,7 +12079,7 @@
           <a:p>
             <a:fld id="{B0FE2824-C2A0-4931-BB32-60B24BDBB3CC}" type="datetimeFigureOut">
               <a:rPr lang="en-US" smtClean="0"/>
-              <a:t>3/12/21</a:t>
+              <a:t>3/12/2021</a:t>
             </a:fld>
             <a:endParaRPr lang="en-US"/>
           </a:p>
@@ -12599,7 +12599,7 @@
           <a:p>
             <a:fld id="{B0FE2824-C2A0-4931-BB32-60B24BDBB3CC}" type="datetimeFigureOut">
               <a:rPr lang="en-US" smtClean="0"/>
-              <a:t>3/12/21</a:t>
+              <a:t>3/12/2021</a:t>
             </a:fld>
             <a:endParaRPr lang="en-US"/>
           </a:p>
@@ -13041,7 +13041,7 @@
           <a:p>
             <a:fld id="{B0FE2824-C2A0-4931-BB32-60B24BDBB3CC}" type="datetimeFigureOut">
               <a:rPr lang="en-US" smtClean="0"/>
-              <a:t>3/12/21</a:t>
+              <a:t>3/12/2021</a:t>
             </a:fld>
             <a:endParaRPr lang="en-US"/>
           </a:p>
@@ -13170,7 +13170,7 @@
           <a:p>
             <a:fld id="{B0FE2824-C2A0-4931-BB32-60B24BDBB3CC}" type="datetimeFigureOut">
               <a:rPr lang="en-US" smtClean="0"/>
-              <a:t>3/12/21</a:t>
+              <a:t>3/12/2021</a:t>
             </a:fld>
             <a:endParaRPr lang="en-US"/>
           </a:p>
@@ -13277,7 +13277,7 @@
           <a:p>
             <a:fld id="{B0FE2824-C2A0-4931-BB32-60B24BDBB3CC}" type="datetimeFigureOut">
               <a:rPr lang="en-US" smtClean="0"/>
-              <a:t>3/12/21</a:t>
+              <a:t>3/12/2021</a:t>
             </a:fld>
             <a:endParaRPr lang="en-US"/>
           </a:p>
@@ -13573,7 +13573,7 @@
           <a:p>
             <a:fld id="{B0FE2824-C2A0-4931-BB32-60B24BDBB3CC}" type="datetimeFigureOut">
               <a:rPr lang="en-US" smtClean="0"/>
-              <a:t>3/12/21</a:t>
+              <a:t>3/12/2021</a:t>
             </a:fld>
             <a:endParaRPr lang="en-US"/>
           </a:p>
@@ -13846,7 +13846,7 @@
           <a:p>
             <a:fld id="{B0FE2824-C2A0-4931-BB32-60B24BDBB3CC}" type="datetimeFigureOut">
               <a:rPr lang="en-US" smtClean="0"/>
-              <a:t>3/12/21</a:t>
+              <a:t>3/12/2021</a:t>
             </a:fld>
             <a:endParaRPr lang="en-US"/>
           </a:p>
@@ -14140,7 +14140,7 @@
             <a:fld id="{B0FE2824-C2A0-4931-BB32-60B24BDBB3CC}" type="datetimeFigureOut">
               <a:rPr lang="en-US" smtClean="0"/>
               <a:pPr/>
-              <a:t>3/12/21</a:t>
+              <a:t>3/12/2021</a:t>
             </a:fld>
             <a:endParaRPr lang="en-US"/>
           </a:p>

--- a/Analysis and Reccomendation Presentation.pptx
+++ b/Analysis and Reccomendation Presentation.pptx
@@ -4979,7 +4979,7 @@
                 <a:schemeClr val="bg2"/>
               </a:solidFill>
             </a:rPr>
-            <a:t>Phase 1: Preparation and Listing </a:t>
+            <a:t>Phase 1: Preparation and Listing</a:t>
           </a:r>
         </a:p>
       </dgm:t>
@@ -5029,21 +5029,7 @@
                 <a:schemeClr val="bg2"/>
               </a:solidFill>
             </a:rPr>
-            <a:t>Further </a:t>
-          </a:r>
-        </a:p>
-        <a:p>
-          <a:r>
-            <a:rPr lang="en-US" dirty="0">
-              <a:solidFill>
-                <a:schemeClr val="bg2"/>
-              </a:solidFill>
-            </a:rPr>
-            <a:t>Analysis</a:t>
-          </a:r>
-          <a:r>
-            <a:rPr lang="en-US" dirty="0"/>
-            <a:t> </a:t>
+            <a:t>Further Analysis </a:t>
           </a:r>
         </a:p>
       </dgm:t>
@@ -5093,11 +5079,7 @@
                 <a:schemeClr val="bg2"/>
               </a:solidFill>
             </a:rPr>
-            <a:t>Marketing Boost</a:t>
-          </a:r>
-          <a:r>
-            <a:rPr lang="en-US" dirty="0"/>
-            <a:t> </a:t>
+            <a:t>Deploy Marketing Boosts</a:t>
           </a:r>
         </a:p>
       </dgm:t>
@@ -5147,11 +5129,7 @@
                 <a:schemeClr val="bg2"/>
               </a:solidFill>
             </a:rPr>
-            <a:t>Reassess</a:t>
-          </a:r>
-          <a:r>
-            <a:rPr lang="en-US" dirty="0"/>
-            <a:t> </a:t>
+            <a:t>Reassessment </a:t>
           </a:r>
         </a:p>
       </dgm:t>
@@ -5178,6 +5156,286 @@
         </a:p>
       </dgm:t>
     </dgm:pt>
+    <dgm:pt modelId="{3BB6DF8A-4F9E-4CE4-95D5-895CAA814F16}">
+      <dgm:prSet phldrT="[Text]"/>
+      <dgm:spPr/>
+      <dgm:t>
+        <a:bodyPr/>
+        <a:lstStyle/>
+        <a:p>
+          <a:r>
+            <a:rPr lang="en-US" dirty="0">
+              <a:solidFill>
+                <a:schemeClr val="bg2"/>
+              </a:solidFill>
+            </a:rPr>
+            <a:t>Identify &amp; Prepare Properties for Conversion</a:t>
+          </a:r>
+        </a:p>
+      </dgm:t>
+    </dgm:pt>
+    <dgm:pt modelId="{191978C6-B065-4D25-ABC7-A383E32919D9}" type="parTrans" cxnId="{A4BCE70B-99F9-4E97-91FD-58BF8B969006}">
+      <dgm:prSet/>
+      <dgm:spPr/>
+      <dgm:t>
+        <a:bodyPr/>
+        <a:lstStyle/>
+        <a:p>
+          <a:endParaRPr lang="en-US"/>
+        </a:p>
+      </dgm:t>
+    </dgm:pt>
+    <dgm:pt modelId="{3BA2BDF0-0800-4269-A737-1A61E7617038}" type="sibTrans" cxnId="{A4BCE70B-99F9-4E97-91FD-58BF8B969006}">
+      <dgm:prSet/>
+      <dgm:spPr/>
+      <dgm:t>
+        <a:bodyPr/>
+        <a:lstStyle/>
+        <a:p>
+          <a:endParaRPr lang="en-US"/>
+        </a:p>
+      </dgm:t>
+    </dgm:pt>
+    <dgm:pt modelId="{77DC4DBD-6BFC-47B5-BCEF-9A41B08F4DA1}">
+      <dgm:prSet phldrT="[Text]"/>
+      <dgm:spPr/>
+      <dgm:t>
+        <a:bodyPr/>
+        <a:lstStyle/>
+        <a:p>
+          <a:r>
+            <a:rPr lang="en-US" dirty="0">
+              <a:solidFill>
+                <a:schemeClr val="bg2"/>
+              </a:solidFill>
+            </a:rPr>
+            <a:t>Begin Listing </a:t>
+          </a:r>
+        </a:p>
+      </dgm:t>
+    </dgm:pt>
+    <dgm:pt modelId="{7E6E05A2-3386-49F0-8C2E-535504F8C65C}" type="parTrans" cxnId="{DC20DAF0-A028-4030-B608-60DB04D18B5C}">
+      <dgm:prSet/>
+      <dgm:spPr/>
+      <dgm:t>
+        <a:bodyPr/>
+        <a:lstStyle/>
+        <a:p>
+          <a:endParaRPr lang="en-US"/>
+        </a:p>
+      </dgm:t>
+    </dgm:pt>
+    <dgm:pt modelId="{D330C54B-6DC5-4725-90CA-6F4112FFF2D0}" type="sibTrans" cxnId="{DC20DAF0-A028-4030-B608-60DB04D18B5C}">
+      <dgm:prSet/>
+      <dgm:spPr/>
+      <dgm:t>
+        <a:bodyPr/>
+        <a:lstStyle/>
+        <a:p>
+          <a:endParaRPr lang="en-US"/>
+        </a:p>
+      </dgm:t>
+    </dgm:pt>
+    <dgm:pt modelId="{E85B7A2C-B7CD-4974-BDE4-E08F0FC268F3}">
+      <dgm:prSet phldrT="[Text]"/>
+      <dgm:spPr/>
+      <dgm:t>
+        <a:bodyPr/>
+        <a:lstStyle/>
+        <a:p>
+          <a:r>
+            <a:rPr lang="en-US" dirty="0">
+              <a:solidFill>
+                <a:schemeClr val="bg2"/>
+              </a:solidFill>
+            </a:rPr>
+            <a:t>Data Gathering </a:t>
+          </a:r>
+        </a:p>
+      </dgm:t>
+    </dgm:pt>
+    <dgm:pt modelId="{6D9C61C0-02E8-4F35-9EA7-938EF96B83C9}" type="parTrans" cxnId="{B283303E-D768-47C9-B98E-D65ADCCC9B94}">
+      <dgm:prSet/>
+      <dgm:spPr/>
+      <dgm:t>
+        <a:bodyPr/>
+        <a:lstStyle/>
+        <a:p>
+          <a:endParaRPr lang="en-US"/>
+        </a:p>
+      </dgm:t>
+    </dgm:pt>
+    <dgm:pt modelId="{73C4383D-5E5A-447E-ACE8-528B30BA4109}" type="sibTrans" cxnId="{B283303E-D768-47C9-B98E-D65ADCCC9B94}">
+      <dgm:prSet/>
+      <dgm:spPr/>
+      <dgm:t>
+        <a:bodyPr/>
+        <a:lstStyle/>
+        <a:p>
+          <a:endParaRPr lang="en-US"/>
+        </a:p>
+      </dgm:t>
+    </dgm:pt>
+    <dgm:pt modelId="{1F78EABB-CBDE-48BC-AC3D-3850444476BB}">
+      <dgm:prSet phldrT="[Text]"/>
+      <dgm:spPr/>
+      <dgm:t>
+        <a:bodyPr/>
+        <a:lstStyle/>
+        <a:p>
+          <a:r>
+            <a:rPr lang="en-US" dirty="0">
+              <a:solidFill>
+                <a:schemeClr val="bg2"/>
+              </a:solidFill>
+            </a:rPr>
+            <a:t>Further Model Testing  &amp; Market Analysis</a:t>
+          </a:r>
+        </a:p>
+      </dgm:t>
+    </dgm:pt>
+    <dgm:pt modelId="{B8B926D6-F0C2-47F3-A82C-45BE6D20B376}" type="parTrans" cxnId="{DFEACBBA-E12D-4573-BFFA-23206FE8994B}">
+      <dgm:prSet/>
+      <dgm:spPr/>
+      <dgm:t>
+        <a:bodyPr/>
+        <a:lstStyle/>
+        <a:p>
+          <a:endParaRPr lang="en-US"/>
+        </a:p>
+      </dgm:t>
+    </dgm:pt>
+    <dgm:pt modelId="{509A9FAF-128A-4EB8-A73A-91E8D5F292A0}" type="sibTrans" cxnId="{DFEACBBA-E12D-4573-BFFA-23206FE8994B}">
+      <dgm:prSet/>
+      <dgm:spPr/>
+      <dgm:t>
+        <a:bodyPr/>
+        <a:lstStyle/>
+        <a:p>
+          <a:endParaRPr lang="en-US"/>
+        </a:p>
+      </dgm:t>
+    </dgm:pt>
+    <dgm:pt modelId="{E05ECADB-C6F3-4B6D-ACB9-471AA30177CE}">
+      <dgm:prSet phldrT="[Text]"/>
+      <dgm:spPr/>
+      <dgm:t>
+        <a:bodyPr/>
+        <a:lstStyle/>
+        <a:p>
+          <a:r>
+            <a:rPr lang="en-US" dirty="0">
+              <a:solidFill>
+                <a:schemeClr val="bg2"/>
+              </a:solidFill>
+            </a:rPr>
+            <a:t>Coupons, Discounts, Loyalties</a:t>
+          </a:r>
+        </a:p>
+      </dgm:t>
+    </dgm:pt>
+    <dgm:pt modelId="{294AD298-C46D-48A7-AE91-C6F87379CACD}" type="parTrans" cxnId="{63A76BE7-B83C-4EDB-B91A-702945EC2DDD}">
+      <dgm:prSet/>
+      <dgm:spPr/>
+      <dgm:t>
+        <a:bodyPr/>
+        <a:lstStyle/>
+        <a:p>
+          <a:endParaRPr lang="en-US"/>
+        </a:p>
+      </dgm:t>
+    </dgm:pt>
+    <dgm:pt modelId="{B2C88E68-F11B-4D41-BDAC-5DF51669DBB7}" type="sibTrans" cxnId="{63A76BE7-B83C-4EDB-B91A-702945EC2DDD}">
+      <dgm:prSet/>
+      <dgm:spPr/>
+      <dgm:t>
+        <a:bodyPr/>
+        <a:lstStyle/>
+        <a:p>
+          <a:endParaRPr lang="en-US"/>
+        </a:p>
+      </dgm:t>
+    </dgm:pt>
+    <dgm:pt modelId="{9BE0F4D7-C35D-478E-B308-4D557796EBE0}">
+      <dgm:prSet/>
+      <dgm:spPr/>
+      <dgm:t>
+        <a:bodyPr/>
+        <a:lstStyle/>
+        <a:p>
+          <a:r>
+            <a:rPr lang="en-US" dirty="0">
+              <a:solidFill>
+                <a:schemeClr val="bg2"/>
+              </a:solidFill>
+            </a:rPr>
+            <a:t>Renovate </a:t>
+          </a:r>
+        </a:p>
+      </dgm:t>
+    </dgm:pt>
+    <dgm:pt modelId="{98CF3596-DFDF-4CDE-9E5E-A38234178DCB}" type="parTrans" cxnId="{6B673B4B-8408-46C7-8E5D-F6BEB4BAAC4F}">
+      <dgm:prSet/>
+      <dgm:spPr/>
+      <dgm:t>
+        <a:bodyPr/>
+        <a:lstStyle/>
+        <a:p>
+          <a:endParaRPr lang="en-US"/>
+        </a:p>
+      </dgm:t>
+    </dgm:pt>
+    <dgm:pt modelId="{D90D20C4-0F32-4E17-8C06-985B75078D10}" type="sibTrans" cxnId="{6B673B4B-8408-46C7-8E5D-F6BEB4BAAC4F}">
+      <dgm:prSet/>
+      <dgm:spPr/>
+      <dgm:t>
+        <a:bodyPr/>
+        <a:lstStyle/>
+        <a:p>
+          <a:endParaRPr lang="en-US"/>
+        </a:p>
+      </dgm:t>
+    </dgm:pt>
+    <dgm:pt modelId="{BEF805C8-797B-435F-9494-BDF57937BBFC}">
+      <dgm:prSet/>
+      <dgm:spPr/>
+      <dgm:t>
+        <a:bodyPr/>
+        <a:lstStyle/>
+        <a:p>
+          <a:r>
+            <a:rPr lang="en-US" dirty="0">
+              <a:solidFill>
+                <a:schemeClr val="bg2"/>
+              </a:solidFill>
+            </a:rPr>
+            <a:t>Salvage Outdated Assets </a:t>
+          </a:r>
+        </a:p>
+      </dgm:t>
+    </dgm:pt>
+    <dgm:pt modelId="{8E8FEB5D-02C4-4F25-A19D-8CAB0C3CFF38}" type="parTrans" cxnId="{BDF21912-568E-4D7A-A2B0-4382F8000262}">
+      <dgm:prSet/>
+      <dgm:spPr/>
+      <dgm:t>
+        <a:bodyPr/>
+        <a:lstStyle/>
+        <a:p>
+          <a:endParaRPr lang="en-US"/>
+        </a:p>
+      </dgm:t>
+    </dgm:pt>
+    <dgm:pt modelId="{5090C502-77C4-4215-B625-1A7940938F6A}" type="sibTrans" cxnId="{BDF21912-568E-4D7A-A2B0-4382F8000262}">
+      <dgm:prSet/>
+      <dgm:spPr/>
+      <dgm:t>
+        <a:bodyPr/>
+        <a:lstStyle/>
+        <a:p>
+          <a:endParaRPr lang="en-US"/>
+        </a:p>
+      </dgm:t>
+    </dgm:pt>
     <dgm:pt modelId="{B3138E1A-9101-C246-913E-452A70B195BD}" type="pres">
       <dgm:prSet presAssocID="{7D0EAC32-30A1-384B-9B3D-AF50728CC517}" presName="arrowDiagram" presStyleCnt="0">
         <dgm:presLayoutVars>
@@ -5189,55 +5447,55 @@
       <dgm:spPr/>
     </dgm:pt>
     <dgm:pt modelId="{BA492A3F-F264-464F-B8C2-D9533D26D47C}" type="pres">
-      <dgm:prSet presAssocID="{7D0EAC32-30A1-384B-9B3D-AF50728CC517}" presName="arrow" presStyleLbl="bgShp" presStyleIdx="0" presStyleCnt="1"/>
+      <dgm:prSet presAssocID="{7D0EAC32-30A1-384B-9B3D-AF50728CC517}" presName="arrow" presStyleLbl="bgShp" presStyleIdx="0" presStyleCnt="1" custAng="192725" custScaleX="105431"/>
       <dgm:spPr/>
     </dgm:pt>
-    <dgm:pt modelId="{075743BE-8F31-174D-A680-5D0FBAF1C248}" type="pres">
+    <dgm:pt modelId="{60520B11-D9CE-48C7-A1DF-71D5A4DF8F24}" type="pres">
       <dgm:prSet presAssocID="{7D0EAC32-30A1-384B-9B3D-AF50728CC517}" presName="arrowDiagram4" presStyleCnt="0"/>
       <dgm:spPr/>
     </dgm:pt>
-    <dgm:pt modelId="{8A729C39-CC28-D442-A977-8F8299CA512C}" type="pres">
-      <dgm:prSet presAssocID="{3920610D-F669-004B-A8E7-7EDF14E7F099}" presName="bullet4a" presStyleLbl="node1" presStyleIdx="0" presStyleCnt="4"/>
+    <dgm:pt modelId="{4A91F16D-623F-4753-8C42-F47A5622C033}" type="pres">
+      <dgm:prSet presAssocID="{3920610D-F669-004B-A8E7-7EDF14E7F099}" presName="bullet4a" presStyleLbl="node1" presStyleIdx="0" presStyleCnt="4" custLinFactX="-56806" custLinFactNeighborX="-100000" custLinFactNeighborY="-77811"/>
       <dgm:spPr/>
     </dgm:pt>
-    <dgm:pt modelId="{7C25F59D-CD0F-8A4D-B84B-B844AD74BC24}" type="pres">
-      <dgm:prSet presAssocID="{3920610D-F669-004B-A8E7-7EDF14E7F099}" presName="textBox4a" presStyleLbl="revTx" presStyleIdx="0" presStyleCnt="4" custLinFactNeighborX="7267" custLinFactNeighborY="20476">
+    <dgm:pt modelId="{1F9B9BD1-810F-4A0E-81DA-B83E6825177F}" type="pres">
+      <dgm:prSet presAssocID="{3920610D-F669-004B-A8E7-7EDF14E7F099}" presName="textBox4a" presStyleLbl="revTx" presStyleIdx="0" presStyleCnt="4" custLinFactNeighborX="-16241" custLinFactNeighborY="198">
         <dgm:presLayoutVars>
           <dgm:bulletEnabled val="1"/>
         </dgm:presLayoutVars>
       </dgm:prSet>
       <dgm:spPr/>
     </dgm:pt>
-    <dgm:pt modelId="{3DD9F795-D624-6044-9B0E-26E7BEF73AE1}" type="pres">
-      <dgm:prSet presAssocID="{2D27DBAF-40E9-8C41-8BD7-16CA628A7C14}" presName="bullet4b" presStyleLbl="node1" presStyleIdx="1" presStyleCnt="4" custLinFactNeighborX="42014" custLinFactNeighborY="-17187"/>
+    <dgm:pt modelId="{E82CC8AB-E391-4342-80DC-26820BBEE160}" type="pres">
+      <dgm:prSet presAssocID="{2D27DBAF-40E9-8C41-8BD7-16CA628A7C14}" presName="bullet4b" presStyleLbl="node1" presStyleIdx="1" presStyleCnt="4" custLinFactX="-25275" custLinFactNeighborX="-100000" custLinFactNeighborY="20756"/>
       <dgm:spPr/>
     </dgm:pt>
-    <dgm:pt modelId="{A20F1BE8-4DEB-FF41-8207-4D5FCF74D062}" type="pres">
-      <dgm:prSet presAssocID="{2D27DBAF-40E9-8C41-8BD7-16CA628A7C14}" presName="textBox4b" presStyleLbl="revTx" presStyleIdx="1" presStyleCnt="4" custScaleX="150428" custScaleY="30089" custLinFactNeighborX="40767" custLinFactNeighborY="-25350">
+    <dgm:pt modelId="{AACC0C2A-D2C6-46B9-82A5-8F751C6F080A}" type="pres">
+      <dgm:prSet presAssocID="{2D27DBAF-40E9-8C41-8BD7-16CA628A7C14}" presName="textBox4b" presStyleLbl="revTx" presStyleIdx="1" presStyleCnt="4" custScaleX="88515" custScaleY="44559" custLinFactNeighborX="-89940" custLinFactNeighborY="-87112">
         <dgm:presLayoutVars>
           <dgm:bulletEnabled val="1"/>
         </dgm:presLayoutVars>
       </dgm:prSet>
       <dgm:spPr/>
     </dgm:pt>
-    <dgm:pt modelId="{8099B090-9C31-9C44-AA24-A80508A50CE7}" type="pres">
-      <dgm:prSet presAssocID="{0588E26D-49BA-364B-88C9-92927B82B759}" presName="bullet4c" presStyleLbl="node1" presStyleIdx="2" presStyleCnt="4" custLinFactNeighborX="778" custLinFactNeighborY="-1545"/>
+    <dgm:pt modelId="{F71A0586-59AF-4C3A-B75F-B9BB278ABBE2}" type="pres">
+      <dgm:prSet presAssocID="{0588E26D-49BA-364B-88C9-92927B82B759}" presName="bullet4c" presStyleLbl="node1" presStyleIdx="2" presStyleCnt="4" custLinFactNeighborX="-56563" custLinFactNeighborY="31828"/>
       <dgm:spPr/>
     </dgm:pt>
-    <dgm:pt modelId="{B7733AEF-B4F3-D24F-AEB2-19A39F5135CE}" type="pres">
-      <dgm:prSet presAssocID="{0588E26D-49BA-364B-88C9-92927B82B759}" presName="textBox4c" presStyleLbl="revTx" presStyleIdx="2" presStyleCnt="4" custScaleY="28197" custLinFactNeighborX="4713" custLinFactNeighborY="-23768">
+    <dgm:pt modelId="{7E483E25-A0FA-427F-B79D-BD33F7F379AD}" type="pres">
+      <dgm:prSet presAssocID="{0588E26D-49BA-364B-88C9-92927B82B759}" presName="textBox4c" presStyleLbl="revTx" presStyleIdx="2" presStyleCnt="4" custScaleY="43629" custLinFactNeighborX="-36320" custLinFactNeighborY="-7687">
         <dgm:presLayoutVars>
           <dgm:bulletEnabled val="1"/>
         </dgm:presLayoutVars>
       </dgm:prSet>
       <dgm:spPr/>
     </dgm:pt>
-    <dgm:pt modelId="{87454C78-9689-E84D-8595-5170D4BD45A6}" type="pres">
-      <dgm:prSet presAssocID="{D9E71C9F-DF55-2D4B-B65C-C26BEE1F6A9F}" presName="bullet4d" presStyleLbl="node1" presStyleIdx="3" presStyleCnt="4" custLinFactNeighborX="2299" custLinFactNeighborY="-2334"/>
+    <dgm:pt modelId="{62706E0A-845A-4DD6-9EDC-FAF3C0D59997}" type="pres">
+      <dgm:prSet presAssocID="{D9E71C9F-DF55-2D4B-B65C-C26BEE1F6A9F}" presName="bullet4d" presStyleLbl="node1" presStyleIdx="3" presStyleCnt="4" custLinFactNeighborX="29773" custLinFactNeighborY="12067"/>
       <dgm:spPr/>
     </dgm:pt>
-    <dgm:pt modelId="{461CDDB3-06DC-844C-9436-0607B3F3962E}" type="pres">
-      <dgm:prSet presAssocID="{D9E71C9F-DF55-2D4B-B65C-C26BEE1F6A9F}" presName="textBox4d" presStyleLbl="revTx" presStyleIdx="3" presStyleCnt="4" custScaleY="22689" custLinFactNeighborX="-12587" custLinFactNeighborY="-22943">
+    <dgm:pt modelId="{78B6F305-C13A-49CC-801E-4DBF74D5C8EC}" type="pres">
+      <dgm:prSet presAssocID="{D9E71C9F-DF55-2D4B-B65C-C26BEE1F6A9F}" presName="textBox4d" presStyleLbl="revTx" presStyleIdx="3" presStyleCnt="4" custScaleX="88516" custScaleY="36930" custLinFactNeighborX="-35117" custLinFactNeighborY="-70673">
         <dgm:presLayoutVars>
           <dgm:bulletEnabled val="1"/>
         </dgm:presLayoutVars>
@@ -5246,25 +5504,39 @@
     </dgm:pt>
   </dgm:ptLst>
   <dgm:cxnLst>
-    <dgm:cxn modelId="{50155228-6340-8744-B81B-AD47DBC5D5A9}" type="presOf" srcId="{3920610D-F669-004B-A8E7-7EDF14E7F099}" destId="{7C25F59D-CD0F-8A4D-B84B-B844AD74BC24}" srcOrd="0" destOrd="0" presId="urn:microsoft.com/office/officeart/2005/8/layout/arrow2"/>
-    <dgm:cxn modelId="{7E4D3939-637F-7541-8318-CE75E2BD273E}" type="presOf" srcId="{D9E71C9F-DF55-2D4B-B65C-C26BEE1F6A9F}" destId="{461CDDB3-06DC-844C-9436-0607B3F3962E}" srcOrd="0" destOrd="0" presId="urn:microsoft.com/office/officeart/2005/8/layout/arrow2"/>
+    <dgm:cxn modelId="{A4BCE70B-99F9-4E97-91FD-58BF8B969006}" srcId="{3920610D-F669-004B-A8E7-7EDF14E7F099}" destId="{3BB6DF8A-4F9E-4CE4-95D5-895CAA814F16}" srcOrd="0" destOrd="0" parTransId="{191978C6-B065-4D25-ABC7-A383E32919D9}" sibTransId="{3BA2BDF0-0800-4269-A737-1A61E7617038}"/>
+    <dgm:cxn modelId="{BDF21912-568E-4D7A-A2B0-4382F8000262}" srcId="{D9E71C9F-DF55-2D4B-B65C-C26BEE1F6A9F}" destId="{BEF805C8-797B-435F-9494-BDF57937BBFC}" srcOrd="1" destOrd="0" parTransId="{8E8FEB5D-02C4-4F25-A19D-8CAB0C3CFF38}" sibTransId="{5090C502-77C4-4215-B625-1A7940938F6A}"/>
+    <dgm:cxn modelId="{A17ECE14-2B32-413C-A7E6-B22134CDC8AE}" type="presOf" srcId="{2D27DBAF-40E9-8C41-8BD7-16CA628A7C14}" destId="{AACC0C2A-D2C6-46B9-82A5-8F751C6F080A}" srcOrd="0" destOrd="0" presId="urn:microsoft.com/office/officeart/2005/8/layout/arrow2"/>
+    <dgm:cxn modelId="{B6E0E42C-264D-4B4D-9E4A-35595A076A70}" type="presOf" srcId="{0588E26D-49BA-364B-88C9-92927B82B759}" destId="{7E483E25-A0FA-427F-B79D-BD33F7F379AD}" srcOrd="0" destOrd="0" presId="urn:microsoft.com/office/officeart/2005/8/layout/arrow2"/>
+    <dgm:cxn modelId="{B283303E-D768-47C9-B98E-D65ADCCC9B94}" srcId="{2D27DBAF-40E9-8C41-8BD7-16CA628A7C14}" destId="{E85B7A2C-B7CD-4974-BDE4-E08F0FC268F3}" srcOrd="0" destOrd="0" parTransId="{6D9C61C0-02E8-4F35-9EA7-938EF96B83C9}" sibTransId="{73C4383D-5E5A-447E-ACE8-528B30BA4109}"/>
     <dgm:cxn modelId="{459BF040-78D0-F94D-8AF3-67C1DFA050C6}" srcId="{7D0EAC32-30A1-384B-9B3D-AF50728CC517}" destId="{2D27DBAF-40E9-8C41-8BD7-16CA628A7C14}" srcOrd="1" destOrd="0" parTransId="{C23CA803-CE7D-0B40-BDBD-635D63C27FB6}" sibTransId="{778FCAD3-F088-8B4B-B84D-B1465A81F55A}"/>
-    <dgm:cxn modelId="{718A2657-6CB4-AB45-848D-1F5F0B49B3BF}" type="presOf" srcId="{0588E26D-49BA-364B-88C9-92927B82B759}" destId="{B7733AEF-B4F3-D24F-AEB2-19A39F5135CE}" srcOrd="0" destOrd="0" presId="urn:microsoft.com/office/officeart/2005/8/layout/arrow2"/>
+    <dgm:cxn modelId="{6B673B4B-8408-46C7-8E5D-F6BEB4BAAC4F}" srcId="{D9E71C9F-DF55-2D4B-B65C-C26BEE1F6A9F}" destId="{9BE0F4D7-C35D-478E-B308-4D557796EBE0}" srcOrd="0" destOrd="0" parTransId="{98CF3596-DFDF-4CDE-9E5E-A38234178DCB}" sibTransId="{D90D20C4-0F32-4E17-8C06-985B75078D10}"/>
     <dgm:cxn modelId="{766FF657-415D-5E4B-956C-1A3630BCB6AC}" type="presOf" srcId="{7D0EAC32-30A1-384B-9B3D-AF50728CC517}" destId="{B3138E1A-9101-C246-913E-452A70B195BD}" srcOrd="0" destOrd="0" presId="urn:microsoft.com/office/officeart/2005/8/layout/arrow2"/>
+    <dgm:cxn modelId="{F378D259-67BD-4A25-831C-F7163BD0E67E}" type="presOf" srcId="{D9E71C9F-DF55-2D4B-B65C-C26BEE1F6A9F}" destId="{78B6F305-C13A-49CC-801E-4DBF74D5C8EC}" srcOrd="0" destOrd="0" presId="urn:microsoft.com/office/officeart/2005/8/layout/arrow2"/>
     <dgm:cxn modelId="{BDC69985-5766-3B45-9BC3-C8CFDC890501}" srcId="{7D0EAC32-30A1-384B-9B3D-AF50728CC517}" destId="{3920610D-F669-004B-A8E7-7EDF14E7F099}" srcOrd="0" destOrd="0" parTransId="{BED55FFF-6785-214C-92FA-ADC42A3EA4AF}" sibTransId="{65972964-B32E-C14D-9B0F-7C0F5E983FF6}"/>
     <dgm:cxn modelId="{30C13F8C-DEC7-454A-A25B-94DCC6ABF41F}" srcId="{7D0EAC32-30A1-384B-9B3D-AF50728CC517}" destId="{D9E71C9F-DF55-2D4B-B65C-C26BEE1F6A9F}" srcOrd="3" destOrd="0" parTransId="{FF9B6EBE-BAC9-9B4E-918E-F84C620E2A37}" sibTransId="{69C9B997-4854-A04E-88D3-05AE046D22B4}"/>
-    <dgm:cxn modelId="{1EB100B6-6FBC-C447-AA22-B40702A14549}" type="presOf" srcId="{2D27DBAF-40E9-8C41-8BD7-16CA628A7C14}" destId="{A20F1BE8-4DEB-FF41-8207-4D5FCF74D062}" srcOrd="0" destOrd="0" presId="urn:microsoft.com/office/officeart/2005/8/layout/arrow2"/>
+    <dgm:cxn modelId="{813BDB90-4B63-4952-AE97-161D767896E3}" type="presOf" srcId="{E85B7A2C-B7CD-4974-BDE4-E08F0FC268F3}" destId="{AACC0C2A-D2C6-46B9-82A5-8F751C6F080A}" srcOrd="0" destOrd="1" presId="urn:microsoft.com/office/officeart/2005/8/layout/arrow2"/>
+    <dgm:cxn modelId="{362AB29F-18AA-4B0C-8F93-89F866EC2C8E}" type="presOf" srcId="{3920610D-F669-004B-A8E7-7EDF14E7F099}" destId="{1F9B9BD1-810F-4A0E-81DA-B83E6825177F}" srcOrd="0" destOrd="0" presId="urn:microsoft.com/office/officeart/2005/8/layout/arrow2"/>
+    <dgm:cxn modelId="{A43A66B2-CADE-4B32-B624-E0272D1DFB72}" type="presOf" srcId="{E05ECADB-C6F3-4B6D-ACB9-471AA30177CE}" destId="{7E483E25-A0FA-427F-B79D-BD33F7F379AD}" srcOrd="0" destOrd="1" presId="urn:microsoft.com/office/officeart/2005/8/layout/arrow2"/>
+    <dgm:cxn modelId="{DFEACBBA-E12D-4573-BFFA-23206FE8994B}" srcId="{2D27DBAF-40E9-8C41-8BD7-16CA628A7C14}" destId="{1F78EABB-CBDE-48BC-AC3D-3850444476BB}" srcOrd="1" destOrd="0" parTransId="{B8B926D6-F0C2-47F3-A82C-45BE6D20B376}" sibTransId="{509A9FAF-128A-4EB8-A73A-91E8D5F292A0}"/>
+    <dgm:cxn modelId="{99CE7AC2-D343-481C-B27A-A4C007230B0F}" type="presOf" srcId="{1F78EABB-CBDE-48BC-AC3D-3850444476BB}" destId="{AACC0C2A-D2C6-46B9-82A5-8F751C6F080A}" srcOrd="0" destOrd="2" presId="urn:microsoft.com/office/officeart/2005/8/layout/arrow2"/>
+    <dgm:cxn modelId="{52172ADA-6C24-4767-A726-26F30E017929}" type="presOf" srcId="{77DC4DBD-6BFC-47B5-BCEF-9A41B08F4DA1}" destId="{1F9B9BD1-810F-4A0E-81DA-B83E6825177F}" srcOrd="0" destOrd="2" presId="urn:microsoft.com/office/officeart/2005/8/layout/arrow2"/>
     <dgm:cxn modelId="{14B1BCDA-ABEC-7847-A733-1A0B58830A48}" srcId="{7D0EAC32-30A1-384B-9B3D-AF50728CC517}" destId="{0588E26D-49BA-364B-88C9-92927B82B759}" srcOrd="2" destOrd="0" parTransId="{C68873AD-5A45-C246-BFD8-4F6CA463DA9C}" sibTransId="{3157AFAF-F018-7E4F-94AF-3A3328060E87}"/>
+    <dgm:cxn modelId="{199B7DDC-6C5D-47A6-A62B-39C10DDCDBBD}" type="presOf" srcId="{3BB6DF8A-4F9E-4CE4-95D5-895CAA814F16}" destId="{1F9B9BD1-810F-4A0E-81DA-B83E6825177F}" srcOrd="0" destOrd="1" presId="urn:microsoft.com/office/officeart/2005/8/layout/arrow2"/>
+    <dgm:cxn modelId="{63A76BE7-B83C-4EDB-B91A-702945EC2DDD}" srcId="{0588E26D-49BA-364B-88C9-92927B82B759}" destId="{E05ECADB-C6F3-4B6D-ACB9-471AA30177CE}" srcOrd="0" destOrd="0" parTransId="{294AD298-C46D-48A7-AE91-C6F87379CACD}" sibTransId="{B2C88E68-F11B-4D41-BDAC-5DF51669DBB7}"/>
+    <dgm:cxn modelId="{E89943EA-2857-4E24-B10A-912B21C21A4F}" type="presOf" srcId="{BEF805C8-797B-435F-9494-BDF57937BBFC}" destId="{78B6F305-C13A-49CC-801E-4DBF74D5C8EC}" srcOrd="0" destOrd="2" presId="urn:microsoft.com/office/officeart/2005/8/layout/arrow2"/>
+    <dgm:cxn modelId="{DC20DAF0-A028-4030-B608-60DB04D18B5C}" srcId="{3920610D-F669-004B-A8E7-7EDF14E7F099}" destId="{77DC4DBD-6BFC-47B5-BCEF-9A41B08F4DA1}" srcOrd="1" destOrd="0" parTransId="{7E6E05A2-3386-49F0-8C2E-535504F8C65C}" sibTransId="{D330C54B-6DC5-4725-90CA-6F4112FFF2D0}"/>
+    <dgm:cxn modelId="{213696F8-DAA0-4C07-A950-61285416B153}" type="presOf" srcId="{9BE0F4D7-C35D-478E-B308-4D557796EBE0}" destId="{78B6F305-C13A-49CC-801E-4DBF74D5C8EC}" srcOrd="0" destOrd="1" presId="urn:microsoft.com/office/officeart/2005/8/layout/arrow2"/>
     <dgm:cxn modelId="{967658DA-84CE-D944-AE7C-DD0498D184B5}" type="presParOf" srcId="{B3138E1A-9101-C246-913E-452A70B195BD}" destId="{BA492A3F-F264-464F-B8C2-D9533D26D47C}" srcOrd="0" destOrd="0" presId="urn:microsoft.com/office/officeart/2005/8/layout/arrow2"/>
-    <dgm:cxn modelId="{9E27F5F2-9FE8-4A4B-AF78-44B2D7B898AE}" type="presParOf" srcId="{B3138E1A-9101-C246-913E-452A70B195BD}" destId="{075743BE-8F31-174D-A680-5D0FBAF1C248}" srcOrd="1" destOrd="0" presId="urn:microsoft.com/office/officeart/2005/8/layout/arrow2"/>
-    <dgm:cxn modelId="{C2B7E7C4-3D2E-914D-BBDF-11B186714602}" type="presParOf" srcId="{075743BE-8F31-174D-A680-5D0FBAF1C248}" destId="{8A729C39-CC28-D442-A977-8F8299CA512C}" srcOrd="0" destOrd="0" presId="urn:microsoft.com/office/officeart/2005/8/layout/arrow2"/>
-    <dgm:cxn modelId="{34562CD7-698E-3B49-81D9-D52F306FC0F9}" type="presParOf" srcId="{075743BE-8F31-174D-A680-5D0FBAF1C248}" destId="{7C25F59D-CD0F-8A4D-B84B-B844AD74BC24}" srcOrd="1" destOrd="0" presId="urn:microsoft.com/office/officeart/2005/8/layout/arrow2"/>
-    <dgm:cxn modelId="{2096F9F8-9FDD-3343-A757-49A06D84631C}" type="presParOf" srcId="{075743BE-8F31-174D-A680-5D0FBAF1C248}" destId="{3DD9F795-D624-6044-9B0E-26E7BEF73AE1}" srcOrd="2" destOrd="0" presId="urn:microsoft.com/office/officeart/2005/8/layout/arrow2"/>
-    <dgm:cxn modelId="{06623564-5C14-A74A-9CBF-35596D31E0A3}" type="presParOf" srcId="{075743BE-8F31-174D-A680-5D0FBAF1C248}" destId="{A20F1BE8-4DEB-FF41-8207-4D5FCF74D062}" srcOrd="3" destOrd="0" presId="urn:microsoft.com/office/officeart/2005/8/layout/arrow2"/>
-    <dgm:cxn modelId="{AC8A5EE2-35A6-2449-9A4B-5C7D1B48720E}" type="presParOf" srcId="{075743BE-8F31-174D-A680-5D0FBAF1C248}" destId="{8099B090-9C31-9C44-AA24-A80508A50CE7}" srcOrd="4" destOrd="0" presId="urn:microsoft.com/office/officeart/2005/8/layout/arrow2"/>
-    <dgm:cxn modelId="{AC0BB6E6-89AC-A847-B026-FC32BCFDD6E1}" type="presParOf" srcId="{075743BE-8F31-174D-A680-5D0FBAF1C248}" destId="{B7733AEF-B4F3-D24F-AEB2-19A39F5135CE}" srcOrd="5" destOrd="0" presId="urn:microsoft.com/office/officeart/2005/8/layout/arrow2"/>
-    <dgm:cxn modelId="{67D27628-E095-6D40-A109-D142497794A3}" type="presParOf" srcId="{075743BE-8F31-174D-A680-5D0FBAF1C248}" destId="{87454C78-9689-E84D-8595-5170D4BD45A6}" srcOrd="6" destOrd="0" presId="urn:microsoft.com/office/officeart/2005/8/layout/arrow2"/>
-    <dgm:cxn modelId="{2449032B-175B-314E-A3F2-4162ACFDFDED}" type="presParOf" srcId="{075743BE-8F31-174D-A680-5D0FBAF1C248}" destId="{461CDDB3-06DC-844C-9436-0607B3F3962E}" srcOrd="7" destOrd="0" presId="urn:microsoft.com/office/officeart/2005/8/layout/arrow2"/>
+    <dgm:cxn modelId="{F011BEA5-B3EE-4FDF-96AE-21BF0C58DD72}" type="presParOf" srcId="{B3138E1A-9101-C246-913E-452A70B195BD}" destId="{60520B11-D9CE-48C7-A1DF-71D5A4DF8F24}" srcOrd="1" destOrd="0" presId="urn:microsoft.com/office/officeart/2005/8/layout/arrow2"/>
+    <dgm:cxn modelId="{08DE1BF1-2B4C-4B15-8B8F-7CD0F3253CDF}" type="presParOf" srcId="{60520B11-D9CE-48C7-A1DF-71D5A4DF8F24}" destId="{4A91F16D-623F-4753-8C42-F47A5622C033}" srcOrd="0" destOrd="0" presId="urn:microsoft.com/office/officeart/2005/8/layout/arrow2"/>
+    <dgm:cxn modelId="{131B10CD-CB0B-4E58-BD01-4729CFEAEFBC}" type="presParOf" srcId="{60520B11-D9CE-48C7-A1DF-71D5A4DF8F24}" destId="{1F9B9BD1-810F-4A0E-81DA-B83E6825177F}" srcOrd="1" destOrd="0" presId="urn:microsoft.com/office/officeart/2005/8/layout/arrow2"/>
+    <dgm:cxn modelId="{BE733122-51A6-45B7-B903-D14D60790DD8}" type="presParOf" srcId="{60520B11-D9CE-48C7-A1DF-71D5A4DF8F24}" destId="{E82CC8AB-E391-4342-80DC-26820BBEE160}" srcOrd="2" destOrd="0" presId="urn:microsoft.com/office/officeart/2005/8/layout/arrow2"/>
+    <dgm:cxn modelId="{24132F3B-7A44-4E13-B320-75F4939BECE1}" type="presParOf" srcId="{60520B11-D9CE-48C7-A1DF-71D5A4DF8F24}" destId="{AACC0C2A-D2C6-46B9-82A5-8F751C6F080A}" srcOrd="3" destOrd="0" presId="urn:microsoft.com/office/officeart/2005/8/layout/arrow2"/>
+    <dgm:cxn modelId="{FF2999F8-C350-451E-AC4E-C36E2A65FDCC}" type="presParOf" srcId="{60520B11-D9CE-48C7-A1DF-71D5A4DF8F24}" destId="{F71A0586-59AF-4C3A-B75F-B9BB278ABBE2}" srcOrd="4" destOrd="0" presId="urn:microsoft.com/office/officeart/2005/8/layout/arrow2"/>
+    <dgm:cxn modelId="{08623AB3-9E3E-4655-B5C3-EDDC5A978274}" type="presParOf" srcId="{60520B11-D9CE-48C7-A1DF-71D5A4DF8F24}" destId="{7E483E25-A0FA-427F-B79D-BD33F7F379AD}" srcOrd="5" destOrd="0" presId="urn:microsoft.com/office/officeart/2005/8/layout/arrow2"/>
+    <dgm:cxn modelId="{1D1690C4-8BA4-451B-BFFF-675DCC626FDA}" type="presParOf" srcId="{60520B11-D9CE-48C7-A1DF-71D5A4DF8F24}" destId="{62706E0A-845A-4DD6-9EDC-FAF3C0D59997}" srcOrd="6" destOrd="0" presId="urn:microsoft.com/office/officeart/2005/8/layout/arrow2"/>
+    <dgm:cxn modelId="{3D9283D7-EEAF-43A2-88AA-4E0B19FFAC41}" type="presParOf" srcId="{60520B11-D9CE-48C7-A1DF-71D5A4DF8F24}" destId="{78B6F305-C13A-49CC-801E-4DBF74D5C8EC}" srcOrd="7" destOrd="0" presId="urn:microsoft.com/office/officeart/2005/8/layout/arrow2"/>
   </dgm:cxnLst>
   <dgm:bg/>
   <dgm:whole/>
@@ -6182,9 +6454,9 @@
         <dsp:cNvSpPr/>
       </dsp:nvSpPr>
       <dsp:spPr>
-        <a:xfrm>
-          <a:off x="0" y="143139"/>
-          <a:ext cx="6375400" cy="3984625"/>
+        <a:xfrm rot="192725">
+          <a:off x="1672425" y="0"/>
+          <a:ext cx="8117427" cy="4812050"/>
         </a:xfrm>
         <a:prstGeom prst="swooshArrow">
           <a:avLst>
@@ -6219,15 +6491,15 @@
         <a:fontRef idx="minor"/>
       </dsp:style>
     </dsp:sp>
-    <dsp:sp modelId="{8A729C39-CC28-D442-A977-8F8299CA512C}">
+    <dsp:sp modelId="{4A91F16D-623F-4753-8C42-F47A5622C033}">
       <dsp:nvSpPr>
         <dsp:cNvPr id="0" name=""/>
         <dsp:cNvSpPr/>
       </dsp:nvSpPr>
       <dsp:spPr>
         <a:xfrm>
-          <a:off x="627976" y="3106106"/>
-          <a:ext cx="146634" cy="146634"/>
+          <a:off x="2362200" y="3440449"/>
+          <a:ext cx="177083" cy="177083"/>
         </a:xfrm>
         <a:prstGeom prst="ellipse">
           <a:avLst/>
@@ -6269,15 +6541,15 @@
         </a:fontRef>
       </dsp:style>
     </dsp:sp>
-    <dsp:sp modelId="{7C25F59D-CD0F-8A4D-B84B-B844AD74BC24}">
+    <dsp:sp modelId="{1F9B9BD1-810F-4A0E-81DA-B83E6825177F}">
       <dsp:nvSpPr>
         <dsp:cNvPr id="0" name=""/>
         <dsp:cNvSpPr/>
       </dsp:nvSpPr>
       <dsp:spPr>
         <a:xfrm>
-          <a:off x="780518" y="3322563"/>
-          <a:ext cx="1090193" cy="948340"/>
+          <a:off x="2514594" y="3666782"/>
+          <a:ext cx="1316576" cy="1145267"/>
         </a:xfrm>
         <a:prstGeom prst="rect">
           <a:avLst/>
@@ -6301,12 +6573,12 @@
         <a:fontRef idx="minor"/>
       </dsp:style>
       <dsp:txBody>
-        <a:bodyPr spcFirstLastPara="0" vert="horz" wrap="square" lIns="77698" tIns="0" rIns="0" bIns="0" numCol="1" spcCol="1270" anchor="t" anchorCtr="0">
+        <a:bodyPr spcFirstLastPara="0" vert="horz" wrap="square" lIns="93833" tIns="0" rIns="0" bIns="0" numCol="1" spcCol="1270" anchor="t" anchorCtr="0">
           <a:noAutofit/>
         </a:bodyPr>
         <a:lstStyle/>
         <a:p>
-          <a:pPr marL="0" lvl="0" indent="0" algn="l" defTabSz="444500">
+          <a:pPr marL="0" lvl="0" indent="0" algn="l" defTabSz="533400">
             <a:lnSpc>
               <a:spcPct val="90000"/>
             </a:lnSpc>
@@ -6319,29 +6591,73 @@
             <a:buNone/>
           </a:pPr>
           <a:r>
-            <a:rPr lang="en-US" sz="1000" kern="1200" dirty="0">
+            <a:rPr lang="en-US" sz="1200" kern="1200" dirty="0">
               <a:solidFill>
                 <a:schemeClr val="bg2"/>
               </a:solidFill>
             </a:rPr>
-            <a:t>Phase 1: Preparation and Listing </a:t>
+            <a:t>Phase 1: Preparation and Listing</a:t>
+          </a:r>
+        </a:p>
+        <a:p>
+          <a:pPr marL="57150" lvl="1" indent="-57150" algn="l" defTabSz="400050">
+            <a:lnSpc>
+              <a:spcPct val="90000"/>
+            </a:lnSpc>
+            <a:spcBef>
+              <a:spcPct val="0"/>
+            </a:spcBef>
+            <a:spcAft>
+              <a:spcPct val="15000"/>
+            </a:spcAft>
+            <a:buChar char="•"/>
+          </a:pPr>
+          <a:r>
+            <a:rPr lang="en-US" sz="900" kern="1200" dirty="0">
+              <a:solidFill>
+                <a:schemeClr val="bg2"/>
+              </a:solidFill>
+            </a:rPr>
+            <a:t>Identify &amp; Prepare Properties for Conversion</a:t>
+          </a:r>
+        </a:p>
+        <a:p>
+          <a:pPr marL="57150" lvl="1" indent="-57150" algn="l" defTabSz="400050">
+            <a:lnSpc>
+              <a:spcPct val="90000"/>
+            </a:lnSpc>
+            <a:spcBef>
+              <a:spcPct val="0"/>
+            </a:spcBef>
+            <a:spcAft>
+              <a:spcPct val="15000"/>
+            </a:spcAft>
+            <a:buChar char="•"/>
+          </a:pPr>
+          <a:r>
+            <a:rPr lang="en-US" sz="900" kern="1200" dirty="0">
+              <a:solidFill>
+                <a:schemeClr val="bg2"/>
+              </a:solidFill>
+            </a:rPr>
+            <a:t>Begin Listing </a:t>
           </a:r>
         </a:p>
       </dsp:txBody>
       <dsp:txXfrm>
-        <a:off x="780518" y="3322563"/>
-        <a:ext cx="1090193" cy="948340"/>
+        <a:off x="2514594" y="3666782"/>
+        <a:ext cx="1316576" cy="1145267"/>
       </dsp:txXfrm>
     </dsp:sp>
-    <dsp:sp modelId="{3DD9F795-D624-6044-9B0E-26E7BEF73AE1}">
+    <dsp:sp modelId="{E82CC8AB-E391-4342-80DC-26820BBEE160}">
       <dsp:nvSpPr>
         <dsp:cNvPr id="0" name=""/>
         <dsp:cNvSpPr/>
       </dsp:nvSpPr>
       <dsp:spPr>
         <a:xfrm>
-          <a:off x="1771121" y="2135453"/>
-          <a:ext cx="255016" cy="255016"/>
+          <a:off x="3505200" y="2522880"/>
+          <a:ext cx="307971" cy="307971"/>
         </a:xfrm>
         <a:prstGeom prst="ellipse">
           <a:avLst/>
@@ -6383,15 +6699,15 @@
         </a:fontRef>
       </dsp:style>
     </dsp:sp>
-    <dsp:sp modelId="{A20F1BE8-4DEB-FF41-8207-4D5FCF74D062}">
+    <dsp:sp modelId="{AACC0C2A-D2C6-46B9-82A5-8F751C6F080A}">
       <dsp:nvSpPr>
         <dsp:cNvPr id="0" name=""/>
         <dsp:cNvSpPr/>
       </dsp:nvSpPr>
       <dsp:spPr>
         <a:xfrm>
-          <a:off x="1999716" y="2481704"/>
-          <a:ext cx="2013981" cy="547912"/>
+          <a:off x="2683650" y="1306860"/>
+          <a:ext cx="1431153" cy="979900"/>
         </a:xfrm>
         <a:prstGeom prst="rect">
           <a:avLst/>
@@ -6415,12 +6731,12 @@
         <a:fontRef idx="minor"/>
       </dsp:style>
       <dsp:txBody>
-        <a:bodyPr spcFirstLastPara="0" vert="horz" wrap="square" lIns="135128" tIns="0" rIns="0" bIns="0" numCol="1" spcCol="1270" anchor="t" anchorCtr="0">
+        <a:bodyPr spcFirstLastPara="0" vert="horz" wrap="square" lIns="163188" tIns="0" rIns="0" bIns="0" numCol="1" spcCol="1270" anchor="t" anchorCtr="0">
           <a:noAutofit/>
         </a:bodyPr>
         <a:lstStyle/>
         <a:p>
-          <a:pPr marL="0" lvl="0" indent="0" algn="l" defTabSz="444500">
+          <a:pPr marL="0" lvl="0" indent="0" algn="l" defTabSz="533400">
             <a:lnSpc>
               <a:spcPct val="90000"/>
             </a:lnSpc>
@@ -6433,7 +6749,7 @@
             <a:buNone/>
           </a:pPr>
           <a:r>
-            <a:rPr lang="en-US" sz="1000" kern="1200" dirty="0">
+            <a:rPr lang="en-US" sz="1200" kern="1200" dirty="0">
               <a:solidFill>
                 <a:schemeClr val="bg2"/>
               </a:solidFill>
@@ -6442,7 +6758,7 @@
           </a:r>
         </a:p>
         <a:p>
-          <a:pPr marL="0" lvl="0" indent="0" algn="l" defTabSz="444500">
+          <a:pPr marL="0" lvl="0" indent="0" algn="l" defTabSz="533400">
             <a:lnSpc>
               <a:spcPct val="90000"/>
             </a:lnSpc>
@@ -6455,16 +6771,16 @@
             <a:buNone/>
           </a:pPr>
           <a:r>
-            <a:rPr lang="en-US" sz="1000" kern="1200" dirty="0">
+            <a:rPr lang="en-US" sz="1200" kern="1200" dirty="0">
               <a:solidFill>
                 <a:schemeClr val="bg2"/>
               </a:solidFill>
             </a:rPr>
-            <a:t>Further </a:t>
+            <a:t>Further Analysis </a:t>
           </a:r>
         </a:p>
         <a:p>
-          <a:pPr marL="0" lvl="0" indent="0" algn="l" defTabSz="444500">
+          <a:pPr marL="57150" lvl="1" indent="-57150" algn="l" defTabSz="400050">
             <a:lnSpc>
               <a:spcPct val="90000"/>
             </a:lnSpc>
@@ -6472,38 +6788,56 @@
               <a:spcPct val="0"/>
             </a:spcBef>
             <a:spcAft>
-              <a:spcPct val="35000"/>
+              <a:spcPct val="15000"/>
             </a:spcAft>
-            <a:buNone/>
+            <a:buChar char="•"/>
           </a:pPr>
           <a:r>
-            <a:rPr lang="en-US" sz="1000" kern="1200" dirty="0">
+            <a:rPr lang="en-US" sz="900" kern="1200" dirty="0">
               <a:solidFill>
                 <a:schemeClr val="bg2"/>
               </a:solidFill>
             </a:rPr>
-            <a:t>Analysis</a:t>
+            <a:t>Data Gathering </a:t>
           </a:r>
+        </a:p>
+        <a:p>
+          <a:pPr marL="57150" lvl="1" indent="-57150" algn="l" defTabSz="400050">
+            <a:lnSpc>
+              <a:spcPct val="90000"/>
+            </a:lnSpc>
+            <a:spcBef>
+              <a:spcPct val="0"/>
+            </a:spcBef>
+            <a:spcAft>
+              <a:spcPct val="15000"/>
+            </a:spcAft>
+            <a:buChar char="•"/>
+          </a:pPr>
           <a:r>
-            <a:rPr lang="en-US" sz="1000" kern="1200" dirty="0"/>
-            <a:t> </a:t>
+            <a:rPr lang="en-US" sz="900" kern="1200" dirty="0">
+              <a:solidFill>
+                <a:schemeClr val="bg2"/>
+              </a:solidFill>
+            </a:rPr>
+            <a:t>Further Model Testing  &amp; Market Analysis</a:t>
           </a:r>
         </a:p>
       </dsp:txBody>
       <dsp:txXfrm>
-        <a:off x="1999716" y="2481704"/>
-        <a:ext cx="2013981" cy="547912"/>
+        <a:off x="2683650" y="1306860"/>
+        <a:ext cx="1431153" cy="979900"/>
       </dsp:txXfrm>
     </dsp:sp>
-    <dsp:sp modelId="{8099B090-9C31-9C44-AA24-A80508A50CE7}">
+    <dsp:sp modelId="{F71A0586-59AF-4C3A-B75F-B9BB278ABBE2}">
       <dsp:nvSpPr>
         <dsp:cNvPr id="0" name=""/>
         <dsp:cNvSpPr/>
       </dsp:nvSpPr>
       <dsp:spPr>
         <a:xfrm>
-          <a:off x="2989503" y="1491097"/>
-          <a:ext cx="337896" cy="337896"/>
+          <a:off x="5257799" y="1764050"/>
+          <a:ext cx="408061" cy="408061"/>
         </a:xfrm>
         <a:prstGeom prst="ellipse">
           <a:avLst/>
@@ -6545,15 +6879,15 @@
         </a:fontRef>
       </dsp:style>
     </dsp:sp>
-    <dsp:sp modelId="{B7733AEF-B4F3-D24F-AEB2-19A39F5135CE}">
+    <dsp:sp modelId="{7E483E25-A0FA-427F-B79D-BD33F7F379AD}">
       <dsp:nvSpPr>
         <dsp:cNvPr id="0" name=""/>
         <dsp:cNvSpPr/>
       </dsp:nvSpPr>
       <dsp:spPr>
         <a:xfrm>
-          <a:off x="3218922" y="1964053"/>
-          <a:ext cx="1338834" cy="694350"/>
+          <a:off x="5105403" y="2447797"/>
+          <a:ext cx="1616848" cy="1297459"/>
         </a:xfrm>
         <a:prstGeom prst="rect">
           <a:avLst/>
@@ -6577,12 +6911,12 @@
         <a:fontRef idx="minor"/>
       </dsp:style>
       <dsp:txBody>
-        <a:bodyPr spcFirstLastPara="0" vert="horz" wrap="square" lIns="179044" tIns="0" rIns="0" bIns="0" numCol="1" spcCol="1270" anchor="t" anchorCtr="0">
+        <a:bodyPr spcFirstLastPara="0" vert="horz" wrap="square" lIns="216224" tIns="0" rIns="0" bIns="0" numCol="1" spcCol="1270" anchor="t" anchorCtr="0">
           <a:noAutofit/>
         </a:bodyPr>
         <a:lstStyle/>
         <a:p>
-          <a:pPr marL="0" lvl="0" indent="0" algn="l" defTabSz="444500">
+          <a:pPr marL="0" lvl="0" indent="0" algn="l" defTabSz="533400">
             <a:lnSpc>
               <a:spcPct val="90000"/>
             </a:lnSpc>
@@ -6595,7 +6929,7 @@
             <a:buNone/>
           </a:pPr>
           <a:r>
-            <a:rPr lang="en-US" sz="1000" kern="1200" dirty="0">
+            <a:rPr lang="en-US" sz="1200" kern="1200" dirty="0">
               <a:solidFill>
                 <a:schemeClr val="bg2"/>
               </a:solidFill>
@@ -6604,7 +6938,7 @@
           </a:r>
         </a:p>
         <a:p>
-          <a:pPr marL="0" lvl="0" indent="0" algn="l" defTabSz="444500">
+          <a:pPr marL="0" lvl="0" indent="0" algn="l" defTabSz="533400">
             <a:lnSpc>
               <a:spcPct val="90000"/>
             </a:lnSpc>
@@ -6617,33 +6951,51 @@
             <a:buNone/>
           </a:pPr>
           <a:r>
-            <a:rPr lang="en-US" sz="1000" kern="1200" dirty="0">
+            <a:rPr lang="en-US" sz="1200" kern="1200" dirty="0">
               <a:solidFill>
                 <a:schemeClr val="bg2"/>
               </a:solidFill>
             </a:rPr>
-            <a:t>Marketing Boost</a:t>
+            <a:t>Deploy Marketing Boosts</a:t>
           </a:r>
+        </a:p>
+        <a:p>
+          <a:pPr marL="57150" lvl="1" indent="-57150" algn="l" defTabSz="400050">
+            <a:lnSpc>
+              <a:spcPct val="90000"/>
+            </a:lnSpc>
+            <a:spcBef>
+              <a:spcPct val="0"/>
+            </a:spcBef>
+            <a:spcAft>
+              <a:spcPct val="15000"/>
+            </a:spcAft>
+            <a:buChar char="•"/>
+          </a:pPr>
           <a:r>
-            <a:rPr lang="en-US" sz="1000" kern="1200" dirty="0"/>
-            <a:t> </a:t>
+            <a:rPr lang="en-US" sz="900" kern="1200" dirty="0">
+              <a:solidFill>
+                <a:schemeClr val="bg2"/>
+              </a:solidFill>
+            </a:rPr>
+            <a:t>Coupons, Discounts, Loyalties</a:t>
           </a:r>
         </a:p>
       </dsp:txBody>
       <dsp:txXfrm>
-        <a:off x="3218922" y="1964053"/>
-        <a:ext cx="1338834" cy="694350"/>
+        <a:off x="5105403" y="2447797"/>
+        <a:ext cx="1616848" cy="1297459"/>
       </dsp:txXfrm>
     </dsp:sp>
-    <dsp:sp modelId="{87454C78-9689-E84D-8595-5170D4BD45A6}">
+    <dsp:sp modelId="{62706E0A-845A-4DD6-9EDC-FAF3C0D59997}">
       <dsp:nvSpPr>
         <dsp:cNvPr id="0" name=""/>
         <dsp:cNvSpPr/>
       </dsp:nvSpPr>
       <dsp:spPr>
         <a:xfrm>
-          <a:off x="4438121" y="1033896"/>
-          <a:ext cx="452653" cy="452653"/>
+          <a:off x="7391402" y="1154449"/>
+          <a:ext cx="546648" cy="546648"/>
         </a:xfrm>
         <a:prstGeom prst="ellipse">
           <a:avLst/>
@@ -6685,15 +7037,15 @@
         </a:fontRef>
       </dsp:style>
     </dsp:sp>
-    <dsp:sp modelId="{461CDDB3-06DC-844C-9436-0607B3F3962E}">
+    <dsp:sp modelId="{78B6F305-C13A-49CC-801E-4DBF74D5C8EC}">
       <dsp:nvSpPr>
         <dsp:cNvPr id="0" name=""/>
         <dsp:cNvSpPr/>
       </dsp:nvSpPr>
       <dsp:spPr>
         <a:xfrm>
-          <a:off x="4485522" y="1719690"/>
-          <a:ext cx="1338834" cy="648219"/>
+          <a:off x="7027024" y="11455"/>
+          <a:ext cx="1431169" cy="1274173"/>
         </a:xfrm>
         <a:prstGeom prst="rect">
           <a:avLst/>
@@ -6717,12 +7069,12 @@
         <a:fontRef idx="minor"/>
       </dsp:style>
       <dsp:txBody>
-        <a:bodyPr spcFirstLastPara="0" vert="horz" wrap="square" lIns="239852" tIns="0" rIns="0" bIns="0" numCol="1" spcCol="1270" anchor="t" anchorCtr="0">
+        <a:bodyPr spcFirstLastPara="0" vert="horz" wrap="square" lIns="289658" tIns="0" rIns="0" bIns="0" numCol="1" spcCol="1270" anchor="t" anchorCtr="0">
           <a:noAutofit/>
         </a:bodyPr>
         <a:lstStyle/>
         <a:p>
-          <a:pPr marL="0" lvl="0" indent="0" algn="l" defTabSz="444500">
+          <a:pPr marL="0" lvl="0" indent="0" algn="l" defTabSz="533400">
             <a:lnSpc>
               <a:spcPct val="90000"/>
             </a:lnSpc>
@@ -6735,7 +7087,7 @@
             <a:buNone/>
           </a:pPr>
           <a:r>
-            <a:rPr lang="en-US" sz="1000" kern="1200" dirty="0">
+            <a:rPr lang="en-US" sz="1200" kern="1200" dirty="0">
               <a:solidFill>
                 <a:schemeClr val="bg2"/>
               </a:solidFill>
@@ -6744,7 +7096,7 @@
           </a:r>
         </a:p>
         <a:p>
-          <a:pPr marL="0" lvl="0" indent="0" algn="l" defTabSz="444500">
+          <a:pPr marL="0" lvl="0" indent="0" algn="l" defTabSz="533400">
             <a:lnSpc>
               <a:spcPct val="90000"/>
             </a:lnSpc>
@@ -6757,22 +7109,62 @@
             <a:buNone/>
           </a:pPr>
           <a:r>
-            <a:rPr lang="en-US" sz="1000" kern="1200" dirty="0">
+            <a:rPr lang="en-US" sz="1200" kern="1200" dirty="0">
               <a:solidFill>
                 <a:schemeClr val="bg2"/>
               </a:solidFill>
             </a:rPr>
-            <a:t>Reassess</a:t>
+            <a:t>Reassessment </a:t>
           </a:r>
+        </a:p>
+        <a:p>
+          <a:pPr marL="57150" lvl="1" indent="-57150" algn="l" defTabSz="400050">
+            <a:lnSpc>
+              <a:spcPct val="90000"/>
+            </a:lnSpc>
+            <a:spcBef>
+              <a:spcPct val="0"/>
+            </a:spcBef>
+            <a:spcAft>
+              <a:spcPct val="15000"/>
+            </a:spcAft>
+            <a:buChar char="•"/>
+          </a:pPr>
           <a:r>
-            <a:rPr lang="en-US" sz="1000" kern="1200" dirty="0"/>
-            <a:t> </a:t>
+            <a:rPr lang="en-US" sz="900" kern="1200" dirty="0">
+              <a:solidFill>
+                <a:schemeClr val="bg2"/>
+              </a:solidFill>
+            </a:rPr>
+            <a:t>Renovate </a:t>
+          </a:r>
+        </a:p>
+        <a:p>
+          <a:pPr marL="57150" lvl="1" indent="-57150" algn="l" defTabSz="400050">
+            <a:lnSpc>
+              <a:spcPct val="90000"/>
+            </a:lnSpc>
+            <a:spcBef>
+              <a:spcPct val="0"/>
+            </a:spcBef>
+            <a:spcAft>
+              <a:spcPct val="15000"/>
+            </a:spcAft>
+            <a:buChar char="•"/>
+          </a:pPr>
+          <a:r>
+            <a:rPr lang="en-US" sz="900" kern="1200" dirty="0">
+              <a:solidFill>
+                <a:schemeClr val="bg2"/>
+              </a:solidFill>
+            </a:rPr>
+            <a:t>Salvage Outdated Assets </a:t>
           </a:r>
         </a:p>
       </dsp:txBody>
       <dsp:txXfrm>
-        <a:off x="4485522" y="1719690"/>
-        <a:ext cx="1338834" cy="648219"/>
+        <a:off x="7027024" y="11455"/>
+        <a:ext cx="1431169" cy="1274173"/>
       </dsp:txXfrm>
     </dsp:sp>
   </dsp:spTree>
@@ -10791,7 +11183,7 @@
           <a:p>
             <a:fld id="{061C5132-FFA3-4B02-9F09-22FCF40EFA74}" type="datetimeFigureOut">
               <a:rPr lang="en-US" smtClean="0"/>
-              <a:t>3/12/2021</a:t>
+              <a:t>3/13/2021</a:t>
             </a:fld>
             <a:endParaRPr lang="en-US"/>
           </a:p>
@@ -10956,7 +11348,7 @@
           <a:p>
             <a:fld id="{0B6E42C9-243F-4DC5-AFF6-9D56B5FA9D63}" type="datetimeFigureOut">
               <a:rPr lang="en-US" smtClean="0"/>
-              <a:t>3/12/2021</a:t>
+              <a:t>3/13/2021</a:t>
             </a:fld>
             <a:endParaRPr lang="en-US"/>
           </a:p>
@@ -11704,7 +12096,7 @@
           <a:p>
             <a:fld id="{B0FE2824-C2A0-4931-BB32-60B24BDBB3CC}" type="datetimeFigureOut">
               <a:rPr lang="en-US" smtClean="0"/>
-              <a:t>3/12/2021</a:t>
+              <a:t>3/13/2021</a:t>
             </a:fld>
             <a:endParaRPr lang="en-US"/>
           </a:p>
@@ -11899,7 +12291,7 @@
           <a:p>
             <a:fld id="{B0FE2824-C2A0-4931-BB32-60B24BDBB3CC}" type="datetimeFigureOut">
               <a:rPr lang="en-US" smtClean="0"/>
-              <a:t>3/12/2021</a:t>
+              <a:t>3/13/2021</a:t>
             </a:fld>
             <a:endParaRPr lang="en-US"/>
           </a:p>
@@ -12079,7 +12471,7 @@
           <a:p>
             <a:fld id="{B0FE2824-C2A0-4931-BB32-60B24BDBB3CC}" type="datetimeFigureOut">
               <a:rPr lang="en-US" smtClean="0"/>
-              <a:t>3/12/2021</a:t>
+              <a:t>3/13/2021</a:t>
             </a:fld>
             <a:endParaRPr lang="en-US"/>
           </a:p>
@@ -12599,7 +12991,7 @@
           <a:p>
             <a:fld id="{B0FE2824-C2A0-4931-BB32-60B24BDBB3CC}" type="datetimeFigureOut">
               <a:rPr lang="en-US" smtClean="0"/>
-              <a:t>3/12/2021</a:t>
+              <a:t>3/13/2021</a:t>
             </a:fld>
             <a:endParaRPr lang="en-US"/>
           </a:p>
@@ -13041,7 +13433,7 @@
           <a:p>
             <a:fld id="{B0FE2824-C2A0-4931-BB32-60B24BDBB3CC}" type="datetimeFigureOut">
               <a:rPr lang="en-US" smtClean="0"/>
-              <a:t>3/12/2021</a:t>
+              <a:t>3/13/2021</a:t>
             </a:fld>
             <a:endParaRPr lang="en-US"/>
           </a:p>
@@ -13170,7 +13562,7 @@
           <a:p>
             <a:fld id="{B0FE2824-C2A0-4931-BB32-60B24BDBB3CC}" type="datetimeFigureOut">
               <a:rPr lang="en-US" smtClean="0"/>
-              <a:t>3/12/2021</a:t>
+              <a:t>3/13/2021</a:t>
             </a:fld>
             <a:endParaRPr lang="en-US"/>
           </a:p>
@@ -13277,7 +13669,7 @@
           <a:p>
             <a:fld id="{B0FE2824-C2A0-4931-BB32-60B24BDBB3CC}" type="datetimeFigureOut">
               <a:rPr lang="en-US" smtClean="0"/>
-              <a:t>3/12/2021</a:t>
+              <a:t>3/13/2021</a:t>
             </a:fld>
             <a:endParaRPr lang="en-US"/>
           </a:p>
@@ -13573,7 +13965,7 @@
           <a:p>
             <a:fld id="{B0FE2824-C2A0-4931-BB32-60B24BDBB3CC}" type="datetimeFigureOut">
               <a:rPr lang="en-US" smtClean="0"/>
-              <a:t>3/12/2021</a:t>
+              <a:t>3/13/2021</a:t>
             </a:fld>
             <a:endParaRPr lang="en-US"/>
           </a:p>
@@ -13846,7 +14238,7 @@
           <a:p>
             <a:fld id="{B0FE2824-C2A0-4931-BB32-60B24BDBB3CC}" type="datetimeFigureOut">
               <a:rPr lang="en-US" smtClean="0"/>
-              <a:t>3/12/2021</a:t>
+              <a:t>3/13/2021</a:t>
             </a:fld>
             <a:endParaRPr lang="en-US"/>
           </a:p>
@@ -14140,7 +14532,7 @@
             <a:fld id="{B0FE2824-C2A0-4931-BB32-60B24BDBB3CC}" type="datetimeFigureOut">
               <a:rPr lang="en-US" smtClean="0"/>
               <a:pPr/>
-              <a:t>3/12/2021</a:t>
+              <a:t>3/13/2021</a:t>
             </a:fld>
             <a:endParaRPr lang="en-US"/>
           </a:p>
@@ -16408,115 +16800,7 @@
           <a:p>
             <a:r>
               <a:rPr lang="en-US" dirty="0"/>
-              <a:t>Conversion Timeline </a:t>
-            </a:r>
-          </a:p>
-        </p:txBody>
-      </p:sp>
-      <p:sp>
-        <p:nvSpPr>
-          <p:cNvPr id="5" name="Content Placeholder 3"/>
-          <p:cNvSpPr>
-            <a:spLocks noGrp="1"/>
-          </p:cNvSpPr>
-          <p:nvPr>
-            <p:ph sz="half" idx="1"/>
-          </p:nvPr>
-        </p:nvSpPr>
-        <p:spPr>
-          <a:xfrm>
-            <a:off x="228600" y="1055350"/>
-            <a:ext cx="5867400" cy="5121613"/>
-          </a:xfrm>
-        </p:spPr>
-        <p:txBody>
-          <a:bodyPr>
-            <a:normAutofit/>
-          </a:bodyPr>
-          <a:lstStyle/>
-          <a:p>
-            <a:pPr marL="0" indent="0">
-              <a:buNone/>
-            </a:pPr>
-            <a:r>
-              <a:rPr lang="en-US" dirty="0"/>
-              <a:t>Phase 1: Preparation and Listing </a:t>
-            </a:r>
-          </a:p>
-          <a:p>
-            <a:pPr lvl="1"/>
-            <a:r>
-              <a:rPr lang="en-US" dirty="0"/>
-              <a:t>Identify &amp; Prepare Properties for Conversion </a:t>
-            </a:r>
-          </a:p>
-          <a:p>
-            <a:pPr lvl="1"/>
-            <a:r>
-              <a:rPr lang="en-US" dirty="0"/>
-              <a:t>Begin Listing </a:t>
-            </a:r>
-          </a:p>
-          <a:p>
-            <a:pPr marL="0" indent="0">
-              <a:buNone/>
-            </a:pPr>
-            <a:r>
-              <a:rPr lang="en-US" dirty="0"/>
-              <a:t>Phase 2: Further Analysis  </a:t>
-            </a:r>
-          </a:p>
-          <a:p>
-            <a:pPr lvl="1"/>
-            <a:r>
-              <a:rPr lang="en-US" dirty="0"/>
-              <a:t>Further Model Testing </a:t>
-            </a:r>
-          </a:p>
-          <a:p>
-            <a:pPr lvl="1"/>
-            <a:r>
-              <a:rPr lang="en-US" dirty="0"/>
-              <a:t>Data Gathering, Market Analysis </a:t>
-            </a:r>
-          </a:p>
-          <a:p>
-            <a:pPr marL="0" indent="0">
-              <a:buNone/>
-            </a:pPr>
-            <a:r>
-              <a:rPr lang="en-US" dirty="0"/>
-              <a:t>Phase 3: Marketing Boost </a:t>
-            </a:r>
-          </a:p>
-          <a:p>
-            <a:pPr lvl="1"/>
-            <a:r>
-              <a:rPr lang="en-US" dirty="0"/>
-              <a:t>Increase Rental Participation with Coupons, Discounts, Loyalties, etc.  </a:t>
-            </a:r>
-          </a:p>
-          <a:p>
-            <a:pPr marL="0" indent="0">
-              <a:buNone/>
-            </a:pPr>
-            <a:r>
-              <a:rPr lang="en-US" dirty="0"/>
-              <a:t>Phase 4: Reassessment </a:t>
-            </a:r>
-          </a:p>
-          <a:p>
-            <a:pPr lvl="1"/>
-            <a:r>
-              <a:rPr lang="en-US" dirty="0"/>
-              <a:t>Salvage Outdated Assets</a:t>
-            </a:r>
-          </a:p>
-          <a:p>
-            <a:pPr lvl="1"/>
-            <a:r>
-              <a:rPr lang="en-US" dirty="0"/>
-              <a:t>Reassess Renovation Requirements </a:t>
+              <a:t>Phased Approach</a:t>
             </a:r>
           </a:p>
         </p:txBody>
@@ -16579,14 +16863,14 @@
           <p:nvPr>
             <p:extLst>
               <p:ext uri="{D42A27DB-BD31-4B8C-83A1-F6EECF244321}">
-                <p14:modId xmlns:p14="http://schemas.microsoft.com/office/powerpoint/2010/main" val="1741387266"/>
+                <p14:modId xmlns:p14="http://schemas.microsoft.com/office/powerpoint/2010/main" val="1801531239"/>
               </p:ext>
             </p:extLst>
           </p:nvPr>
         </p:nvGraphicFramePr>
         <p:xfrm>
-          <a:off x="5239278" y="1480704"/>
-          <a:ext cx="6375400" cy="4270904"/>
+          <a:off x="152400" y="1055350"/>
+          <a:ext cx="11462278" cy="4812050"/>
         </p:xfrm>
         <a:graphic>
           <a:graphicData uri="http://schemas.openxmlformats.org/drawingml/2006/diagram">
@@ -16594,6 +16878,45 @@
           </a:graphicData>
         </a:graphic>
       </p:graphicFrame>
+      <p:pic>
+        <p:nvPicPr>
+          <p:cNvPr id="6" name="Graphic 5" descr="Dollar with solid fill">
+            <a:extLst>
+              <a:ext uri="{FF2B5EF4-FFF2-40B4-BE49-F238E27FC236}">
+                <a16:creationId xmlns:a16="http://schemas.microsoft.com/office/drawing/2014/main" id="{93A05BF9-3366-4B91-AF1A-D5A2769E13D4}"/>
+              </a:ext>
+            </a:extLst>
+          </p:cNvPr>
+          <p:cNvPicPr>
+            <a:picLocks noChangeAspect="1"/>
+          </p:cNvPicPr>
+          <p:nvPr/>
+        </p:nvPicPr>
+        <p:blipFill>
+          <a:blip r:embed="rId9">
+            <a:extLst>
+              <a:ext uri="{28A0092B-C50C-407E-A947-70E740481C1C}">
+                <a14:useLocalDpi xmlns:a14="http://schemas.microsoft.com/office/drawing/2010/main" val="0"/>
+              </a:ext>
+              <a:ext uri="{96DAC541-7B7A-43D3-8B79-37D633B846F1}">
+                <asvg:svgBlip xmlns:asvg="http://schemas.microsoft.com/office/drawing/2016/SVG/main" r:embed="rId10"/>
+              </a:ext>
+            </a:extLst>
+          </a:blip>
+          <a:stretch>
+            <a:fillRect/>
+          </a:stretch>
+        </p:blipFill>
+        <p:spPr>
+          <a:xfrm>
+            <a:off x="8763000" y="1905000"/>
+            <a:ext cx="914400" cy="914400"/>
+          </a:xfrm>
+          <a:prstGeom prst="rect">
+            <a:avLst/>
+          </a:prstGeom>
+        </p:spPr>
+      </p:pic>
     </p:spTree>
     <p:extLst>
       <p:ext uri="{BB962C8B-B14F-4D97-AF65-F5344CB8AC3E}">
@@ -16656,14 +16979,74 @@
             <p:ph type="title"/>
           </p:nvPr>
         </p:nvSpPr>
-        <p:spPr/>
+        <p:spPr>
+          <a:xfrm>
+            <a:off x="152400" y="1981200"/>
+            <a:ext cx="3429000" cy="1905000"/>
+          </a:xfrm>
+        </p:spPr>
         <p:txBody>
-          <a:bodyPr/>
+          <a:bodyPr vert="horz" lIns="91440" tIns="45720" rIns="91440" bIns="45720" rtlCol="0" anchor="b">
+            <a:normAutofit/>
+          </a:bodyPr>
           <a:lstStyle/>
           <a:p>
             <a:r>
-              <a:rPr lang="en-US" dirty="0"/>
+              <a:rPr lang="en-US" kern="1200" dirty="0">
+                <a:latin typeface="+mj-lt"/>
+                <a:ea typeface="+mj-ea"/>
+                <a:cs typeface="+mj-cs"/>
+              </a:rPr>
               <a:t>Simplifying Assumptions </a:t>
+            </a:r>
+          </a:p>
+        </p:txBody>
+      </p:sp>
+      <p:sp>
+        <p:nvSpPr>
+          <p:cNvPr id="3" name="TextBox 2">
+            <a:extLst>
+              <a:ext uri="{FF2B5EF4-FFF2-40B4-BE49-F238E27FC236}">
+                <a16:creationId xmlns:a16="http://schemas.microsoft.com/office/drawing/2014/main" id="{496D5DB7-9847-415E-86EA-50BBA35D5DFD}"/>
+              </a:ext>
+            </a:extLst>
+          </p:cNvPr>
+          <p:cNvSpPr txBox="1"/>
+          <p:nvPr/>
+        </p:nvSpPr>
+        <p:spPr>
+          <a:xfrm>
+            <a:off x="152400" y="3868723"/>
+            <a:ext cx="3429000" cy="1828800"/>
+          </a:xfrm>
+          <a:prstGeom prst="rect">
+            <a:avLst/>
+          </a:prstGeom>
+        </p:spPr>
+        <p:txBody>
+          <a:bodyPr vert="horz" lIns="91440" tIns="45720" rIns="91440" bIns="45720" rtlCol="0">
+            <a:normAutofit/>
+          </a:bodyPr>
+          <a:lstStyle/>
+          <a:p>
+            <a:pPr>
+              <a:lnSpc>
+                <a:spcPct val="90000"/>
+              </a:lnSpc>
+              <a:spcBef>
+                <a:spcPts val="1000"/>
+              </a:spcBef>
+              <a:buClr>
+                <a:schemeClr val="accent1"/>
+              </a:buClr>
+            </a:pPr>
+            <a:r>
+              <a:rPr lang="en-US" sz="1600" kern="1200" dirty="0">
+                <a:latin typeface="+mn-lt"/>
+                <a:ea typeface="+mn-ea"/>
+                <a:cs typeface="+mn-cs"/>
+              </a:rPr>
+              <a:t>As Agreed, Several Factors were excluded from analysis</a:t>
             </a:r>
           </a:p>
         </p:txBody>
@@ -16683,30 +17066,36 @@
           <p:nvPr>
             <p:extLst>
               <p:ext uri="{D42A27DB-BD31-4B8C-83A1-F6EECF244321}">
-                <p14:modId xmlns:p14="http://schemas.microsoft.com/office/powerpoint/2010/main" val="559762056"/>
+                <p14:modId xmlns:p14="http://schemas.microsoft.com/office/powerpoint/2010/main" val="2194291286"/>
               </p:ext>
             </p:extLst>
           </p:nvPr>
         </p:nvGraphicFramePr>
         <p:xfrm>
-          <a:off x="838200" y="1905000"/>
-          <a:ext cx="8128000" cy="3962400"/>
+          <a:off x="5715000" y="800100"/>
+          <a:ext cx="6023982" cy="5257800"/>
         </p:xfrm>
         <a:graphic>
           <a:graphicData uri="http://schemas.openxmlformats.org/drawingml/2006/table">
             <a:tbl>
               <a:tblPr firstRow="1" bandRow="1">
+                <a:solidFill>
+                  <a:schemeClr val="tx1">
+                    <a:lumMod val="75000"/>
+                    <a:lumOff val="25000"/>
+                  </a:schemeClr>
+                </a:solidFill>
                 <a:tableStyleId>{2D5ABB26-0587-4C30-8999-92F81FD0307C}</a:tableStyleId>
               </a:tblPr>
               <a:tblGrid>
-                <a:gridCol w="4038600">
+                <a:gridCol w="3050834">
                   <a:extLst>
                     <a:ext uri="{9D8B030D-6E8A-4147-A177-3AD203B41FA5}">
                       <a16:colId xmlns:a16="http://schemas.microsoft.com/office/drawing/2014/main" val="1427561568"/>
                     </a:ext>
                   </a:extLst>
                 </a:gridCol>
-                <a:gridCol w="4089400">
+                <a:gridCol w="2973148">
                   <a:extLst>
                     <a:ext uri="{9D8B030D-6E8A-4147-A177-3AD203B41FA5}">
                       <a16:colId xmlns:a16="http://schemas.microsoft.com/office/drawing/2014/main" val="162623645"/>
@@ -16714,28 +17103,44 @@
                   </a:extLst>
                 </a:gridCol>
               </a:tblGrid>
-              <a:tr h="792480">
+              <a:tr h="1314450">
                 <a:tc>
                   <a:txBody>
                     <a:bodyPr/>
                     <a:lstStyle/>
                     <a:p>
                       <a:r>
-                        <a:rPr lang="en-US" dirty="0"/>
-                        <a:t>1. </a:t>
+                        <a:rPr lang="en-US" sz="2100" b="0" cap="none" spc="0">
+                          <a:solidFill>
+                            <a:schemeClr val="bg1"/>
+                          </a:solidFill>
+                        </a:rPr>
+                        <a:t>1. Weekly / Seasonal Changes in Prices &amp; Rates </a:t>
                       </a:r>
                     </a:p>
                   </a:txBody>
-                  <a:tcPr>
-                    <a:lnR w="12700" cap="flat" cmpd="sng" algn="ctr">
+                  <a:tcPr marL="181786" marR="139835" marT="139835" marB="139835" anchor="ctr">
+                    <a:lnL w="19050" cap="flat" cmpd="sng" algn="ctr">
                       <a:solidFill>
                         <a:schemeClr val="tx1"/>
                       </a:solidFill>
                       <a:prstDash val="solid"/>
-                      <a:round/>
-                      <a:headEnd type="none" w="med" len="med"/>
-                      <a:tailEnd type="none" w="med" len="med"/>
+                    </a:lnL>
+                    <a:lnR w="12700" cmpd="sng">
+                      <a:noFill/>
                     </a:lnR>
+                    <a:lnT w="19050" cap="flat" cmpd="sng" algn="ctr">
+                      <a:solidFill>
+                        <a:schemeClr val="tx1"/>
+                      </a:solidFill>
+                      <a:prstDash val="solid"/>
+                    </a:lnT>
+                    <a:lnB w="38100" cmpd="sng">
+                      <a:noFill/>
+                    </a:lnB>
+                    <a:solidFill>
+                      <a:schemeClr val="tx1"/>
+                    </a:solidFill>
                   </a:tcPr>
                 </a:tc>
                 <a:tc>
@@ -16744,21 +17149,34 @@
                     <a:lstStyle/>
                     <a:p>
                       <a:r>
-                        <a:rPr lang="en-US" dirty="0"/>
+                        <a:rPr lang="en-US" sz="2100" b="0" cap="none" spc="0" dirty="0">
+                          <a:solidFill>
+                            <a:schemeClr val="bg1"/>
+                          </a:solidFill>
+                        </a:rPr>
                         <a:t>Instructions from Project Manager </a:t>
                       </a:r>
                     </a:p>
                   </a:txBody>
-                  <a:tcPr>
-                    <a:lnL w="12700" cap="flat" cmpd="sng" algn="ctr">
+                  <a:tcPr marL="181786" marR="139835" marT="139835" marB="139835" anchor="ctr">
+                    <a:lnL w="12700" cmpd="sng">
+                      <a:noFill/>
+                    </a:lnL>
+                    <a:lnR w="12700" cmpd="sng">
+                      <a:noFill/>
+                    </a:lnR>
+                    <a:lnT w="19050" cap="flat" cmpd="sng" algn="ctr">
                       <a:solidFill>
                         <a:schemeClr val="tx1"/>
                       </a:solidFill>
                       <a:prstDash val="solid"/>
-                      <a:round/>
-                      <a:headEnd type="none" w="med" len="med"/>
-                      <a:tailEnd type="none" w="med" len="med"/>
-                    </a:lnL>
+                    </a:lnT>
+                    <a:lnB w="38100" cmpd="sng">
+                      <a:noFill/>
+                    </a:lnB>
+                    <a:solidFill>
+                      <a:schemeClr val="tx1"/>
+                    </a:solidFill>
                   </a:tcPr>
                 </a:tc>
                 <a:extLst>
@@ -16767,28 +17185,54 @@
                   </a:ext>
                 </a:extLst>
               </a:tr>
-              <a:tr h="792480">
+              <a:tr h="1314450">
                 <a:tc>
                   <a:txBody>
                     <a:bodyPr/>
                     <a:lstStyle/>
                     <a:p>
                       <a:r>
-                        <a:rPr lang="en-US" dirty="0"/>
-                        <a:t>2. </a:t>
+                        <a:rPr lang="en-US" sz="2100" cap="none" spc="0">
+                          <a:solidFill>
+                            <a:schemeClr val="bg1"/>
+                          </a:solidFill>
+                        </a:rPr>
+                        <a:t>2. Promotions, Coupons, &amp; Special Events </a:t>
                       </a:r>
                     </a:p>
                   </a:txBody>
-                  <a:tcPr>
-                    <a:lnR w="12700" cap="flat" cmpd="sng" algn="ctr">
+                  <a:tcPr marL="181786" marR="139835" marT="139835" marB="139835">
+                    <a:lnL w="38100" cap="flat" cmpd="sng" algn="ctr">
+                      <a:noFill/>
+                      <a:prstDash val="solid"/>
+                    </a:lnL>
+                    <a:lnR w="6350" cap="flat" cmpd="sng" algn="ctr">
                       <a:solidFill>
-                        <a:schemeClr val="tx1"/>
+                        <a:schemeClr val="tx1">
+                          <a:lumMod val="50000"/>
+                          <a:lumOff val="50000"/>
+                        </a:schemeClr>
                       </a:solidFill>
                       <a:prstDash val="solid"/>
-                      <a:round/>
-                      <a:headEnd type="none" w="med" len="med"/>
-                      <a:tailEnd type="none" w="med" len="med"/>
                     </a:lnR>
+                    <a:lnT w="38100" cmpd="sng">
+                      <a:noFill/>
+                    </a:lnT>
+                    <a:lnB w="6350" cap="flat" cmpd="sng" algn="ctr">
+                      <a:solidFill>
+                        <a:schemeClr val="tx1">
+                          <a:lumMod val="50000"/>
+                          <a:lumOff val="50000"/>
+                        </a:schemeClr>
+                      </a:solidFill>
+                      <a:prstDash val="solid"/>
+                    </a:lnB>
+                    <a:solidFill>
+                      <a:schemeClr val="tx1">
+                        <a:lumMod val="75000"/>
+                        <a:lumOff val="25000"/>
+                      </a:schemeClr>
+                    </a:solidFill>
                   </a:tcPr>
                 </a:tc>
                 <a:tc>
@@ -16797,21 +17241,47 @@
                     <a:lstStyle/>
                     <a:p>
                       <a:r>
-                        <a:rPr lang="en-US" dirty="0"/>
-                        <a:t>Necessary with Available Data </a:t>
+                        <a:rPr lang="en-US" sz="2100" cap="none" spc="0" dirty="0">
+                          <a:solidFill>
+                            <a:schemeClr val="bg1"/>
+                          </a:solidFill>
+                        </a:rPr>
+                        <a:t>Instructions from Property Manager </a:t>
                       </a:r>
                     </a:p>
                   </a:txBody>
-                  <a:tcPr>
-                    <a:lnL w="12700" cap="flat" cmpd="sng" algn="ctr">
+                  <a:tcPr marL="181786" marR="139835" marT="139835" marB="139835">
+                    <a:lnL w="6350" cap="flat" cmpd="sng" algn="ctr">
                       <a:solidFill>
-                        <a:schemeClr val="tx1"/>
+                        <a:schemeClr val="tx1">
+                          <a:lumMod val="50000"/>
+                          <a:lumOff val="50000"/>
+                        </a:schemeClr>
                       </a:solidFill>
                       <a:prstDash val="solid"/>
-                      <a:round/>
-                      <a:headEnd type="none" w="med" len="med"/>
-                      <a:tailEnd type="none" w="med" len="med"/>
                     </a:lnL>
+                    <a:lnR w="38100" cap="flat" cmpd="sng" algn="ctr">
+                      <a:noFill/>
+                      <a:prstDash val="solid"/>
+                    </a:lnR>
+                    <a:lnT w="38100" cmpd="sng">
+                      <a:noFill/>
+                    </a:lnT>
+                    <a:lnB w="6350" cap="flat" cmpd="sng" algn="ctr">
+                      <a:solidFill>
+                        <a:schemeClr val="tx1">
+                          <a:lumMod val="50000"/>
+                          <a:lumOff val="50000"/>
+                        </a:schemeClr>
+                      </a:solidFill>
+                      <a:prstDash val="solid"/>
+                    </a:lnB>
+                    <a:solidFill>
+                      <a:schemeClr val="tx1">
+                        <a:lumMod val="75000"/>
+                        <a:lumOff val="25000"/>
+                      </a:schemeClr>
+                    </a:solidFill>
                   </a:tcPr>
                 </a:tc>
                 <a:extLst>
@@ -16820,28 +17290,60 @@
                   </a:ext>
                 </a:extLst>
               </a:tr>
-              <a:tr h="792480">
+              <a:tr h="1314450">
                 <a:tc>
                   <a:txBody>
                     <a:bodyPr/>
                     <a:lstStyle/>
                     <a:p>
                       <a:r>
-                        <a:rPr lang="en-US" dirty="0"/>
-                        <a:t>3. </a:t>
+                        <a:rPr lang="en-US" sz="2100" cap="none" spc="0">
+                          <a:solidFill>
+                            <a:schemeClr val="bg1"/>
+                          </a:solidFill>
+                        </a:rPr>
+                        <a:t>3. Loss in Rental Income During Conversion </a:t>
                       </a:r>
                     </a:p>
                   </a:txBody>
-                  <a:tcPr>
-                    <a:lnR w="12700" cap="flat" cmpd="sng" algn="ctr">
+                  <a:tcPr marL="181786" marR="139835" marT="139835" marB="139835">
+                    <a:lnL w="6350" cap="flat" cmpd="sng" algn="ctr">
                       <a:solidFill>
-                        <a:schemeClr val="tx1"/>
+                        <a:schemeClr val="tx1">
+                          <a:lumMod val="50000"/>
+                          <a:lumOff val="50000"/>
+                        </a:schemeClr>
                       </a:solidFill>
                       <a:prstDash val="solid"/>
-                      <a:round/>
-                      <a:headEnd type="none" w="med" len="med"/>
-                      <a:tailEnd type="none" w="med" len="med"/>
+                    </a:lnL>
+                    <a:lnR w="6350" cap="flat" cmpd="sng" algn="ctr">
+                      <a:solidFill>
+                        <a:schemeClr val="tx1">
+                          <a:lumMod val="50000"/>
+                          <a:lumOff val="50000"/>
+                        </a:schemeClr>
+                      </a:solidFill>
+                      <a:prstDash val="solid"/>
                     </a:lnR>
+                    <a:lnT w="6350" cap="flat" cmpd="sng" algn="ctr">
+                      <a:solidFill>
+                        <a:schemeClr val="tx1">
+                          <a:lumMod val="50000"/>
+                          <a:lumOff val="50000"/>
+                        </a:schemeClr>
+                      </a:solidFill>
+                      <a:prstDash val="solid"/>
+                    </a:lnT>
+                    <a:lnB w="12700" cmpd="sng">
+                      <a:noFill/>
+                      <a:prstDash val="solid"/>
+                    </a:lnB>
+                    <a:solidFill>
+                      <a:schemeClr val="tx1">
+                        <a:lumMod val="85000"/>
+                        <a:lumOff val="15000"/>
+                      </a:schemeClr>
+                    </a:solidFill>
                   </a:tcPr>
                 </a:tc>
                 <a:tc>
@@ -16850,21 +17352,48 @@
                     <a:lstStyle/>
                     <a:p>
                       <a:r>
-                        <a:rPr lang="en-US" dirty="0"/>
-                        <a:t>Instructions From Client </a:t>
+                        <a:rPr lang="en-US" sz="2100" cap="none" spc="0">
+                          <a:solidFill>
+                            <a:schemeClr val="bg1"/>
+                          </a:solidFill>
+                        </a:rPr>
+                        <a:t>Instructions from Project Manager </a:t>
                       </a:r>
                     </a:p>
                   </a:txBody>
-                  <a:tcPr>
-                    <a:lnL w="12700" cap="flat" cmpd="sng" algn="ctr">
+                  <a:tcPr marL="181786" marR="139835" marT="139835" marB="139835">
+                    <a:lnL w="6350" cap="flat" cmpd="sng" algn="ctr">
                       <a:solidFill>
-                        <a:schemeClr val="tx1"/>
+                        <a:schemeClr val="tx1">
+                          <a:lumMod val="50000"/>
+                          <a:lumOff val="50000"/>
+                        </a:schemeClr>
                       </a:solidFill>
                       <a:prstDash val="solid"/>
-                      <a:round/>
-                      <a:headEnd type="none" w="med" len="med"/>
-                      <a:tailEnd type="none" w="med" len="med"/>
                     </a:lnL>
+                    <a:lnR w="12700" cmpd="sng">
+                      <a:noFill/>
+                      <a:prstDash val="solid"/>
+                    </a:lnR>
+                    <a:lnT w="6350" cap="flat" cmpd="sng" algn="ctr">
+                      <a:solidFill>
+                        <a:schemeClr val="tx1">
+                          <a:lumMod val="50000"/>
+                          <a:lumOff val="50000"/>
+                        </a:schemeClr>
+                      </a:solidFill>
+                      <a:prstDash val="solid"/>
+                    </a:lnT>
+                    <a:lnB w="12700" cmpd="sng">
+                      <a:noFill/>
+                      <a:prstDash val="solid"/>
+                    </a:lnB>
+                    <a:solidFill>
+                      <a:schemeClr val="tx1">
+                        <a:lumMod val="85000"/>
+                        <a:lumOff val="15000"/>
+                      </a:schemeClr>
+                    </a:solidFill>
                   </a:tcPr>
                 </a:tc>
                 <a:extLst>
@@ -16873,28 +17402,50 @@
                   </a:ext>
                 </a:extLst>
               </a:tr>
-              <a:tr h="792480">
+              <a:tr h="1314450">
                 <a:tc>
                   <a:txBody>
                     <a:bodyPr/>
                     <a:lstStyle/>
                     <a:p>
                       <a:r>
-                        <a:rPr lang="en-US" dirty="0"/>
-                        <a:t>4. </a:t>
+                        <a:rPr lang="en-US" sz="2100" cap="none" spc="0">
+                          <a:solidFill>
+                            <a:schemeClr val="bg1"/>
+                          </a:solidFill>
+                        </a:rPr>
+                        <a:t>4. Differences in Utility Rates Across Properties </a:t>
                       </a:r>
                     </a:p>
                   </a:txBody>
-                  <a:tcPr>
-                    <a:lnR w="12700" cap="flat" cmpd="sng" algn="ctr">
+                  <a:tcPr marL="181786" marR="139835" marT="139835" marB="139835">
+                    <a:lnL w="38100" cap="flat" cmpd="sng" algn="ctr">
+                      <a:noFill/>
+                      <a:prstDash val="solid"/>
+                    </a:lnL>
+                    <a:lnR w="6350" cap="flat" cmpd="sng" algn="ctr">
                       <a:solidFill>
-                        <a:schemeClr val="tx1"/>
+                        <a:schemeClr val="tx1">
+                          <a:lumMod val="50000"/>
+                          <a:lumOff val="50000"/>
+                        </a:schemeClr>
                       </a:solidFill>
                       <a:prstDash val="solid"/>
-                      <a:round/>
-                      <a:headEnd type="none" w="med" len="med"/>
-                      <a:tailEnd type="none" w="med" len="med"/>
                     </a:lnR>
+                    <a:lnT w="12700" cmpd="sng">
+                      <a:noFill/>
+                      <a:prstDash val="solid"/>
+                    </a:lnT>
+                    <a:lnB w="38100" cap="flat" cmpd="sng" algn="ctr">
+                      <a:noFill/>
+                      <a:prstDash val="solid"/>
+                    </a:lnB>
+                    <a:solidFill>
+                      <a:schemeClr val="tx1">
+                        <a:lumMod val="75000"/>
+                        <a:lumOff val="25000"/>
+                      </a:schemeClr>
+                    </a:solidFill>
                   </a:tcPr>
                 </a:tc>
                 <a:tc>
@@ -16903,79 +17454,48 @@
                     <a:lstStyle/>
                     <a:p>
                       <a:r>
-                        <a:rPr lang="en-US" dirty="0"/>
-                        <a:t>Instructions From </a:t>
+                        <a:rPr lang="en-US" sz="2100" cap="none" spc="0" dirty="0">
+                          <a:solidFill>
+                            <a:schemeClr val="bg1"/>
+                          </a:solidFill>
+                        </a:rPr>
+                        <a:t>Instructions from Watershed Financial Department </a:t>
                       </a:r>
                     </a:p>
                   </a:txBody>
-                  <a:tcPr>
-                    <a:lnL w="12700" cap="flat" cmpd="sng" algn="ctr">
+                  <a:tcPr marL="181786" marR="139835" marT="139835" marB="139835">
+                    <a:lnL w="6350" cap="flat" cmpd="sng" algn="ctr">
                       <a:solidFill>
-                        <a:schemeClr val="tx1"/>
+                        <a:schemeClr val="tx1">
+                          <a:lumMod val="50000"/>
+                          <a:lumOff val="50000"/>
+                        </a:schemeClr>
                       </a:solidFill>
                       <a:prstDash val="solid"/>
-                      <a:round/>
-                      <a:headEnd type="none" w="med" len="med"/>
-                      <a:tailEnd type="none" w="med" len="med"/>
                     </a:lnL>
+                    <a:lnR w="38100" cap="flat" cmpd="sng" algn="ctr">
+                      <a:noFill/>
+                      <a:prstDash val="solid"/>
+                    </a:lnR>
+                    <a:lnT w="12700" cmpd="sng">
+                      <a:noFill/>
+                      <a:prstDash val="solid"/>
+                    </a:lnT>
+                    <a:lnB w="38100" cap="flat" cmpd="sng" algn="ctr">
+                      <a:noFill/>
+                      <a:prstDash val="solid"/>
+                    </a:lnB>
+                    <a:solidFill>
+                      <a:schemeClr val="tx1">
+                        <a:lumMod val="75000"/>
+                        <a:lumOff val="25000"/>
+                      </a:schemeClr>
+                    </a:solidFill>
                   </a:tcPr>
                 </a:tc>
                 <a:extLst>
                   <a:ext uri="{0D108BD9-81ED-4DB2-BD59-A6C34878D82A}">
                     <a16:rowId xmlns:a16="http://schemas.microsoft.com/office/drawing/2014/main" val="522905185"/>
-                  </a:ext>
-                </a:extLst>
-              </a:tr>
-              <a:tr h="792480">
-                <a:tc>
-                  <a:txBody>
-                    <a:bodyPr/>
-                    <a:lstStyle/>
-                    <a:p>
-                      <a:r>
-                        <a:rPr lang="en-US" dirty="0"/>
-                        <a:t>5. </a:t>
-                      </a:r>
-                    </a:p>
-                  </a:txBody>
-                  <a:tcPr>
-                    <a:lnR w="12700" cap="flat" cmpd="sng" algn="ctr">
-                      <a:solidFill>
-                        <a:schemeClr val="tx1"/>
-                      </a:solidFill>
-                      <a:prstDash val="solid"/>
-                      <a:round/>
-                      <a:headEnd type="none" w="med" len="med"/>
-                      <a:tailEnd type="none" w="med" len="med"/>
-                    </a:lnR>
-                  </a:tcPr>
-                </a:tc>
-                <a:tc>
-                  <a:txBody>
-                    <a:bodyPr/>
-                    <a:lstStyle/>
-                    <a:p>
-                      <a:r>
-                        <a:rPr lang="en-US" dirty="0"/>
-                        <a:t>Lack of Available Data </a:t>
-                      </a:r>
-                    </a:p>
-                  </a:txBody>
-                  <a:tcPr>
-                    <a:lnL w="12700" cap="flat" cmpd="sng" algn="ctr">
-                      <a:solidFill>
-                        <a:schemeClr val="tx1"/>
-                      </a:solidFill>
-                      <a:prstDash val="solid"/>
-                      <a:round/>
-                      <a:headEnd type="none" w="med" len="med"/>
-                      <a:tailEnd type="none" w="med" len="med"/>
-                    </a:lnL>
-                  </a:tcPr>
-                </a:tc>
-                <a:extLst>
-                  <a:ext uri="{0D108BD9-81ED-4DB2-BD59-A6C34878D82A}">
-                    <a16:rowId xmlns:a16="http://schemas.microsoft.com/office/drawing/2014/main" val="1818476519"/>
                   </a:ext>
                 </a:extLst>
               </a:tr>
